--- a/BLOC_1_DATA_GOUVERNANCE/BLOC_1_SPOTIFY-dj.pptx
+++ b/BLOC_1_DATA_GOUVERNANCE/BLOC_1_SPOTIFY-dj.pptx
@@ -5,22 +5,23 @@
     <p:sldMasterId id="2147483659" r:id="rId1"/>
   </p:sldMasterIdLst>
   <p:notesMasterIdLst>
-    <p:notesMasterId r:id="rId15"/>
+    <p:notesMasterId r:id="rId16"/>
   </p:notesMasterIdLst>
   <p:sldIdLst>
     <p:sldId id="256" r:id="rId2"/>
     <p:sldId id="281" r:id="rId3"/>
     <p:sldId id="274" r:id="rId4"/>
     <p:sldId id="288" r:id="rId5"/>
-    <p:sldId id="264" r:id="rId6"/>
-    <p:sldId id="276" r:id="rId7"/>
-    <p:sldId id="277" r:id="rId8"/>
-    <p:sldId id="278" r:id="rId9"/>
-    <p:sldId id="279" r:id="rId10"/>
-    <p:sldId id="261" r:id="rId11"/>
-    <p:sldId id="284" r:id="rId12"/>
-    <p:sldId id="287" r:id="rId13"/>
-    <p:sldId id="262" r:id="rId14"/>
+    <p:sldId id="290" r:id="rId6"/>
+    <p:sldId id="264" r:id="rId7"/>
+    <p:sldId id="276" r:id="rId8"/>
+    <p:sldId id="277" r:id="rId9"/>
+    <p:sldId id="278" r:id="rId10"/>
+    <p:sldId id="279" r:id="rId11"/>
+    <p:sldId id="261" r:id="rId12"/>
+    <p:sldId id="284" r:id="rId13"/>
+    <p:sldId id="287" r:id="rId14"/>
+    <p:sldId id="262" r:id="rId15"/>
   </p:sldIdLst>
   <p:sldSz cx="9144000" cy="5143500" type="screen16x9"/>
   <p:notesSz cx="6858000" cy="9144000"/>
@@ -811,7 +812,13 @@
   <p:cSld>
     <p:spTree>
       <p:nvGrpSpPr>
-        <p:cNvPr id="1" name="Shape 99"/>
+        <p:cNvPr id="1" name="Shape 90">
+          <a:extLst>
+            <a:ext uri="{FF2B5EF4-FFF2-40B4-BE49-F238E27FC236}">
+              <a16:creationId xmlns:a16="http://schemas.microsoft.com/office/drawing/2014/main" id="{D18D8B3B-7B1A-28AD-1F38-28EE64633811}"/>
+            </a:ext>
+          </a:extLst>
+        </p:cNvPr>
         <p:cNvGrpSpPr/>
         <p:nvPr/>
       </p:nvGrpSpPr>
@@ -825,7 +832,13 @@
       </p:grpSpPr>
       <p:sp>
         <p:nvSpPr>
-          <p:cNvPr id="100" name="Google Shape;100;gf4f11f959e_0_37:notes"/>
+          <p:cNvPr id="91" name="Google Shape;91;gf4f11f959e_0_29:notes">
+            <a:extLst>
+              <a:ext uri="{FF2B5EF4-FFF2-40B4-BE49-F238E27FC236}">
+                <a16:creationId xmlns:a16="http://schemas.microsoft.com/office/drawing/2014/main" id="{3F548A22-368D-240C-755D-9A8D825BFC48}"/>
+              </a:ext>
+            </a:extLst>
+          </p:cNvPr>
           <p:cNvSpPr>
             <a:spLocks noGrp="1" noRot="1" noChangeAspect="1"/>
           </p:cNvSpPr>
@@ -876,7 +889,13 @@
       </p:sp>
       <p:sp>
         <p:nvSpPr>
-          <p:cNvPr id="101" name="Google Shape;101;gf4f11f959e_0_37:notes"/>
+          <p:cNvPr id="92" name="Google Shape;92;gf4f11f959e_0_29:notes">
+            <a:extLst>
+              <a:ext uri="{FF2B5EF4-FFF2-40B4-BE49-F238E27FC236}">
+                <a16:creationId xmlns:a16="http://schemas.microsoft.com/office/drawing/2014/main" id="{D3A90892-E0E5-A598-D4FA-B64B1DDD5BE6}"/>
+              </a:ext>
+            </a:extLst>
+          </p:cNvPr>
           <p:cNvSpPr txBox="1">
             <a:spLocks noGrp="1"/>
           </p:cNvSpPr>
@@ -918,15 +937,15 @@
             </a:pPr>
             <a:r>
               <a:rPr lang="fr-FR" dirty="0"/>
-              <a:t>L’organisation cible clarifie les rôles entre le CDO, les Data Domain </a:t>
+              <a:t>Le modèle cible repose sur l’évolution du modèle </a:t>
             </a:r>
             <a:r>
               <a:rPr lang="fr-FR" dirty="0" err="1"/>
-              <a:t>Owners</a:t>
+              <a:t>embedded</a:t>
             </a:r>
             <a:r>
               <a:rPr lang="fr-FR" dirty="0"/>
-              <a:t> et les équipes régionales. </a:t>
+              <a:t> actuel vers un Data Center of Excellence. </a:t>
             </a:r>
           </a:p>
           <a:p>
@@ -943,7 +962,18 @@
               <a:buSzPts val="1100"/>
               <a:buNone/>
             </a:pPr>
-            <a:endParaRPr lang="fr-FR" dirty="0"/>
+            <a:r>
+              <a:rPr lang="fr-FR" dirty="0"/>
+              <a:t>Ce </a:t>
+            </a:r>
+            <a:r>
+              <a:rPr lang="fr-FR" dirty="0" err="1"/>
+              <a:t>CoE</a:t>
+            </a:r>
+            <a:r>
+              <a:rPr lang="fr-FR" dirty="0"/>
+              <a:t> définit </a:t>
+            </a:r>
           </a:p>
           <a:p>
             <a:pPr marL="0" lvl="0" indent="0" algn="l" rtl="0">
@@ -961,13 +991,75 @@
             </a:pPr>
             <a:r>
               <a:rPr lang="fr-FR" dirty="0"/>
-              <a:t>Cette répartition permet d’assurer une gouvernance transverse tout en conservant la proximité métier nécessaire à l’agilité et à l’efficacité opérationnelle.</a:t>
+              <a:t>les règles communes, les standards et un socle d’outil communs: </a:t>
+            </a:r>
+          </a:p>
+          <a:p>
+            <a:pPr marL="0" lvl="0" indent="0" algn="l" rtl="0">
+              <a:lnSpc>
+                <a:spcPct val="100000"/>
+              </a:lnSpc>
+              <a:spcBef>
+                <a:spcPts val="0"/>
+              </a:spcBef>
+              <a:spcAft>
+                <a:spcPts val="0"/>
+              </a:spcAft>
+              <a:buSzPts val="1100"/>
+              <a:buNone/>
+            </a:pPr>
+            <a:r>
+              <a:rPr lang="fr-FR" dirty="0"/>
+              <a:t>catalogage/qualité et contrôle / gestion des accès, pour garantir des pratiques homogènes.,</a:t>
+            </a:r>
+          </a:p>
+          <a:p>
+            <a:pPr marL="0" lvl="0" indent="0" algn="l" rtl="0">
+              <a:lnSpc>
+                <a:spcPct val="100000"/>
+              </a:lnSpc>
+              <a:spcBef>
+                <a:spcPts val="0"/>
+              </a:spcBef>
+              <a:spcAft>
+                <a:spcPts val="0"/>
+              </a:spcAft>
+              <a:buSzPts val="1100"/>
+              <a:buNone/>
+            </a:pPr>
+            <a:r>
+              <a:rPr lang="fr-FR" dirty="0"/>
+              <a:t> tout en testant le dispositif sur des périmètres clés </a:t>
+            </a:r>
+          </a:p>
+          <a:p>
+            <a:pPr marL="0" lvl="0" indent="0" algn="l" rtl="0">
+              <a:lnSpc>
+                <a:spcPct val="100000"/>
+              </a:lnSpc>
+              <a:spcBef>
+                <a:spcPts val="0"/>
+              </a:spcBef>
+              <a:spcAft>
+                <a:spcPts val="0"/>
+              </a:spcAft>
+              <a:buSzPts val="1100"/>
+              <a:buNone/>
+            </a:pPr>
+            <a:r>
+              <a:rPr lang="fr-FR" dirty="0"/>
+              <a:t>avant généralisation, afin de sécuriser l’adoption.</a:t>
             </a:r>
             <a:endParaRPr dirty="0"/>
           </a:p>
         </p:txBody>
       </p:sp>
     </p:spTree>
+    <p:extLst>
+      <p:ext uri="{BB962C8B-B14F-4D97-AF65-F5344CB8AC3E}">
+        <p14:creationId xmlns:p14="http://schemas.microsoft.com/office/powerpoint/2010/main" val="199171408"/>
+      </p:ext>
+    </p:extLst>
   </p:cSld>
   <p:clrMapOvr>
     <a:masterClrMapping/>
@@ -1087,23 +1179,15 @@
             </a:pPr>
             <a:r>
               <a:rPr lang="fr-FR" dirty="0"/>
-              <a:t>La première priorité lors du déploiement d’un Centre d’Excellence data est de clarifier les rôles et les responsabilités, afin d’éviter toute ambiguïté organisationnelle. Ensuite, il est essentiel d’obtenir l’adhésion des équipes métiers et locales, car le </a:t>
+              <a:t>L’organisation cible clarifie les rôles entre le CDO, les Data Domain </a:t>
             </a:r>
             <a:r>
               <a:rPr lang="fr-FR" dirty="0" err="1"/>
-              <a:t>CoE</a:t>
+              <a:t>Owners</a:t>
             </a:r>
             <a:r>
               <a:rPr lang="fr-FR" dirty="0"/>
-              <a:t> ne peut fonctionner sans leur engagement. Une fois ce cadre posé, l’enjeu est de définir un niveau de standardisation suffisant pour harmoniser les pratiques, tout en préservant l’agilité des équipes produit. Il faut également veiller à ne pas tomber dans une centralisation excessive, en maintenant l’exécution au plus près des besoins opérationnels. La démonstration rapide de la valeur business est ensuite déterminante pour légitimer le </a:t>
-            </a:r>
-            <a:r>
-              <a:rPr lang="fr-FR" dirty="0" err="1"/>
-              <a:t>CoE</a:t>
-            </a:r>
-            <a:r>
-              <a:rPr lang="fr-FR" dirty="0"/>
-              <a:t>. Enfin, le modèle doit intégrer les contraintes réglementaires et régionales, et être piloté dans la durée à l’aide d’indicateurs clairs et partagés.</a:t>
+              <a:t> et les équipes régionales. </a:t>
             </a:r>
           </a:p>
           <a:p>
@@ -1137,62 +1221,14 @@
               <a:buNone/>
             </a:pPr>
             <a:r>
-              <a:rPr lang="fr-FR" b="1" dirty="0"/>
-              <a:t>Ou selon le tps dispo</a:t>
-            </a:r>
-          </a:p>
-          <a:p>
-            <a:pPr marL="0" lvl="0" indent="0" algn="l" rtl="0">
-              <a:lnSpc>
-                <a:spcPct val="100000"/>
-              </a:lnSpc>
-              <a:spcBef>
-                <a:spcPts val="0"/>
-              </a:spcBef>
-              <a:spcAft>
-                <a:spcPts val="0"/>
-              </a:spcAft>
-              <a:buSzPts val="1100"/>
-              <a:buNone/>
-            </a:pPr>
-            <a:endParaRPr lang="fr-FR" dirty="0"/>
-          </a:p>
-          <a:p>
-            <a:pPr marL="0" lvl="0" indent="0" algn="l" rtl="0">
-              <a:lnSpc>
-                <a:spcPct val="100000"/>
-              </a:lnSpc>
-              <a:spcBef>
-                <a:spcPts val="0"/>
-              </a:spcBef>
-              <a:spcAft>
-                <a:spcPts val="0"/>
-              </a:spcAft>
-              <a:buSzPts val="1100"/>
-              <a:buNone/>
-            </a:pPr>
-            <a:r>
               <a:rPr lang="fr-FR" dirty="0"/>
-              <a:t>Le déploiement du modèle soulève plusieurs enjeux clés : clarifier les responsabilités dès le lancement, assurer l’adhésion des équipes locales, standardiser sans freiner l’innovation, éviter une centralisation excessive du </a:t>
-            </a:r>
-            <a:r>
-              <a:rPr lang="fr-FR" dirty="0" err="1"/>
-              <a:t>CoE</a:t>
-            </a:r>
-            <a:r>
-              <a:rPr lang="fr-FR" dirty="0"/>
-              <a:t> et démontrer rapidement la valeur business du dispositif.</a:t>
+              <a:t>Cette répartition permet d’assurer une gouvernance transverse tout en conservant la proximité métier nécessaire à l’agilité et à l’efficacité opérationnelle.</a:t>
             </a:r>
             <a:endParaRPr dirty="0"/>
           </a:p>
         </p:txBody>
       </p:sp>
     </p:spTree>
-    <p:extLst>
-      <p:ext uri="{BB962C8B-B14F-4D97-AF65-F5344CB8AC3E}">
-        <p14:creationId xmlns:p14="http://schemas.microsoft.com/office/powerpoint/2010/main" val="2413066496"/>
-      </p:ext>
-    </p:extLst>
   </p:cSld>
   <p:clrMapOvr>
     <a:masterClrMapping/>
@@ -1312,7 +1348,23 @@
             </a:pPr>
             <a:r>
               <a:rPr lang="fr-FR" dirty="0"/>
-              <a:t>Le déploiement du Data Center of Excellence s’appuie sur une approche progressive en trois phases afin de sécuriser l’adoption et démontrer rapidement la valeur business. </a:t>
+              <a:t>La première priorité lors du déploiement d’un Centre d’Excellence data est de clarifier les rôles et les responsabilités, afin d’éviter toute ambiguïté organisationnelle. Ensuite, il est essentiel d’obtenir l’adhésion des équipes métiers et locales, car le </a:t>
+            </a:r>
+            <a:r>
+              <a:rPr lang="fr-FR" dirty="0" err="1"/>
+              <a:t>CoE</a:t>
+            </a:r>
+            <a:r>
+              <a:rPr lang="fr-FR" dirty="0"/>
+              <a:t> ne peut fonctionner sans leur engagement. Une fois ce cadre posé, l’enjeu est de définir un niveau de standardisation suffisant pour harmoniser les pratiques, tout en préservant l’agilité des équipes produit. Il faut également veiller à ne pas tomber dans une centralisation excessive, en maintenant l’exécution au plus près des besoins opérationnels. La démonstration rapide de la valeur business est ensuite déterminante pour légitimer le </a:t>
+            </a:r>
+            <a:r>
+              <a:rPr lang="fr-FR" dirty="0" err="1"/>
+              <a:t>CoE</a:t>
+            </a:r>
+            <a:r>
+              <a:rPr lang="fr-FR" dirty="0"/>
+              <a:t>. Enfin, le modèle doit intégrer les contraintes réglementaires et régionales, et être piloté dans la durée à l’aide d’indicateurs clairs et partagés.</a:t>
             </a:r>
           </a:p>
           <a:p>
@@ -1346,16 +1398,8 @@
               <a:buNone/>
             </a:pPr>
             <a:r>
-              <a:rPr lang="fr-FR" dirty="0"/>
-              <a:t>La première phase, entre 0 et 3 mois, vise à poser les fondations : comprendre l’existant, cartographier les données, auditer les KPI et définir clairement le rôle du </a:t>
-            </a:r>
-            <a:r>
-              <a:rPr lang="fr-FR" dirty="0" err="1"/>
-              <a:t>CoE</a:t>
-            </a:r>
-            <a:r>
-              <a:rPr lang="fr-FR" dirty="0"/>
-              <a:t>, afin de construire une vision partagée et un cadre commun. </a:t>
+              <a:rPr lang="fr-FR" b="1" dirty="0"/>
+              <a:t>Ou selon le tps dispo</a:t>
             </a:r>
           </a:p>
           <a:p>
@@ -1390,7 +1434,7 @@
             </a:pPr>
             <a:r>
               <a:rPr lang="fr-FR" dirty="0"/>
-              <a:t>La seconde phase, de 4 à 8 mois, correspond au lancement opérationnel avec un </a:t>
+              <a:t>Le déploiement du modèle soulève plusieurs enjeux clés : clarifier les responsabilités dès le lancement, assurer l’adhésion des équipes locales, standardiser sans freiner l’innovation, éviter une centralisation excessive du </a:t>
             </a:r>
             <a:r>
               <a:rPr lang="fr-FR" dirty="0" err="1"/>
@@ -1398,9 +1442,121 @@
             </a:r>
             <a:r>
               <a:rPr lang="fr-FR" dirty="0"/>
-              <a:t> volontairement léger, avec </a:t>
-            </a:r>
-          </a:p>
+              <a:t> et démontrer rapidement la valeur business du dispositif.</a:t>
+            </a:r>
+            <a:endParaRPr dirty="0"/>
+          </a:p>
+        </p:txBody>
+      </p:sp>
+    </p:spTree>
+    <p:extLst>
+      <p:ext uri="{BB962C8B-B14F-4D97-AF65-F5344CB8AC3E}">
+        <p14:creationId xmlns:p14="http://schemas.microsoft.com/office/powerpoint/2010/main" val="2413066496"/>
+      </p:ext>
+    </p:extLst>
+  </p:cSld>
+  <p:clrMapOvr>
+    <a:masterClrMapping/>
+  </p:clrMapOvr>
+</p:notes>
+</file>
+
+<file path=ppt/notesSlides/notesSlide13.xml><?xml version="1.0" encoding="utf-8"?>
+<p:notes xmlns:a="http://schemas.openxmlformats.org/drawingml/2006/main" xmlns:r="http://schemas.openxmlformats.org/officeDocument/2006/relationships" xmlns:p="http://schemas.openxmlformats.org/presentationml/2006/main" showMasterSp="0" showMasterPhAnim="0">
+  <p:cSld>
+    <p:spTree>
+      <p:nvGrpSpPr>
+        <p:cNvPr id="1" name="Shape 99"/>
+        <p:cNvGrpSpPr/>
+        <p:nvPr/>
+      </p:nvGrpSpPr>
+      <p:grpSpPr>
+        <a:xfrm>
+          <a:off x="0" y="0"/>
+          <a:ext cx="0" cy="0"/>
+          <a:chOff x="0" y="0"/>
+          <a:chExt cx="0" cy="0"/>
+        </a:xfrm>
+      </p:grpSpPr>
+      <p:sp>
+        <p:nvSpPr>
+          <p:cNvPr id="100" name="Google Shape;100;gf4f11f959e_0_37:notes"/>
+          <p:cNvSpPr>
+            <a:spLocks noGrp="1" noRot="1" noChangeAspect="1"/>
+          </p:cNvSpPr>
+          <p:nvPr>
+            <p:ph type="sldImg" idx="2"/>
+          </p:nvPr>
+        </p:nvSpPr>
+        <p:spPr>
+          <a:xfrm>
+            <a:off x="381000" y="685800"/>
+            <a:ext cx="6096000" cy="3429000"/>
+          </a:xfrm>
+          <a:custGeom>
+            <a:avLst/>
+            <a:gdLst/>
+            <a:ahLst/>
+            <a:cxnLst/>
+            <a:rect l="l" t="t" r="r" b="b"/>
+            <a:pathLst>
+              <a:path w="120000" h="120000" extrusionOk="0">
+                <a:moveTo>
+                  <a:pt x="0" y="0"/>
+                </a:moveTo>
+                <a:lnTo>
+                  <a:pt x="120000" y="0"/>
+                </a:lnTo>
+                <a:lnTo>
+                  <a:pt x="120000" y="120000"/>
+                </a:lnTo>
+                <a:lnTo>
+                  <a:pt x="0" y="120000"/>
+                </a:lnTo>
+                <a:close/>
+              </a:path>
+            </a:pathLst>
+          </a:custGeom>
+          <a:noFill/>
+          <a:ln w="9525" cap="flat" cmpd="sng">
+            <a:solidFill>
+              <a:srgbClr val="000000"/>
+            </a:solidFill>
+            <a:prstDash val="solid"/>
+            <a:round/>
+            <a:headEnd type="none" w="sm" len="sm"/>
+            <a:tailEnd type="none" w="sm" len="sm"/>
+          </a:ln>
+        </p:spPr>
+      </p:sp>
+      <p:sp>
+        <p:nvSpPr>
+          <p:cNvPr id="101" name="Google Shape;101;gf4f11f959e_0_37:notes"/>
+          <p:cNvSpPr txBox="1">
+            <a:spLocks noGrp="1"/>
+          </p:cNvSpPr>
+          <p:nvPr>
+            <p:ph type="body" idx="1"/>
+          </p:nvPr>
+        </p:nvSpPr>
+        <p:spPr>
+          <a:xfrm>
+            <a:off x="685800" y="4343400"/>
+            <a:ext cx="5486400" cy="4114800"/>
+          </a:xfrm>
+          <a:prstGeom prst="rect">
+            <a:avLst/>
+          </a:prstGeom>
+          <a:noFill/>
+          <a:ln>
+            <a:noFill/>
+          </a:ln>
+        </p:spPr>
+        <p:txBody>
+          <a:bodyPr spcFirstLastPara="1" wrap="square" lIns="91425" tIns="91425" rIns="91425" bIns="91425" anchor="t" anchorCtr="0">
+            <a:noAutofit/>
+          </a:bodyPr>
+          <a:lstStyle/>
           <a:p>
             <a:pPr marL="0" lvl="0" indent="0" algn="l" rtl="0">
               <a:lnSpc>
@@ -1417,7 +1573,7 @@
             </a:pPr>
             <a:r>
               <a:rPr lang="fr-FR" dirty="0"/>
-              <a:t>la mise en place d’outils communs de gouvernance </a:t>
+              <a:t>Le déploiement du Data Center of Excellence s’appuie sur une approche progressive en trois phases afin de sécuriser l’adoption et démontrer rapidement la valeur business. </a:t>
             </a:r>
           </a:p>
           <a:p>
@@ -1434,10 +1590,7 @@
               <a:buSzPts val="1100"/>
               <a:buNone/>
             </a:pPr>
-            <a:r>
-              <a:rPr lang="fr-FR" dirty="0"/>
-              <a:t>et des pilotes sur deux à trois domaines clés, </a:t>
-            </a:r>
+            <a:endParaRPr lang="fr-FR" dirty="0"/>
           </a:p>
           <a:p>
             <a:pPr marL="0" lvl="0" indent="0" algn="l" rtl="0">
@@ -1455,7 +1608,15 @@
             </a:pPr>
             <a:r>
               <a:rPr lang="fr-FR" dirty="0"/>
-              <a:t>Qui permettent d’apporter une preuve de valeur concrète.</a:t>
+              <a:t>La première phase, entre 0 et 3 mois, vise à poser les fondations : comprendre l’existant, cartographier les données, auditer les KPI et définir clairement le rôle du </a:t>
+            </a:r>
+            <a:r>
+              <a:rPr lang="fr-FR" dirty="0" err="1"/>
+              <a:t>CoE</a:t>
+            </a:r>
+            <a:r>
+              <a:rPr lang="fr-FR" dirty="0"/>
+              <a:t>, afin de construire une vision partagée et un cadre commun. </a:t>
             </a:r>
           </a:p>
           <a:p>
@@ -1490,7 +1651,15 @@
             </a:pPr>
             <a:r>
               <a:rPr lang="fr-FR" dirty="0"/>
-              <a:t> Enfin, à partir du neuvième mois, la phase de déploiement et de pérennisation permet d’étendre le modèle à l’ensemble des domaines, d’harmoniser les KPI et d’installer une logique d’audit et d’amélioration continue, avec pour objectif final une maturité data à l’échelle de Spotify.</a:t>
+              <a:t>La seconde phase, de 4 à 8 mois, correspond au lancement opérationnel avec un </a:t>
+            </a:r>
+            <a:r>
+              <a:rPr lang="fr-FR" dirty="0" err="1"/>
+              <a:t>CoE</a:t>
+            </a:r>
+            <a:r>
+              <a:rPr lang="fr-FR" dirty="0"/>
+              <a:t> volontairement léger, avec </a:t>
             </a:r>
           </a:p>
           <a:p>
@@ -1507,7 +1676,10 @@
               <a:buSzPts val="1100"/>
               <a:buNone/>
             </a:pPr>
-            <a:endParaRPr lang="fr-FR" dirty="0"/>
+            <a:r>
+              <a:rPr lang="fr-FR" dirty="0"/>
+              <a:t>la mise en place d’outils communs de gouvernance </a:t>
+            </a:r>
           </a:p>
           <a:p>
             <a:pPr marL="0" lvl="0" indent="0" algn="l" rtl="0">
@@ -1525,7 +1697,7 @@
             </a:pPr>
             <a:r>
               <a:rPr lang="fr-FR" dirty="0"/>
-              <a:t>Pour conclure, ce projet de gouvernance data vise avant tout à transformer la richesse data de Spotify en un levier de performance durable.</a:t>
+              <a:t>et des pilotes sur deux à trois domaines clés, </a:t>
             </a:r>
           </a:p>
           <a:p>
@@ -1544,7 +1716,7 @@
             </a:pPr>
             <a:r>
               <a:rPr lang="fr-FR" dirty="0"/>
-              <a:t> En structurant les pratiques autour d’un Data Center of Excellence, Spotify peut renforcer</a:t>
+              <a:t>Qui permettent d’apporter une preuve de valeur concrète.</a:t>
             </a:r>
           </a:p>
           <a:p>
@@ -1561,10 +1733,7 @@
               <a:buSzPts val="1100"/>
               <a:buNone/>
             </a:pPr>
-            <a:r>
-              <a:rPr lang="fr-FR" dirty="0"/>
-              <a:t> la qualité, l</a:t>
-            </a:r>
+            <a:endParaRPr lang="fr-FR" dirty="0"/>
           </a:p>
           <a:p>
             <a:pPr marL="0" lvl="0" indent="0" algn="l" rtl="0">
@@ -1582,7 +1751,7 @@
             </a:pPr>
             <a:r>
               <a:rPr lang="fr-FR" dirty="0"/>
-              <a:t>a conformité </a:t>
+              <a:t> Enfin, à partir du neuvième mois, la phase de déploiement et de pérennisation permet d’étendre le modèle à l’ensemble des domaines, d’harmoniser les KPI et d’installer une logique d’audit et d’amélioration continue, avec pour objectif final une maturité data à l’échelle de Spotify.</a:t>
             </a:r>
           </a:p>
           <a:p>
@@ -1599,10 +1768,7 @@
               <a:buSzPts val="1100"/>
               <a:buNone/>
             </a:pPr>
-            <a:r>
-              <a:rPr lang="fr-FR" dirty="0"/>
-              <a:t>et la cohérence de ses données, sans remettre en cause l’agilité qui fait la force de ses équipes produit. </a:t>
-            </a:r>
+            <a:endParaRPr lang="fr-FR" dirty="0"/>
           </a:p>
           <a:p>
             <a:pPr marL="0" lvl="0" indent="0" algn="l" rtl="0">
@@ -1618,7 +1784,10 @@
               <a:buSzPts val="1100"/>
               <a:buNone/>
             </a:pPr>
-            <a:endParaRPr lang="fr-FR" dirty="0"/>
+            <a:r>
+              <a:rPr lang="fr-FR" dirty="0"/>
+              <a:t>Pour conclure, ce projet de gouvernance data vise avant tout à transformer la richesse data de Spotify en un levier de performance durable.</a:t>
+            </a:r>
           </a:p>
           <a:p>
             <a:pPr marL="0" lvl="0" indent="0" algn="l" rtl="0">
@@ -1636,7 +1805,7 @@
             </a:pPr>
             <a:r>
               <a:rPr lang="fr-FR" dirty="0"/>
-              <a:t>L’approche progressive proposée permet de </a:t>
+              <a:t> En structurant les pratiques autour d’un Data Center of Excellence, Spotify peut renforcer</a:t>
             </a:r>
           </a:p>
           <a:p>
@@ -1655,7 +1824,7 @@
             </a:pPr>
             <a:r>
               <a:rPr lang="fr-FR" dirty="0"/>
-              <a:t>sécuriser le déploiement, </a:t>
+              <a:t> la qualité, l</a:t>
             </a:r>
           </a:p>
           <a:p>
@@ -1674,7 +1843,7 @@
             </a:pPr>
             <a:r>
               <a:rPr lang="fr-FR" dirty="0"/>
-              <a:t>de démontrer rapidement la valeur business </a:t>
+              <a:t>a conformité </a:t>
             </a:r>
           </a:p>
           <a:p>
@@ -1693,7 +1862,7 @@
             </a:pPr>
             <a:r>
               <a:rPr lang="fr-FR" dirty="0"/>
-              <a:t>et d’inscrire la gouvernance data dans la durée.</a:t>
+              <a:t>et la cohérence de ses données, sans remettre en cause l’agilité qui fait la force de ses équipes produit. </a:t>
             </a:r>
           </a:p>
           <a:p>
@@ -1710,7 +1879,99 @@
               <a:buSzPts val="1100"/>
               <a:buNone/>
             </a:pPr>
-            <a:endParaRPr lang="fr-FR"/>
+            <a:endParaRPr lang="fr-FR" dirty="0"/>
+          </a:p>
+          <a:p>
+            <a:pPr marL="0" lvl="0" indent="0" algn="l" rtl="0">
+              <a:lnSpc>
+                <a:spcPct val="100000"/>
+              </a:lnSpc>
+              <a:spcBef>
+                <a:spcPts val="0"/>
+              </a:spcBef>
+              <a:spcAft>
+                <a:spcPts val="0"/>
+              </a:spcAft>
+              <a:buSzPts val="1100"/>
+              <a:buNone/>
+            </a:pPr>
+            <a:r>
+              <a:rPr lang="fr-FR" dirty="0"/>
+              <a:t>L’approche progressive proposée permet de </a:t>
+            </a:r>
+          </a:p>
+          <a:p>
+            <a:pPr marL="0" lvl="0" indent="0" algn="l" rtl="0">
+              <a:lnSpc>
+                <a:spcPct val="100000"/>
+              </a:lnSpc>
+              <a:spcBef>
+                <a:spcPts val="0"/>
+              </a:spcBef>
+              <a:spcAft>
+                <a:spcPts val="0"/>
+              </a:spcAft>
+              <a:buSzPts val="1100"/>
+              <a:buNone/>
+            </a:pPr>
+            <a:r>
+              <a:rPr lang="fr-FR" dirty="0"/>
+              <a:t>sécuriser le déploiement, </a:t>
+            </a:r>
+          </a:p>
+          <a:p>
+            <a:pPr marL="0" lvl="0" indent="0" algn="l" rtl="0">
+              <a:lnSpc>
+                <a:spcPct val="100000"/>
+              </a:lnSpc>
+              <a:spcBef>
+                <a:spcPts val="0"/>
+              </a:spcBef>
+              <a:spcAft>
+                <a:spcPts val="0"/>
+              </a:spcAft>
+              <a:buSzPts val="1100"/>
+              <a:buNone/>
+            </a:pPr>
+            <a:r>
+              <a:rPr lang="fr-FR" dirty="0"/>
+              <a:t>de démontrer rapidement la valeur business </a:t>
+            </a:r>
+          </a:p>
+          <a:p>
+            <a:pPr marL="0" lvl="0" indent="0" algn="l" rtl="0">
+              <a:lnSpc>
+                <a:spcPct val="100000"/>
+              </a:lnSpc>
+              <a:spcBef>
+                <a:spcPts val="0"/>
+              </a:spcBef>
+              <a:spcAft>
+                <a:spcPts val="0"/>
+              </a:spcAft>
+              <a:buSzPts val="1100"/>
+              <a:buNone/>
+            </a:pPr>
+            <a:r>
+              <a:rPr lang="fr-FR" dirty="0"/>
+              <a:t>et d’inscrire la gouvernance data dans la durée.</a:t>
+            </a:r>
+          </a:p>
+          <a:p>
+            <a:pPr marL="0" lvl="0" indent="0" algn="l" rtl="0">
+              <a:lnSpc>
+                <a:spcPct val="100000"/>
+              </a:lnSpc>
+              <a:spcBef>
+                <a:spcPts val="0"/>
+              </a:spcBef>
+              <a:spcAft>
+                <a:spcPts val="0"/>
+              </a:spcAft>
+              <a:buSzPts val="1100"/>
+              <a:buNone/>
+            </a:pPr>
+            <a:endParaRPr lang="fr-FR" dirty="0"/>
           </a:p>
           <a:p>
             <a:pPr marL="0" lvl="0" indent="0" algn="l" rtl="0">
@@ -1747,7 +2008,7 @@
 </p:notes>
 </file>
 
-<file path=ppt/notesSlides/notesSlide13.xml><?xml version="1.0" encoding="utf-8"?>
+<file path=ppt/notesSlides/notesSlide14.xml><?xml version="1.0" encoding="utf-8"?>
 <p:notes xmlns:a="http://schemas.openxmlformats.org/drawingml/2006/main" xmlns:r="http://schemas.openxmlformats.org/officeDocument/2006/relationships" xmlns:p="http://schemas.openxmlformats.org/presentationml/2006/main" showMasterSp="0" showMasterPhAnim="0">
   <p:cSld>
     <p:spTree>
@@ -2458,7 +2719,7 @@
                 </a:solidFill>
                 <a:latin typeface="Aptos" panose="020B0004020202020204" pitchFamily="34" charset="0"/>
               </a:rPr>
-              <a:t>, régions) pour structurer standards, méthodes et responsabilités.</a:t>
+              <a:t>, régions) pour structurer les standards, les méthodes et responsabilités.</a:t>
             </a:r>
           </a:p>
           <a:p>
@@ -2819,7 +3080,126 @@
             </a:pPr>
             <a:r>
               <a:rPr lang="fr-FR" dirty="0"/>
-              <a:t>Spotify montre une bonne compréhension de l’importance de la donnée et une capacité à résoudre des problématiques locales. En revanche, l’absence de cadre global et de processus partagés empêche d’atteindre une efficacité maximale et limite l’impact stratégique de la data à l’échelle de l’organisation.</a:t>
+              <a:t>Spotify montre une bonne compréhension de l’importance de la donnée et une capacité à résoudre des problématiques locales.</a:t>
+            </a:r>
+          </a:p>
+          <a:p>
+            <a:pPr marL="0" lvl="0" indent="0" algn="l" rtl="0">
+              <a:lnSpc>
+                <a:spcPct val="100000"/>
+              </a:lnSpc>
+              <a:spcBef>
+                <a:spcPts val="0"/>
+              </a:spcBef>
+              <a:spcAft>
+                <a:spcPts val="0"/>
+              </a:spcAft>
+              <a:buSzPts val="1100"/>
+              <a:buNone/>
+            </a:pPr>
+            <a:endParaRPr lang="fr-FR" dirty="0"/>
+          </a:p>
+          <a:p>
+            <a:pPr marL="0" lvl="0" indent="0" algn="l" rtl="0">
+              <a:lnSpc>
+                <a:spcPct val="100000"/>
+              </a:lnSpc>
+              <a:spcBef>
+                <a:spcPts val="0"/>
+              </a:spcBef>
+              <a:spcAft>
+                <a:spcPts val="0"/>
+              </a:spcAft>
+              <a:buSzPts val="1100"/>
+              <a:buNone/>
+            </a:pPr>
+            <a:r>
+              <a:rPr lang="fr-FR" dirty="0"/>
+              <a:t>En revanche, l’absence de cadre global et de processus partagés empêche d’atteindre une efficacité maximale et limite l’impact stratégique de la data à l’échelle de l’organisation.</a:t>
+            </a:r>
+            <a:br>
+              <a:rPr lang="fr-FR" dirty="0"/>
+            </a:br>
+            <a:br>
+              <a:rPr lang="fr-FR" dirty="0"/>
+            </a:br>
+            <a:r>
+              <a:rPr lang="fr-FR" dirty="0"/>
+              <a:t>u niveau de l’environnement technique : il faudrait mettre en place une  Architecture hybride reposant sur des </a:t>
+            </a:r>
+            <a:r>
+              <a:rPr lang="fr-FR" b="1" dirty="0"/>
+              <a:t>Data </a:t>
+            </a:r>
+            <a:r>
+              <a:rPr lang="fr-FR" b="1" dirty="0" err="1"/>
+              <a:t>Lakes</a:t>
+            </a:r>
+            <a:r>
+              <a:rPr lang="fr-FR" dirty="0"/>
+              <a:t> massifs pour le stockage brut </a:t>
+            </a:r>
+          </a:p>
+          <a:p>
+            <a:pPr marL="0" lvl="0" indent="0" algn="l" rtl="0">
+              <a:lnSpc>
+                <a:spcPct val="100000"/>
+              </a:lnSpc>
+              <a:spcBef>
+                <a:spcPts val="0"/>
+              </a:spcBef>
+              <a:spcAft>
+                <a:spcPts val="0"/>
+              </a:spcAft>
+              <a:buSzPts val="1100"/>
+              <a:buNone/>
+            </a:pPr>
+            <a:r>
+              <a:rPr lang="fr-FR" dirty="0"/>
+              <a:t>et des </a:t>
+            </a:r>
+            <a:r>
+              <a:rPr lang="fr-FR" b="1" dirty="0"/>
+              <a:t>systèmes Cloud</a:t>
+            </a:r>
+            <a:r>
+              <a:rPr lang="fr-FR" dirty="0"/>
+              <a:t> (Google Cloud Platform) pour le traitement distribué. </a:t>
+            </a:r>
+          </a:p>
+          <a:p>
+            <a:pPr marL="0" lvl="0" indent="0" algn="l" rtl="0">
+              <a:lnSpc>
+                <a:spcPct val="100000"/>
+              </a:lnSpc>
+              <a:spcBef>
+                <a:spcPts val="0"/>
+              </a:spcBef>
+              <a:spcAft>
+                <a:spcPts val="0"/>
+              </a:spcAft>
+              <a:buSzPts val="1100"/>
+              <a:buNone/>
+            </a:pPr>
+            <a:endParaRPr lang="fr-FR" dirty="0"/>
+          </a:p>
+          <a:p>
+            <a:pPr marL="0" lvl="0" indent="0" algn="l" rtl="0">
+              <a:lnSpc>
+                <a:spcPct val="100000"/>
+              </a:lnSpc>
+              <a:spcBef>
+                <a:spcPts val="0"/>
+              </a:spcBef>
+              <a:spcAft>
+                <a:spcPts val="0"/>
+              </a:spcAft>
+              <a:buSzPts val="1100"/>
+              <a:buNone/>
+            </a:pPr>
+            <a:r>
+              <a:rPr lang="fr-FR" dirty="0"/>
+              <a:t>Cette complexité nécessite une gouvernance stricte pour éviter la formation de silos de données."</a:t>
             </a:r>
             <a:endParaRPr dirty="0"/>
           </a:p>
@@ -2843,13 +3223,7 @@
   <p:cSld>
     <p:spTree>
       <p:nvGrpSpPr>
-        <p:cNvPr id="1" name="Shape 90">
-          <a:extLst>
-            <a:ext uri="{FF2B5EF4-FFF2-40B4-BE49-F238E27FC236}">
-              <a16:creationId xmlns:a16="http://schemas.microsoft.com/office/drawing/2014/main" id="{D18D8B3B-7B1A-28AD-1F38-28EE64633811}"/>
-            </a:ext>
-          </a:extLst>
-        </p:cNvPr>
+        <p:cNvPr id="1" name="Shape 90"/>
         <p:cNvGrpSpPr/>
         <p:nvPr/>
       </p:nvGrpSpPr>
@@ -2863,13 +3237,7 @@
       </p:grpSpPr>
       <p:sp>
         <p:nvSpPr>
-          <p:cNvPr id="91" name="Google Shape;91;gf4f11f959e_0_29:notes">
-            <a:extLst>
-              <a:ext uri="{FF2B5EF4-FFF2-40B4-BE49-F238E27FC236}">
-                <a16:creationId xmlns:a16="http://schemas.microsoft.com/office/drawing/2014/main" id="{3F548A22-368D-240C-755D-9A8D825BFC48}"/>
-              </a:ext>
-            </a:extLst>
-          </p:cNvPr>
+          <p:cNvPr id="91" name="Google Shape;91;gf4f11f959e_0_29:notes"/>
           <p:cNvSpPr>
             <a:spLocks noGrp="1" noRot="1" noChangeAspect="1"/>
           </p:cNvSpPr>
@@ -2920,13 +3288,7 @@
       </p:sp>
       <p:sp>
         <p:nvSpPr>
-          <p:cNvPr id="92" name="Google Shape;92;gf4f11f959e_0_29:notes">
-            <a:extLst>
-              <a:ext uri="{FF2B5EF4-FFF2-40B4-BE49-F238E27FC236}">
-                <a16:creationId xmlns:a16="http://schemas.microsoft.com/office/drawing/2014/main" id="{D3A90892-E0E5-A598-D4FA-B64B1DDD5BE6}"/>
-              </a:ext>
-            </a:extLst>
-          </p:cNvPr>
+          <p:cNvPr id="92" name="Google Shape;92;gf4f11f959e_0_29:notes"/>
           <p:cNvSpPr txBox="1">
             <a:spLocks noGrp="1"/>
           </p:cNvSpPr>
@@ -2966,9 +3328,27 @@
               <a:buSzPts val="1100"/>
               <a:buNone/>
             </a:pPr>
-            <a:r>
+            <a:br>
               <a:rPr lang="fr-FR" dirty="0"/>
-              <a:t>Les forces de Spotify résident dans sa capacité analytique, son architecture data puissante et le rôle central de la qualité des données pour les recommandations. </a:t>
+            </a:br>
+            <a:br>
+              <a:rPr lang="fr-FR" dirty="0"/>
+            </a:br>
+            <a:r>
+              <a:rPr lang="fr-FR" dirty="0"/>
+              <a:t>Au niveau de l’environnement technique : il faudrait mettre en place une  Architecture hybride reposant sur des </a:t>
+            </a:r>
+            <a:r>
+              <a:rPr lang="fr-FR" b="1" dirty="0"/>
+              <a:t>Data </a:t>
+            </a:r>
+            <a:r>
+              <a:rPr lang="fr-FR" b="1" dirty="0" err="1"/>
+              <a:t>Lakes</a:t>
+            </a:r>
+            <a:r>
+              <a:rPr lang="fr-FR" dirty="0"/>
+              <a:t> massifs pour le stockage brut </a:t>
             </a:r>
           </a:p>
           <a:p>
@@ -2987,7 +3367,50 @@
             </a:pPr>
             <a:r>
               <a:rPr lang="fr-FR" dirty="0"/>
-              <a:t>À l’inverse, la gouvernance fragmentée, la complexité de l’architecture, l’accès inégal aux données et l’hétérogénéité des compétences data constituent des freins majeurs.</a:t>
+              <a:t>et des </a:t>
+            </a:r>
+            <a:r>
+              <a:rPr lang="fr-FR" b="1" dirty="0"/>
+              <a:t>systèmes Cloud</a:t>
+            </a:r>
+            <a:r>
+              <a:rPr lang="fr-FR" dirty="0"/>
+              <a:t> (Google Cloud Platform) pour le traitement distribué. </a:t>
+            </a:r>
+          </a:p>
+          <a:p>
+            <a:pPr marL="0" lvl="0" indent="0" algn="l" rtl="0">
+              <a:lnSpc>
+                <a:spcPct val="100000"/>
+              </a:lnSpc>
+              <a:spcBef>
+                <a:spcPts val="0"/>
+              </a:spcBef>
+              <a:spcAft>
+                <a:spcPts val="0"/>
+              </a:spcAft>
+              <a:buSzPts val="1100"/>
+              <a:buNone/>
+            </a:pPr>
+            <a:endParaRPr lang="fr-FR" dirty="0"/>
+          </a:p>
+          <a:p>
+            <a:pPr marL="0" lvl="0" indent="0" algn="l" rtl="0">
+              <a:lnSpc>
+                <a:spcPct val="100000"/>
+              </a:lnSpc>
+              <a:spcBef>
+                <a:spcPts val="0"/>
+              </a:spcBef>
+              <a:spcAft>
+                <a:spcPts val="0"/>
+              </a:spcAft>
+              <a:buSzPts val="1100"/>
+              <a:buNone/>
+            </a:pPr>
+            <a:r>
+              <a:rPr lang="fr-FR" dirty="0"/>
+              <a:t>Cette complexité nécessite une gouvernance stricte pour éviter la formation de silos de données."</a:t>
             </a:r>
             <a:endParaRPr dirty="0"/>
           </a:p>
@@ -2996,7 +3419,7 @@
     </p:spTree>
     <p:extLst>
       <p:ext uri="{BB962C8B-B14F-4D97-AF65-F5344CB8AC3E}">
-        <p14:creationId xmlns:p14="http://schemas.microsoft.com/office/powerpoint/2010/main" val="901829153"/>
+        <p14:creationId xmlns:p14="http://schemas.microsoft.com/office/powerpoint/2010/main" val="4122115948"/>
       </p:ext>
     </p:extLst>
   </p:cSld>
@@ -3136,7 +3559,7 @@
             </a:pPr>
             <a:r>
               <a:rPr lang="fr-FR" dirty="0"/>
-              <a:t>En synthèse, Spotify dispose d’un fort potentiel data mais souffre d’un manque de structuration transverse. </a:t>
+              <a:t>Les forces de Spotify résident dans sa capacité analytique, son architecture data puissante et le rôle central de la qualité des données pour les recommandations. </a:t>
             </a:r>
           </a:p>
           <a:p>
@@ -3155,7 +3578,70 @@
             </a:pPr>
             <a:r>
               <a:rPr lang="fr-FR" dirty="0"/>
-              <a:t>Sans gouvernance unifiée, la qualité, la conformité et l’accessibilité des données dépendent encore trop des initiatives locales, ce qui limite la performance globale.</a:t>
+              <a:t>À l’inverse, la gouvernance fragmentée, la complexité de l’architecture, l’accès inégal aux données et l’hétérogénéité des compétences data constituent des freins majeurs.</a:t>
+            </a:r>
+          </a:p>
+          <a:p>
+            <a:pPr marL="0" lvl="0" indent="0" algn="l" rtl="0">
+              <a:lnSpc>
+                <a:spcPct val="100000"/>
+              </a:lnSpc>
+              <a:spcBef>
+                <a:spcPts val="0"/>
+              </a:spcBef>
+              <a:spcAft>
+                <a:spcPts val="0"/>
+              </a:spcAft>
+              <a:buSzPts val="1100"/>
+              <a:buNone/>
+            </a:pPr>
+            <a:endParaRPr lang="fr-FR" dirty="0"/>
+          </a:p>
+          <a:p>
+            <a:pPr marL="0" lvl="0" indent="0" algn="l" rtl="0">
+              <a:lnSpc>
+                <a:spcPct val="100000"/>
+              </a:lnSpc>
+              <a:spcBef>
+                <a:spcPts val="0"/>
+              </a:spcBef>
+              <a:spcAft>
+                <a:spcPts val="0"/>
+              </a:spcAft>
+              <a:buSzPts val="1100"/>
+              <a:buNone/>
+            </a:pPr>
+            <a:r>
+              <a:rPr lang="fr-FR" dirty="0"/>
+              <a:t>Environnement  </a:t>
+            </a:r>
+            <a:r>
+              <a:rPr lang="fr-FR" dirty="0" err="1"/>
+              <a:t>technologiqueArchitecture</a:t>
+            </a:r>
+            <a:r>
+              <a:rPr lang="fr-FR" dirty="0"/>
+              <a:t> hybride reposant sur des </a:t>
+            </a:r>
+            <a:r>
+              <a:rPr lang="fr-FR" b="1" dirty="0"/>
+              <a:t>Data </a:t>
+            </a:r>
+            <a:r>
+              <a:rPr lang="fr-FR" b="1" dirty="0" err="1"/>
+              <a:t>Lakes</a:t>
+            </a:r>
+            <a:r>
+              <a:rPr lang="fr-FR" dirty="0"/>
+              <a:t> massifs pour le stockage brut et des </a:t>
+            </a:r>
+            <a:r>
+              <a:rPr lang="fr-FR" b="1" dirty="0"/>
+              <a:t>systèmes Cloud</a:t>
+            </a:r>
+            <a:r>
+              <a:rPr lang="fr-FR" dirty="0"/>
+              <a:t> (Google Cloud Platform) pour le traitement distribué. Cette complexité nécessite une gouvernance stricte pour éviter la formation de silos de données."</a:t>
             </a:r>
             <a:endParaRPr dirty="0"/>
           </a:p>
@@ -3164,7 +3650,7 @@
     </p:spTree>
     <p:extLst>
       <p:ext uri="{BB962C8B-B14F-4D97-AF65-F5344CB8AC3E}">
-        <p14:creationId xmlns:p14="http://schemas.microsoft.com/office/powerpoint/2010/main" val="2006669128"/>
+        <p14:creationId xmlns:p14="http://schemas.microsoft.com/office/powerpoint/2010/main" val="901829153"/>
       </p:ext>
     </p:extLst>
   </p:cSld>
@@ -3289,81 +3775,6 @@
           </a:bodyPr>
           <a:lstStyle/>
           <a:p>
-            <a:pPr marL="0" marR="0" lvl="0" indent="0" algn="l" defTabSz="914400" rtl="0" eaLnBrk="1" fontAlgn="auto" latinLnBrk="0" hangingPunct="1">
-              <a:lnSpc>
-                <a:spcPct val="100000"/>
-              </a:lnSpc>
-              <a:spcBef>
-                <a:spcPts val="0"/>
-              </a:spcBef>
-              <a:spcAft>
-                <a:spcPts val="0"/>
-              </a:spcAft>
-              <a:buClr>
-                <a:srgbClr val="000000"/>
-              </a:buClr>
-              <a:buSzPts val="1100"/>
-              <a:buFont typeface="Arial"/>
-              <a:buNone/>
-              <a:tabLst/>
-              <a:defRPr/>
-            </a:pPr>
-            <a:r>
-              <a:rPr lang="fr-FR" dirty="0"/>
-              <a:t>La conformité réglementaire est un enjeu stratégique pour Spotify, notamment face au RGPD et au CCPA. </a:t>
-            </a:r>
-          </a:p>
-          <a:p>
-            <a:pPr marL="0" marR="0" lvl="0" indent="0" algn="l" defTabSz="914400" rtl="0" eaLnBrk="1" fontAlgn="auto" latinLnBrk="0" hangingPunct="1">
-              <a:lnSpc>
-                <a:spcPct val="100000"/>
-              </a:lnSpc>
-              <a:spcBef>
-                <a:spcPts val="0"/>
-              </a:spcBef>
-              <a:spcAft>
-                <a:spcPts val="0"/>
-              </a:spcAft>
-              <a:buClr>
-                <a:srgbClr val="000000"/>
-              </a:buClr>
-              <a:buSzPts val="1100"/>
-              <a:buFont typeface="Arial"/>
-              <a:buNone/>
-              <a:tabLst/>
-              <a:defRPr/>
-            </a:pPr>
-            <a:r>
-              <a:rPr lang="fr-FR" dirty="0"/>
-              <a:t>Une gouvernance insuffisante expose l’entreprise à des risques juridiques, financiers et réputationnels, </a:t>
-            </a:r>
-          </a:p>
-          <a:p>
-            <a:pPr marL="0" marR="0" lvl="0" indent="0" algn="l" defTabSz="914400" rtl="0" eaLnBrk="1" fontAlgn="auto" latinLnBrk="0" hangingPunct="1">
-              <a:lnSpc>
-                <a:spcPct val="100000"/>
-              </a:lnSpc>
-              <a:spcBef>
-                <a:spcPts val="0"/>
-              </a:spcBef>
-              <a:spcAft>
-                <a:spcPts val="0"/>
-              </a:spcAft>
-              <a:buClr>
-                <a:srgbClr val="000000"/>
-              </a:buClr>
-              <a:buSzPts val="1100"/>
-              <a:buFont typeface="Arial"/>
-              <a:buNone/>
-              <a:tabLst/>
-              <a:defRPr/>
-            </a:pPr>
-            <a:r>
-              <a:rPr lang="fr-FR" dirty="0"/>
-              <a:t>tout en pouvant affecter la confiance des utilisateurs, essentielle au modèle économique.</a:t>
-            </a:r>
-          </a:p>
-          <a:p>
             <a:pPr marL="0" lvl="0" indent="0" algn="l" rtl="0">
               <a:lnSpc>
                 <a:spcPct val="100000"/>
@@ -3377,6 +3788,29 @@
               <a:buSzPts val="1100"/>
               <a:buNone/>
             </a:pPr>
+            <a:r>
+              <a:rPr lang="fr-FR" dirty="0"/>
+              <a:t>En synthèse, Spotify dispose d’un fort potentiel data mais souffre d’un manque de structuration transverse. </a:t>
+            </a:r>
+          </a:p>
+          <a:p>
+            <a:pPr marL="0" lvl="0" indent="0" algn="l" rtl="0">
+              <a:lnSpc>
+                <a:spcPct val="100000"/>
+              </a:lnSpc>
+              <a:spcBef>
+                <a:spcPts val="0"/>
+              </a:spcBef>
+              <a:spcAft>
+                <a:spcPts val="0"/>
+              </a:spcAft>
+              <a:buSzPts val="1100"/>
+              <a:buNone/>
+            </a:pPr>
+            <a:r>
+              <a:rPr lang="fr-FR" dirty="0"/>
+              <a:t>Sans gouvernance unifiée, la qualité, la conformité et l’accessibilité des données dépendent encore trop des initiatives locales, ce qui limite la performance globale.</a:t>
+            </a:r>
             <a:endParaRPr dirty="0"/>
           </a:p>
         </p:txBody>
@@ -3384,7 +3818,7 @@
     </p:spTree>
     <p:extLst>
       <p:ext uri="{BB962C8B-B14F-4D97-AF65-F5344CB8AC3E}">
-        <p14:creationId xmlns:p14="http://schemas.microsoft.com/office/powerpoint/2010/main" val="1904314002"/>
+        <p14:creationId xmlns:p14="http://schemas.microsoft.com/office/powerpoint/2010/main" val="2006669128"/>
       </p:ext>
     </p:extLst>
   </p:cSld>
@@ -3509,6 +3943,119 @@
           </a:bodyPr>
           <a:lstStyle/>
           <a:p>
+            <a:pPr marL="0" marR="0" lvl="0" indent="0" algn="l" defTabSz="914400" rtl="0" eaLnBrk="1" fontAlgn="auto" latinLnBrk="0" hangingPunct="1">
+              <a:lnSpc>
+                <a:spcPct val="100000"/>
+              </a:lnSpc>
+              <a:spcBef>
+                <a:spcPts val="0"/>
+              </a:spcBef>
+              <a:spcAft>
+                <a:spcPts val="0"/>
+              </a:spcAft>
+              <a:buClr>
+                <a:srgbClr val="000000"/>
+              </a:buClr>
+              <a:buSzPts val="1100"/>
+              <a:buFont typeface="Arial"/>
+              <a:buNone/>
+              <a:tabLst/>
+              <a:defRPr/>
+            </a:pPr>
+            <a:r>
+              <a:rPr lang="fr-FR" dirty="0"/>
+              <a:t>La conformité réglementaire est un enjeu stratégique pour Spotify, notamment face au RGPD et au CCPA. </a:t>
+            </a:r>
+          </a:p>
+          <a:p>
+            <a:pPr marL="0" marR="0" lvl="0" indent="0" algn="l" defTabSz="914400" rtl="0" eaLnBrk="1" fontAlgn="auto" latinLnBrk="0" hangingPunct="1">
+              <a:lnSpc>
+                <a:spcPct val="100000"/>
+              </a:lnSpc>
+              <a:spcBef>
+                <a:spcPts val="0"/>
+              </a:spcBef>
+              <a:spcAft>
+                <a:spcPts val="0"/>
+              </a:spcAft>
+              <a:buClr>
+                <a:srgbClr val="000000"/>
+              </a:buClr>
+              <a:buSzPts val="1100"/>
+              <a:buFont typeface="Arial"/>
+              <a:buNone/>
+              <a:tabLst/>
+              <a:defRPr/>
+            </a:pPr>
+            <a:endParaRPr lang="fr-FR" dirty="0"/>
+          </a:p>
+          <a:p>
+            <a:pPr marL="0" marR="0" lvl="0" indent="0" algn="l" defTabSz="914400" rtl="0" eaLnBrk="1" fontAlgn="auto" latinLnBrk="0" hangingPunct="1">
+              <a:lnSpc>
+                <a:spcPct val="100000"/>
+              </a:lnSpc>
+              <a:spcBef>
+                <a:spcPts val="0"/>
+              </a:spcBef>
+              <a:spcAft>
+                <a:spcPts val="0"/>
+              </a:spcAft>
+              <a:buClr>
+                <a:srgbClr val="000000"/>
+              </a:buClr>
+              <a:buSzPts val="1100"/>
+              <a:buFont typeface="Arial"/>
+              <a:buNone/>
+              <a:tabLst/>
+              <a:defRPr/>
+            </a:pPr>
+            <a:r>
+              <a:rPr lang="fr-FR" dirty="0"/>
+              <a:t>Une gouvernance insuffisante expose l’entreprise à des risques juridiques, financiers et réputationnels,  le risque financier de 4% du ca mondial est </a:t>
+            </a:r>
+            <a:r>
+              <a:rPr lang="fr-FR" dirty="0" err="1"/>
+              <a:t>tres</a:t>
+            </a:r>
+            <a:r>
+              <a:rPr lang="fr-FR" dirty="0"/>
+              <a:t> </a:t>
+            </a:r>
+            <a:r>
+              <a:rPr lang="fr-FR" dirty="0" err="1"/>
+              <a:t>tres</a:t>
+            </a:r>
+            <a:r>
+              <a:rPr lang="fr-FR" dirty="0"/>
+              <a:t> important </a:t>
+            </a:r>
+          </a:p>
+          <a:p>
+            <a:pPr marL="0" marR="0" lvl="0" indent="0" algn="l" defTabSz="914400" rtl="0" eaLnBrk="1" fontAlgn="auto" latinLnBrk="0" hangingPunct="1">
+              <a:lnSpc>
+                <a:spcPct val="100000"/>
+              </a:lnSpc>
+              <a:spcBef>
+                <a:spcPts val="0"/>
+              </a:spcBef>
+              <a:spcAft>
+                <a:spcPts val="0"/>
+              </a:spcAft>
+              <a:buClr>
+                <a:srgbClr val="000000"/>
+              </a:buClr>
+              <a:buSzPts val="1100"/>
+              <a:buFont typeface="Arial"/>
+              <a:buNone/>
+              <a:tabLst/>
+              <a:defRPr/>
+            </a:pPr>
+            <a:r>
+              <a:rPr lang="fr-FR" dirty="0"/>
+              <a:t>tout en pouvant affecter la confiance des utilisateurs, essentielle au modèle économique.</a:t>
+            </a:r>
+          </a:p>
+          <a:p>
             <a:pPr marL="0" lvl="0" indent="0" algn="l" rtl="0">
               <a:lnSpc>
                 <a:spcPct val="100000"/>
@@ -3522,129 +4069,6 @@
               <a:buSzPts val="1100"/>
               <a:buNone/>
             </a:pPr>
-            <a:r>
-              <a:rPr lang="fr-FR" dirty="0"/>
-              <a:t>Spotify dispose déjà d’une base solide en matière de conformité, mais plusieurs axes doivent être renforcés : </a:t>
-            </a:r>
-          </a:p>
-          <a:p>
-            <a:pPr marL="0" lvl="0" indent="0" algn="l" rtl="0">
-              <a:lnSpc>
-                <a:spcPct val="100000"/>
-              </a:lnSpc>
-              <a:spcBef>
-                <a:spcPts val="0"/>
-              </a:spcBef>
-              <a:spcAft>
-                <a:spcPts val="0"/>
-              </a:spcAft>
-              <a:buSzPts val="1100"/>
-              <a:buNone/>
-            </a:pPr>
-            <a:r>
-              <a:rPr lang="fr-FR" dirty="0"/>
-              <a:t>la centralisation du consentement utilisateur,</a:t>
-            </a:r>
-          </a:p>
-          <a:p>
-            <a:pPr marL="0" lvl="0" indent="0" algn="l" rtl="0">
-              <a:lnSpc>
-                <a:spcPct val="100000"/>
-              </a:lnSpc>
-              <a:spcBef>
-                <a:spcPts val="0"/>
-              </a:spcBef>
-              <a:spcAft>
-                <a:spcPts val="0"/>
-              </a:spcAft>
-              <a:buSzPts val="1100"/>
-              <a:buNone/>
-            </a:pPr>
-            <a:r>
-              <a:rPr lang="fr-FR" dirty="0"/>
-              <a:t>la clarification des mécanismes d’opt-out, (droit donné à un utilisateur de refuser ou d’arrêter certains usages de ses données personnelles)</a:t>
-            </a:r>
-          </a:p>
-          <a:p>
-            <a:pPr marL="0" lvl="0" indent="0" algn="l" rtl="0">
-              <a:lnSpc>
-                <a:spcPct val="100000"/>
-              </a:lnSpc>
-              <a:spcBef>
-                <a:spcPts val="0"/>
-              </a:spcBef>
-              <a:spcAft>
-                <a:spcPts val="0"/>
-              </a:spcAft>
-              <a:buSzPts val="1100"/>
-              <a:buNone/>
-            </a:pPr>
-            <a:r>
-              <a:rPr lang="fr-FR" dirty="0"/>
-              <a:t>la formalisation des tests de sécurité </a:t>
-            </a:r>
-          </a:p>
-          <a:p>
-            <a:pPr marL="0" lvl="0" indent="0" algn="l" rtl="0">
-              <a:lnSpc>
-                <a:spcPct val="100000"/>
-              </a:lnSpc>
-              <a:spcBef>
-                <a:spcPts val="0"/>
-              </a:spcBef>
-              <a:spcAft>
-                <a:spcPts val="0"/>
-              </a:spcAft>
-              <a:buSzPts val="1100"/>
-              <a:buNone/>
-            </a:pPr>
-            <a:r>
-              <a:rPr lang="fr-FR" dirty="0"/>
-              <a:t>et la formation régulière des équipes. </a:t>
-            </a:r>
-          </a:p>
-          <a:p>
-            <a:pPr marL="0" lvl="0" indent="0" algn="l" rtl="0">
-              <a:lnSpc>
-                <a:spcPct val="100000"/>
-              </a:lnSpc>
-              <a:spcBef>
-                <a:spcPts val="0"/>
-              </a:spcBef>
-              <a:spcAft>
-                <a:spcPts val="0"/>
-              </a:spcAft>
-              <a:buSzPts val="1100"/>
-              <a:buNone/>
-            </a:pPr>
-            <a:endParaRPr lang="fr-FR" dirty="0"/>
-          </a:p>
-          <a:p>
-            <a:pPr marL="0" lvl="0" indent="0" algn="l" rtl="0">
-              <a:lnSpc>
-                <a:spcPct val="100000"/>
-              </a:lnSpc>
-              <a:spcBef>
-                <a:spcPts val="0"/>
-              </a:spcBef>
-              <a:spcAft>
-                <a:spcPts val="0"/>
-              </a:spcAft>
-              <a:buSzPts val="1100"/>
-              <a:buNone/>
-            </a:pPr>
-            <a:r>
-              <a:rPr lang="fr-FR" dirty="0"/>
-              <a:t>L’objectif est d’ancrer le </a:t>
-            </a:r>
-            <a:r>
-              <a:rPr lang="fr-FR" dirty="0" err="1"/>
-              <a:t>privacy</a:t>
-            </a:r>
-            <a:r>
-              <a:rPr lang="fr-FR" dirty="0"/>
-              <a:t> by design dans les pratiques data.</a:t>
-            </a:r>
             <a:endParaRPr dirty="0"/>
           </a:p>
         </p:txBody>
@@ -3652,7 +4076,7 @@
     </p:spTree>
     <p:extLst>
       <p:ext uri="{BB962C8B-B14F-4D97-AF65-F5344CB8AC3E}">
-        <p14:creationId xmlns:p14="http://schemas.microsoft.com/office/powerpoint/2010/main" val="4030245088"/>
+        <p14:creationId xmlns:p14="http://schemas.microsoft.com/office/powerpoint/2010/main" val="1904314002"/>
       </p:ext>
     </p:extLst>
   </p:cSld>
@@ -3792,15 +4216,7 @@
             </a:pPr>
             <a:r>
               <a:rPr lang="fr-FR" dirty="0"/>
-              <a:t>Le modèle cible repose sur l’évolution du modèle </a:t>
-            </a:r>
-            <a:r>
-              <a:rPr lang="fr-FR" dirty="0" err="1"/>
-              <a:t>embedded</a:t>
-            </a:r>
-            <a:r>
-              <a:rPr lang="fr-FR" dirty="0"/>
-              <a:t> actuel vers un Data Center of Excellence. </a:t>
+              <a:t>Spotify dispose déjà d’une base solide en matière de conformité, mais plusieurs axes doivent être renforcés : </a:t>
             </a:r>
           </a:p>
           <a:p>
@@ -3819,15 +4235,7 @@
             </a:pPr>
             <a:r>
               <a:rPr lang="fr-FR" dirty="0"/>
-              <a:t>Ce </a:t>
-            </a:r>
-            <a:r>
-              <a:rPr lang="fr-FR" dirty="0" err="1"/>
-              <a:t>CoE</a:t>
-            </a:r>
-            <a:r>
-              <a:rPr lang="fr-FR" dirty="0"/>
-              <a:t> définit </a:t>
+              <a:t>la centralisation du consentement utilisateur,</a:t>
             </a:r>
           </a:p>
           <a:p>
@@ -3846,7 +4254,7 @@
             </a:pPr>
             <a:r>
               <a:rPr lang="fr-FR" dirty="0"/>
-              <a:t>les règles communes, les standards et un socle d’outil communs: </a:t>
+              <a:t>la clarification des mécanismes d’opt-out, (droit donné à un utilisateur de refuser ou d’arrêter certains usages de ses données personnelles)</a:t>
             </a:r>
           </a:p>
           <a:p>
@@ -3865,7 +4273,7 @@
             </a:pPr>
             <a:r>
               <a:rPr lang="fr-FR" dirty="0"/>
-              <a:t>catalogage/qualité et contrôle / gestion des accès, pour garantir des pratiques homogènes.,</a:t>
+              <a:t>la formalisation des tests de sécurité </a:t>
             </a:r>
           </a:p>
           <a:p>
@@ -3884,7 +4292,7 @@
             </a:pPr>
             <a:r>
               <a:rPr lang="fr-FR" dirty="0"/>
-              <a:t> tout en testant le dispositif sur des périmètres clés </a:t>
+              <a:t>et la formation régulière des équipes. </a:t>
             </a:r>
           </a:p>
           <a:p>
@@ -3901,9 +4309,33 @@
               <a:buSzPts val="1100"/>
               <a:buNone/>
             </a:pPr>
+            <a:endParaRPr lang="fr-FR" dirty="0"/>
+          </a:p>
+          <a:p>
+            <a:pPr marL="0" lvl="0" indent="0" algn="l" rtl="0">
+              <a:lnSpc>
+                <a:spcPct val="100000"/>
+              </a:lnSpc>
+              <a:spcBef>
+                <a:spcPts val="0"/>
+              </a:spcBef>
+              <a:spcAft>
+                <a:spcPts val="0"/>
+              </a:spcAft>
+              <a:buSzPts val="1100"/>
+              <a:buNone/>
+            </a:pPr>
             <a:r>
               <a:rPr lang="fr-FR" dirty="0"/>
-              <a:t>avant généralisation, afin de sécuriser l’adoption.</a:t>
+              <a:t>L’objectif est d’ancrer le </a:t>
+            </a:r>
+            <a:r>
+              <a:rPr lang="fr-FR" dirty="0" err="1"/>
+              <a:t>privacy</a:t>
+            </a:r>
+            <a:r>
+              <a:rPr lang="fr-FR" dirty="0"/>
+              <a:t> by design dans les pratiques data.</a:t>
             </a:r>
             <a:endParaRPr dirty="0"/>
           </a:p>
@@ -3912,7 +4344,7 @@
     </p:spTree>
     <p:extLst>
       <p:ext uri="{BB962C8B-B14F-4D97-AF65-F5344CB8AC3E}">
-        <p14:creationId xmlns:p14="http://schemas.microsoft.com/office/powerpoint/2010/main" val="199171408"/>
+        <p14:creationId xmlns:p14="http://schemas.microsoft.com/office/powerpoint/2010/main" val="4030245088"/>
       </p:ext>
     </p:extLst>
   </p:cSld>
@@ -8889,7 +9321,13 @@
     </p:bg>
     <p:spTree>
       <p:nvGrpSpPr>
-        <p:cNvPr id="1" name="Shape 102"/>
+        <p:cNvPr id="1" name="Shape 93">
+          <a:extLst>
+            <a:ext uri="{FF2B5EF4-FFF2-40B4-BE49-F238E27FC236}">
+              <a16:creationId xmlns:a16="http://schemas.microsoft.com/office/drawing/2014/main" id="{57C345A0-647E-7977-678F-7CE109FB9CF9}"/>
+            </a:ext>
+          </a:extLst>
+        </p:cNvPr>
         <p:cNvGrpSpPr/>
         <p:nvPr/>
       </p:nvGrpSpPr>
@@ -8903,10 +9341,10 @@
       </p:grpSpPr>
       <p:pic>
         <p:nvPicPr>
-          <p:cNvPr id="5" name="Google Shape;56;p13">
+          <p:cNvPr id="2" name="Google Shape;56;p13">
             <a:extLst>
               <a:ext uri="{FF2B5EF4-FFF2-40B4-BE49-F238E27FC236}">
-                <a16:creationId xmlns:a16="http://schemas.microsoft.com/office/drawing/2014/main" id="{CBC21C7B-992C-ECA4-CA06-6A9AAECFDD59}"/>
+                <a16:creationId xmlns:a16="http://schemas.microsoft.com/office/drawing/2014/main" id="{E6BF5565-36E5-9F75-A2AD-0E0DBE77D6F1}"/>
               </a:ext>
             </a:extLst>
           </p:cNvPr>
@@ -8940,7 +9378,7 @@
           <p:cNvPr id="3" name="ZoneTexte 2">
             <a:extLst>
               <a:ext uri="{FF2B5EF4-FFF2-40B4-BE49-F238E27FC236}">
-                <a16:creationId xmlns:a16="http://schemas.microsoft.com/office/drawing/2014/main" id="{552B6A39-7007-534C-18A0-C9FEDD7CE6E6}"/>
+                <a16:creationId xmlns:a16="http://schemas.microsoft.com/office/drawing/2014/main" id="{0D356A53-4476-CE7E-887F-2105D9DCBD3E}"/>
               </a:ext>
             </a:extLst>
           </p:cNvPr>
@@ -8949,8 +9387,8 @@
         </p:nvSpPr>
         <p:spPr>
           <a:xfrm>
-            <a:off x="1120487" y="0"/>
-            <a:ext cx="7670221" cy="400110"/>
+            <a:off x="1120488" y="0"/>
+            <a:ext cx="7387936" cy="400110"/>
           </a:xfrm>
           <a:prstGeom prst="rect">
             <a:avLst/>
@@ -9019,7 +9457,7 @@
                 <a:latin typeface="Aptos" panose="020B0004020202020204" pitchFamily="34" charset="0"/>
                 <a:ea typeface="Inter"/>
               </a:rPr>
-              <a:t>Organigramme préconisé</a:t>
+              <a:t>Cadre de Gouvernance</a:t>
             </a:r>
             <a:endParaRPr lang="fr-FR" sz="2000" b="1" dirty="0">
               <a:solidFill>
@@ -9037,10 +9475,10 @@
       </p:sp>
       <p:pic>
         <p:nvPicPr>
-          <p:cNvPr id="73" name="Image 72">
+          <p:cNvPr id="5" name="Image 4" descr="Une image contenant texte, capture d’écran, logo, cercle&#10;&#10;Le contenu généré par l’IA peut être incorrect.">
             <a:extLst>
               <a:ext uri="{FF2B5EF4-FFF2-40B4-BE49-F238E27FC236}">
-                <a16:creationId xmlns:a16="http://schemas.microsoft.com/office/drawing/2014/main" id="{266C7A8B-4CC1-61E8-1872-7238384D406E}"/>
+                <a16:creationId xmlns:a16="http://schemas.microsoft.com/office/drawing/2014/main" id="{B07F8D7A-75EA-4383-1BA1-0A9C964B514D}"/>
               </a:ext>
             </a:extLst>
           </p:cNvPr>
@@ -9057,8 +9495,38 @@
         </p:blipFill>
         <p:spPr>
           <a:xfrm>
-            <a:off x="1049475" y="626997"/>
-            <a:ext cx="6198957" cy="4343321"/>
+            <a:off x="1633107" y="806890"/>
+            <a:ext cx="2296999" cy="2202440"/>
+          </a:xfrm>
+          <a:prstGeom prst="rect">
+            <a:avLst/>
+          </a:prstGeom>
+        </p:spPr>
+      </p:pic>
+      <p:pic>
+        <p:nvPicPr>
+          <p:cNvPr id="7" name="Image 6" descr="Une image contenant texte, capture d’écran, logo, cercle&#10;&#10;Le contenu généré par l’IA peut être incorrect.">
+            <a:extLst>
+              <a:ext uri="{FF2B5EF4-FFF2-40B4-BE49-F238E27FC236}">
+                <a16:creationId xmlns:a16="http://schemas.microsoft.com/office/drawing/2014/main" id="{F2E4256F-C8DD-606C-E675-A4682748B129}"/>
+              </a:ext>
+            </a:extLst>
+          </p:cNvPr>
+          <p:cNvPicPr>
+            <a:picLocks noChangeAspect="1"/>
+          </p:cNvPicPr>
+          <p:nvPr/>
+        </p:nvPicPr>
+        <p:blipFill>
+          <a:blip r:embed="rId5"/>
+          <a:stretch>
+            <a:fillRect/>
+          </a:stretch>
+        </p:blipFill>
+        <p:spPr>
+          <a:xfrm>
+            <a:off x="5218578" y="806890"/>
+            <a:ext cx="2141833" cy="2202440"/>
           </a:xfrm>
           <a:prstGeom prst="rect">
             <a:avLst/>
@@ -9067,38 +9535,133 @@
       </p:pic>
       <p:sp>
         <p:nvSpPr>
-          <p:cNvPr id="4" name="ZoneTexte 3">
+          <p:cNvPr id="8" name="Flèche : droite 7">
             <a:extLst>
               <a:ext uri="{FF2B5EF4-FFF2-40B4-BE49-F238E27FC236}">
-                <a16:creationId xmlns:a16="http://schemas.microsoft.com/office/drawing/2014/main" id="{4208964F-1899-DED3-922C-A04E6E48F350}"/>
+                <a16:creationId xmlns:a16="http://schemas.microsoft.com/office/drawing/2014/main" id="{F75C49F0-5D90-B67C-7AB6-E7699D9C1AF2}"/>
               </a:ext>
             </a:extLst>
           </p:cNvPr>
-          <p:cNvSpPr txBox="1"/>
+          <p:cNvSpPr/>
           <p:nvPr/>
         </p:nvSpPr>
         <p:spPr>
           <a:xfrm>
-            <a:off x="7402181" y="4638193"/>
-            <a:ext cx="1954603" cy="400110"/>
+            <a:off x="4125261" y="1837454"/>
+            <a:ext cx="997835" cy="257522"/>
+          </a:xfrm>
+          <a:prstGeom prst="rightArrow">
+            <a:avLst/>
+          </a:prstGeom>
+        </p:spPr>
+        <p:style>
+          <a:lnRef idx="2">
+            <a:schemeClr val="accent1">
+              <a:shade val="15000"/>
+            </a:schemeClr>
+          </a:lnRef>
+          <a:fillRef idx="1">
+            <a:schemeClr val="accent1"/>
+          </a:fillRef>
+          <a:effectRef idx="0">
+            <a:schemeClr val="accent1"/>
+          </a:effectRef>
+          <a:fontRef idx="minor">
+            <a:schemeClr val="lt1"/>
+          </a:fontRef>
+        </p:style>
+        <p:txBody>
+          <a:bodyPr rtlCol="0" anchor="ctr"/>
+          <a:lstStyle/>
+          <a:p>
+            <a:pPr algn="ctr"/>
+            <a:endParaRPr lang="fr-FR"/>
+          </a:p>
+        </p:txBody>
+      </p:sp>
+      <p:sp>
+        <p:nvSpPr>
+          <p:cNvPr id="10" name="Rectangle 1">
+            <a:extLst>
+              <a:ext uri="{FF2B5EF4-FFF2-40B4-BE49-F238E27FC236}">
+                <a16:creationId xmlns:a16="http://schemas.microsoft.com/office/drawing/2014/main" id="{5E386C6D-274A-E739-F837-37B028ABDA78}"/>
+              </a:ext>
+            </a:extLst>
+          </p:cNvPr>
+          <p:cNvSpPr>
+            <a:spLocks noChangeArrowheads="1"/>
+          </p:cNvSpPr>
+          <p:nvPr/>
+        </p:nvSpPr>
+        <p:spPr bwMode="auto">
+          <a:xfrm>
+            <a:off x="895351" y="3532320"/>
+            <a:ext cx="7613073" cy="1246495"/>
           </a:xfrm>
           <a:prstGeom prst="rect">
             <a:avLst/>
           </a:prstGeom>
           <a:noFill/>
+          <a:ln>
+            <a:noFill/>
+          </a:ln>
+          <a:effectLst/>
+          <a:extLst>
+            <a:ext uri="{909E8E84-426E-40DD-AFC4-6F175D3DCCD1}">
+              <a14:hiddenFill xmlns:a14="http://schemas.microsoft.com/office/drawing/2010/main">
+                <a:solidFill>
+                  <a:schemeClr val="accent1"/>
+                </a:solidFill>
+              </a14:hiddenFill>
+            </a:ext>
+            <a:ext uri="{91240B29-F687-4F45-9708-019B960494DF}">
+              <a14:hiddenLine xmlns:a14="http://schemas.microsoft.com/office/drawing/2010/main" w="9525">
+                <a:solidFill>
+                  <a:schemeClr val="tx1"/>
+                </a:solidFill>
+                <a:miter lim="800000"/>
+                <a:headEnd/>
+                <a:tailEnd/>
+              </a14:hiddenLine>
+            </a:ext>
+            <a:ext uri="{AF507438-7753-43E0-B8FC-AC1667EBCBE1}">
+              <a14:hiddenEffects xmlns:a14="http://schemas.microsoft.com/office/drawing/2010/main">
+                <a:effectLst>
+                  <a:outerShdw dist="35921" dir="2700000" algn="ctr" rotWithShape="0">
+                    <a:schemeClr val="bg2"/>
+                  </a:outerShdw>
+                </a:effectLst>
+              </a14:hiddenEffects>
+            </a:ext>
+          </a:extLst>
         </p:spPr>
         <p:txBody>
-          <a:bodyPr wrap="square" rtlCol="0">
+          <a:bodyPr vert="horz" wrap="square" lIns="91440" tIns="45720" rIns="91440" bIns="45720" numCol="1" anchor="ctr" anchorCtr="0" compatLnSpc="1">
+            <a:prstTxWarp prst="textNoShape">
+              <a:avLst/>
+            </a:prstTxWarp>
             <a:spAutoFit/>
           </a:bodyPr>
           <a:lstStyle/>
           <a:p>
-            <a:pPr marL="285750" indent="-285750">
-              <a:buFont typeface="Wingdings" panose="05000000000000000000" pitchFamily="2" charset="2"/>
-              <a:buChar char="ü"/>
+            <a:pPr marL="0" marR="0" lvl="0" indent="0" algn="l" defTabSz="914400" rtl="0" eaLnBrk="0" fontAlgn="base" latinLnBrk="0" hangingPunct="0">
+              <a:lnSpc>
+                <a:spcPct val="100000"/>
+              </a:lnSpc>
+              <a:spcBef>
+                <a:spcPct val="0"/>
+              </a:spcBef>
+              <a:spcAft>
+                <a:spcPct val="0"/>
+              </a:spcAft>
+              <a:buClrTx/>
+              <a:buSzTx/>
+              <a:buFontTx/>
+              <a:buChar char="•"/>
+              <a:tabLst/>
             </a:pPr>
             <a:r>
-              <a:rPr lang="fr-FR" sz="1000" dirty="0">
+              <a:rPr lang="fr-FR" altLang="fr-FR" sz="1500" b="1" dirty="0">
                 <a:solidFill>
                   <a:schemeClr val="tx1">
                     <a:lumMod val="65000"/>
@@ -9106,25 +9669,246 @@
                   </a:schemeClr>
                 </a:solidFill>
                 <a:latin typeface="Aptos" panose="020B0004020202020204" pitchFamily="34" charset="0"/>
-                <a:ea typeface="Inter"/>
-                <a:hlinkClick r:id="rId5"/>
               </a:rPr>
-              <a:t>Lien vers la Politique détaillée</a:t>
-            </a:r>
-            <a:endParaRPr lang="fr-FR" sz="1000" dirty="0">
-              <a:solidFill>
-                <a:schemeClr val="tx1">
-                  <a:lumMod val="65000"/>
-                  <a:lumOff val="35000"/>
-                </a:schemeClr>
-              </a:solidFill>
-              <a:latin typeface="Aptos" panose="020B0004020202020204" pitchFamily="34" charset="0"/>
-              <a:ea typeface="Inter"/>
-            </a:endParaRPr>
+              <a:t>Analyser l’existant </a:t>
+            </a:r>
+            <a:r>
+              <a:rPr lang="fr-FR" altLang="fr-FR" sz="1500" dirty="0">
+                <a:solidFill>
+                  <a:schemeClr val="tx1">
+                    <a:lumMod val="65000"/>
+                    <a:lumOff val="35000"/>
+                  </a:schemeClr>
+                </a:solidFill>
+                <a:latin typeface="Aptos" panose="020B0004020202020204" pitchFamily="34" charset="0"/>
+              </a:rPr>
+              <a:t>pour comprendre les limites du modèle </a:t>
+            </a:r>
+            <a:r>
+              <a:rPr lang="fr-FR" altLang="fr-FR" sz="1500" dirty="0" err="1">
+                <a:solidFill>
+                  <a:schemeClr val="tx1">
+                    <a:lumMod val="65000"/>
+                    <a:lumOff val="35000"/>
+                  </a:schemeClr>
+                </a:solidFill>
+                <a:latin typeface="Aptos" panose="020B0004020202020204" pitchFamily="34" charset="0"/>
+              </a:rPr>
+              <a:t>embedded</a:t>
+            </a:r>
+            <a:r>
+              <a:rPr lang="fr-FR" altLang="fr-FR" sz="1500" dirty="0">
+                <a:solidFill>
+                  <a:schemeClr val="tx1">
+                    <a:lumMod val="65000"/>
+                    <a:lumOff val="35000"/>
+                  </a:schemeClr>
+                </a:solidFill>
+                <a:latin typeface="Aptos" panose="020B0004020202020204" pitchFamily="34" charset="0"/>
+              </a:rPr>
+              <a:t>.</a:t>
+            </a:r>
+          </a:p>
+          <a:p>
+            <a:pPr marL="0" marR="0" lvl="0" indent="0" algn="l" defTabSz="914400" rtl="0" eaLnBrk="0" fontAlgn="base" latinLnBrk="0" hangingPunct="0">
+              <a:lnSpc>
+                <a:spcPct val="100000"/>
+              </a:lnSpc>
+              <a:spcBef>
+                <a:spcPct val="0"/>
+              </a:spcBef>
+              <a:spcAft>
+                <a:spcPct val="0"/>
+              </a:spcAft>
+              <a:buClrTx/>
+              <a:buSzTx/>
+              <a:buFontTx/>
+              <a:buChar char="•"/>
+              <a:tabLst/>
+            </a:pPr>
+            <a:r>
+              <a:rPr lang="fr-FR" altLang="fr-FR" sz="1500" b="1" dirty="0">
+                <a:solidFill>
+                  <a:schemeClr val="tx1">
+                    <a:lumMod val="65000"/>
+                    <a:lumOff val="35000"/>
+                  </a:schemeClr>
+                </a:solidFill>
+                <a:latin typeface="Aptos" panose="020B0004020202020204" pitchFamily="34" charset="0"/>
+              </a:rPr>
+              <a:t>Définir des règles communes </a:t>
+            </a:r>
+            <a:r>
+              <a:rPr lang="fr-FR" altLang="fr-FR" sz="1500" dirty="0">
+                <a:solidFill>
+                  <a:schemeClr val="tx1">
+                    <a:lumMod val="65000"/>
+                    <a:lumOff val="35000"/>
+                  </a:schemeClr>
+                </a:solidFill>
+                <a:latin typeface="Aptos" panose="020B0004020202020204" pitchFamily="34" charset="0"/>
+              </a:rPr>
+              <a:t>pour harmoniser les pratiques data.</a:t>
+            </a:r>
+          </a:p>
+          <a:p>
+            <a:pPr marL="0" marR="0" lvl="0" indent="0" algn="l" defTabSz="914400" rtl="0" eaLnBrk="0" fontAlgn="base" latinLnBrk="0" hangingPunct="0">
+              <a:lnSpc>
+                <a:spcPct val="100000"/>
+              </a:lnSpc>
+              <a:spcBef>
+                <a:spcPct val="0"/>
+              </a:spcBef>
+              <a:spcAft>
+                <a:spcPct val="0"/>
+              </a:spcAft>
+              <a:buClrTx/>
+              <a:buSzTx/>
+              <a:buFontTx/>
+              <a:buChar char="•"/>
+              <a:tabLst/>
+            </a:pPr>
+            <a:r>
+              <a:rPr lang="fr-FR" altLang="fr-FR" sz="1500" b="1" dirty="0">
+                <a:solidFill>
+                  <a:schemeClr val="tx1">
+                    <a:lumMod val="65000"/>
+                    <a:lumOff val="35000"/>
+                  </a:schemeClr>
+                </a:solidFill>
+                <a:latin typeface="Aptos" panose="020B0004020202020204" pitchFamily="34" charset="0"/>
+              </a:rPr>
+              <a:t>Créer un Centre d’Excellence data </a:t>
+            </a:r>
+            <a:r>
+              <a:rPr lang="fr-FR" altLang="fr-FR" sz="1500" dirty="0">
+                <a:solidFill>
+                  <a:schemeClr val="tx1">
+                    <a:lumMod val="65000"/>
+                    <a:lumOff val="35000"/>
+                  </a:schemeClr>
+                </a:solidFill>
+                <a:latin typeface="Aptos" panose="020B0004020202020204" pitchFamily="34" charset="0"/>
+              </a:rPr>
+              <a:t>pour structurer méthodes et outils.</a:t>
+            </a:r>
+          </a:p>
+          <a:p>
+            <a:pPr marL="0" marR="0" lvl="0" indent="0" algn="l" defTabSz="914400" rtl="0" eaLnBrk="0" fontAlgn="base" latinLnBrk="0" hangingPunct="0">
+              <a:lnSpc>
+                <a:spcPct val="100000"/>
+              </a:lnSpc>
+              <a:spcBef>
+                <a:spcPct val="0"/>
+              </a:spcBef>
+              <a:spcAft>
+                <a:spcPct val="0"/>
+              </a:spcAft>
+              <a:buClrTx/>
+              <a:buSzTx/>
+              <a:buFontTx/>
+              <a:buChar char="•"/>
+              <a:tabLst/>
+            </a:pPr>
+            <a:r>
+              <a:rPr lang="fr-FR" altLang="fr-FR" sz="1500" b="1" dirty="0">
+                <a:solidFill>
+                  <a:schemeClr val="tx1">
+                    <a:lumMod val="65000"/>
+                    <a:lumOff val="35000"/>
+                  </a:schemeClr>
+                </a:solidFill>
+                <a:latin typeface="Aptos" panose="020B0004020202020204" pitchFamily="34" charset="0"/>
+              </a:rPr>
+              <a:t>Tester le modèle</a:t>
+            </a:r>
+            <a:r>
+              <a:rPr lang="fr-FR" altLang="fr-FR" sz="1500" dirty="0">
+                <a:solidFill>
+                  <a:schemeClr val="tx1">
+                    <a:lumMod val="65000"/>
+                    <a:lumOff val="35000"/>
+                  </a:schemeClr>
+                </a:solidFill>
+                <a:latin typeface="Aptos" panose="020B0004020202020204" pitchFamily="34" charset="0"/>
+              </a:rPr>
+              <a:t> </a:t>
+            </a:r>
+            <a:r>
+              <a:rPr lang="fr-FR" altLang="fr-FR" sz="1500" b="1" dirty="0">
+                <a:solidFill>
+                  <a:schemeClr val="tx1">
+                    <a:lumMod val="65000"/>
+                    <a:lumOff val="35000"/>
+                  </a:schemeClr>
+                </a:solidFill>
+                <a:latin typeface="Aptos" panose="020B0004020202020204" pitchFamily="34" charset="0"/>
+              </a:rPr>
+              <a:t>sur des périmètres clés </a:t>
+            </a:r>
+            <a:r>
+              <a:rPr lang="fr-FR" altLang="fr-FR" sz="1500" dirty="0">
+                <a:solidFill>
+                  <a:schemeClr val="tx1">
+                    <a:lumMod val="65000"/>
+                    <a:lumOff val="35000"/>
+                  </a:schemeClr>
+                </a:solidFill>
+                <a:latin typeface="Aptos" panose="020B0004020202020204" pitchFamily="34" charset="0"/>
+              </a:rPr>
+              <a:t>avant généralisation.</a:t>
+            </a:r>
+          </a:p>
+          <a:p>
+            <a:pPr marL="0" marR="0" lvl="0" indent="0" algn="l" defTabSz="914400" rtl="0" eaLnBrk="0" fontAlgn="base" latinLnBrk="0" hangingPunct="0">
+              <a:lnSpc>
+                <a:spcPct val="100000"/>
+              </a:lnSpc>
+              <a:spcBef>
+                <a:spcPct val="0"/>
+              </a:spcBef>
+              <a:spcAft>
+                <a:spcPct val="0"/>
+              </a:spcAft>
+              <a:buClrTx/>
+              <a:buSzTx/>
+              <a:buFontTx/>
+              <a:buChar char="•"/>
+              <a:tabLst/>
+            </a:pPr>
+            <a:r>
+              <a:rPr lang="fr-FR" altLang="fr-FR" sz="1500" b="1" dirty="0">
+                <a:solidFill>
+                  <a:schemeClr val="tx1">
+                    <a:lumMod val="65000"/>
+                    <a:lumOff val="35000"/>
+                  </a:schemeClr>
+                </a:solidFill>
+                <a:latin typeface="Aptos" panose="020B0004020202020204" pitchFamily="34" charset="0"/>
+              </a:rPr>
+              <a:t>Déployer et piloter </a:t>
+            </a:r>
+            <a:r>
+              <a:rPr lang="fr-FR" altLang="fr-FR" sz="1500" dirty="0">
+                <a:solidFill>
+                  <a:schemeClr val="tx1">
+                    <a:lumMod val="65000"/>
+                    <a:lumOff val="35000"/>
+                  </a:schemeClr>
+                </a:solidFill>
+                <a:latin typeface="Aptos" panose="020B0004020202020204" pitchFamily="34" charset="0"/>
+              </a:rPr>
+              <a:t>dans la durée pour assurer l’adoption.</a:t>
+            </a:r>
           </a:p>
         </p:txBody>
       </p:sp>
     </p:spTree>
+    <p:extLst>
+      <p:ext uri="{BB962C8B-B14F-4D97-AF65-F5344CB8AC3E}">
+        <p14:creationId xmlns:p14="http://schemas.microsoft.com/office/powerpoint/2010/main" val="1141816633"/>
+      </p:ext>
+    </p:extLst>
   </p:cSld>
   <p:clrMapOvr>
     <a:masterClrMapping/>
@@ -9219,6 +10003,262 @@
           </a:bodyPr>
           <a:lstStyle/>
           <a:p>
+            <a:pPr>
+              <a:buClr>
+                <a:schemeClr val="dk1"/>
+              </a:buClr>
+              <a:buSzPts val="2800"/>
+            </a:pPr>
+            <a:r>
+              <a:rPr lang="fr-FR" sz="2000" dirty="0">
+                <a:solidFill>
+                  <a:schemeClr val="tx1">
+                    <a:lumMod val="65000"/>
+                    <a:lumOff val="35000"/>
+                  </a:schemeClr>
+                </a:solidFill>
+                <a:latin typeface="Aptos" panose="020B0004020202020204" pitchFamily="34" charset="0"/>
+                <a:ea typeface="Inter"/>
+                <a:sym typeface="Inter"/>
+              </a:rPr>
+              <a:t>Partie 2 - </a:t>
+            </a:r>
+            <a:r>
+              <a:rPr lang="fr-FR" sz="2000" dirty="0">
+                <a:solidFill>
+                  <a:schemeClr val="tx1">
+                    <a:lumMod val="65000"/>
+                    <a:lumOff val="35000"/>
+                  </a:schemeClr>
+                </a:solidFill>
+                <a:latin typeface="Aptos" panose="020B0004020202020204" pitchFamily="34" charset="0"/>
+              </a:rPr>
+              <a:t>Mise en place du modèle cible </a:t>
+            </a:r>
+            <a:r>
+              <a:rPr lang="fr-FR" sz="2000" dirty="0">
+                <a:solidFill>
+                  <a:schemeClr val="tx1">
+                    <a:lumMod val="65000"/>
+                    <a:lumOff val="35000"/>
+                  </a:schemeClr>
+                </a:solidFill>
+                <a:latin typeface="Aptos" panose="020B0004020202020204" pitchFamily="34" charset="0"/>
+                <a:ea typeface="Inter"/>
+              </a:rPr>
+              <a:t>: </a:t>
+            </a:r>
+            <a:r>
+              <a:rPr lang="fr-FR" sz="2000" b="1" dirty="0">
+                <a:solidFill>
+                  <a:schemeClr val="tx1">
+                    <a:lumMod val="65000"/>
+                    <a:lumOff val="35000"/>
+                  </a:schemeClr>
+                </a:solidFill>
+                <a:latin typeface="Aptos" panose="020B0004020202020204" pitchFamily="34" charset="0"/>
+                <a:ea typeface="Inter"/>
+              </a:rPr>
+              <a:t>Organigramme préconisé</a:t>
+            </a:r>
+            <a:endParaRPr lang="fr-FR" sz="2000" b="1" dirty="0">
+              <a:solidFill>
+                <a:schemeClr val="tx1">
+                  <a:lumMod val="65000"/>
+                  <a:lumOff val="35000"/>
+                </a:schemeClr>
+              </a:solidFill>
+              <a:latin typeface="Aptos" panose="020B0004020202020204" pitchFamily="34" charset="0"/>
+              <a:ea typeface="Inter"/>
+              <a:sym typeface="Inter"/>
+            </a:endParaRPr>
+          </a:p>
+        </p:txBody>
+      </p:sp>
+      <p:pic>
+        <p:nvPicPr>
+          <p:cNvPr id="73" name="Image 72">
+            <a:extLst>
+              <a:ext uri="{FF2B5EF4-FFF2-40B4-BE49-F238E27FC236}">
+                <a16:creationId xmlns:a16="http://schemas.microsoft.com/office/drawing/2014/main" id="{266C7A8B-4CC1-61E8-1872-7238384D406E}"/>
+              </a:ext>
+            </a:extLst>
+          </p:cNvPr>
+          <p:cNvPicPr>
+            <a:picLocks noChangeAspect="1"/>
+          </p:cNvPicPr>
+          <p:nvPr/>
+        </p:nvPicPr>
+        <p:blipFill>
+          <a:blip r:embed="rId4"/>
+          <a:stretch>
+            <a:fillRect/>
+          </a:stretch>
+        </p:blipFill>
+        <p:spPr>
+          <a:xfrm>
+            <a:off x="1049475" y="626997"/>
+            <a:ext cx="6198957" cy="4343321"/>
+          </a:xfrm>
+          <a:prstGeom prst="rect">
+            <a:avLst/>
+          </a:prstGeom>
+        </p:spPr>
+      </p:pic>
+      <p:sp>
+        <p:nvSpPr>
+          <p:cNvPr id="4" name="ZoneTexte 3">
+            <a:extLst>
+              <a:ext uri="{FF2B5EF4-FFF2-40B4-BE49-F238E27FC236}">
+                <a16:creationId xmlns:a16="http://schemas.microsoft.com/office/drawing/2014/main" id="{4208964F-1899-DED3-922C-A04E6E48F350}"/>
+              </a:ext>
+            </a:extLst>
+          </p:cNvPr>
+          <p:cNvSpPr txBox="1"/>
+          <p:nvPr/>
+        </p:nvSpPr>
+        <p:spPr>
+          <a:xfrm>
+            <a:off x="7402181" y="4638193"/>
+            <a:ext cx="1954603" cy="400110"/>
+          </a:xfrm>
+          <a:prstGeom prst="rect">
+            <a:avLst/>
+          </a:prstGeom>
+          <a:noFill/>
+        </p:spPr>
+        <p:txBody>
+          <a:bodyPr wrap="square" rtlCol="0">
+            <a:spAutoFit/>
+          </a:bodyPr>
+          <a:lstStyle/>
+          <a:p>
+            <a:pPr marL="285750" indent="-285750">
+              <a:buFont typeface="Wingdings" panose="05000000000000000000" pitchFamily="2" charset="2"/>
+              <a:buChar char="ü"/>
+            </a:pPr>
+            <a:r>
+              <a:rPr lang="fr-FR" sz="1000" dirty="0">
+                <a:solidFill>
+                  <a:schemeClr val="tx1">
+                    <a:lumMod val="65000"/>
+                    <a:lumOff val="35000"/>
+                  </a:schemeClr>
+                </a:solidFill>
+                <a:latin typeface="Aptos" panose="020B0004020202020204" pitchFamily="34" charset="0"/>
+                <a:ea typeface="Inter"/>
+                <a:hlinkClick r:id="rId5"/>
+              </a:rPr>
+              <a:t>Lien vers la Politique détaillée</a:t>
+            </a:r>
+            <a:endParaRPr lang="fr-FR" sz="1000" dirty="0">
+              <a:solidFill>
+                <a:schemeClr val="tx1">
+                  <a:lumMod val="65000"/>
+                  <a:lumOff val="35000"/>
+                </a:schemeClr>
+              </a:solidFill>
+              <a:latin typeface="Aptos" panose="020B0004020202020204" pitchFamily="34" charset="0"/>
+              <a:ea typeface="Inter"/>
+            </a:endParaRPr>
+          </a:p>
+        </p:txBody>
+      </p:sp>
+    </p:spTree>
+  </p:cSld>
+  <p:clrMapOvr>
+    <a:masterClrMapping/>
+  </p:clrMapOvr>
+</p:sld>
+</file>
+
+<file path=ppt/slides/slide12.xml><?xml version="1.0" encoding="utf-8"?>
+<p:sld xmlns:a="http://schemas.openxmlformats.org/drawingml/2006/main" xmlns:r="http://schemas.openxmlformats.org/officeDocument/2006/relationships" xmlns:p="http://schemas.openxmlformats.org/presentationml/2006/main">
+  <p:cSld>
+    <p:bg>
+      <p:bgPr>
+        <a:solidFill>
+          <a:srgbClr val="3FDAD2"/>
+        </a:solidFill>
+        <a:effectLst/>
+      </p:bgPr>
+    </p:bg>
+    <p:spTree>
+      <p:nvGrpSpPr>
+        <p:cNvPr id="1" name="Shape 102"/>
+        <p:cNvGrpSpPr/>
+        <p:nvPr/>
+      </p:nvGrpSpPr>
+      <p:grpSpPr>
+        <a:xfrm>
+          <a:off x="0" y="0"/>
+          <a:ext cx="0" cy="0"/>
+          <a:chOff x="0" y="0"/>
+          <a:chExt cx="0" cy="0"/>
+        </a:xfrm>
+      </p:grpSpPr>
+      <p:pic>
+        <p:nvPicPr>
+          <p:cNvPr id="5" name="Google Shape;56;p13">
+            <a:extLst>
+              <a:ext uri="{FF2B5EF4-FFF2-40B4-BE49-F238E27FC236}">
+                <a16:creationId xmlns:a16="http://schemas.microsoft.com/office/drawing/2014/main" id="{CBC21C7B-992C-ECA4-CA06-6A9AAECFDD59}"/>
+              </a:ext>
+            </a:extLst>
+          </p:cNvPr>
+          <p:cNvPicPr preferRelativeResize="0"/>
+          <p:nvPr/>
+        </p:nvPicPr>
+        <p:blipFill>
+          <a:blip r:embed="rId3">
+            <a:alphaModFix/>
+          </a:blip>
+          <a:stretch>
+            <a:fillRect/>
+          </a:stretch>
+        </p:blipFill>
+        <p:spPr>
+          <a:xfrm>
+            <a:off x="76200" y="90544"/>
+            <a:ext cx="973275" cy="651050"/>
+          </a:xfrm>
+          <a:prstGeom prst="rect">
+            <a:avLst/>
+          </a:prstGeom>
+          <a:noFill/>
+          <a:ln>
+            <a:noFill/>
+          </a:ln>
+        </p:spPr>
+      </p:pic>
+      <p:sp>
+        <p:nvSpPr>
+          <p:cNvPr id="3" name="ZoneTexte 2">
+            <a:extLst>
+              <a:ext uri="{FF2B5EF4-FFF2-40B4-BE49-F238E27FC236}">
+                <a16:creationId xmlns:a16="http://schemas.microsoft.com/office/drawing/2014/main" id="{552B6A39-7007-534C-18A0-C9FEDD7CE6E6}"/>
+              </a:ext>
+            </a:extLst>
+          </p:cNvPr>
+          <p:cNvSpPr txBox="1"/>
+          <p:nvPr/>
+        </p:nvSpPr>
+        <p:spPr>
+          <a:xfrm>
+            <a:off x="1120487" y="0"/>
+            <a:ext cx="7670221" cy="400110"/>
+          </a:xfrm>
+          <a:prstGeom prst="rect">
+            <a:avLst/>
+          </a:prstGeom>
+          <a:noFill/>
+        </p:spPr>
+        <p:txBody>
+          <a:bodyPr wrap="square">
+            <a:spAutoFit/>
+          </a:bodyPr>
+          <a:lstStyle/>
+          <a:p>
             <a:pPr marL="0" marR="0" lvl="0" indent="0" algn="l" defTabSz="914400" rtl="0" eaLnBrk="1" fontAlgn="auto" latinLnBrk="0" hangingPunct="1">
               <a:lnSpc>
                 <a:spcPct val="100000"/>
@@ -9916,7 +10956,7 @@
 </p:sld>
 </file>
 
-<file path=ppt/slides/slide12.xml><?xml version="1.0" encoding="utf-8"?>
+<file path=ppt/slides/slide13.xml><?xml version="1.0" encoding="utf-8"?>
 <p:sld xmlns:a="http://schemas.openxmlformats.org/drawingml/2006/main" xmlns:r="http://schemas.openxmlformats.org/officeDocument/2006/relationships" xmlns:p="http://schemas.openxmlformats.org/presentationml/2006/main">
   <p:cSld>
     <p:bg>
@@ -12488,7 +13528,7 @@
 </p:sld>
 </file>
 
-<file path=ppt/slides/slide13.xml><?xml version="1.0" encoding="utf-8"?>
+<file path=ppt/slides/slide14.xml><?xml version="1.0" encoding="utf-8"?>
 <p:sld xmlns:a="http://schemas.openxmlformats.org/drawingml/2006/main" xmlns:r="http://schemas.openxmlformats.org/officeDocument/2006/relationships" xmlns:p="http://schemas.openxmlformats.org/presentationml/2006/main">
   <p:cSld>
     <p:bg>
@@ -14546,6 +15586,4452 @@
     </p:bg>
     <p:spTree>
       <p:nvGrpSpPr>
+        <p:cNvPr id="1" name="Shape 93"/>
+        <p:cNvGrpSpPr/>
+        <p:nvPr/>
+      </p:nvGrpSpPr>
+      <p:grpSpPr>
+        <a:xfrm>
+          <a:off x="0" y="0"/>
+          <a:ext cx="0" cy="0"/>
+          <a:chOff x="0" y="0"/>
+          <a:chExt cx="0" cy="0"/>
+        </a:xfrm>
+      </p:grpSpPr>
+      <p:sp>
+        <p:nvSpPr>
+          <p:cNvPr id="12" name="Rectangle : coins arrondis 11">
+            <a:extLst>
+              <a:ext uri="{FF2B5EF4-FFF2-40B4-BE49-F238E27FC236}">
+                <a16:creationId xmlns:a16="http://schemas.microsoft.com/office/drawing/2014/main" id="{89DB9582-BE56-5FAA-58D6-F7BB55608237}"/>
+              </a:ext>
+            </a:extLst>
+          </p:cNvPr>
+          <p:cNvSpPr/>
+          <p:nvPr/>
+        </p:nvSpPr>
+        <p:spPr>
+          <a:xfrm>
+            <a:off x="2418796" y="1668598"/>
+            <a:ext cx="1926771" cy="1909173"/>
+          </a:xfrm>
+          <a:prstGeom prst="roundRect">
+            <a:avLst/>
+          </a:prstGeom>
+        </p:spPr>
+        <p:style>
+          <a:lnRef idx="2">
+            <a:schemeClr val="accent1">
+              <a:shade val="15000"/>
+            </a:schemeClr>
+          </a:lnRef>
+          <a:fillRef idx="1">
+            <a:schemeClr val="accent1"/>
+          </a:fillRef>
+          <a:effectRef idx="0">
+            <a:schemeClr val="accent1"/>
+          </a:effectRef>
+          <a:fontRef idx="minor">
+            <a:schemeClr val="lt1"/>
+          </a:fontRef>
+        </p:style>
+        <p:txBody>
+          <a:bodyPr rtlCol="0" anchor="t"/>
+          <a:lstStyle/>
+          <a:p>
+            <a:pPr algn="ctr"/>
+            <a:r>
+              <a:rPr lang="fr-FR" dirty="0"/>
+              <a:t>DATA LAKE</a:t>
+            </a:r>
+          </a:p>
+          <a:p>
+            <a:pPr algn="ctr"/>
+            <a:endParaRPr lang="fr-FR" dirty="0"/>
+          </a:p>
+          <a:p>
+            <a:pPr algn="ctr"/>
+            <a:endParaRPr lang="fr-FR" dirty="0"/>
+          </a:p>
+        </p:txBody>
+      </p:sp>
+      <p:sp>
+        <p:nvSpPr>
+          <p:cNvPr id="95" name="Google Shape;95;p17"/>
+          <p:cNvSpPr txBox="1">
+            <a:spLocks noGrp="1"/>
+          </p:cNvSpPr>
+          <p:nvPr>
+            <p:ph type="ctrTitle" idx="4294967295"/>
+          </p:nvPr>
+        </p:nvSpPr>
+        <p:spPr>
+          <a:xfrm>
+            <a:off x="1146982" y="8826"/>
+            <a:ext cx="6850036" cy="496784"/>
+          </a:xfrm>
+          <a:prstGeom prst="rect">
+            <a:avLst/>
+          </a:prstGeom>
+          <a:noFill/>
+          <a:ln>
+            <a:noFill/>
+          </a:ln>
+        </p:spPr>
+        <p:txBody>
+          <a:bodyPr spcFirstLastPara="1" wrap="square" lIns="91425" tIns="91425" rIns="91425" bIns="91425" anchor="t" anchorCtr="0">
+            <a:noAutofit/>
+          </a:bodyPr>
+          <a:lstStyle/>
+          <a:p>
+            <a:pPr marL="0" marR="0" lvl="0" indent="0" rtl="0">
+              <a:lnSpc>
+                <a:spcPct val="100000"/>
+              </a:lnSpc>
+              <a:spcBef>
+                <a:spcPts val="0"/>
+              </a:spcBef>
+              <a:spcAft>
+                <a:spcPts val="0"/>
+              </a:spcAft>
+              <a:buClr>
+                <a:schemeClr val="dk1"/>
+              </a:buClr>
+              <a:buSzPts val="2800"/>
+              <a:buFont typeface="Arial"/>
+              <a:buNone/>
+            </a:pPr>
+            <a:r>
+              <a:rPr lang="fr-FR" sz="2000" dirty="0">
+                <a:solidFill>
+                  <a:schemeClr val="tx1">
+                    <a:lumMod val="65000"/>
+                    <a:lumOff val="35000"/>
+                  </a:schemeClr>
+                </a:solidFill>
+                <a:latin typeface="Aptos" panose="020B0004020202020204" pitchFamily="34" charset="0"/>
+                <a:ea typeface="Inter"/>
+                <a:cs typeface="Inter"/>
+                <a:sym typeface="Inter"/>
+              </a:rPr>
+              <a:t>Partie 1 - </a:t>
+            </a:r>
+            <a:r>
+              <a:rPr lang="fr-FR" sz="2000" dirty="0">
+                <a:solidFill>
+                  <a:schemeClr val="tx1">
+                    <a:lumMod val="65000"/>
+                    <a:lumOff val="35000"/>
+                  </a:schemeClr>
+                </a:solidFill>
+                <a:latin typeface="Aptos" panose="020B0004020202020204" pitchFamily="34" charset="0"/>
+              </a:rPr>
+              <a:t>Diagnostic &amp; cadrage:</a:t>
+            </a:r>
+            <a:r>
+              <a:rPr lang="fr-FR" sz="2000" b="1" dirty="0">
+                <a:solidFill>
+                  <a:schemeClr val="tx1">
+                    <a:lumMod val="65000"/>
+                    <a:lumOff val="35000"/>
+                  </a:schemeClr>
+                </a:solidFill>
+                <a:latin typeface="Aptos" panose="020B0004020202020204" pitchFamily="34" charset="0"/>
+                <a:ea typeface="Inter"/>
+                <a:cs typeface="Inter"/>
+                <a:sym typeface="Inter"/>
+              </a:rPr>
+              <a:t>  </a:t>
+            </a:r>
+            <a:r>
+              <a:rPr lang="fr-FR" sz="2000" b="1" dirty="0">
+                <a:solidFill>
+                  <a:schemeClr val="tx1">
+                    <a:lumMod val="65000"/>
+                    <a:lumOff val="35000"/>
+                  </a:schemeClr>
+                </a:solidFill>
+                <a:latin typeface="Aptos" panose="020B0004020202020204" pitchFamily="34" charset="0"/>
+                <a:ea typeface="Inter"/>
+              </a:rPr>
+              <a:t>Infrastructure Technique &amp; Flux de Données</a:t>
+            </a:r>
+            <a:endParaRPr lang="fr-FR" sz="2000" b="1" dirty="0">
+              <a:solidFill>
+                <a:schemeClr val="tx1">
+                  <a:lumMod val="65000"/>
+                  <a:lumOff val="35000"/>
+                </a:schemeClr>
+              </a:solidFill>
+              <a:latin typeface="Aptos" panose="020B0004020202020204" pitchFamily="34" charset="0"/>
+              <a:ea typeface="Inter"/>
+              <a:sym typeface="Inter"/>
+            </a:endParaRPr>
+          </a:p>
+        </p:txBody>
+      </p:sp>
+      <p:pic>
+        <p:nvPicPr>
+          <p:cNvPr id="2" name="Google Shape;56;p13">
+            <a:extLst>
+              <a:ext uri="{FF2B5EF4-FFF2-40B4-BE49-F238E27FC236}">
+                <a16:creationId xmlns:a16="http://schemas.microsoft.com/office/drawing/2014/main" id="{29AF42A0-D3B7-10B5-470C-4D627B891DF8}"/>
+              </a:ext>
+            </a:extLst>
+          </p:cNvPr>
+          <p:cNvPicPr preferRelativeResize="0"/>
+          <p:nvPr/>
+        </p:nvPicPr>
+        <p:blipFill>
+          <a:blip r:embed="rId3">
+            <a:alphaModFix/>
+          </a:blip>
+          <a:stretch>
+            <a:fillRect/>
+          </a:stretch>
+        </p:blipFill>
+        <p:spPr>
+          <a:xfrm>
+            <a:off x="76200" y="90544"/>
+            <a:ext cx="973275" cy="651050"/>
+          </a:xfrm>
+          <a:prstGeom prst="rect">
+            <a:avLst/>
+          </a:prstGeom>
+          <a:noFill/>
+          <a:ln>
+            <a:noFill/>
+          </a:ln>
+        </p:spPr>
+      </p:pic>
+      <p:sp>
+        <p:nvSpPr>
+          <p:cNvPr id="6" name="Rectangle : coins arrondis 5">
+            <a:extLst>
+              <a:ext uri="{FF2B5EF4-FFF2-40B4-BE49-F238E27FC236}">
+                <a16:creationId xmlns:a16="http://schemas.microsoft.com/office/drawing/2014/main" id="{86C75E75-0FE0-71B4-6460-DC6F3516575F}"/>
+              </a:ext>
+            </a:extLst>
+          </p:cNvPr>
+          <p:cNvSpPr/>
+          <p:nvPr/>
+        </p:nvSpPr>
+        <p:spPr>
+          <a:xfrm>
+            <a:off x="183596" y="1668598"/>
+            <a:ext cx="1926771" cy="1909173"/>
+          </a:xfrm>
+          <a:prstGeom prst="roundRect">
+            <a:avLst/>
+          </a:prstGeom>
+        </p:spPr>
+        <p:style>
+          <a:lnRef idx="2">
+            <a:schemeClr val="accent1">
+              <a:shade val="15000"/>
+            </a:schemeClr>
+          </a:lnRef>
+          <a:fillRef idx="1">
+            <a:schemeClr val="accent1"/>
+          </a:fillRef>
+          <a:effectRef idx="0">
+            <a:schemeClr val="accent1"/>
+          </a:effectRef>
+          <a:fontRef idx="minor">
+            <a:schemeClr val="lt1"/>
+          </a:fontRef>
+        </p:style>
+        <p:txBody>
+          <a:bodyPr rtlCol="0" anchor="t"/>
+          <a:lstStyle/>
+          <a:p>
+            <a:pPr algn="ctr"/>
+            <a:r>
+              <a:rPr lang="fr-FR" dirty="0"/>
+              <a:t>SOURCES DE DONNEES</a:t>
+            </a:r>
+          </a:p>
+        </p:txBody>
+      </p:sp>
+      <p:pic>
+        <p:nvPicPr>
+          <p:cNvPr id="8" name="Image 7">
+            <a:extLst>
+              <a:ext uri="{FF2B5EF4-FFF2-40B4-BE49-F238E27FC236}">
+                <a16:creationId xmlns:a16="http://schemas.microsoft.com/office/drawing/2014/main" id="{98521801-8786-A7F9-25DE-FF527EAD41A7}"/>
+              </a:ext>
+            </a:extLst>
+          </p:cNvPr>
+          <p:cNvPicPr>
+            <a:picLocks noChangeAspect="1"/>
+          </p:cNvPicPr>
+          <p:nvPr/>
+        </p:nvPicPr>
+        <p:blipFill>
+          <a:blip r:embed="rId4"/>
+          <a:stretch>
+            <a:fillRect/>
+          </a:stretch>
+        </p:blipFill>
+        <p:spPr>
+          <a:xfrm>
+            <a:off x="624967" y="2240354"/>
+            <a:ext cx="1044030" cy="1234547"/>
+          </a:xfrm>
+          <a:prstGeom prst="rect">
+            <a:avLst/>
+          </a:prstGeom>
+        </p:spPr>
+      </p:pic>
+      <p:sp>
+        <p:nvSpPr>
+          <p:cNvPr id="9" name="Organigramme : Disque magnétique 8">
+            <a:extLst>
+              <a:ext uri="{FF2B5EF4-FFF2-40B4-BE49-F238E27FC236}">
+                <a16:creationId xmlns:a16="http://schemas.microsoft.com/office/drawing/2014/main" id="{5A4C8998-67F3-7886-3A6A-A5BF9283E4FF}"/>
+              </a:ext>
+            </a:extLst>
+          </p:cNvPr>
+          <p:cNvSpPr/>
+          <p:nvPr/>
+        </p:nvSpPr>
+        <p:spPr>
+          <a:xfrm>
+            <a:off x="2931888" y="2934604"/>
+            <a:ext cx="928914" cy="413657"/>
+          </a:xfrm>
+          <a:prstGeom prst="flowChartMagneticDisk">
+            <a:avLst/>
+          </a:prstGeom>
+          <a:solidFill>
+            <a:srgbClr val="2D2D2F"/>
+          </a:solidFill>
+        </p:spPr>
+        <p:style>
+          <a:lnRef idx="2">
+            <a:schemeClr val="accent1">
+              <a:shade val="15000"/>
+            </a:schemeClr>
+          </a:lnRef>
+          <a:fillRef idx="1">
+            <a:schemeClr val="accent1"/>
+          </a:fillRef>
+          <a:effectRef idx="0">
+            <a:schemeClr val="accent1"/>
+          </a:effectRef>
+          <a:fontRef idx="minor">
+            <a:schemeClr val="lt1"/>
+          </a:fontRef>
+        </p:style>
+        <p:txBody>
+          <a:bodyPr rtlCol="0" anchor="ctr"/>
+          <a:lstStyle/>
+          <a:p>
+            <a:pPr algn="ctr"/>
+            <a:endParaRPr lang="fr-FR"/>
+          </a:p>
+        </p:txBody>
+      </p:sp>
+      <p:sp>
+        <p:nvSpPr>
+          <p:cNvPr id="11" name="Organigramme : Disque magnétique 10">
+            <a:extLst>
+              <a:ext uri="{FF2B5EF4-FFF2-40B4-BE49-F238E27FC236}">
+                <a16:creationId xmlns:a16="http://schemas.microsoft.com/office/drawing/2014/main" id="{69EC353E-583F-7547-7E6D-761D46B80995}"/>
+              </a:ext>
+            </a:extLst>
+          </p:cNvPr>
+          <p:cNvSpPr/>
+          <p:nvPr/>
+        </p:nvSpPr>
+        <p:spPr>
+          <a:xfrm>
+            <a:off x="2931888" y="2597147"/>
+            <a:ext cx="928914" cy="413657"/>
+          </a:xfrm>
+          <a:prstGeom prst="flowChartMagneticDisk">
+            <a:avLst/>
+          </a:prstGeom>
+          <a:solidFill>
+            <a:srgbClr val="2D2D2F"/>
+          </a:solidFill>
+        </p:spPr>
+        <p:style>
+          <a:lnRef idx="2">
+            <a:schemeClr val="accent1">
+              <a:shade val="15000"/>
+            </a:schemeClr>
+          </a:lnRef>
+          <a:fillRef idx="1">
+            <a:schemeClr val="accent1"/>
+          </a:fillRef>
+          <a:effectRef idx="0">
+            <a:schemeClr val="accent1"/>
+          </a:effectRef>
+          <a:fontRef idx="minor">
+            <a:schemeClr val="lt1"/>
+          </a:fontRef>
+        </p:style>
+        <p:txBody>
+          <a:bodyPr rtlCol="0" anchor="ctr"/>
+          <a:lstStyle/>
+          <a:p>
+            <a:pPr algn="ctr"/>
+            <a:endParaRPr lang="fr-FR"/>
+          </a:p>
+        </p:txBody>
+      </p:sp>
+      <p:sp>
+        <p:nvSpPr>
+          <p:cNvPr id="10" name="Organigramme : Disque magnétique 9">
+            <a:extLst>
+              <a:ext uri="{FF2B5EF4-FFF2-40B4-BE49-F238E27FC236}">
+                <a16:creationId xmlns:a16="http://schemas.microsoft.com/office/drawing/2014/main" id="{F82DFC9F-1286-34D9-64E2-3A1CBE964FAB}"/>
+              </a:ext>
+            </a:extLst>
+          </p:cNvPr>
+          <p:cNvSpPr/>
+          <p:nvPr/>
+        </p:nvSpPr>
+        <p:spPr>
+          <a:xfrm>
+            <a:off x="2931888" y="2259690"/>
+            <a:ext cx="928914" cy="413657"/>
+          </a:xfrm>
+          <a:prstGeom prst="flowChartMagneticDisk">
+            <a:avLst/>
+          </a:prstGeom>
+          <a:solidFill>
+            <a:srgbClr val="2D2D2F"/>
+          </a:solidFill>
+        </p:spPr>
+        <p:style>
+          <a:lnRef idx="2">
+            <a:schemeClr val="accent1">
+              <a:shade val="15000"/>
+            </a:schemeClr>
+          </a:lnRef>
+          <a:fillRef idx="1">
+            <a:schemeClr val="accent1"/>
+          </a:fillRef>
+          <a:effectRef idx="0">
+            <a:schemeClr val="accent1"/>
+          </a:effectRef>
+          <a:fontRef idx="minor">
+            <a:schemeClr val="lt1"/>
+          </a:fontRef>
+        </p:style>
+        <p:txBody>
+          <a:bodyPr rtlCol="0" anchor="ctr"/>
+          <a:lstStyle/>
+          <a:p>
+            <a:pPr algn="ctr"/>
+            <a:endParaRPr lang="fr-FR"/>
+          </a:p>
+        </p:txBody>
+      </p:sp>
+      <p:sp>
+        <p:nvSpPr>
+          <p:cNvPr id="13" name="Rectangle : coins arrondis 12">
+            <a:extLst>
+              <a:ext uri="{FF2B5EF4-FFF2-40B4-BE49-F238E27FC236}">
+                <a16:creationId xmlns:a16="http://schemas.microsoft.com/office/drawing/2014/main" id="{5B19161F-0F68-0137-9AC8-0B3ECE0483DA}"/>
+              </a:ext>
+            </a:extLst>
+          </p:cNvPr>
+          <p:cNvSpPr/>
+          <p:nvPr/>
+        </p:nvSpPr>
+        <p:spPr>
+          <a:xfrm>
+            <a:off x="4653996" y="1668598"/>
+            <a:ext cx="1926771" cy="1909173"/>
+          </a:xfrm>
+          <a:prstGeom prst="roundRect">
+            <a:avLst/>
+          </a:prstGeom>
+        </p:spPr>
+        <p:style>
+          <a:lnRef idx="2">
+            <a:schemeClr val="accent1">
+              <a:shade val="15000"/>
+            </a:schemeClr>
+          </a:lnRef>
+          <a:fillRef idx="1">
+            <a:schemeClr val="accent1"/>
+          </a:fillRef>
+          <a:effectRef idx="0">
+            <a:schemeClr val="accent1"/>
+          </a:effectRef>
+          <a:fontRef idx="minor">
+            <a:schemeClr val="lt1"/>
+          </a:fontRef>
+        </p:style>
+        <p:txBody>
+          <a:bodyPr rtlCol="0" anchor="t"/>
+          <a:lstStyle/>
+          <a:p>
+            <a:pPr algn="ctr"/>
+            <a:r>
+              <a:rPr lang="fr-FR" dirty="0"/>
+              <a:t>CLOUDE GCP</a:t>
+            </a:r>
+          </a:p>
+          <a:p>
+            <a:pPr algn="ctr"/>
+            <a:endParaRPr lang="fr-FR" dirty="0"/>
+          </a:p>
+          <a:p>
+            <a:pPr algn="ctr"/>
+            <a:endParaRPr lang="fr-FR" dirty="0"/>
+          </a:p>
+        </p:txBody>
+      </p:sp>
+      <p:sp>
+        <p:nvSpPr>
+          <p:cNvPr id="16" name="Nuage 15">
+            <a:extLst>
+              <a:ext uri="{FF2B5EF4-FFF2-40B4-BE49-F238E27FC236}">
+                <a16:creationId xmlns:a16="http://schemas.microsoft.com/office/drawing/2014/main" id="{5F6A7D81-2C3A-5DD4-CEFB-1BA85CD37930}"/>
+              </a:ext>
+            </a:extLst>
+          </p:cNvPr>
+          <p:cNvSpPr/>
+          <p:nvPr/>
+        </p:nvSpPr>
+        <p:spPr>
+          <a:xfrm>
+            <a:off x="4919416" y="2399722"/>
+            <a:ext cx="1324809" cy="699649"/>
+          </a:xfrm>
+          <a:custGeom>
+            <a:avLst/>
+            <a:gdLst>
+              <a:gd name="connsiteX0" fmla="*/ 3900 w 43200"/>
+              <a:gd name="connsiteY0" fmla="*/ 14370 h 43200"/>
+              <a:gd name="connsiteX1" fmla="*/ 5623 w 43200"/>
+              <a:gd name="connsiteY1" fmla="*/ 6907 h 43200"/>
+              <a:gd name="connsiteX2" fmla="*/ 14005 w 43200"/>
+              <a:gd name="connsiteY2" fmla="*/ 5202 h 43200"/>
+              <a:gd name="connsiteX3" fmla="*/ 22456 w 43200"/>
+              <a:gd name="connsiteY3" fmla="*/ 3432 h 43200"/>
+              <a:gd name="connsiteX4" fmla="*/ 25749 w 43200"/>
+              <a:gd name="connsiteY4" fmla="*/ 200 h 43200"/>
+              <a:gd name="connsiteX5" fmla="*/ 29833 w 43200"/>
+              <a:gd name="connsiteY5" fmla="*/ 2481 h 43200"/>
+              <a:gd name="connsiteX6" fmla="*/ 35463 w 43200"/>
+              <a:gd name="connsiteY6" fmla="*/ 690 h 43200"/>
+              <a:gd name="connsiteX7" fmla="*/ 38318 w 43200"/>
+              <a:gd name="connsiteY7" fmla="*/ 5576 h 43200"/>
+              <a:gd name="connsiteX8" fmla="*/ 41982 w 43200"/>
+              <a:gd name="connsiteY8" fmla="*/ 10318 h 43200"/>
+              <a:gd name="connsiteX9" fmla="*/ 41818 w 43200"/>
+              <a:gd name="connsiteY9" fmla="*/ 15460 h 43200"/>
+              <a:gd name="connsiteX10" fmla="*/ 43016 w 43200"/>
+              <a:gd name="connsiteY10" fmla="*/ 23322 h 43200"/>
+              <a:gd name="connsiteX11" fmla="*/ 37404 w 43200"/>
+              <a:gd name="connsiteY11" fmla="*/ 30204 h 43200"/>
+              <a:gd name="connsiteX12" fmla="*/ 35395 w 43200"/>
+              <a:gd name="connsiteY12" fmla="*/ 36101 h 43200"/>
+              <a:gd name="connsiteX13" fmla="*/ 28555 w 43200"/>
+              <a:gd name="connsiteY13" fmla="*/ 36815 h 43200"/>
+              <a:gd name="connsiteX14" fmla="*/ 23667 w 43200"/>
+              <a:gd name="connsiteY14" fmla="*/ 43106 h 43200"/>
+              <a:gd name="connsiteX15" fmla="*/ 16480 w 43200"/>
+              <a:gd name="connsiteY15" fmla="*/ 39266 h 43200"/>
+              <a:gd name="connsiteX16" fmla="*/ 5804 w 43200"/>
+              <a:gd name="connsiteY16" fmla="*/ 35472 h 43200"/>
+              <a:gd name="connsiteX17" fmla="*/ 1110 w 43200"/>
+              <a:gd name="connsiteY17" fmla="*/ 31250 h 43200"/>
+              <a:gd name="connsiteX18" fmla="*/ 2113 w 43200"/>
+              <a:gd name="connsiteY18" fmla="*/ 25551 h 43200"/>
+              <a:gd name="connsiteX19" fmla="*/ -5 w 43200"/>
+              <a:gd name="connsiteY19" fmla="*/ 19704 h 43200"/>
+              <a:gd name="connsiteX20" fmla="*/ 3863 w 43200"/>
+              <a:gd name="connsiteY20" fmla="*/ 14507 h 43200"/>
+              <a:gd name="connsiteX21" fmla="*/ 3900 w 43200"/>
+              <a:gd name="connsiteY21" fmla="*/ 14370 h 43200"/>
+              <a:gd name="connsiteX0" fmla="*/ 4693 w 43200"/>
+              <a:gd name="connsiteY0" fmla="*/ 26177 h 43200"/>
+              <a:gd name="connsiteX1" fmla="*/ 2160 w 43200"/>
+              <a:gd name="connsiteY1" fmla="*/ 25380 h 43200"/>
+              <a:gd name="connsiteX2" fmla="*/ 6928 w 43200"/>
+              <a:gd name="connsiteY2" fmla="*/ 34899 h 43200"/>
+              <a:gd name="connsiteX3" fmla="*/ 5820 w 43200"/>
+              <a:gd name="connsiteY3" fmla="*/ 35280 h 43200"/>
+              <a:gd name="connsiteX4" fmla="*/ 16478 w 43200"/>
+              <a:gd name="connsiteY4" fmla="*/ 39090 h 43200"/>
+              <a:gd name="connsiteX5" fmla="*/ 15810 w 43200"/>
+              <a:gd name="connsiteY5" fmla="*/ 37350 h 43200"/>
+              <a:gd name="connsiteX6" fmla="*/ 28827 w 43200"/>
+              <a:gd name="connsiteY6" fmla="*/ 34751 h 43200"/>
+              <a:gd name="connsiteX7" fmla="*/ 28560 w 43200"/>
+              <a:gd name="connsiteY7" fmla="*/ 36660 h 43200"/>
+              <a:gd name="connsiteX8" fmla="*/ 34129 w 43200"/>
+              <a:gd name="connsiteY8" fmla="*/ 22954 h 43200"/>
+              <a:gd name="connsiteX9" fmla="*/ 37380 w 43200"/>
+              <a:gd name="connsiteY9" fmla="*/ 30090 h 43200"/>
+              <a:gd name="connsiteX10" fmla="*/ 41798 w 43200"/>
+              <a:gd name="connsiteY10" fmla="*/ 15354 h 43200"/>
+              <a:gd name="connsiteX11" fmla="*/ 40350 w 43200"/>
+              <a:gd name="connsiteY11" fmla="*/ 18030 h 43200"/>
+              <a:gd name="connsiteX12" fmla="*/ 38324 w 43200"/>
+              <a:gd name="connsiteY12" fmla="*/ 5426 h 43200"/>
+              <a:gd name="connsiteX13" fmla="*/ 38400 w 43200"/>
+              <a:gd name="connsiteY13" fmla="*/ 6690 h 43200"/>
+              <a:gd name="connsiteX14" fmla="*/ 29078 w 43200"/>
+              <a:gd name="connsiteY14" fmla="*/ 3952 h 43200"/>
+              <a:gd name="connsiteX15" fmla="*/ 29820 w 43200"/>
+              <a:gd name="connsiteY15" fmla="*/ 2340 h 43200"/>
+              <a:gd name="connsiteX16" fmla="*/ 22141 w 43200"/>
+              <a:gd name="connsiteY16" fmla="*/ 4720 h 43200"/>
+              <a:gd name="connsiteX17" fmla="*/ 22500 w 43200"/>
+              <a:gd name="connsiteY17" fmla="*/ 3330 h 43200"/>
+              <a:gd name="connsiteX18" fmla="*/ 14000 w 43200"/>
+              <a:gd name="connsiteY18" fmla="*/ 5192 h 43200"/>
+              <a:gd name="connsiteX19" fmla="*/ 15300 w 43200"/>
+              <a:gd name="connsiteY19" fmla="*/ 6540 h 43200"/>
+              <a:gd name="connsiteX20" fmla="*/ 4127 w 43200"/>
+              <a:gd name="connsiteY20" fmla="*/ 15789 h 43200"/>
+              <a:gd name="connsiteX21" fmla="*/ 3900 w 43200"/>
+              <a:gd name="connsiteY21" fmla="*/ 14370 h 43200"/>
+              <a:gd name="connsiteX0" fmla="*/ 3936 w 43256"/>
+              <a:gd name="connsiteY0" fmla="*/ 14229 h 43219"/>
+              <a:gd name="connsiteX1" fmla="*/ 5659 w 43256"/>
+              <a:gd name="connsiteY1" fmla="*/ 2581 h 43219"/>
+              <a:gd name="connsiteX2" fmla="*/ 14041 w 43256"/>
+              <a:gd name="connsiteY2" fmla="*/ 5061 h 43219"/>
+              <a:gd name="connsiteX3" fmla="*/ 22492 w 43256"/>
+              <a:gd name="connsiteY3" fmla="*/ 3291 h 43219"/>
+              <a:gd name="connsiteX4" fmla="*/ 25785 w 43256"/>
+              <a:gd name="connsiteY4" fmla="*/ 59 h 43219"/>
+              <a:gd name="connsiteX5" fmla="*/ 29869 w 43256"/>
+              <a:gd name="connsiteY5" fmla="*/ 2340 h 43219"/>
+              <a:gd name="connsiteX6" fmla="*/ 35499 w 43256"/>
+              <a:gd name="connsiteY6" fmla="*/ 549 h 43219"/>
+              <a:gd name="connsiteX7" fmla="*/ 38354 w 43256"/>
+              <a:gd name="connsiteY7" fmla="*/ 5435 h 43219"/>
+              <a:gd name="connsiteX8" fmla="*/ 42018 w 43256"/>
+              <a:gd name="connsiteY8" fmla="*/ 10177 h 43219"/>
+              <a:gd name="connsiteX9" fmla="*/ 41854 w 43256"/>
+              <a:gd name="connsiteY9" fmla="*/ 15319 h 43219"/>
+              <a:gd name="connsiteX10" fmla="*/ 43052 w 43256"/>
+              <a:gd name="connsiteY10" fmla="*/ 23181 h 43219"/>
+              <a:gd name="connsiteX11" fmla="*/ 37440 w 43256"/>
+              <a:gd name="connsiteY11" fmla="*/ 30063 h 43219"/>
+              <a:gd name="connsiteX12" fmla="*/ 35431 w 43256"/>
+              <a:gd name="connsiteY12" fmla="*/ 35960 h 43219"/>
+              <a:gd name="connsiteX13" fmla="*/ 28591 w 43256"/>
+              <a:gd name="connsiteY13" fmla="*/ 36674 h 43219"/>
+              <a:gd name="connsiteX14" fmla="*/ 23703 w 43256"/>
+              <a:gd name="connsiteY14" fmla="*/ 42965 h 43219"/>
+              <a:gd name="connsiteX15" fmla="*/ 16516 w 43256"/>
+              <a:gd name="connsiteY15" fmla="*/ 39125 h 43219"/>
+              <a:gd name="connsiteX16" fmla="*/ 5840 w 43256"/>
+              <a:gd name="connsiteY16" fmla="*/ 35331 h 43219"/>
+              <a:gd name="connsiteX17" fmla="*/ 1146 w 43256"/>
+              <a:gd name="connsiteY17" fmla="*/ 31109 h 43219"/>
+              <a:gd name="connsiteX18" fmla="*/ 2149 w 43256"/>
+              <a:gd name="connsiteY18" fmla="*/ 25410 h 43219"/>
+              <a:gd name="connsiteX19" fmla="*/ 31 w 43256"/>
+              <a:gd name="connsiteY19" fmla="*/ 19563 h 43219"/>
+              <a:gd name="connsiteX20" fmla="*/ 3899 w 43256"/>
+              <a:gd name="connsiteY20" fmla="*/ 14366 h 43219"/>
+              <a:gd name="connsiteX21" fmla="*/ 3936 w 43256"/>
+              <a:gd name="connsiteY21" fmla="*/ 14229 h 43219"/>
+              <a:gd name="connsiteX0" fmla="*/ 4729 w 43256"/>
+              <a:gd name="connsiteY0" fmla="*/ 26036 h 43219"/>
+              <a:gd name="connsiteX1" fmla="*/ 2196 w 43256"/>
+              <a:gd name="connsiteY1" fmla="*/ 25239 h 43219"/>
+              <a:gd name="connsiteX2" fmla="*/ 6964 w 43256"/>
+              <a:gd name="connsiteY2" fmla="*/ 34758 h 43219"/>
+              <a:gd name="connsiteX3" fmla="*/ 5856 w 43256"/>
+              <a:gd name="connsiteY3" fmla="*/ 35139 h 43219"/>
+              <a:gd name="connsiteX4" fmla="*/ 16514 w 43256"/>
+              <a:gd name="connsiteY4" fmla="*/ 38949 h 43219"/>
+              <a:gd name="connsiteX5" fmla="*/ 15846 w 43256"/>
+              <a:gd name="connsiteY5" fmla="*/ 37209 h 43219"/>
+              <a:gd name="connsiteX6" fmla="*/ 28863 w 43256"/>
+              <a:gd name="connsiteY6" fmla="*/ 34610 h 43219"/>
+              <a:gd name="connsiteX7" fmla="*/ 28596 w 43256"/>
+              <a:gd name="connsiteY7" fmla="*/ 36519 h 43219"/>
+              <a:gd name="connsiteX8" fmla="*/ 34165 w 43256"/>
+              <a:gd name="connsiteY8" fmla="*/ 22813 h 43219"/>
+              <a:gd name="connsiteX9" fmla="*/ 37416 w 43256"/>
+              <a:gd name="connsiteY9" fmla="*/ 29949 h 43219"/>
+              <a:gd name="connsiteX10" fmla="*/ 41834 w 43256"/>
+              <a:gd name="connsiteY10" fmla="*/ 15213 h 43219"/>
+              <a:gd name="connsiteX11" fmla="*/ 40386 w 43256"/>
+              <a:gd name="connsiteY11" fmla="*/ 17889 h 43219"/>
+              <a:gd name="connsiteX12" fmla="*/ 38360 w 43256"/>
+              <a:gd name="connsiteY12" fmla="*/ 5285 h 43219"/>
+              <a:gd name="connsiteX13" fmla="*/ 38436 w 43256"/>
+              <a:gd name="connsiteY13" fmla="*/ 6549 h 43219"/>
+              <a:gd name="connsiteX14" fmla="*/ 29114 w 43256"/>
+              <a:gd name="connsiteY14" fmla="*/ 3811 h 43219"/>
+              <a:gd name="connsiteX15" fmla="*/ 29856 w 43256"/>
+              <a:gd name="connsiteY15" fmla="*/ 2199 h 43219"/>
+              <a:gd name="connsiteX16" fmla="*/ 22177 w 43256"/>
+              <a:gd name="connsiteY16" fmla="*/ 4579 h 43219"/>
+              <a:gd name="connsiteX17" fmla="*/ 22536 w 43256"/>
+              <a:gd name="connsiteY17" fmla="*/ 3189 h 43219"/>
+              <a:gd name="connsiteX18" fmla="*/ 14036 w 43256"/>
+              <a:gd name="connsiteY18" fmla="*/ 5051 h 43219"/>
+              <a:gd name="connsiteX19" fmla="*/ 15336 w 43256"/>
+              <a:gd name="connsiteY19" fmla="*/ 6399 h 43219"/>
+              <a:gd name="connsiteX20" fmla="*/ 4163 w 43256"/>
+              <a:gd name="connsiteY20" fmla="*/ 15648 h 43219"/>
+              <a:gd name="connsiteX21" fmla="*/ 3936 w 43256"/>
+              <a:gd name="connsiteY21" fmla="*/ 14229 h 43219"/>
+              <a:gd name="connsiteX0" fmla="*/ 3936 w 43256"/>
+              <a:gd name="connsiteY0" fmla="*/ 15046 h 44036"/>
+              <a:gd name="connsiteX1" fmla="*/ 5659 w 43256"/>
+              <a:gd name="connsiteY1" fmla="*/ 3398 h 44036"/>
+              <a:gd name="connsiteX2" fmla="*/ 11155 w 43256"/>
+              <a:gd name="connsiteY2" fmla="*/ 78 h 44036"/>
+              <a:gd name="connsiteX3" fmla="*/ 14041 w 43256"/>
+              <a:gd name="connsiteY3" fmla="*/ 5878 h 44036"/>
+              <a:gd name="connsiteX4" fmla="*/ 22492 w 43256"/>
+              <a:gd name="connsiteY4" fmla="*/ 4108 h 44036"/>
+              <a:gd name="connsiteX5" fmla="*/ 25785 w 43256"/>
+              <a:gd name="connsiteY5" fmla="*/ 876 h 44036"/>
+              <a:gd name="connsiteX6" fmla="*/ 29869 w 43256"/>
+              <a:gd name="connsiteY6" fmla="*/ 3157 h 44036"/>
+              <a:gd name="connsiteX7" fmla="*/ 35499 w 43256"/>
+              <a:gd name="connsiteY7" fmla="*/ 1366 h 44036"/>
+              <a:gd name="connsiteX8" fmla="*/ 38354 w 43256"/>
+              <a:gd name="connsiteY8" fmla="*/ 6252 h 44036"/>
+              <a:gd name="connsiteX9" fmla="*/ 42018 w 43256"/>
+              <a:gd name="connsiteY9" fmla="*/ 10994 h 44036"/>
+              <a:gd name="connsiteX10" fmla="*/ 41854 w 43256"/>
+              <a:gd name="connsiteY10" fmla="*/ 16136 h 44036"/>
+              <a:gd name="connsiteX11" fmla="*/ 43052 w 43256"/>
+              <a:gd name="connsiteY11" fmla="*/ 23998 h 44036"/>
+              <a:gd name="connsiteX12" fmla="*/ 37440 w 43256"/>
+              <a:gd name="connsiteY12" fmla="*/ 30880 h 44036"/>
+              <a:gd name="connsiteX13" fmla="*/ 35431 w 43256"/>
+              <a:gd name="connsiteY13" fmla="*/ 36777 h 44036"/>
+              <a:gd name="connsiteX14" fmla="*/ 28591 w 43256"/>
+              <a:gd name="connsiteY14" fmla="*/ 37491 h 44036"/>
+              <a:gd name="connsiteX15" fmla="*/ 23703 w 43256"/>
+              <a:gd name="connsiteY15" fmla="*/ 43782 h 44036"/>
+              <a:gd name="connsiteX16" fmla="*/ 16516 w 43256"/>
+              <a:gd name="connsiteY16" fmla="*/ 39942 h 44036"/>
+              <a:gd name="connsiteX17" fmla="*/ 5840 w 43256"/>
+              <a:gd name="connsiteY17" fmla="*/ 36148 h 44036"/>
+              <a:gd name="connsiteX18" fmla="*/ 1146 w 43256"/>
+              <a:gd name="connsiteY18" fmla="*/ 31926 h 44036"/>
+              <a:gd name="connsiteX19" fmla="*/ 2149 w 43256"/>
+              <a:gd name="connsiteY19" fmla="*/ 26227 h 44036"/>
+              <a:gd name="connsiteX20" fmla="*/ 31 w 43256"/>
+              <a:gd name="connsiteY20" fmla="*/ 20380 h 44036"/>
+              <a:gd name="connsiteX21" fmla="*/ 3899 w 43256"/>
+              <a:gd name="connsiteY21" fmla="*/ 15183 h 44036"/>
+              <a:gd name="connsiteX22" fmla="*/ 3936 w 43256"/>
+              <a:gd name="connsiteY22" fmla="*/ 15046 h 44036"/>
+              <a:gd name="connsiteX0" fmla="*/ 4729 w 43256"/>
+              <a:gd name="connsiteY0" fmla="*/ 26853 h 44036"/>
+              <a:gd name="connsiteX1" fmla="*/ 2196 w 43256"/>
+              <a:gd name="connsiteY1" fmla="*/ 26056 h 44036"/>
+              <a:gd name="connsiteX2" fmla="*/ 6964 w 43256"/>
+              <a:gd name="connsiteY2" fmla="*/ 35575 h 44036"/>
+              <a:gd name="connsiteX3" fmla="*/ 5856 w 43256"/>
+              <a:gd name="connsiteY3" fmla="*/ 35956 h 44036"/>
+              <a:gd name="connsiteX4" fmla="*/ 16514 w 43256"/>
+              <a:gd name="connsiteY4" fmla="*/ 39766 h 44036"/>
+              <a:gd name="connsiteX5" fmla="*/ 15846 w 43256"/>
+              <a:gd name="connsiteY5" fmla="*/ 38026 h 44036"/>
+              <a:gd name="connsiteX6" fmla="*/ 28863 w 43256"/>
+              <a:gd name="connsiteY6" fmla="*/ 35427 h 44036"/>
+              <a:gd name="connsiteX7" fmla="*/ 28596 w 43256"/>
+              <a:gd name="connsiteY7" fmla="*/ 37336 h 44036"/>
+              <a:gd name="connsiteX8" fmla="*/ 34165 w 43256"/>
+              <a:gd name="connsiteY8" fmla="*/ 23630 h 44036"/>
+              <a:gd name="connsiteX9" fmla="*/ 37416 w 43256"/>
+              <a:gd name="connsiteY9" fmla="*/ 30766 h 44036"/>
+              <a:gd name="connsiteX10" fmla="*/ 41834 w 43256"/>
+              <a:gd name="connsiteY10" fmla="*/ 16030 h 44036"/>
+              <a:gd name="connsiteX11" fmla="*/ 40386 w 43256"/>
+              <a:gd name="connsiteY11" fmla="*/ 18706 h 44036"/>
+              <a:gd name="connsiteX12" fmla="*/ 38360 w 43256"/>
+              <a:gd name="connsiteY12" fmla="*/ 6102 h 44036"/>
+              <a:gd name="connsiteX13" fmla="*/ 38436 w 43256"/>
+              <a:gd name="connsiteY13" fmla="*/ 7366 h 44036"/>
+              <a:gd name="connsiteX14" fmla="*/ 29114 w 43256"/>
+              <a:gd name="connsiteY14" fmla="*/ 4628 h 44036"/>
+              <a:gd name="connsiteX15" fmla="*/ 29856 w 43256"/>
+              <a:gd name="connsiteY15" fmla="*/ 3016 h 44036"/>
+              <a:gd name="connsiteX16" fmla="*/ 22177 w 43256"/>
+              <a:gd name="connsiteY16" fmla="*/ 5396 h 44036"/>
+              <a:gd name="connsiteX17" fmla="*/ 22536 w 43256"/>
+              <a:gd name="connsiteY17" fmla="*/ 4006 h 44036"/>
+              <a:gd name="connsiteX18" fmla="*/ 14036 w 43256"/>
+              <a:gd name="connsiteY18" fmla="*/ 5868 h 44036"/>
+              <a:gd name="connsiteX19" fmla="*/ 15336 w 43256"/>
+              <a:gd name="connsiteY19" fmla="*/ 7216 h 44036"/>
+              <a:gd name="connsiteX20" fmla="*/ 4163 w 43256"/>
+              <a:gd name="connsiteY20" fmla="*/ 16465 h 44036"/>
+              <a:gd name="connsiteX21" fmla="*/ 3936 w 43256"/>
+              <a:gd name="connsiteY21" fmla="*/ 15046 h 44036"/>
+              <a:gd name="connsiteX0" fmla="*/ 3936 w 43256"/>
+              <a:gd name="connsiteY0" fmla="*/ 17566 h 46556"/>
+              <a:gd name="connsiteX1" fmla="*/ 5659 w 43256"/>
+              <a:gd name="connsiteY1" fmla="*/ 5918 h 46556"/>
+              <a:gd name="connsiteX2" fmla="*/ 11155 w 43256"/>
+              <a:gd name="connsiteY2" fmla="*/ 2598 h 46556"/>
+              <a:gd name="connsiteX3" fmla="*/ 14041 w 43256"/>
+              <a:gd name="connsiteY3" fmla="*/ 8398 h 46556"/>
+              <a:gd name="connsiteX4" fmla="*/ 18812 w 43256"/>
+              <a:gd name="connsiteY4" fmla="*/ 8 h 46556"/>
+              <a:gd name="connsiteX5" fmla="*/ 22492 w 43256"/>
+              <a:gd name="connsiteY5" fmla="*/ 6628 h 46556"/>
+              <a:gd name="connsiteX6" fmla="*/ 25785 w 43256"/>
+              <a:gd name="connsiteY6" fmla="*/ 3396 h 46556"/>
+              <a:gd name="connsiteX7" fmla="*/ 29869 w 43256"/>
+              <a:gd name="connsiteY7" fmla="*/ 5677 h 46556"/>
+              <a:gd name="connsiteX8" fmla="*/ 35499 w 43256"/>
+              <a:gd name="connsiteY8" fmla="*/ 3886 h 46556"/>
+              <a:gd name="connsiteX9" fmla="*/ 38354 w 43256"/>
+              <a:gd name="connsiteY9" fmla="*/ 8772 h 46556"/>
+              <a:gd name="connsiteX10" fmla="*/ 42018 w 43256"/>
+              <a:gd name="connsiteY10" fmla="*/ 13514 h 46556"/>
+              <a:gd name="connsiteX11" fmla="*/ 41854 w 43256"/>
+              <a:gd name="connsiteY11" fmla="*/ 18656 h 46556"/>
+              <a:gd name="connsiteX12" fmla="*/ 43052 w 43256"/>
+              <a:gd name="connsiteY12" fmla="*/ 26518 h 46556"/>
+              <a:gd name="connsiteX13" fmla="*/ 37440 w 43256"/>
+              <a:gd name="connsiteY13" fmla="*/ 33400 h 46556"/>
+              <a:gd name="connsiteX14" fmla="*/ 35431 w 43256"/>
+              <a:gd name="connsiteY14" fmla="*/ 39297 h 46556"/>
+              <a:gd name="connsiteX15" fmla="*/ 28591 w 43256"/>
+              <a:gd name="connsiteY15" fmla="*/ 40011 h 46556"/>
+              <a:gd name="connsiteX16" fmla="*/ 23703 w 43256"/>
+              <a:gd name="connsiteY16" fmla="*/ 46302 h 46556"/>
+              <a:gd name="connsiteX17" fmla="*/ 16516 w 43256"/>
+              <a:gd name="connsiteY17" fmla="*/ 42462 h 46556"/>
+              <a:gd name="connsiteX18" fmla="*/ 5840 w 43256"/>
+              <a:gd name="connsiteY18" fmla="*/ 38668 h 46556"/>
+              <a:gd name="connsiteX19" fmla="*/ 1146 w 43256"/>
+              <a:gd name="connsiteY19" fmla="*/ 34446 h 46556"/>
+              <a:gd name="connsiteX20" fmla="*/ 2149 w 43256"/>
+              <a:gd name="connsiteY20" fmla="*/ 28747 h 46556"/>
+              <a:gd name="connsiteX21" fmla="*/ 31 w 43256"/>
+              <a:gd name="connsiteY21" fmla="*/ 22900 h 46556"/>
+              <a:gd name="connsiteX22" fmla="*/ 3899 w 43256"/>
+              <a:gd name="connsiteY22" fmla="*/ 17703 h 46556"/>
+              <a:gd name="connsiteX23" fmla="*/ 3936 w 43256"/>
+              <a:gd name="connsiteY23" fmla="*/ 17566 h 46556"/>
+              <a:gd name="connsiteX0" fmla="*/ 4729 w 43256"/>
+              <a:gd name="connsiteY0" fmla="*/ 29373 h 46556"/>
+              <a:gd name="connsiteX1" fmla="*/ 2196 w 43256"/>
+              <a:gd name="connsiteY1" fmla="*/ 28576 h 46556"/>
+              <a:gd name="connsiteX2" fmla="*/ 6964 w 43256"/>
+              <a:gd name="connsiteY2" fmla="*/ 38095 h 46556"/>
+              <a:gd name="connsiteX3" fmla="*/ 5856 w 43256"/>
+              <a:gd name="connsiteY3" fmla="*/ 38476 h 46556"/>
+              <a:gd name="connsiteX4" fmla="*/ 16514 w 43256"/>
+              <a:gd name="connsiteY4" fmla="*/ 42286 h 46556"/>
+              <a:gd name="connsiteX5" fmla="*/ 15846 w 43256"/>
+              <a:gd name="connsiteY5" fmla="*/ 40546 h 46556"/>
+              <a:gd name="connsiteX6" fmla="*/ 28863 w 43256"/>
+              <a:gd name="connsiteY6" fmla="*/ 37947 h 46556"/>
+              <a:gd name="connsiteX7" fmla="*/ 28596 w 43256"/>
+              <a:gd name="connsiteY7" fmla="*/ 39856 h 46556"/>
+              <a:gd name="connsiteX8" fmla="*/ 34165 w 43256"/>
+              <a:gd name="connsiteY8" fmla="*/ 26150 h 46556"/>
+              <a:gd name="connsiteX9" fmla="*/ 37416 w 43256"/>
+              <a:gd name="connsiteY9" fmla="*/ 33286 h 46556"/>
+              <a:gd name="connsiteX10" fmla="*/ 41834 w 43256"/>
+              <a:gd name="connsiteY10" fmla="*/ 18550 h 46556"/>
+              <a:gd name="connsiteX11" fmla="*/ 40386 w 43256"/>
+              <a:gd name="connsiteY11" fmla="*/ 21226 h 46556"/>
+              <a:gd name="connsiteX12" fmla="*/ 38360 w 43256"/>
+              <a:gd name="connsiteY12" fmla="*/ 8622 h 46556"/>
+              <a:gd name="connsiteX13" fmla="*/ 38436 w 43256"/>
+              <a:gd name="connsiteY13" fmla="*/ 9886 h 46556"/>
+              <a:gd name="connsiteX14" fmla="*/ 29114 w 43256"/>
+              <a:gd name="connsiteY14" fmla="*/ 7148 h 46556"/>
+              <a:gd name="connsiteX15" fmla="*/ 29856 w 43256"/>
+              <a:gd name="connsiteY15" fmla="*/ 5536 h 46556"/>
+              <a:gd name="connsiteX16" fmla="*/ 22177 w 43256"/>
+              <a:gd name="connsiteY16" fmla="*/ 7916 h 46556"/>
+              <a:gd name="connsiteX17" fmla="*/ 22536 w 43256"/>
+              <a:gd name="connsiteY17" fmla="*/ 6526 h 46556"/>
+              <a:gd name="connsiteX18" fmla="*/ 14036 w 43256"/>
+              <a:gd name="connsiteY18" fmla="*/ 8388 h 46556"/>
+              <a:gd name="connsiteX19" fmla="*/ 15336 w 43256"/>
+              <a:gd name="connsiteY19" fmla="*/ 9736 h 46556"/>
+              <a:gd name="connsiteX20" fmla="*/ 4163 w 43256"/>
+              <a:gd name="connsiteY20" fmla="*/ 18985 h 46556"/>
+              <a:gd name="connsiteX21" fmla="*/ 3936 w 43256"/>
+              <a:gd name="connsiteY21" fmla="*/ 17566 h 46556"/>
+              <a:gd name="connsiteX0" fmla="*/ 3936 w 43256"/>
+              <a:gd name="connsiteY0" fmla="*/ 17559 h 46549"/>
+              <a:gd name="connsiteX1" fmla="*/ 5659 w 43256"/>
+              <a:gd name="connsiteY1" fmla="*/ 5911 h 46549"/>
+              <a:gd name="connsiteX2" fmla="*/ 11155 w 43256"/>
+              <a:gd name="connsiteY2" fmla="*/ 2591 h 46549"/>
+              <a:gd name="connsiteX3" fmla="*/ 14041 w 43256"/>
+              <a:gd name="connsiteY3" fmla="*/ 8391 h 46549"/>
+              <a:gd name="connsiteX4" fmla="*/ 14741 w 43256"/>
+              <a:gd name="connsiteY4" fmla="*/ 3388 h 46549"/>
+              <a:gd name="connsiteX5" fmla="*/ 18812 w 43256"/>
+              <a:gd name="connsiteY5" fmla="*/ 1 h 46549"/>
+              <a:gd name="connsiteX6" fmla="*/ 22492 w 43256"/>
+              <a:gd name="connsiteY6" fmla="*/ 6621 h 46549"/>
+              <a:gd name="connsiteX7" fmla="*/ 25785 w 43256"/>
+              <a:gd name="connsiteY7" fmla="*/ 3389 h 46549"/>
+              <a:gd name="connsiteX8" fmla="*/ 29869 w 43256"/>
+              <a:gd name="connsiteY8" fmla="*/ 5670 h 46549"/>
+              <a:gd name="connsiteX9" fmla="*/ 35499 w 43256"/>
+              <a:gd name="connsiteY9" fmla="*/ 3879 h 46549"/>
+              <a:gd name="connsiteX10" fmla="*/ 38354 w 43256"/>
+              <a:gd name="connsiteY10" fmla="*/ 8765 h 46549"/>
+              <a:gd name="connsiteX11" fmla="*/ 42018 w 43256"/>
+              <a:gd name="connsiteY11" fmla="*/ 13507 h 46549"/>
+              <a:gd name="connsiteX12" fmla="*/ 41854 w 43256"/>
+              <a:gd name="connsiteY12" fmla="*/ 18649 h 46549"/>
+              <a:gd name="connsiteX13" fmla="*/ 43052 w 43256"/>
+              <a:gd name="connsiteY13" fmla="*/ 26511 h 46549"/>
+              <a:gd name="connsiteX14" fmla="*/ 37440 w 43256"/>
+              <a:gd name="connsiteY14" fmla="*/ 33393 h 46549"/>
+              <a:gd name="connsiteX15" fmla="*/ 35431 w 43256"/>
+              <a:gd name="connsiteY15" fmla="*/ 39290 h 46549"/>
+              <a:gd name="connsiteX16" fmla="*/ 28591 w 43256"/>
+              <a:gd name="connsiteY16" fmla="*/ 40004 h 46549"/>
+              <a:gd name="connsiteX17" fmla="*/ 23703 w 43256"/>
+              <a:gd name="connsiteY17" fmla="*/ 46295 h 46549"/>
+              <a:gd name="connsiteX18" fmla="*/ 16516 w 43256"/>
+              <a:gd name="connsiteY18" fmla="*/ 42455 h 46549"/>
+              <a:gd name="connsiteX19" fmla="*/ 5840 w 43256"/>
+              <a:gd name="connsiteY19" fmla="*/ 38661 h 46549"/>
+              <a:gd name="connsiteX20" fmla="*/ 1146 w 43256"/>
+              <a:gd name="connsiteY20" fmla="*/ 34439 h 46549"/>
+              <a:gd name="connsiteX21" fmla="*/ 2149 w 43256"/>
+              <a:gd name="connsiteY21" fmla="*/ 28740 h 46549"/>
+              <a:gd name="connsiteX22" fmla="*/ 31 w 43256"/>
+              <a:gd name="connsiteY22" fmla="*/ 22893 h 46549"/>
+              <a:gd name="connsiteX23" fmla="*/ 3899 w 43256"/>
+              <a:gd name="connsiteY23" fmla="*/ 17696 h 46549"/>
+              <a:gd name="connsiteX24" fmla="*/ 3936 w 43256"/>
+              <a:gd name="connsiteY24" fmla="*/ 17559 h 46549"/>
+              <a:gd name="connsiteX0" fmla="*/ 4729 w 43256"/>
+              <a:gd name="connsiteY0" fmla="*/ 29366 h 46549"/>
+              <a:gd name="connsiteX1" fmla="*/ 2196 w 43256"/>
+              <a:gd name="connsiteY1" fmla="*/ 28569 h 46549"/>
+              <a:gd name="connsiteX2" fmla="*/ 6964 w 43256"/>
+              <a:gd name="connsiteY2" fmla="*/ 38088 h 46549"/>
+              <a:gd name="connsiteX3" fmla="*/ 5856 w 43256"/>
+              <a:gd name="connsiteY3" fmla="*/ 38469 h 46549"/>
+              <a:gd name="connsiteX4" fmla="*/ 16514 w 43256"/>
+              <a:gd name="connsiteY4" fmla="*/ 42279 h 46549"/>
+              <a:gd name="connsiteX5" fmla="*/ 15846 w 43256"/>
+              <a:gd name="connsiteY5" fmla="*/ 40539 h 46549"/>
+              <a:gd name="connsiteX6" fmla="*/ 28863 w 43256"/>
+              <a:gd name="connsiteY6" fmla="*/ 37940 h 46549"/>
+              <a:gd name="connsiteX7" fmla="*/ 28596 w 43256"/>
+              <a:gd name="connsiteY7" fmla="*/ 39849 h 46549"/>
+              <a:gd name="connsiteX8" fmla="*/ 34165 w 43256"/>
+              <a:gd name="connsiteY8" fmla="*/ 26143 h 46549"/>
+              <a:gd name="connsiteX9" fmla="*/ 37416 w 43256"/>
+              <a:gd name="connsiteY9" fmla="*/ 33279 h 46549"/>
+              <a:gd name="connsiteX10" fmla="*/ 41834 w 43256"/>
+              <a:gd name="connsiteY10" fmla="*/ 18543 h 46549"/>
+              <a:gd name="connsiteX11" fmla="*/ 40386 w 43256"/>
+              <a:gd name="connsiteY11" fmla="*/ 21219 h 46549"/>
+              <a:gd name="connsiteX12" fmla="*/ 38360 w 43256"/>
+              <a:gd name="connsiteY12" fmla="*/ 8615 h 46549"/>
+              <a:gd name="connsiteX13" fmla="*/ 38436 w 43256"/>
+              <a:gd name="connsiteY13" fmla="*/ 9879 h 46549"/>
+              <a:gd name="connsiteX14" fmla="*/ 29114 w 43256"/>
+              <a:gd name="connsiteY14" fmla="*/ 7141 h 46549"/>
+              <a:gd name="connsiteX15" fmla="*/ 29856 w 43256"/>
+              <a:gd name="connsiteY15" fmla="*/ 5529 h 46549"/>
+              <a:gd name="connsiteX16" fmla="*/ 22177 w 43256"/>
+              <a:gd name="connsiteY16" fmla="*/ 7909 h 46549"/>
+              <a:gd name="connsiteX17" fmla="*/ 22536 w 43256"/>
+              <a:gd name="connsiteY17" fmla="*/ 6519 h 46549"/>
+              <a:gd name="connsiteX18" fmla="*/ 14036 w 43256"/>
+              <a:gd name="connsiteY18" fmla="*/ 8381 h 46549"/>
+              <a:gd name="connsiteX19" fmla="*/ 15336 w 43256"/>
+              <a:gd name="connsiteY19" fmla="*/ 9729 h 46549"/>
+              <a:gd name="connsiteX20" fmla="*/ 4163 w 43256"/>
+              <a:gd name="connsiteY20" fmla="*/ 18978 h 46549"/>
+              <a:gd name="connsiteX21" fmla="*/ 3936 w 43256"/>
+              <a:gd name="connsiteY21" fmla="*/ 17559 h 46549"/>
+              <a:gd name="connsiteX0" fmla="*/ 3936 w 43256"/>
+              <a:gd name="connsiteY0" fmla="*/ 20357 h 49347"/>
+              <a:gd name="connsiteX1" fmla="*/ 5659 w 43256"/>
+              <a:gd name="connsiteY1" fmla="*/ 8709 h 49347"/>
+              <a:gd name="connsiteX2" fmla="*/ 11155 w 43256"/>
+              <a:gd name="connsiteY2" fmla="*/ 5389 h 49347"/>
+              <a:gd name="connsiteX3" fmla="*/ 14041 w 43256"/>
+              <a:gd name="connsiteY3" fmla="*/ 11189 h 49347"/>
+              <a:gd name="connsiteX4" fmla="*/ 14741 w 43256"/>
+              <a:gd name="connsiteY4" fmla="*/ 6186 h 49347"/>
+              <a:gd name="connsiteX5" fmla="*/ 18812 w 43256"/>
+              <a:gd name="connsiteY5" fmla="*/ 2799 h 49347"/>
+              <a:gd name="connsiteX6" fmla="*/ 22492 w 43256"/>
+              <a:gd name="connsiteY6" fmla="*/ 9419 h 49347"/>
+              <a:gd name="connsiteX7" fmla="*/ 28402 w 43256"/>
+              <a:gd name="connsiteY7" fmla="*/ 9 h 49347"/>
+              <a:gd name="connsiteX8" fmla="*/ 29869 w 43256"/>
+              <a:gd name="connsiteY8" fmla="*/ 8468 h 49347"/>
+              <a:gd name="connsiteX9" fmla="*/ 35499 w 43256"/>
+              <a:gd name="connsiteY9" fmla="*/ 6677 h 49347"/>
+              <a:gd name="connsiteX10" fmla="*/ 38354 w 43256"/>
+              <a:gd name="connsiteY10" fmla="*/ 11563 h 49347"/>
+              <a:gd name="connsiteX11" fmla="*/ 42018 w 43256"/>
+              <a:gd name="connsiteY11" fmla="*/ 16305 h 49347"/>
+              <a:gd name="connsiteX12" fmla="*/ 41854 w 43256"/>
+              <a:gd name="connsiteY12" fmla="*/ 21447 h 49347"/>
+              <a:gd name="connsiteX13" fmla="*/ 43052 w 43256"/>
+              <a:gd name="connsiteY13" fmla="*/ 29309 h 49347"/>
+              <a:gd name="connsiteX14" fmla="*/ 37440 w 43256"/>
+              <a:gd name="connsiteY14" fmla="*/ 36191 h 49347"/>
+              <a:gd name="connsiteX15" fmla="*/ 35431 w 43256"/>
+              <a:gd name="connsiteY15" fmla="*/ 42088 h 49347"/>
+              <a:gd name="connsiteX16" fmla="*/ 28591 w 43256"/>
+              <a:gd name="connsiteY16" fmla="*/ 42802 h 49347"/>
+              <a:gd name="connsiteX17" fmla="*/ 23703 w 43256"/>
+              <a:gd name="connsiteY17" fmla="*/ 49093 h 49347"/>
+              <a:gd name="connsiteX18" fmla="*/ 16516 w 43256"/>
+              <a:gd name="connsiteY18" fmla="*/ 45253 h 49347"/>
+              <a:gd name="connsiteX19" fmla="*/ 5840 w 43256"/>
+              <a:gd name="connsiteY19" fmla="*/ 41459 h 49347"/>
+              <a:gd name="connsiteX20" fmla="*/ 1146 w 43256"/>
+              <a:gd name="connsiteY20" fmla="*/ 37237 h 49347"/>
+              <a:gd name="connsiteX21" fmla="*/ 2149 w 43256"/>
+              <a:gd name="connsiteY21" fmla="*/ 31538 h 49347"/>
+              <a:gd name="connsiteX22" fmla="*/ 31 w 43256"/>
+              <a:gd name="connsiteY22" fmla="*/ 25691 h 49347"/>
+              <a:gd name="connsiteX23" fmla="*/ 3899 w 43256"/>
+              <a:gd name="connsiteY23" fmla="*/ 20494 h 49347"/>
+              <a:gd name="connsiteX24" fmla="*/ 3936 w 43256"/>
+              <a:gd name="connsiteY24" fmla="*/ 20357 h 49347"/>
+              <a:gd name="connsiteX0" fmla="*/ 4729 w 43256"/>
+              <a:gd name="connsiteY0" fmla="*/ 32164 h 49347"/>
+              <a:gd name="connsiteX1" fmla="*/ 2196 w 43256"/>
+              <a:gd name="connsiteY1" fmla="*/ 31367 h 49347"/>
+              <a:gd name="connsiteX2" fmla="*/ 6964 w 43256"/>
+              <a:gd name="connsiteY2" fmla="*/ 40886 h 49347"/>
+              <a:gd name="connsiteX3" fmla="*/ 5856 w 43256"/>
+              <a:gd name="connsiteY3" fmla="*/ 41267 h 49347"/>
+              <a:gd name="connsiteX4" fmla="*/ 16514 w 43256"/>
+              <a:gd name="connsiteY4" fmla="*/ 45077 h 49347"/>
+              <a:gd name="connsiteX5" fmla="*/ 15846 w 43256"/>
+              <a:gd name="connsiteY5" fmla="*/ 43337 h 49347"/>
+              <a:gd name="connsiteX6" fmla="*/ 28863 w 43256"/>
+              <a:gd name="connsiteY6" fmla="*/ 40738 h 49347"/>
+              <a:gd name="connsiteX7" fmla="*/ 28596 w 43256"/>
+              <a:gd name="connsiteY7" fmla="*/ 42647 h 49347"/>
+              <a:gd name="connsiteX8" fmla="*/ 34165 w 43256"/>
+              <a:gd name="connsiteY8" fmla="*/ 28941 h 49347"/>
+              <a:gd name="connsiteX9" fmla="*/ 37416 w 43256"/>
+              <a:gd name="connsiteY9" fmla="*/ 36077 h 49347"/>
+              <a:gd name="connsiteX10" fmla="*/ 41834 w 43256"/>
+              <a:gd name="connsiteY10" fmla="*/ 21341 h 49347"/>
+              <a:gd name="connsiteX11" fmla="*/ 40386 w 43256"/>
+              <a:gd name="connsiteY11" fmla="*/ 24017 h 49347"/>
+              <a:gd name="connsiteX12" fmla="*/ 38360 w 43256"/>
+              <a:gd name="connsiteY12" fmla="*/ 11413 h 49347"/>
+              <a:gd name="connsiteX13" fmla="*/ 38436 w 43256"/>
+              <a:gd name="connsiteY13" fmla="*/ 12677 h 49347"/>
+              <a:gd name="connsiteX14" fmla="*/ 29114 w 43256"/>
+              <a:gd name="connsiteY14" fmla="*/ 9939 h 49347"/>
+              <a:gd name="connsiteX15" fmla="*/ 29856 w 43256"/>
+              <a:gd name="connsiteY15" fmla="*/ 8327 h 49347"/>
+              <a:gd name="connsiteX16" fmla="*/ 22177 w 43256"/>
+              <a:gd name="connsiteY16" fmla="*/ 10707 h 49347"/>
+              <a:gd name="connsiteX17" fmla="*/ 22536 w 43256"/>
+              <a:gd name="connsiteY17" fmla="*/ 9317 h 49347"/>
+              <a:gd name="connsiteX18" fmla="*/ 14036 w 43256"/>
+              <a:gd name="connsiteY18" fmla="*/ 11179 h 49347"/>
+              <a:gd name="connsiteX19" fmla="*/ 15336 w 43256"/>
+              <a:gd name="connsiteY19" fmla="*/ 12527 h 49347"/>
+              <a:gd name="connsiteX20" fmla="*/ 4163 w 43256"/>
+              <a:gd name="connsiteY20" fmla="*/ 21776 h 49347"/>
+              <a:gd name="connsiteX21" fmla="*/ 3936 w 43256"/>
+              <a:gd name="connsiteY21" fmla="*/ 20357 h 49347"/>
+              <a:gd name="connsiteX0" fmla="*/ 3936 w 43256"/>
+              <a:gd name="connsiteY0" fmla="*/ 20357 h 49347"/>
+              <a:gd name="connsiteX1" fmla="*/ 5659 w 43256"/>
+              <a:gd name="connsiteY1" fmla="*/ 8709 h 49347"/>
+              <a:gd name="connsiteX2" fmla="*/ 11155 w 43256"/>
+              <a:gd name="connsiteY2" fmla="*/ 5389 h 49347"/>
+              <a:gd name="connsiteX3" fmla="*/ 14041 w 43256"/>
+              <a:gd name="connsiteY3" fmla="*/ 11189 h 49347"/>
+              <a:gd name="connsiteX4" fmla="*/ 14741 w 43256"/>
+              <a:gd name="connsiteY4" fmla="*/ 6186 h 49347"/>
+              <a:gd name="connsiteX5" fmla="*/ 18812 w 43256"/>
+              <a:gd name="connsiteY5" fmla="*/ 2799 h 49347"/>
+              <a:gd name="connsiteX6" fmla="*/ 22492 w 43256"/>
+              <a:gd name="connsiteY6" fmla="*/ 9419 h 49347"/>
+              <a:gd name="connsiteX7" fmla="*/ 28402 w 43256"/>
+              <a:gd name="connsiteY7" fmla="*/ 9 h 49347"/>
+              <a:gd name="connsiteX8" fmla="*/ 29869 w 43256"/>
+              <a:gd name="connsiteY8" fmla="*/ 8468 h 49347"/>
+              <a:gd name="connsiteX9" fmla="*/ 39957 w 43256"/>
+              <a:gd name="connsiteY9" fmla="*/ 1097 h 49347"/>
+              <a:gd name="connsiteX10" fmla="*/ 38354 w 43256"/>
+              <a:gd name="connsiteY10" fmla="*/ 11563 h 49347"/>
+              <a:gd name="connsiteX11" fmla="*/ 42018 w 43256"/>
+              <a:gd name="connsiteY11" fmla="*/ 16305 h 49347"/>
+              <a:gd name="connsiteX12" fmla="*/ 41854 w 43256"/>
+              <a:gd name="connsiteY12" fmla="*/ 21447 h 49347"/>
+              <a:gd name="connsiteX13" fmla="*/ 43052 w 43256"/>
+              <a:gd name="connsiteY13" fmla="*/ 29309 h 49347"/>
+              <a:gd name="connsiteX14" fmla="*/ 37440 w 43256"/>
+              <a:gd name="connsiteY14" fmla="*/ 36191 h 49347"/>
+              <a:gd name="connsiteX15" fmla="*/ 35431 w 43256"/>
+              <a:gd name="connsiteY15" fmla="*/ 42088 h 49347"/>
+              <a:gd name="connsiteX16" fmla="*/ 28591 w 43256"/>
+              <a:gd name="connsiteY16" fmla="*/ 42802 h 49347"/>
+              <a:gd name="connsiteX17" fmla="*/ 23703 w 43256"/>
+              <a:gd name="connsiteY17" fmla="*/ 49093 h 49347"/>
+              <a:gd name="connsiteX18" fmla="*/ 16516 w 43256"/>
+              <a:gd name="connsiteY18" fmla="*/ 45253 h 49347"/>
+              <a:gd name="connsiteX19" fmla="*/ 5840 w 43256"/>
+              <a:gd name="connsiteY19" fmla="*/ 41459 h 49347"/>
+              <a:gd name="connsiteX20" fmla="*/ 1146 w 43256"/>
+              <a:gd name="connsiteY20" fmla="*/ 37237 h 49347"/>
+              <a:gd name="connsiteX21" fmla="*/ 2149 w 43256"/>
+              <a:gd name="connsiteY21" fmla="*/ 31538 h 49347"/>
+              <a:gd name="connsiteX22" fmla="*/ 31 w 43256"/>
+              <a:gd name="connsiteY22" fmla="*/ 25691 h 49347"/>
+              <a:gd name="connsiteX23" fmla="*/ 3899 w 43256"/>
+              <a:gd name="connsiteY23" fmla="*/ 20494 h 49347"/>
+              <a:gd name="connsiteX24" fmla="*/ 3936 w 43256"/>
+              <a:gd name="connsiteY24" fmla="*/ 20357 h 49347"/>
+              <a:gd name="connsiteX0" fmla="*/ 4729 w 43256"/>
+              <a:gd name="connsiteY0" fmla="*/ 32164 h 49347"/>
+              <a:gd name="connsiteX1" fmla="*/ 2196 w 43256"/>
+              <a:gd name="connsiteY1" fmla="*/ 31367 h 49347"/>
+              <a:gd name="connsiteX2" fmla="*/ 6964 w 43256"/>
+              <a:gd name="connsiteY2" fmla="*/ 40886 h 49347"/>
+              <a:gd name="connsiteX3" fmla="*/ 5856 w 43256"/>
+              <a:gd name="connsiteY3" fmla="*/ 41267 h 49347"/>
+              <a:gd name="connsiteX4" fmla="*/ 16514 w 43256"/>
+              <a:gd name="connsiteY4" fmla="*/ 45077 h 49347"/>
+              <a:gd name="connsiteX5" fmla="*/ 15846 w 43256"/>
+              <a:gd name="connsiteY5" fmla="*/ 43337 h 49347"/>
+              <a:gd name="connsiteX6" fmla="*/ 28863 w 43256"/>
+              <a:gd name="connsiteY6" fmla="*/ 40738 h 49347"/>
+              <a:gd name="connsiteX7" fmla="*/ 28596 w 43256"/>
+              <a:gd name="connsiteY7" fmla="*/ 42647 h 49347"/>
+              <a:gd name="connsiteX8" fmla="*/ 34165 w 43256"/>
+              <a:gd name="connsiteY8" fmla="*/ 28941 h 49347"/>
+              <a:gd name="connsiteX9" fmla="*/ 37416 w 43256"/>
+              <a:gd name="connsiteY9" fmla="*/ 36077 h 49347"/>
+              <a:gd name="connsiteX10" fmla="*/ 41834 w 43256"/>
+              <a:gd name="connsiteY10" fmla="*/ 21341 h 49347"/>
+              <a:gd name="connsiteX11" fmla="*/ 40386 w 43256"/>
+              <a:gd name="connsiteY11" fmla="*/ 24017 h 49347"/>
+              <a:gd name="connsiteX12" fmla="*/ 38360 w 43256"/>
+              <a:gd name="connsiteY12" fmla="*/ 11413 h 49347"/>
+              <a:gd name="connsiteX13" fmla="*/ 38436 w 43256"/>
+              <a:gd name="connsiteY13" fmla="*/ 12677 h 49347"/>
+              <a:gd name="connsiteX14" fmla="*/ 29114 w 43256"/>
+              <a:gd name="connsiteY14" fmla="*/ 9939 h 49347"/>
+              <a:gd name="connsiteX15" fmla="*/ 29856 w 43256"/>
+              <a:gd name="connsiteY15" fmla="*/ 8327 h 49347"/>
+              <a:gd name="connsiteX16" fmla="*/ 22177 w 43256"/>
+              <a:gd name="connsiteY16" fmla="*/ 10707 h 49347"/>
+              <a:gd name="connsiteX17" fmla="*/ 22536 w 43256"/>
+              <a:gd name="connsiteY17" fmla="*/ 9317 h 49347"/>
+              <a:gd name="connsiteX18" fmla="*/ 14036 w 43256"/>
+              <a:gd name="connsiteY18" fmla="*/ 11179 h 49347"/>
+              <a:gd name="connsiteX19" fmla="*/ 15336 w 43256"/>
+              <a:gd name="connsiteY19" fmla="*/ 12527 h 49347"/>
+              <a:gd name="connsiteX20" fmla="*/ 4163 w 43256"/>
+              <a:gd name="connsiteY20" fmla="*/ 21776 h 49347"/>
+              <a:gd name="connsiteX21" fmla="*/ 3936 w 43256"/>
+              <a:gd name="connsiteY21" fmla="*/ 20357 h 49347"/>
+              <a:gd name="connsiteX0" fmla="*/ 3936 w 43256"/>
+              <a:gd name="connsiteY0" fmla="*/ 21942 h 50932"/>
+              <a:gd name="connsiteX1" fmla="*/ 5659 w 43256"/>
+              <a:gd name="connsiteY1" fmla="*/ 10294 h 50932"/>
+              <a:gd name="connsiteX2" fmla="*/ 11155 w 43256"/>
+              <a:gd name="connsiteY2" fmla="*/ 6974 h 50932"/>
+              <a:gd name="connsiteX3" fmla="*/ 14041 w 43256"/>
+              <a:gd name="connsiteY3" fmla="*/ 12774 h 50932"/>
+              <a:gd name="connsiteX4" fmla="*/ 14741 w 43256"/>
+              <a:gd name="connsiteY4" fmla="*/ 7771 h 50932"/>
+              <a:gd name="connsiteX5" fmla="*/ 18424 w 43256"/>
+              <a:gd name="connsiteY5" fmla="*/ 0 h 50932"/>
+              <a:gd name="connsiteX6" fmla="*/ 22492 w 43256"/>
+              <a:gd name="connsiteY6" fmla="*/ 11004 h 50932"/>
+              <a:gd name="connsiteX7" fmla="*/ 28402 w 43256"/>
+              <a:gd name="connsiteY7" fmla="*/ 1594 h 50932"/>
+              <a:gd name="connsiteX8" fmla="*/ 29869 w 43256"/>
+              <a:gd name="connsiteY8" fmla="*/ 10053 h 50932"/>
+              <a:gd name="connsiteX9" fmla="*/ 39957 w 43256"/>
+              <a:gd name="connsiteY9" fmla="*/ 2682 h 50932"/>
+              <a:gd name="connsiteX10" fmla="*/ 38354 w 43256"/>
+              <a:gd name="connsiteY10" fmla="*/ 13148 h 50932"/>
+              <a:gd name="connsiteX11" fmla="*/ 42018 w 43256"/>
+              <a:gd name="connsiteY11" fmla="*/ 17890 h 50932"/>
+              <a:gd name="connsiteX12" fmla="*/ 41854 w 43256"/>
+              <a:gd name="connsiteY12" fmla="*/ 23032 h 50932"/>
+              <a:gd name="connsiteX13" fmla="*/ 43052 w 43256"/>
+              <a:gd name="connsiteY13" fmla="*/ 30894 h 50932"/>
+              <a:gd name="connsiteX14" fmla="*/ 37440 w 43256"/>
+              <a:gd name="connsiteY14" fmla="*/ 37776 h 50932"/>
+              <a:gd name="connsiteX15" fmla="*/ 35431 w 43256"/>
+              <a:gd name="connsiteY15" fmla="*/ 43673 h 50932"/>
+              <a:gd name="connsiteX16" fmla="*/ 28591 w 43256"/>
+              <a:gd name="connsiteY16" fmla="*/ 44387 h 50932"/>
+              <a:gd name="connsiteX17" fmla="*/ 23703 w 43256"/>
+              <a:gd name="connsiteY17" fmla="*/ 50678 h 50932"/>
+              <a:gd name="connsiteX18" fmla="*/ 16516 w 43256"/>
+              <a:gd name="connsiteY18" fmla="*/ 46838 h 50932"/>
+              <a:gd name="connsiteX19" fmla="*/ 5840 w 43256"/>
+              <a:gd name="connsiteY19" fmla="*/ 43044 h 50932"/>
+              <a:gd name="connsiteX20" fmla="*/ 1146 w 43256"/>
+              <a:gd name="connsiteY20" fmla="*/ 38822 h 50932"/>
+              <a:gd name="connsiteX21" fmla="*/ 2149 w 43256"/>
+              <a:gd name="connsiteY21" fmla="*/ 33123 h 50932"/>
+              <a:gd name="connsiteX22" fmla="*/ 31 w 43256"/>
+              <a:gd name="connsiteY22" fmla="*/ 27276 h 50932"/>
+              <a:gd name="connsiteX23" fmla="*/ 3899 w 43256"/>
+              <a:gd name="connsiteY23" fmla="*/ 22079 h 50932"/>
+              <a:gd name="connsiteX24" fmla="*/ 3936 w 43256"/>
+              <a:gd name="connsiteY24" fmla="*/ 21942 h 50932"/>
+              <a:gd name="connsiteX0" fmla="*/ 4729 w 43256"/>
+              <a:gd name="connsiteY0" fmla="*/ 33749 h 50932"/>
+              <a:gd name="connsiteX1" fmla="*/ 2196 w 43256"/>
+              <a:gd name="connsiteY1" fmla="*/ 32952 h 50932"/>
+              <a:gd name="connsiteX2" fmla="*/ 6964 w 43256"/>
+              <a:gd name="connsiteY2" fmla="*/ 42471 h 50932"/>
+              <a:gd name="connsiteX3" fmla="*/ 5856 w 43256"/>
+              <a:gd name="connsiteY3" fmla="*/ 42852 h 50932"/>
+              <a:gd name="connsiteX4" fmla="*/ 16514 w 43256"/>
+              <a:gd name="connsiteY4" fmla="*/ 46662 h 50932"/>
+              <a:gd name="connsiteX5" fmla="*/ 15846 w 43256"/>
+              <a:gd name="connsiteY5" fmla="*/ 44922 h 50932"/>
+              <a:gd name="connsiteX6" fmla="*/ 28863 w 43256"/>
+              <a:gd name="connsiteY6" fmla="*/ 42323 h 50932"/>
+              <a:gd name="connsiteX7" fmla="*/ 28596 w 43256"/>
+              <a:gd name="connsiteY7" fmla="*/ 44232 h 50932"/>
+              <a:gd name="connsiteX8" fmla="*/ 34165 w 43256"/>
+              <a:gd name="connsiteY8" fmla="*/ 30526 h 50932"/>
+              <a:gd name="connsiteX9" fmla="*/ 37416 w 43256"/>
+              <a:gd name="connsiteY9" fmla="*/ 37662 h 50932"/>
+              <a:gd name="connsiteX10" fmla="*/ 41834 w 43256"/>
+              <a:gd name="connsiteY10" fmla="*/ 22926 h 50932"/>
+              <a:gd name="connsiteX11" fmla="*/ 40386 w 43256"/>
+              <a:gd name="connsiteY11" fmla="*/ 25602 h 50932"/>
+              <a:gd name="connsiteX12" fmla="*/ 38360 w 43256"/>
+              <a:gd name="connsiteY12" fmla="*/ 12998 h 50932"/>
+              <a:gd name="connsiteX13" fmla="*/ 38436 w 43256"/>
+              <a:gd name="connsiteY13" fmla="*/ 14262 h 50932"/>
+              <a:gd name="connsiteX14" fmla="*/ 29114 w 43256"/>
+              <a:gd name="connsiteY14" fmla="*/ 11524 h 50932"/>
+              <a:gd name="connsiteX15" fmla="*/ 29856 w 43256"/>
+              <a:gd name="connsiteY15" fmla="*/ 9912 h 50932"/>
+              <a:gd name="connsiteX16" fmla="*/ 22177 w 43256"/>
+              <a:gd name="connsiteY16" fmla="*/ 12292 h 50932"/>
+              <a:gd name="connsiteX17" fmla="*/ 22536 w 43256"/>
+              <a:gd name="connsiteY17" fmla="*/ 10902 h 50932"/>
+              <a:gd name="connsiteX18" fmla="*/ 14036 w 43256"/>
+              <a:gd name="connsiteY18" fmla="*/ 12764 h 50932"/>
+              <a:gd name="connsiteX19" fmla="*/ 15336 w 43256"/>
+              <a:gd name="connsiteY19" fmla="*/ 14112 h 50932"/>
+              <a:gd name="connsiteX20" fmla="*/ 4163 w 43256"/>
+              <a:gd name="connsiteY20" fmla="*/ 23361 h 50932"/>
+              <a:gd name="connsiteX21" fmla="*/ 3936 w 43256"/>
+              <a:gd name="connsiteY21" fmla="*/ 21942 h 50932"/>
+              <a:gd name="connsiteX0" fmla="*/ 3936 w 43256"/>
+              <a:gd name="connsiteY0" fmla="*/ 25986 h 54976"/>
+              <a:gd name="connsiteX1" fmla="*/ 5659 w 43256"/>
+              <a:gd name="connsiteY1" fmla="*/ 14338 h 54976"/>
+              <a:gd name="connsiteX2" fmla="*/ 11155 w 43256"/>
+              <a:gd name="connsiteY2" fmla="*/ 11018 h 54976"/>
+              <a:gd name="connsiteX3" fmla="*/ 14041 w 43256"/>
+              <a:gd name="connsiteY3" fmla="*/ 16818 h 54976"/>
+              <a:gd name="connsiteX4" fmla="*/ 14741 w 43256"/>
+              <a:gd name="connsiteY4" fmla="*/ 11815 h 54976"/>
+              <a:gd name="connsiteX5" fmla="*/ 18424 w 43256"/>
+              <a:gd name="connsiteY5" fmla="*/ 4044 h 54976"/>
+              <a:gd name="connsiteX6" fmla="*/ 22492 w 43256"/>
+              <a:gd name="connsiteY6" fmla="*/ 15048 h 54976"/>
+              <a:gd name="connsiteX7" fmla="*/ 28402 w 43256"/>
+              <a:gd name="connsiteY7" fmla="*/ 5638 h 54976"/>
+              <a:gd name="connsiteX8" fmla="*/ 29869 w 43256"/>
+              <a:gd name="connsiteY8" fmla="*/ 14097 h 54976"/>
+              <a:gd name="connsiteX9" fmla="*/ 39957 w 43256"/>
+              <a:gd name="connsiteY9" fmla="*/ 6726 h 54976"/>
+              <a:gd name="connsiteX10" fmla="*/ 38354 w 43256"/>
+              <a:gd name="connsiteY10" fmla="*/ 17192 h 54976"/>
+              <a:gd name="connsiteX11" fmla="*/ 42018 w 43256"/>
+              <a:gd name="connsiteY11" fmla="*/ 21934 h 54976"/>
+              <a:gd name="connsiteX12" fmla="*/ 41854 w 43256"/>
+              <a:gd name="connsiteY12" fmla="*/ 27076 h 54976"/>
+              <a:gd name="connsiteX13" fmla="*/ 43052 w 43256"/>
+              <a:gd name="connsiteY13" fmla="*/ 34938 h 54976"/>
+              <a:gd name="connsiteX14" fmla="*/ 37440 w 43256"/>
+              <a:gd name="connsiteY14" fmla="*/ 41820 h 54976"/>
+              <a:gd name="connsiteX15" fmla="*/ 35431 w 43256"/>
+              <a:gd name="connsiteY15" fmla="*/ 47717 h 54976"/>
+              <a:gd name="connsiteX16" fmla="*/ 28591 w 43256"/>
+              <a:gd name="connsiteY16" fmla="*/ 48431 h 54976"/>
+              <a:gd name="connsiteX17" fmla="*/ 23703 w 43256"/>
+              <a:gd name="connsiteY17" fmla="*/ 54722 h 54976"/>
+              <a:gd name="connsiteX18" fmla="*/ 16516 w 43256"/>
+              <a:gd name="connsiteY18" fmla="*/ 50882 h 54976"/>
+              <a:gd name="connsiteX19" fmla="*/ 5840 w 43256"/>
+              <a:gd name="connsiteY19" fmla="*/ 47088 h 54976"/>
+              <a:gd name="connsiteX20" fmla="*/ 1146 w 43256"/>
+              <a:gd name="connsiteY20" fmla="*/ 42866 h 54976"/>
+              <a:gd name="connsiteX21" fmla="*/ 2149 w 43256"/>
+              <a:gd name="connsiteY21" fmla="*/ 37167 h 54976"/>
+              <a:gd name="connsiteX22" fmla="*/ 31 w 43256"/>
+              <a:gd name="connsiteY22" fmla="*/ 31320 h 54976"/>
+              <a:gd name="connsiteX23" fmla="*/ 3899 w 43256"/>
+              <a:gd name="connsiteY23" fmla="*/ 26123 h 54976"/>
+              <a:gd name="connsiteX24" fmla="*/ 3936 w 43256"/>
+              <a:gd name="connsiteY24" fmla="*/ 25986 h 54976"/>
+              <a:gd name="connsiteX0" fmla="*/ 4729 w 43256"/>
+              <a:gd name="connsiteY0" fmla="*/ 37793 h 54976"/>
+              <a:gd name="connsiteX1" fmla="*/ 2196 w 43256"/>
+              <a:gd name="connsiteY1" fmla="*/ 36996 h 54976"/>
+              <a:gd name="connsiteX2" fmla="*/ 6964 w 43256"/>
+              <a:gd name="connsiteY2" fmla="*/ 46515 h 54976"/>
+              <a:gd name="connsiteX3" fmla="*/ 5856 w 43256"/>
+              <a:gd name="connsiteY3" fmla="*/ 46896 h 54976"/>
+              <a:gd name="connsiteX4" fmla="*/ 16514 w 43256"/>
+              <a:gd name="connsiteY4" fmla="*/ 50706 h 54976"/>
+              <a:gd name="connsiteX5" fmla="*/ 15846 w 43256"/>
+              <a:gd name="connsiteY5" fmla="*/ 48966 h 54976"/>
+              <a:gd name="connsiteX6" fmla="*/ 28863 w 43256"/>
+              <a:gd name="connsiteY6" fmla="*/ 46367 h 54976"/>
+              <a:gd name="connsiteX7" fmla="*/ 28596 w 43256"/>
+              <a:gd name="connsiteY7" fmla="*/ 48276 h 54976"/>
+              <a:gd name="connsiteX8" fmla="*/ 34165 w 43256"/>
+              <a:gd name="connsiteY8" fmla="*/ 34570 h 54976"/>
+              <a:gd name="connsiteX9" fmla="*/ 37416 w 43256"/>
+              <a:gd name="connsiteY9" fmla="*/ 41706 h 54976"/>
+              <a:gd name="connsiteX10" fmla="*/ 41834 w 43256"/>
+              <a:gd name="connsiteY10" fmla="*/ 26970 h 54976"/>
+              <a:gd name="connsiteX11" fmla="*/ 40386 w 43256"/>
+              <a:gd name="connsiteY11" fmla="*/ 29646 h 54976"/>
+              <a:gd name="connsiteX12" fmla="*/ 38360 w 43256"/>
+              <a:gd name="connsiteY12" fmla="*/ 17042 h 54976"/>
+              <a:gd name="connsiteX13" fmla="*/ 38436 w 43256"/>
+              <a:gd name="connsiteY13" fmla="*/ 18306 h 54976"/>
+              <a:gd name="connsiteX14" fmla="*/ 29114 w 43256"/>
+              <a:gd name="connsiteY14" fmla="*/ 15568 h 54976"/>
+              <a:gd name="connsiteX15" fmla="*/ 29856 w 43256"/>
+              <a:gd name="connsiteY15" fmla="*/ 13956 h 54976"/>
+              <a:gd name="connsiteX16" fmla="*/ 22177 w 43256"/>
+              <a:gd name="connsiteY16" fmla="*/ 16336 h 54976"/>
+              <a:gd name="connsiteX17" fmla="*/ 24378 w 43256"/>
+              <a:gd name="connsiteY17" fmla="*/ 0 h 54976"/>
+              <a:gd name="connsiteX18" fmla="*/ 14036 w 43256"/>
+              <a:gd name="connsiteY18" fmla="*/ 16808 h 54976"/>
+              <a:gd name="connsiteX19" fmla="*/ 15336 w 43256"/>
+              <a:gd name="connsiteY19" fmla="*/ 18156 h 54976"/>
+              <a:gd name="connsiteX20" fmla="*/ 4163 w 43256"/>
+              <a:gd name="connsiteY20" fmla="*/ 27405 h 54976"/>
+              <a:gd name="connsiteX21" fmla="*/ 3936 w 43256"/>
+              <a:gd name="connsiteY21" fmla="*/ 25986 h 54976"/>
+              <a:gd name="connsiteX0" fmla="*/ 3936 w 43256"/>
+              <a:gd name="connsiteY0" fmla="*/ 25986 h 54976"/>
+              <a:gd name="connsiteX1" fmla="*/ 5659 w 43256"/>
+              <a:gd name="connsiteY1" fmla="*/ 14338 h 54976"/>
+              <a:gd name="connsiteX2" fmla="*/ 11155 w 43256"/>
+              <a:gd name="connsiteY2" fmla="*/ 11018 h 54976"/>
+              <a:gd name="connsiteX3" fmla="*/ 14041 w 43256"/>
+              <a:gd name="connsiteY3" fmla="*/ 16818 h 54976"/>
+              <a:gd name="connsiteX4" fmla="*/ 14741 w 43256"/>
+              <a:gd name="connsiteY4" fmla="*/ 11815 h 54976"/>
+              <a:gd name="connsiteX5" fmla="*/ 18424 w 43256"/>
+              <a:gd name="connsiteY5" fmla="*/ 4044 h 54976"/>
+              <a:gd name="connsiteX6" fmla="*/ 22492 w 43256"/>
+              <a:gd name="connsiteY6" fmla="*/ 15048 h 54976"/>
+              <a:gd name="connsiteX7" fmla="*/ 28402 w 43256"/>
+              <a:gd name="connsiteY7" fmla="*/ 5638 h 54976"/>
+              <a:gd name="connsiteX8" fmla="*/ 29869 w 43256"/>
+              <a:gd name="connsiteY8" fmla="*/ 14097 h 54976"/>
+              <a:gd name="connsiteX9" fmla="*/ 39957 w 43256"/>
+              <a:gd name="connsiteY9" fmla="*/ 6726 h 54976"/>
+              <a:gd name="connsiteX10" fmla="*/ 38354 w 43256"/>
+              <a:gd name="connsiteY10" fmla="*/ 17192 h 54976"/>
+              <a:gd name="connsiteX11" fmla="*/ 42018 w 43256"/>
+              <a:gd name="connsiteY11" fmla="*/ 21934 h 54976"/>
+              <a:gd name="connsiteX12" fmla="*/ 41854 w 43256"/>
+              <a:gd name="connsiteY12" fmla="*/ 27076 h 54976"/>
+              <a:gd name="connsiteX13" fmla="*/ 43052 w 43256"/>
+              <a:gd name="connsiteY13" fmla="*/ 34938 h 54976"/>
+              <a:gd name="connsiteX14" fmla="*/ 37440 w 43256"/>
+              <a:gd name="connsiteY14" fmla="*/ 41820 h 54976"/>
+              <a:gd name="connsiteX15" fmla="*/ 35431 w 43256"/>
+              <a:gd name="connsiteY15" fmla="*/ 47717 h 54976"/>
+              <a:gd name="connsiteX16" fmla="*/ 28591 w 43256"/>
+              <a:gd name="connsiteY16" fmla="*/ 48431 h 54976"/>
+              <a:gd name="connsiteX17" fmla="*/ 23703 w 43256"/>
+              <a:gd name="connsiteY17" fmla="*/ 54722 h 54976"/>
+              <a:gd name="connsiteX18" fmla="*/ 16516 w 43256"/>
+              <a:gd name="connsiteY18" fmla="*/ 50882 h 54976"/>
+              <a:gd name="connsiteX19" fmla="*/ 5840 w 43256"/>
+              <a:gd name="connsiteY19" fmla="*/ 47088 h 54976"/>
+              <a:gd name="connsiteX20" fmla="*/ 1146 w 43256"/>
+              <a:gd name="connsiteY20" fmla="*/ 42866 h 54976"/>
+              <a:gd name="connsiteX21" fmla="*/ 2149 w 43256"/>
+              <a:gd name="connsiteY21" fmla="*/ 37167 h 54976"/>
+              <a:gd name="connsiteX22" fmla="*/ 31 w 43256"/>
+              <a:gd name="connsiteY22" fmla="*/ 31320 h 54976"/>
+              <a:gd name="connsiteX23" fmla="*/ 3899 w 43256"/>
+              <a:gd name="connsiteY23" fmla="*/ 26123 h 54976"/>
+              <a:gd name="connsiteX24" fmla="*/ 3936 w 43256"/>
+              <a:gd name="connsiteY24" fmla="*/ 25986 h 54976"/>
+              <a:gd name="connsiteX0" fmla="*/ 4729 w 43256"/>
+              <a:gd name="connsiteY0" fmla="*/ 37793 h 54976"/>
+              <a:gd name="connsiteX1" fmla="*/ 2196 w 43256"/>
+              <a:gd name="connsiteY1" fmla="*/ 36996 h 54976"/>
+              <a:gd name="connsiteX2" fmla="*/ 6964 w 43256"/>
+              <a:gd name="connsiteY2" fmla="*/ 46515 h 54976"/>
+              <a:gd name="connsiteX3" fmla="*/ 5856 w 43256"/>
+              <a:gd name="connsiteY3" fmla="*/ 46896 h 54976"/>
+              <a:gd name="connsiteX4" fmla="*/ 16514 w 43256"/>
+              <a:gd name="connsiteY4" fmla="*/ 50706 h 54976"/>
+              <a:gd name="connsiteX5" fmla="*/ 15846 w 43256"/>
+              <a:gd name="connsiteY5" fmla="*/ 48966 h 54976"/>
+              <a:gd name="connsiteX6" fmla="*/ 28863 w 43256"/>
+              <a:gd name="connsiteY6" fmla="*/ 46367 h 54976"/>
+              <a:gd name="connsiteX7" fmla="*/ 28596 w 43256"/>
+              <a:gd name="connsiteY7" fmla="*/ 48276 h 54976"/>
+              <a:gd name="connsiteX8" fmla="*/ 34165 w 43256"/>
+              <a:gd name="connsiteY8" fmla="*/ 34570 h 54976"/>
+              <a:gd name="connsiteX9" fmla="*/ 37416 w 43256"/>
+              <a:gd name="connsiteY9" fmla="*/ 41706 h 54976"/>
+              <a:gd name="connsiteX10" fmla="*/ 41834 w 43256"/>
+              <a:gd name="connsiteY10" fmla="*/ 26970 h 54976"/>
+              <a:gd name="connsiteX11" fmla="*/ 40386 w 43256"/>
+              <a:gd name="connsiteY11" fmla="*/ 29646 h 54976"/>
+              <a:gd name="connsiteX12" fmla="*/ 38360 w 43256"/>
+              <a:gd name="connsiteY12" fmla="*/ 17042 h 54976"/>
+              <a:gd name="connsiteX13" fmla="*/ 38436 w 43256"/>
+              <a:gd name="connsiteY13" fmla="*/ 18306 h 54976"/>
+              <a:gd name="connsiteX14" fmla="*/ 29114 w 43256"/>
+              <a:gd name="connsiteY14" fmla="*/ 15568 h 54976"/>
+              <a:gd name="connsiteX15" fmla="*/ 29856 w 43256"/>
+              <a:gd name="connsiteY15" fmla="*/ 13956 h 54976"/>
+              <a:gd name="connsiteX16" fmla="*/ 21014 w 43256"/>
+              <a:gd name="connsiteY16" fmla="*/ 3981 h 54976"/>
+              <a:gd name="connsiteX17" fmla="*/ 24378 w 43256"/>
+              <a:gd name="connsiteY17" fmla="*/ 0 h 54976"/>
+              <a:gd name="connsiteX18" fmla="*/ 14036 w 43256"/>
+              <a:gd name="connsiteY18" fmla="*/ 16808 h 54976"/>
+              <a:gd name="connsiteX19" fmla="*/ 15336 w 43256"/>
+              <a:gd name="connsiteY19" fmla="*/ 18156 h 54976"/>
+              <a:gd name="connsiteX20" fmla="*/ 4163 w 43256"/>
+              <a:gd name="connsiteY20" fmla="*/ 27405 h 54976"/>
+              <a:gd name="connsiteX21" fmla="*/ 3936 w 43256"/>
+              <a:gd name="connsiteY21" fmla="*/ 25986 h 54976"/>
+              <a:gd name="connsiteX0" fmla="*/ 3936 w 43256"/>
+              <a:gd name="connsiteY0" fmla="*/ 25986 h 54976"/>
+              <a:gd name="connsiteX1" fmla="*/ 5659 w 43256"/>
+              <a:gd name="connsiteY1" fmla="*/ 14338 h 54976"/>
+              <a:gd name="connsiteX2" fmla="*/ 11155 w 43256"/>
+              <a:gd name="connsiteY2" fmla="*/ 11018 h 54976"/>
+              <a:gd name="connsiteX3" fmla="*/ 14041 w 43256"/>
+              <a:gd name="connsiteY3" fmla="*/ 16818 h 54976"/>
+              <a:gd name="connsiteX4" fmla="*/ 14741 w 43256"/>
+              <a:gd name="connsiteY4" fmla="*/ 11815 h 54976"/>
+              <a:gd name="connsiteX5" fmla="*/ 18424 w 43256"/>
+              <a:gd name="connsiteY5" fmla="*/ 4044 h 54976"/>
+              <a:gd name="connsiteX6" fmla="*/ 22783 w 43256"/>
+              <a:gd name="connsiteY6" fmla="*/ 5284 h 54976"/>
+              <a:gd name="connsiteX7" fmla="*/ 28402 w 43256"/>
+              <a:gd name="connsiteY7" fmla="*/ 5638 h 54976"/>
+              <a:gd name="connsiteX8" fmla="*/ 29869 w 43256"/>
+              <a:gd name="connsiteY8" fmla="*/ 14097 h 54976"/>
+              <a:gd name="connsiteX9" fmla="*/ 39957 w 43256"/>
+              <a:gd name="connsiteY9" fmla="*/ 6726 h 54976"/>
+              <a:gd name="connsiteX10" fmla="*/ 38354 w 43256"/>
+              <a:gd name="connsiteY10" fmla="*/ 17192 h 54976"/>
+              <a:gd name="connsiteX11" fmla="*/ 42018 w 43256"/>
+              <a:gd name="connsiteY11" fmla="*/ 21934 h 54976"/>
+              <a:gd name="connsiteX12" fmla="*/ 41854 w 43256"/>
+              <a:gd name="connsiteY12" fmla="*/ 27076 h 54976"/>
+              <a:gd name="connsiteX13" fmla="*/ 43052 w 43256"/>
+              <a:gd name="connsiteY13" fmla="*/ 34938 h 54976"/>
+              <a:gd name="connsiteX14" fmla="*/ 37440 w 43256"/>
+              <a:gd name="connsiteY14" fmla="*/ 41820 h 54976"/>
+              <a:gd name="connsiteX15" fmla="*/ 35431 w 43256"/>
+              <a:gd name="connsiteY15" fmla="*/ 47717 h 54976"/>
+              <a:gd name="connsiteX16" fmla="*/ 28591 w 43256"/>
+              <a:gd name="connsiteY16" fmla="*/ 48431 h 54976"/>
+              <a:gd name="connsiteX17" fmla="*/ 23703 w 43256"/>
+              <a:gd name="connsiteY17" fmla="*/ 54722 h 54976"/>
+              <a:gd name="connsiteX18" fmla="*/ 16516 w 43256"/>
+              <a:gd name="connsiteY18" fmla="*/ 50882 h 54976"/>
+              <a:gd name="connsiteX19" fmla="*/ 5840 w 43256"/>
+              <a:gd name="connsiteY19" fmla="*/ 47088 h 54976"/>
+              <a:gd name="connsiteX20" fmla="*/ 1146 w 43256"/>
+              <a:gd name="connsiteY20" fmla="*/ 42866 h 54976"/>
+              <a:gd name="connsiteX21" fmla="*/ 2149 w 43256"/>
+              <a:gd name="connsiteY21" fmla="*/ 37167 h 54976"/>
+              <a:gd name="connsiteX22" fmla="*/ 31 w 43256"/>
+              <a:gd name="connsiteY22" fmla="*/ 31320 h 54976"/>
+              <a:gd name="connsiteX23" fmla="*/ 3899 w 43256"/>
+              <a:gd name="connsiteY23" fmla="*/ 26123 h 54976"/>
+              <a:gd name="connsiteX24" fmla="*/ 3936 w 43256"/>
+              <a:gd name="connsiteY24" fmla="*/ 25986 h 54976"/>
+              <a:gd name="connsiteX0" fmla="*/ 4729 w 43256"/>
+              <a:gd name="connsiteY0" fmla="*/ 37793 h 54976"/>
+              <a:gd name="connsiteX1" fmla="*/ 2196 w 43256"/>
+              <a:gd name="connsiteY1" fmla="*/ 36996 h 54976"/>
+              <a:gd name="connsiteX2" fmla="*/ 6964 w 43256"/>
+              <a:gd name="connsiteY2" fmla="*/ 46515 h 54976"/>
+              <a:gd name="connsiteX3" fmla="*/ 5856 w 43256"/>
+              <a:gd name="connsiteY3" fmla="*/ 46896 h 54976"/>
+              <a:gd name="connsiteX4" fmla="*/ 16514 w 43256"/>
+              <a:gd name="connsiteY4" fmla="*/ 50706 h 54976"/>
+              <a:gd name="connsiteX5" fmla="*/ 15846 w 43256"/>
+              <a:gd name="connsiteY5" fmla="*/ 48966 h 54976"/>
+              <a:gd name="connsiteX6" fmla="*/ 28863 w 43256"/>
+              <a:gd name="connsiteY6" fmla="*/ 46367 h 54976"/>
+              <a:gd name="connsiteX7" fmla="*/ 28596 w 43256"/>
+              <a:gd name="connsiteY7" fmla="*/ 48276 h 54976"/>
+              <a:gd name="connsiteX8" fmla="*/ 34165 w 43256"/>
+              <a:gd name="connsiteY8" fmla="*/ 34570 h 54976"/>
+              <a:gd name="connsiteX9" fmla="*/ 37416 w 43256"/>
+              <a:gd name="connsiteY9" fmla="*/ 41706 h 54976"/>
+              <a:gd name="connsiteX10" fmla="*/ 41834 w 43256"/>
+              <a:gd name="connsiteY10" fmla="*/ 26970 h 54976"/>
+              <a:gd name="connsiteX11" fmla="*/ 40386 w 43256"/>
+              <a:gd name="connsiteY11" fmla="*/ 29646 h 54976"/>
+              <a:gd name="connsiteX12" fmla="*/ 38360 w 43256"/>
+              <a:gd name="connsiteY12" fmla="*/ 17042 h 54976"/>
+              <a:gd name="connsiteX13" fmla="*/ 38436 w 43256"/>
+              <a:gd name="connsiteY13" fmla="*/ 18306 h 54976"/>
+              <a:gd name="connsiteX14" fmla="*/ 29114 w 43256"/>
+              <a:gd name="connsiteY14" fmla="*/ 15568 h 54976"/>
+              <a:gd name="connsiteX15" fmla="*/ 29856 w 43256"/>
+              <a:gd name="connsiteY15" fmla="*/ 13956 h 54976"/>
+              <a:gd name="connsiteX16" fmla="*/ 21014 w 43256"/>
+              <a:gd name="connsiteY16" fmla="*/ 3981 h 54976"/>
+              <a:gd name="connsiteX17" fmla="*/ 24378 w 43256"/>
+              <a:gd name="connsiteY17" fmla="*/ 0 h 54976"/>
+              <a:gd name="connsiteX18" fmla="*/ 14036 w 43256"/>
+              <a:gd name="connsiteY18" fmla="*/ 16808 h 54976"/>
+              <a:gd name="connsiteX19" fmla="*/ 15336 w 43256"/>
+              <a:gd name="connsiteY19" fmla="*/ 18156 h 54976"/>
+              <a:gd name="connsiteX20" fmla="*/ 4163 w 43256"/>
+              <a:gd name="connsiteY20" fmla="*/ 27405 h 54976"/>
+              <a:gd name="connsiteX21" fmla="*/ 3936 w 43256"/>
+              <a:gd name="connsiteY21" fmla="*/ 25986 h 54976"/>
+              <a:gd name="connsiteX0" fmla="*/ 3936 w 43256"/>
+              <a:gd name="connsiteY0" fmla="*/ 26367 h 55357"/>
+              <a:gd name="connsiteX1" fmla="*/ 5659 w 43256"/>
+              <a:gd name="connsiteY1" fmla="*/ 14719 h 55357"/>
+              <a:gd name="connsiteX2" fmla="*/ 11155 w 43256"/>
+              <a:gd name="connsiteY2" fmla="*/ 11399 h 55357"/>
+              <a:gd name="connsiteX3" fmla="*/ 14041 w 43256"/>
+              <a:gd name="connsiteY3" fmla="*/ 17199 h 55357"/>
+              <a:gd name="connsiteX4" fmla="*/ 14741 w 43256"/>
+              <a:gd name="connsiteY4" fmla="*/ 12196 h 55357"/>
+              <a:gd name="connsiteX5" fmla="*/ 18424 w 43256"/>
+              <a:gd name="connsiteY5" fmla="*/ 4425 h 55357"/>
+              <a:gd name="connsiteX6" fmla="*/ 22783 w 43256"/>
+              <a:gd name="connsiteY6" fmla="*/ 5665 h 55357"/>
+              <a:gd name="connsiteX7" fmla="*/ 28402 w 43256"/>
+              <a:gd name="connsiteY7" fmla="*/ 6019 h 55357"/>
+              <a:gd name="connsiteX8" fmla="*/ 29869 w 43256"/>
+              <a:gd name="connsiteY8" fmla="*/ 14478 h 55357"/>
+              <a:gd name="connsiteX9" fmla="*/ 39957 w 43256"/>
+              <a:gd name="connsiteY9" fmla="*/ 7107 h 55357"/>
+              <a:gd name="connsiteX10" fmla="*/ 38354 w 43256"/>
+              <a:gd name="connsiteY10" fmla="*/ 17573 h 55357"/>
+              <a:gd name="connsiteX11" fmla="*/ 42018 w 43256"/>
+              <a:gd name="connsiteY11" fmla="*/ 22315 h 55357"/>
+              <a:gd name="connsiteX12" fmla="*/ 41854 w 43256"/>
+              <a:gd name="connsiteY12" fmla="*/ 27457 h 55357"/>
+              <a:gd name="connsiteX13" fmla="*/ 43052 w 43256"/>
+              <a:gd name="connsiteY13" fmla="*/ 35319 h 55357"/>
+              <a:gd name="connsiteX14" fmla="*/ 37440 w 43256"/>
+              <a:gd name="connsiteY14" fmla="*/ 42201 h 55357"/>
+              <a:gd name="connsiteX15" fmla="*/ 35431 w 43256"/>
+              <a:gd name="connsiteY15" fmla="*/ 48098 h 55357"/>
+              <a:gd name="connsiteX16" fmla="*/ 28591 w 43256"/>
+              <a:gd name="connsiteY16" fmla="*/ 48812 h 55357"/>
+              <a:gd name="connsiteX17" fmla="*/ 23703 w 43256"/>
+              <a:gd name="connsiteY17" fmla="*/ 55103 h 55357"/>
+              <a:gd name="connsiteX18" fmla="*/ 16516 w 43256"/>
+              <a:gd name="connsiteY18" fmla="*/ 51263 h 55357"/>
+              <a:gd name="connsiteX19" fmla="*/ 5840 w 43256"/>
+              <a:gd name="connsiteY19" fmla="*/ 47469 h 55357"/>
+              <a:gd name="connsiteX20" fmla="*/ 1146 w 43256"/>
+              <a:gd name="connsiteY20" fmla="*/ 43247 h 55357"/>
+              <a:gd name="connsiteX21" fmla="*/ 2149 w 43256"/>
+              <a:gd name="connsiteY21" fmla="*/ 37548 h 55357"/>
+              <a:gd name="connsiteX22" fmla="*/ 31 w 43256"/>
+              <a:gd name="connsiteY22" fmla="*/ 31701 h 55357"/>
+              <a:gd name="connsiteX23" fmla="*/ 3899 w 43256"/>
+              <a:gd name="connsiteY23" fmla="*/ 26504 h 55357"/>
+              <a:gd name="connsiteX24" fmla="*/ 3936 w 43256"/>
+              <a:gd name="connsiteY24" fmla="*/ 26367 h 55357"/>
+              <a:gd name="connsiteX0" fmla="*/ 4729 w 43256"/>
+              <a:gd name="connsiteY0" fmla="*/ 38174 h 55357"/>
+              <a:gd name="connsiteX1" fmla="*/ 2196 w 43256"/>
+              <a:gd name="connsiteY1" fmla="*/ 37377 h 55357"/>
+              <a:gd name="connsiteX2" fmla="*/ 6964 w 43256"/>
+              <a:gd name="connsiteY2" fmla="*/ 46896 h 55357"/>
+              <a:gd name="connsiteX3" fmla="*/ 5856 w 43256"/>
+              <a:gd name="connsiteY3" fmla="*/ 47277 h 55357"/>
+              <a:gd name="connsiteX4" fmla="*/ 16514 w 43256"/>
+              <a:gd name="connsiteY4" fmla="*/ 51087 h 55357"/>
+              <a:gd name="connsiteX5" fmla="*/ 15846 w 43256"/>
+              <a:gd name="connsiteY5" fmla="*/ 49347 h 55357"/>
+              <a:gd name="connsiteX6" fmla="*/ 28863 w 43256"/>
+              <a:gd name="connsiteY6" fmla="*/ 46748 h 55357"/>
+              <a:gd name="connsiteX7" fmla="*/ 28596 w 43256"/>
+              <a:gd name="connsiteY7" fmla="*/ 48657 h 55357"/>
+              <a:gd name="connsiteX8" fmla="*/ 34165 w 43256"/>
+              <a:gd name="connsiteY8" fmla="*/ 34951 h 55357"/>
+              <a:gd name="connsiteX9" fmla="*/ 37416 w 43256"/>
+              <a:gd name="connsiteY9" fmla="*/ 42087 h 55357"/>
+              <a:gd name="connsiteX10" fmla="*/ 41834 w 43256"/>
+              <a:gd name="connsiteY10" fmla="*/ 27351 h 55357"/>
+              <a:gd name="connsiteX11" fmla="*/ 40386 w 43256"/>
+              <a:gd name="connsiteY11" fmla="*/ 30027 h 55357"/>
+              <a:gd name="connsiteX12" fmla="*/ 38360 w 43256"/>
+              <a:gd name="connsiteY12" fmla="*/ 17423 h 55357"/>
+              <a:gd name="connsiteX13" fmla="*/ 38436 w 43256"/>
+              <a:gd name="connsiteY13" fmla="*/ 18687 h 55357"/>
+              <a:gd name="connsiteX14" fmla="*/ 29114 w 43256"/>
+              <a:gd name="connsiteY14" fmla="*/ 15949 h 55357"/>
+              <a:gd name="connsiteX15" fmla="*/ 29856 w 43256"/>
+              <a:gd name="connsiteY15" fmla="*/ 14337 h 55357"/>
+              <a:gd name="connsiteX16" fmla="*/ 21014 w 43256"/>
+              <a:gd name="connsiteY16" fmla="*/ 4362 h 55357"/>
+              <a:gd name="connsiteX17" fmla="*/ 23525 w 43256"/>
+              <a:gd name="connsiteY17" fmla="*/ 9965 h 55357"/>
+              <a:gd name="connsiteX18" fmla="*/ 24378 w 43256"/>
+              <a:gd name="connsiteY18" fmla="*/ 381 h 55357"/>
+              <a:gd name="connsiteX19" fmla="*/ 14036 w 43256"/>
+              <a:gd name="connsiteY19" fmla="*/ 17189 h 55357"/>
+              <a:gd name="connsiteX20" fmla="*/ 15336 w 43256"/>
+              <a:gd name="connsiteY20" fmla="*/ 18537 h 55357"/>
+              <a:gd name="connsiteX21" fmla="*/ 4163 w 43256"/>
+              <a:gd name="connsiteY21" fmla="*/ 27786 h 55357"/>
+              <a:gd name="connsiteX22" fmla="*/ 3936 w 43256"/>
+              <a:gd name="connsiteY22" fmla="*/ 26367 h 55357"/>
+              <a:gd name="connsiteX0" fmla="*/ 3936 w 43256"/>
+              <a:gd name="connsiteY0" fmla="*/ 22351 h 51341"/>
+              <a:gd name="connsiteX1" fmla="*/ 5659 w 43256"/>
+              <a:gd name="connsiteY1" fmla="*/ 10703 h 51341"/>
+              <a:gd name="connsiteX2" fmla="*/ 11155 w 43256"/>
+              <a:gd name="connsiteY2" fmla="*/ 7383 h 51341"/>
+              <a:gd name="connsiteX3" fmla="*/ 14041 w 43256"/>
+              <a:gd name="connsiteY3" fmla="*/ 13183 h 51341"/>
+              <a:gd name="connsiteX4" fmla="*/ 14741 w 43256"/>
+              <a:gd name="connsiteY4" fmla="*/ 8180 h 51341"/>
+              <a:gd name="connsiteX5" fmla="*/ 18424 w 43256"/>
+              <a:gd name="connsiteY5" fmla="*/ 409 h 51341"/>
+              <a:gd name="connsiteX6" fmla="*/ 22783 w 43256"/>
+              <a:gd name="connsiteY6" fmla="*/ 1649 h 51341"/>
+              <a:gd name="connsiteX7" fmla="*/ 28402 w 43256"/>
+              <a:gd name="connsiteY7" fmla="*/ 2003 h 51341"/>
+              <a:gd name="connsiteX8" fmla="*/ 29869 w 43256"/>
+              <a:gd name="connsiteY8" fmla="*/ 10462 h 51341"/>
+              <a:gd name="connsiteX9" fmla="*/ 39957 w 43256"/>
+              <a:gd name="connsiteY9" fmla="*/ 3091 h 51341"/>
+              <a:gd name="connsiteX10" fmla="*/ 38354 w 43256"/>
+              <a:gd name="connsiteY10" fmla="*/ 13557 h 51341"/>
+              <a:gd name="connsiteX11" fmla="*/ 42018 w 43256"/>
+              <a:gd name="connsiteY11" fmla="*/ 18299 h 51341"/>
+              <a:gd name="connsiteX12" fmla="*/ 41854 w 43256"/>
+              <a:gd name="connsiteY12" fmla="*/ 23441 h 51341"/>
+              <a:gd name="connsiteX13" fmla="*/ 43052 w 43256"/>
+              <a:gd name="connsiteY13" fmla="*/ 31303 h 51341"/>
+              <a:gd name="connsiteX14" fmla="*/ 37440 w 43256"/>
+              <a:gd name="connsiteY14" fmla="*/ 38185 h 51341"/>
+              <a:gd name="connsiteX15" fmla="*/ 35431 w 43256"/>
+              <a:gd name="connsiteY15" fmla="*/ 44082 h 51341"/>
+              <a:gd name="connsiteX16" fmla="*/ 28591 w 43256"/>
+              <a:gd name="connsiteY16" fmla="*/ 44796 h 51341"/>
+              <a:gd name="connsiteX17" fmla="*/ 23703 w 43256"/>
+              <a:gd name="connsiteY17" fmla="*/ 51087 h 51341"/>
+              <a:gd name="connsiteX18" fmla="*/ 16516 w 43256"/>
+              <a:gd name="connsiteY18" fmla="*/ 47247 h 51341"/>
+              <a:gd name="connsiteX19" fmla="*/ 5840 w 43256"/>
+              <a:gd name="connsiteY19" fmla="*/ 43453 h 51341"/>
+              <a:gd name="connsiteX20" fmla="*/ 1146 w 43256"/>
+              <a:gd name="connsiteY20" fmla="*/ 39231 h 51341"/>
+              <a:gd name="connsiteX21" fmla="*/ 2149 w 43256"/>
+              <a:gd name="connsiteY21" fmla="*/ 33532 h 51341"/>
+              <a:gd name="connsiteX22" fmla="*/ 31 w 43256"/>
+              <a:gd name="connsiteY22" fmla="*/ 27685 h 51341"/>
+              <a:gd name="connsiteX23" fmla="*/ 3899 w 43256"/>
+              <a:gd name="connsiteY23" fmla="*/ 22488 h 51341"/>
+              <a:gd name="connsiteX24" fmla="*/ 3936 w 43256"/>
+              <a:gd name="connsiteY24" fmla="*/ 22351 h 51341"/>
+              <a:gd name="connsiteX0" fmla="*/ 4729 w 43256"/>
+              <a:gd name="connsiteY0" fmla="*/ 34158 h 51341"/>
+              <a:gd name="connsiteX1" fmla="*/ 2196 w 43256"/>
+              <a:gd name="connsiteY1" fmla="*/ 33361 h 51341"/>
+              <a:gd name="connsiteX2" fmla="*/ 6964 w 43256"/>
+              <a:gd name="connsiteY2" fmla="*/ 42880 h 51341"/>
+              <a:gd name="connsiteX3" fmla="*/ 5856 w 43256"/>
+              <a:gd name="connsiteY3" fmla="*/ 43261 h 51341"/>
+              <a:gd name="connsiteX4" fmla="*/ 16514 w 43256"/>
+              <a:gd name="connsiteY4" fmla="*/ 47071 h 51341"/>
+              <a:gd name="connsiteX5" fmla="*/ 15846 w 43256"/>
+              <a:gd name="connsiteY5" fmla="*/ 45331 h 51341"/>
+              <a:gd name="connsiteX6" fmla="*/ 28863 w 43256"/>
+              <a:gd name="connsiteY6" fmla="*/ 42732 h 51341"/>
+              <a:gd name="connsiteX7" fmla="*/ 28596 w 43256"/>
+              <a:gd name="connsiteY7" fmla="*/ 44641 h 51341"/>
+              <a:gd name="connsiteX8" fmla="*/ 34165 w 43256"/>
+              <a:gd name="connsiteY8" fmla="*/ 30935 h 51341"/>
+              <a:gd name="connsiteX9" fmla="*/ 37416 w 43256"/>
+              <a:gd name="connsiteY9" fmla="*/ 38071 h 51341"/>
+              <a:gd name="connsiteX10" fmla="*/ 41834 w 43256"/>
+              <a:gd name="connsiteY10" fmla="*/ 23335 h 51341"/>
+              <a:gd name="connsiteX11" fmla="*/ 40386 w 43256"/>
+              <a:gd name="connsiteY11" fmla="*/ 26011 h 51341"/>
+              <a:gd name="connsiteX12" fmla="*/ 38360 w 43256"/>
+              <a:gd name="connsiteY12" fmla="*/ 13407 h 51341"/>
+              <a:gd name="connsiteX13" fmla="*/ 38436 w 43256"/>
+              <a:gd name="connsiteY13" fmla="*/ 14671 h 51341"/>
+              <a:gd name="connsiteX14" fmla="*/ 29114 w 43256"/>
+              <a:gd name="connsiteY14" fmla="*/ 11933 h 51341"/>
+              <a:gd name="connsiteX15" fmla="*/ 29856 w 43256"/>
+              <a:gd name="connsiteY15" fmla="*/ 10321 h 51341"/>
+              <a:gd name="connsiteX16" fmla="*/ 21014 w 43256"/>
+              <a:gd name="connsiteY16" fmla="*/ 346 h 51341"/>
+              <a:gd name="connsiteX17" fmla="*/ 23525 w 43256"/>
+              <a:gd name="connsiteY17" fmla="*/ 5949 h 51341"/>
+              <a:gd name="connsiteX18" fmla="*/ 24669 w 43256"/>
+              <a:gd name="connsiteY18" fmla="*/ 2343 h 51341"/>
+              <a:gd name="connsiteX19" fmla="*/ 14036 w 43256"/>
+              <a:gd name="connsiteY19" fmla="*/ 13173 h 51341"/>
+              <a:gd name="connsiteX20" fmla="*/ 15336 w 43256"/>
+              <a:gd name="connsiteY20" fmla="*/ 14521 h 51341"/>
+              <a:gd name="connsiteX21" fmla="*/ 4163 w 43256"/>
+              <a:gd name="connsiteY21" fmla="*/ 23770 h 51341"/>
+              <a:gd name="connsiteX22" fmla="*/ 3936 w 43256"/>
+              <a:gd name="connsiteY22" fmla="*/ 22351 h 51341"/>
+              <a:gd name="connsiteX0" fmla="*/ 3936 w 43256"/>
+              <a:gd name="connsiteY0" fmla="*/ 22351 h 51341"/>
+              <a:gd name="connsiteX1" fmla="*/ 5659 w 43256"/>
+              <a:gd name="connsiteY1" fmla="*/ 10703 h 51341"/>
+              <a:gd name="connsiteX2" fmla="*/ 11155 w 43256"/>
+              <a:gd name="connsiteY2" fmla="*/ 7383 h 51341"/>
+              <a:gd name="connsiteX3" fmla="*/ 14041 w 43256"/>
+              <a:gd name="connsiteY3" fmla="*/ 13183 h 51341"/>
+              <a:gd name="connsiteX4" fmla="*/ 14741 w 43256"/>
+              <a:gd name="connsiteY4" fmla="*/ 8180 h 51341"/>
+              <a:gd name="connsiteX5" fmla="*/ 18424 w 43256"/>
+              <a:gd name="connsiteY5" fmla="*/ 409 h 51341"/>
+              <a:gd name="connsiteX6" fmla="*/ 22783 w 43256"/>
+              <a:gd name="connsiteY6" fmla="*/ 1649 h 51341"/>
+              <a:gd name="connsiteX7" fmla="*/ 28402 w 43256"/>
+              <a:gd name="connsiteY7" fmla="*/ 2003 h 51341"/>
+              <a:gd name="connsiteX8" fmla="*/ 29869 w 43256"/>
+              <a:gd name="connsiteY8" fmla="*/ 10462 h 51341"/>
+              <a:gd name="connsiteX9" fmla="*/ 38406 w 43256"/>
+              <a:gd name="connsiteY9" fmla="*/ 6080 h 51341"/>
+              <a:gd name="connsiteX10" fmla="*/ 38354 w 43256"/>
+              <a:gd name="connsiteY10" fmla="*/ 13557 h 51341"/>
+              <a:gd name="connsiteX11" fmla="*/ 42018 w 43256"/>
+              <a:gd name="connsiteY11" fmla="*/ 18299 h 51341"/>
+              <a:gd name="connsiteX12" fmla="*/ 41854 w 43256"/>
+              <a:gd name="connsiteY12" fmla="*/ 23441 h 51341"/>
+              <a:gd name="connsiteX13" fmla="*/ 43052 w 43256"/>
+              <a:gd name="connsiteY13" fmla="*/ 31303 h 51341"/>
+              <a:gd name="connsiteX14" fmla="*/ 37440 w 43256"/>
+              <a:gd name="connsiteY14" fmla="*/ 38185 h 51341"/>
+              <a:gd name="connsiteX15" fmla="*/ 35431 w 43256"/>
+              <a:gd name="connsiteY15" fmla="*/ 44082 h 51341"/>
+              <a:gd name="connsiteX16" fmla="*/ 28591 w 43256"/>
+              <a:gd name="connsiteY16" fmla="*/ 44796 h 51341"/>
+              <a:gd name="connsiteX17" fmla="*/ 23703 w 43256"/>
+              <a:gd name="connsiteY17" fmla="*/ 51087 h 51341"/>
+              <a:gd name="connsiteX18" fmla="*/ 16516 w 43256"/>
+              <a:gd name="connsiteY18" fmla="*/ 47247 h 51341"/>
+              <a:gd name="connsiteX19" fmla="*/ 5840 w 43256"/>
+              <a:gd name="connsiteY19" fmla="*/ 43453 h 51341"/>
+              <a:gd name="connsiteX20" fmla="*/ 1146 w 43256"/>
+              <a:gd name="connsiteY20" fmla="*/ 39231 h 51341"/>
+              <a:gd name="connsiteX21" fmla="*/ 2149 w 43256"/>
+              <a:gd name="connsiteY21" fmla="*/ 33532 h 51341"/>
+              <a:gd name="connsiteX22" fmla="*/ 31 w 43256"/>
+              <a:gd name="connsiteY22" fmla="*/ 27685 h 51341"/>
+              <a:gd name="connsiteX23" fmla="*/ 3899 w 43256"/>
+              <a:gd name="connsiteY23" fmla="*/ 22488 h 51341"/>
+              <a:gd name="connsiteX24" fmla="*/ 3936 w 43256"/>
+              <a:gd name="connsiteY24" fmla="*/ 22351 h 51341"/>
+              <a:gd name="connsiteX0" fmla="*/ 4729 w 43256"/>
+              <a:gd name="connsiteY0" fmla="*/ 34158 h 51341"/>
+              <a:gd name="connsiteX1" fmla="*/ 2196 w 43256"/>
+              <a:gd name="connsiteY1" fmla="*/ 33361 h 51341"/>
+              <a:gd name="connsiteX2" fmla="*/ 6964 w 43256"/>
+              <a:gd name="connsiteY2" fmla="*/ 42880 h 51341"/>
+              <a:gd name="connsiteX3" fmla="*/ 5856 w 43256"/>
+              <a:gd name="connsiteY3" fmla="*/ 43261 h 51341"/>
+              <a:gd name="connsiteX4" fmla="*/ 16514 w 43256"/>
+              <a:gd name="connsiteY4" fmla="*/ 47071 h 51341"/>
+              <a:gd name="connsiteX5" fmla="*/ 15846 w 43256"/>
+              <a:gd name="connsiteY5" fmla="*/ 45331 h 51341"/>
+              <a:gd name="connsiteX6" fmla="*/ 28863 w 43256"/>
+              <a:gd name="connsiteY6" fmla="*/ 42732 h 51341"/>
+              <a:gd name="connsiteX7" fmla="*/ 28596 w 43256"/>
+              <a:gd name="connsiteY7" fmla="*/ 44641 h 51341"/>
+              <a:gd name="connsiteX8" fmla="*/ 34165 w 43256"/>
+              <a:gd name="connsiteY8" fmla="*/ 30935 h 51341"/>
+              <a:gd name="connsiteX9" fmla="*/ 37416 w 43256"/>
+              <a:gd name="connsiteY9" fmla="*/ 38071 h 51341"/>
+              <a:gd name="connsiteX10" fmla="*/ 41834 w 43256"/>
+              <a:gd name="connsiteY10" fmla="*/ 23335 h 51341"/>
+              <a:gd name="connsiteX11" fmla="*/ 40386 w 43256"/>
+              <a:gd name="connsiteY11" fmla="*/ 26011 h 51341"/>
+              <a:gd name="connsiteX12" fmla="*/ 38360 w 43256"/>
+              <a:gd name="connsiteY12" fmla="*/ 13407 h 51341"/>
+              <a:gd name="connsiteX13" fmla="*/ 38436 w 43256"/>
+              <a:gd name="connsiteY13" fmla="*/ 14671 h 51341"/>
+              <a:gd name="connsiteX14" fmla="*/ 29114 w 43256"/>
+              <a:gd name="connsiteY14" fmla="*/ 11933 h 51341"/>
+              <a:gd name="connsiteX15" fmla="*/ 29856 w 43256"/>
+              <a:gd name="connsiteY15" fmla="*/ 10321 h 51341"/>
+              <a:gd name="connsiteX16" fmla="*/ 21014 w 43256"/>
+              <a:gd name="connsiteY16" fmla="*/ 346 h 51341"/>
+              <a:gd name="connsiteX17" fmla="*/ 23525 w 43256"/>
+              <a:gd name="connsiteY17" fmla="*/ 5949 h 51341"/>
+              <a:gd name="connsiteX18" fmla="*/ 24669 w 43256"/>
+              <a:gd name="connsiteY18" fmla="*/ 2343 h 51341"/>
+              <a:gd name="connsiteX19" fmla="*/ 14036 w 43256"/>
+              <a:gd name="connsiteY19" fmla="*/ 13173 h 51341"/>
+              <a:gd name="connsiteX20" fmla="*/ 15336 w 43256"/>
+              <a:gd name="connsiteY20" fmla="*/ 14521 h 51341"/>
+              <a:gd name="connsiteX21" fmla="*/ 4163 w 43256"/>
+              <a:gd name="connsiteY21" fmla="*/ 23770 h 51341"/>
+              <a:gd name="connsiteX22" fmla="*/ 3936 w 43256"/>
+              <a:gd name="connsiteY22" fmla="*/ 22351 h 51341"/>
+              <a:gd name="connsiteX0" fmla="*/ 3936 w 43256"/>
+              <a:gd name="connsiteY0" fmla="*/ 22351 h 51341"/>
+              <a:gd name="connsiteX1" fmla="*/ 5659 w 43256"/>
+              <a:gd name="connsiteY1" fmla="*/ 10703 h 51341"/>
+              <a:gd name="connsiteX2" fmla="*/ 11155 w 43256"/>
+              <a:gd name="connsiteY2" fmla="*/ 7383 h 51341"/>
+              <a:gd name="connsiteX3" fmla="*/ 14041 w 43256"/>
+              <a:gd name="connsiteY3" fmla="*/ 13183 h 51341"/>
+              <a:gd name="connsiteX4" fmla="*/ 14741 w 43256"/>
+              <a:gd name="connsiteY4" fmla="*/ 8180 h 51341"/>
+              <a:gd name="connsiteX5" fmla="*/ 18424 w 43256"/>
+              <a:gd name="connsiteY5" fmla="*/ 409 h 51341"/>
+              <a:gd name="connsiteX6" fmla="*/ 22783 w 43256"/>
+              <a:gd name="connsiteY6" fmla="*/ 1649 h 51341"/>
+              <a:gd name="connsiteX7" fmla="*/ 28402 w 43256"/>
+              <a:gd name="connsiteY7" fmla="*/ 2003 h 51341"/>
+              <a:gd name="connsiteX8" fmla="*/ 29869 w 43256"/>
+              <a:gd name="connsiteY8" fmla="*/ 10462 h 51341"/>
+              <a:gd name="connsiteX9" fmla="*/ 35014 w 43256"/>
+              <a:gd name="connsiteY9" fmla="*/ 7674 h 51341"/>
+              <a:gd name="connsiteX10" fmla="*/ 38354 w 43256"/>
+              <a:gd name="connsiteY10" fmla="*/ 13557 h 51341"/>
+              <a:gd name="connsiteX11" fmla="*/ 42018 w 43256"/>
+              <a:gd name="connsiteY11" fmla="*/ 18299 h 51341"/>
+              <a:gd name="connsiteX12" fmla="*/ 41854 w 43256"/>
+              <a:gd name="connsiteY12" fmla="*/ 23441 h 51341"/>
+              <a:gd name="connsiteX13" fmla="*/ 43052 w 43256"/>
+              <a:gd name="connsiteY13" fmla="*/ 31303 h 51341"/>
+              <a:gd name="connsiteX14" fmla="*/ 37440 w 43256"/>
+              <a:gd name="connsiteY14" fmla="*/ 38185 h 51341"/>
+              <a:gd name="connsiteX15" fmla="*/ 35431 w 43256"/>
+              <a:gd name="connsiteY15" fmla="*/ 44082 h 51341"/>
+              <a:gd name="connsiteX16" fmla="*/ 28591 w 43256"/>
+              <a:gd name="connsiteY16" fmla="*/ 44796 h 51341"/>
+              <a:gd name="connsiteX17" fmla="*/ 23703 w 43256"/>
+              <a:gd name="connsiteY17" fmla="*/ 51087 h 51341"/>
+              <a:gd name="connsiteX18" fmla="*/ 16516 w 43256"/>
+              <a:gd name="connsiteY18" fmla="*/ 47247 h 51341"/>
+              <a:gd name="connsiteX19" fmla="*/ 5840 w 43256"/>
+              <a:gd name="connsiteY19" fmla="*/ 43453 h 51341"/>
+              <a:gd name="connsiteX20" fmla="*/ 1146 w 43256"/>
+              <a:gd name="connsiteY20" fmla="*/ 39231 h 51341"/>
+              <a:gd name="connsiteX21" fmla="*/ 2149 w 43256"/>
+              <a:gd name="connsiteY21" fmla="*/ 33532 h 51341"/>
+              <a:gd name="connsiteX22" fmla="*/ 31 w 43256"/>
+              <a:gd name="connsiteY22" fmla="*/ 27685 h 51341"/>
+              <a:gd name="connsiteX23" fmla="*/ 3899 w 43256"/>
+              <a:gd name="connsiteY23" fmla="*/ 22488 h 51341"/>
+              <a:gd name="connsiteX24" fmla="*/ 3936 w 43256"/>
+              <a:gd name="connsiteY24" fmla="*/ 22351 h 51341"/>
+              <a:gd name="connsiteX0" fmla="*/ 4729 w 43256"/>
+              <a:gd name="connsiteY0" fmla="*/ 34158 h 51341"/>
+              <a:gd name="connsiteX1" fmla="*/ 2196 w 43256"/>
+              <a:gd name="connsiteY1" fmla="*/ 33361 h 51341"/>
+              <a:gd name="connsiteX2" fmla="*/ 6964 w 43256"/>
+              <a:gd name="connsiteY2" fmla="*/ 42880 h 51341"/>
+              <a:gd name="connsiteX3" fmla="*/ 5856 w 43256"/>
+              <a:gd name="connsiteY3" fmla="*/ 43261 h 51341"/>
+              <a:gd name="connsiteX4" fmla="*/ 16514 w 43256"/>
+              <a:gd name="connsiteY4" fmla="*/ 47071 h 51341"/>
+              <a:gd name="connsiteX5" fmla="*/ 15846 w 43256"/>
+              <a:gd name="connsiteY5" fmla="*/ 45331 h 51341"/>
+              <a:gd name="connsiteX6" fmla="*/ 28863 w 43256"/>
+              <a:gd name="connsiteY6" fmla="*/ 42732 h 51341"/>
+              <a:gd name="connsiteX7" fmla="*/ 28596 w 43256"/>
+              <a:gd name="connsiteY7" fmla="*/ 44641 h 51341"/>
+              <a:gd name="connsiteX8" fmla="*/ 34165 w 43256"/>
+              <a:gd name="connsiteY8" fmla="*/ 30935 h 51341"/>
+              <a:gd name="connsiteX9" fmla="*/ 37416 w 43256"/>
+              <a:gd name="connsiteY9" fmla="*/ 38071 h 51341"/>
+              <a:gd name="connsiteX10" fmla="*/ 41834 w 43256"/>
+              <a:gd name="connsiteY10" fmla="*/ 23335 h 51341"/>
+              <a:gd name="connsiteX11" fmla="*/ 40386 w 43256"/>
+              <a:gd name="connsiteY11" fmla="*/ 26011 h 51341"/>
+              <a:gd name="connsiteX12" fmla="*/ 38360 w 43256"/>
+              <a:gd name="connsiteY12" fmla="*/ 13407 h 51341"/>
+              <a:gd name="connsiteX13" fmla="*/ 38436 w 43256"/>
+              <a:gd name="connsiteY13" fmla="*/ 14671 h 51341"/>
+              <a:gd name="connsiteX14" fmla="*/ 29114 w 43256"/>
+              <a:gd name="connsiteY14" fmla="*/ 11933 h 51341"/>
+              <a:gd name="connsiteX15" fmla="*/ 29856 w 43256"/>
+              <a:gd name="connsiteY15" fmla="*/ 10321 h 51341"/>
+              <a:gd name="connsiteX16" fmla="*/ 21014 w 43256"/>
+              <a:gd name="connsiteY16" fmla="*/ 346 h 51341"/>
+              <a:gd name="connsiteX17" fmla="*/ 23525 w 43256"/>
+              <a:gd name="connsiteY17" fmla="*/ 5949 h 51341"/>
+              <a:gd name="connsiteX18" fmla="*/ 24669 w 43256"/>
+              <a:gd name="connsiteY18" fmla="*/ 2343 h 51341"/>
+              <a:gd name="connsiteX19" fmla="*/ 14036 w 43256"/>
+              <a:gd name="connsiteY19" fmla="*/ 13173 h 51341"/>
+              <a:gd name="connsiteX20" fmla="*/ 15336 w 43256"/>
+              <a:gd name="connsiteY20" fmla="*/ 14521 h 51341"/>
+              <a:gd name="connsiteX21" fmla="*/ 4163 w 43256"/>
+              <a:gd name="connsiteY21" fmla="*/ 23770 h 51341"/>
+              <a:gd name="connsiteX22" fmla="*/ 3936 w 43256"/>
+              <a:gd name="connsiteY22" fmla="*/ 22351 h 51341"/>
+              <a:gd name="connsiteX0" fmla="*/ 3936 w 43256"/>
+              <a:gd name="connsiteY0" fmla="*/ 22810 h 51800"/>
+              <a:gd name="connsiteX1" fmla="*/ 5659 w 43256"/>
+              <a:gd name="connsiteY1" fmla="*/ 11162 h 51800"/>
+              <a:gd name="connsiteX2" fmla="*/ 11155 w 43256"/>
+              <a:gd name="connsiteY2" fmla="*/ 7842 h 51800"/>
+              <a:gd name="connsiteX3" fmla="*/ 14041 w 43256"/>
+              <a:gd name="connsiteY3" fmla="*/ 13642 h 51800"/>
+              <a:gd name="connsiteX4" fmla="*/ 14741 w 43256"/>
+              <a:gd name="connsiteY4" fmla="*/ 8639 h 51800"/>
+              <a:gd name="connsiteX5" fmla="*/ 18424 w 43256"/>
+              <a:gd name="connsiteY5" fmla="*/ 868 h 51800"/>
+              <a:gd name="connsiteX6" fmla="*/ 22783 w 43256"/>
+              <a:gd name="connsiteY6" fmla="*/ 2108 h 51800"/>
+              <a:gd name="connsiteX7" fmla="*/ 29371 w 43256"/>
+              <a:gd name="connsiteY7" fmla="*/ 669 h 51800"/>
+              <a:gd name="connsiteX8" fmla="*/ 29869 w 43256"/>
+              <a:gd name="connsiteY8" fmla="*/ 10921 h 51800"/>
+              <a:gd name="connsiteX9" fmla="*/ 35014 w 43256"/>
+              <a:gd name="connsiteY9" fmla="*/ 8133 h 51800"/>
+              <a:gd name="connsiteX10" fmla="*/ 38354 w 43256"/>
+              <a:gd name="connsiteY10" fmla="*/ 14016 h 51800"/>
+              <a:gd name="connsiteX11" fmla="*/ 42018 w 43256"/>
+              <a:gd name="connsiteY11" fmla="*/ 18758 h 51800"/>
+              <a:gd name="connsiteX12" fmla="*/ 41854 w 43256"/>
+              <a:gd name="connsiteY12" fmla="*/ 23900 h 51800"/>
+              <a:gd name="connsiteX13" fmla="*/ 43052 w 43256"/>
+              <a:gd name="connsiteY13" fmla="*/ 31762 h 51800"/>
+              <a:gd name="connsiteX14" fmla="*/ 37440 w 43256"/>
+              <a:gd name="connsiteY14" fmla="*/ 38644 h 51800"/>
+              <a:gd name="connsiteX15" fmla="*/ 35431 w 43256"/>
+              <a:gd name="connsiteY15" fmla="*/ 44541 h 51800"/>
+              <a:gd name="connsiteX16" fmla="*/ 28591 w 43256"/>
+              <a:gd name="connsiteY16" fmla="*/ 45255 h 51800"/>
+              <a:gd name="connsiteX17" fmla="*/ 23703 w 43256"/>
+              <a:gd name="connsiteY17" fmla="*/ 51546 h 51800"/>
+              <a:gd name="connsiteX18" fmla="*/ 16516 w 43256"/>
+              <a:gd name="connsiteY18" fmla="*/ 47706 h 51800"/>
+              <a:gd name="connsiteX19" fmla="*/ 5840 w 43256"/>
+              <a:gd name="connsiteY19" fmla="*/ 43912 h 51800"/>
+              <a:gd name="connsiteX20" fmla="*/ 1146 w 43256"/>
+              <a:gd name="connsiteY20" fmla="*/ 39690 h 51800"/>
+              <a:gd name="connsiteX21" fmla="*/ 2149 w 43256"/>
+              <a:gd name="connsiteY21" fmla="*/ 33991 h 51800"/>
+              <a:gd name="connsiteX22" fmla="*/ 31 w 43256"/>
+              <a:gd name="connsiteY22" fmla="*/ 28144 h 51800"/>
+              <a:gd name="connsiteX23" fmla="*/ 3899 w 43256"/>
+              <a:gd name="connsiteY23" fmla="*/ 22947 h 51800"/>
+              <a:gd name="connsiteX24" fmla="*/ 3936 w 43256"/>
+              <a:gd name="connsiteY24" fmla="*/ 22810 h 51800"/>
+              <a:gd name="connsiteX0" fmla="*/ 4729 w 43256"/>
+              <a:gd name="connsiteY0" fmla="*/ 34617 h 51800"/>
+              <a:gd name="connsiteX1" fmla="*/ 2196 w 43256"/>
+              <a:gd name="connsiteY1" fmla="*/ 33820 h 51800"/>
+              <a:gd name="connsiteX2" fmla="*/ 6964 w 43256"/>
+              <a:gd name="connsiteY2" fmla="*/ 43339 h 51800"/>
+              <a:gd name="connsiteX3" fmla="*/ 5856 w 43256"/>
+              <a:gd name="connsiteY3" fmla="*/ 43720 h 51800"/>
+              <a:gd name="connsiteX4" fmla="*/ 16514 w 43256"/>
+              <a:gd name="connsiteY4" fmla="*/ 47530 h 51800"/>
+              <a:gd name="connsiteX5" fmla="*/ 15846 w 43256"/>
+              <a:gd name="connsiteY5" fmla="*/ 45790 h 51800"/>
+              <a:gd name="connsiteX6" fmla="*/ 28863 w 43256"/>
+              <a:gd name="connsiteY6" fmla="*/ 43191 h 51800"/>
+              <a:gd name="connsiteX7" fmla="*/ 28596 w 43256"/>
+              <a:gd name="connsiteY7" fmla="*/ 45100 h 51800"/>
+              <a:gd name="connsiteX8" fmla="*/ 34165 w 43256"/>
+              <a:gd name="connsiteY8" fmla="*/ 31394 h 51800"/>
+              <a:gd name="connsiteX9" fmla="*/ 37416 w 43256"/>
+              <a:gd name="connsiteY9" fmla="*/ 38530 h 51800"/>
+              <a:gd name="connsiteX10" fmla="*/ 41834 w 43256"/>
+              <a:gd name="connsiteY10" fmla="*/ 23794 h 51800"/>
+              <a:gd name="connsiteX11" fmla="*/ 40386 w 43256"/>
+              <a:gd name="connsiteY11" fmla="*/ 26470 h 51800"/>
+              <a:gd name="connsiteX12" fmla="*/ 38360 w 43256"/>
+              <a:gd name="connsiteY12" fmla="*/ 13866 h 51800"/>
+              <a:gd name="connsiteX13" fmla="*/ 38436 w 43256"/>
+              <a:gd name="connsiteY13" fmla="*/ 15130 h 51800"/>
+              <a:gd name="connsiteX14" fmla="*/ 29114 w 43256"/>
+              <a:gd name="connsiteY14" fmla="*/ 12392 h 51800"/>
+              <a:gd name="connsiteX15" fmla="*/ 29856 w 43256"/>
+              <a:gd name="connsiteY15" fmla="*/ 10780 h 51800"/>
+              <a:gd name="connsiteX16" fmla="*/ 21014 w 43256"/>
+              <a:gd name="connsiteY16" fmla="*/ 805 h 51800"/>
+              <a:gd name="connsiteX17" fmla="*/ 23525 w 43256"/>
+              <a:gd name="connsiteY17" fmla="*/ 6408 h 51800"/>
+              <a:gd name="connsiteX18" fmla="*/ 24669 w 43256"/>
+              <a:gd name="connsiteY18" fmla="*/ 2802 h 51800"/>
+              <a:gd name="connsiteX19" fmla="*/ 14036 w 43256"/>
+              <a:gd name="connsiteY19" fmla="*/ 13632 h 51800"/>
+              <a:gd name="connsiteX20" fmla="*/ 15336 w 43256"/>
+              <a:gd name="connsiteY20" fmla="*/ 14980 h 51800"/>
+              <a:gd name="connsiteX21" fmla="*/ 4163 w 43256"/>
+              <a:gd name="connsiteY21" fmla="*/ 24229 h 51800"/>
+              <a:gd name="connsiteX22" fmla="*/ 3936 w 43256"/>
+              <a:gd name="connsiteY22" fmla="*/ 22810 h 51800"/>
+              <a:gd name="connsiteX0" fmla="*/ 3936 w 43256"/>
+              <a:gd name="connsiteY0" fmla="*/ 22810 h 51800"/>
+              <a:gd name="connsiteX1" fmla="*/ 5659 w 43256"/>
+              <a:gd name="connsiteY1" fmla="*/ 11162 h 51800"/>
+              <a:gd name="connsiteX2" fmla="*/ 11155 w 43256"/>
+              <a:gd name="connsiteY2" fmla="*/ 7842 h 51800"/>
+              <a:gd name="connsiteX3" fmla="*/ 14041 w 43256"/>
+              <a:gd name="connsiteY3" fmla="*/ 13642 h 51800"/>
+              <a:gd name="connsiteX4" fmla="*/ 14741 w 43256"/>
+              <a:gd name="connsiteY4" fmla="*/ 8639 h 51800"/>
+              <a:gd name="connsiteX5" fmla="*/ 18424 w 43256"/>
+              <a:gd name="connsiteY5" fmla="*/ 868 h 51800"/>
+              <a:gd name="connsiteX6" fmla="*/ 22783 w 43256"/>
+              <a:gd name="connsiteY6" fmla="*/ 2108 h 51800"/>
+              <a:gd name="connsiteX7" fmla="*/ 29371 w 43256"/>
+              <a:gd name="connsiteY7" fmla="*/ 669 h 51800"/>
+              <a:gd name="connsiteX8" fmla="*/ 29869 w 43256"/>
+              <a:gd name="connsiteY8" fmla="*/ 10921 h 51800"/>
+              <a:gd name="connsiteX9" fmla="*/ 32684 w 43256"/>
+              <a:gd name="connsiteY9" fmla="*/ 4266 h 51800"/>
+              <a:gd name="connsiteX10" fmla="*/ 35014 w 43256"/>
+              <a:gd name="connsiteY10" fmla="*/ 8133 h 51800"/>
+              <a:gd name="connsiteX11" fmla="*/ 38354 w 43256"/>
+              <a:gd name="connsiteY11" fmla="*/ 14016 h 51800"/>
+              <a:gd name="connsiteX12" fmla="*/ 42018 w 43256"/>
+              <a:gd name="connsiteY12" fmla="*/ 18758 h 51800"/>
+              <a:gd name="connsiteX13" fmla="*/ 41854 w 43256"/>
+              <a:gd name="connsiteY13" fmla="*/ 23900 h 51800"/>
+              <a:gd name="connsiteX14" fmla="*/ 43052 w 43256"/>
+              <a:gd name="connsiteY14" fmla="*/ 31762 h 51800"/>
+              <a:gd name="connsiteX15" fmla="*/ 37440 w 43256"/>
+              <a:gd name="connsiteY15" fmla="*/ 38644 h 51800"/>
+              <a:gd name="connsiteX16" fmla="*/ 35431 w 43256"/>
+              <a:gd name="connsiteY16" fmla="*/ 44541 h 51800"/>
+              <a:gd name="connsiteX17" fmla="*/ 28591 w 43256"/>
+              <a:gd name="connsiteY17" fmla="*/ 45255 h 51800"/>
+              <a:gd name="connsiteX18" fmla="*/ 23703 w 43256"/>
+              <a:gd name="connsiteY18" fmla="*/ 51546 h 51800"/>
+              <a:gd name="connsiteX19" fmla="*/ 16516 w 43256"/>
+              <a:gd name="connsiteY19" fmla="*/ 47706 h 51800"/>
+              <a:gd name="connsiteX20" fmla="*/ 5840 w 43256"/>
+              <a:gd name="connsiteY20" fmla="*/ 43912 h 51800"/>
+              <a:gd name="connsiteX21" fmla="*/ 1146 w 43256"/>
+              <a:gd name="connsiteY21" fmla="*/ 39690 h 51800"/>
+              <a:gd name="connsiteX22" fmla="*/ 2149 w 43256"/>
+              <a:gd name="connsiteY22" fmla="*/ 33991 h 51800"/>
+              <a:gd name="connsiteX23" fmla="*/ 31 w 43256"/>
+              <a:gd name="connsiteY23" fmla="*/ 28144 h 51800"/>
+              <a:gd name="connsiteX24" fmla="*/ 3899 w 43256"/>
+              <a:gd name="connsiteY24" fmla="*/ 22947 h 51800"/>
+              <a:gd name="connsiteX25" fmla="*/ 3936 w 43256"/>
+              <a:gd name="connsiteY25" fmla="*/ 22810 h 51800"/>
+              <a:gd name="connsiteX0" fmla="*/ 4729 w 43256"/>
+              <a:gd name="connsiteY0" fmla="*/ 34617 h 51800"/>
+              <a:gd name="connsiteX1" fmla="*/ 2196 w 43256"/>
+              <a:gd name="connsiteY1" fmla="*/ 33820 h 51800"/>
+              <a:gd name="connsiteX2" fmla="*/ 6964 w 43256"/>
+              <a:gd name="connsiteY2" fmla="*/ 43339 h 51800"/>
+              <a:gd name="connsiteX3" fmla="*/ 5856 w 43256"/>
+              <a:gd name="connsiteY3" fmla="*/ 43720 h 51800"/>
+              <a:gd name="connsiteX4" fmla="*/ 16514 w 43256"/>
+              <a:gd name="connsiteY4" fmla="*/ 47530 h 51800"/>
+              <a:gd name="connsiteX5" fmla="*/ 15846 w 43256"/>
+              <a:gd name="connsiteY5" fmla="*/ 45790 h 51800"/>
+              <a:gd name="connsiteX6" fmla="*/ 28863 w 43256"/>
+              <a:gd name="connsiteY6" fmla="*/ 43191 h 51800"/>
+              <a:gd name="connsiteX7" fmla="*/ 28596 w 43256"/>
+              <a:gd name="connsiteY7" fmla="*/ 45100 h 51800"/>
+              <a:gd name="connsiteX8" fmla="*/ 34165 w 43256"/>
+              <a:gd name="connsiteY8" fmla="*/ 31394 h 51800"/>
+              <a:gd name="connsiteX9" fmla="*/ 37416 w 43256"/>
+              <a:gd name="connsiteY9" fmla="*/ 38530 h 51800"/>
+              <a:gd name="connsiteX10" fmla="*/ 41834 w 43256"/>
+              <a:gd name="connsiteY10" fmla="*/ 23794 h 51800"/>
+              <a:gd name="connsiteX11" fmla="*/ 40386 w 43256"/>
+              <a:gd name="connsiteY11" fmla="*/ 26470 h 51800"/>
+              <a:gd name="connsiteX12" fmla="*/ 38360 w 43256"/>
+              <a:gd name="connsiteY12" fmla="*/ 13866 h 51800"/>
+              <a:gd name="connsiteX13" fmla="*/ 38436 w 43256"/>
+              <a:gd name="connsiteY13" fmla="*/ 15130 h 51800"/>
+              <a:gd name="connsiteX14" fmla="*/ 29114 w 43256"/>
+              <a:gd name="connsiteY14" fmla="*/ 12392 h 51800"/>
+              <a:gd name="connsiteX15" fmla="*/ 29856 w 43256"/>
+              <a:gd name="connsiteY15" fmla="*/ 10780 h 51800"/>
+              <a:gd name="connsiteX16" fmla="*/ 21014 w 43256"/>
+              <a:gd name="connsiteY16" fmla="*/ 805 h 51800"/>
+              <a:gd name="connsiteX17" fmla="*/ 23525 w 43256"/>
+              <a:gd name="connsiteY17" fmla="*/ 6408 h 51800"/>
+              <a:gd name="connsiteX18" fmla="*/ 24669 w 43256"/>
+              <a:gd name="connsiteY18" fmla="*/ 2802 h 51800"/>
+              <a:gd name="connsiteX19" fmla="*/ 14036 w 43256"/>
+              <a:gd name="connsiteY19" fmla="*/ 13632 h 51800"/>
+              <a:gd name="connsiteX20" fmla="*/ 15336 w 43256"/>
+              <a:gd name="connsiteY20" fmla="*/ 14980 h 51800"/>
+              <a:gd name="connsiteX21" fmla="*/ 4163 w 43256"/>
+              <a:gd name="connsiteY21" fmla="*/ 24229 h 51800"/>
+              <a:gd name="connsiteX22" fmla="*/ 3936 w 43256"/>
+              <a:gd name="connsiteY22" fmla="*/ 22810 h 51800"/>
+              <a:gd name="connsiteX0" fmla="*/ 3936 w 43256"/>
+              <a:gd name="connsiteY0" fmla="*/ 22810 h 51800"/>
+              <a:gd name="connsiteX1" fmla="*/ 5659 w 43256"/>
+              <a:gd name="connsiteY1" fmla="*/ 11162 h 51800"/>
+              <a:gd name="connsiteX2" fmla="*/ 11155 w 43256"/>
+              <a:gd name="connsiteY2" fmla="*/ 7842 h 51800"/>
+              <a:gd name="connsiteX3" fmla="*/ 14041 w 43256"/>
+              <a:gd name="connsiteY3" fmla="*/ 13642 h 51800"/>
+              <a:gd name="connsiteX4" fmla="*/ 14741 w 43256"/>
+              <a:gd name="connsiteY4" fmla="*/ 8639 h 51800"/>
+              <a:gd name="connsiteX5" fmla="*/ 18424 w 43256"/>
+              <a:gd name="connsiteY5" fmla="*/ 868 h 51800"/>
+              <a:gd name="connsiteX6" fmla="*/ 22783 w 43256"/>
+              <a:gd name="connsiteY6" fmla="*/ 2108 h 51800"/>
+              <a:gd name="connsiteX7" fmla="*/ 29371 w 43256"/>
+              <a:gd name="connsiteY7" fmla="*/ 669 h 51800"/>
+              <a:gd name="connsiteX8" fmla="*/ 29869 w 43256"/>
+              <a:gd name="connsiteY8" fmla="*/ 10921 h 51800"/>
+              <a:gd name="connsiteX9" fmla="*/ 32684 w 43256"/>
+              <a:gd name="connsiteY9" fmla="*/ 4266 h 51800"/>
+              <a:gd name="connsiteX10" fmla="*/ 35014 w 43256"/>
+              <a:gd name="connsiteY10" fmla="*/ 8133 h 51800"/>
+              <a:gd name="connsiteX11" fmla="*/ 38354 w 43256"/>
+              <a:gd name="connsiteY11" fmla="*/ 14016 h 51800"/>
+              <a:gd name="connsiteX12" fmla="*/ 42018 w 43256"/>
+              <a:gd name="connsiteY12" fmla="*/ 18758 h 51800"/>
+              <a:gd name="connsiteX13" fmla="*/ 41854 w 43256"/>
+              <a:gd name="connsiteY13" fmla="*/ 23900 h 51800"/>
+              <a:gd name="connsiteX14" fmla="*/ 43052 w 43256"/>
+              <a:gd name="connsiteY14" fmla="*/ 31762 h 51800"/>
+              <a:gd name="connsiteX15" fmla="*/ 37440 w 43256"/>
+              <a:gd name="connsiteY15" fmla="*/ 38644 h 51800"/>
+              <a:gd name="connsiteX16" fmla="*/ 35431 w 43256"/>
+              <a:gd name="connsiteY16" fmla="*/ 44541 h 51800"/>
+              <a:gd name="connsiteX17" fmla="*/ 28591 w 43256"/>
+              <a:gd name="connsiteY17" fmla="*/ 45255 h 51800"/>
+              <a:gd name="connsiteX18" fmla="*/ 23703 w 43256"/>
+              <a:gd name="connsiteY18" fmla="*/ 51546 h 51800"/>
+              <a:gd name="connsiteX19" fmla="*/ 16516 w 43256"/>
+              <a:gd name="connsiteY19" fmla="*/ 47706 h 51800"/>
+              <a:gd name="connsiteX20" fmla="*/ 5840 w 43256"/>
+              <a:gd name="connsiteY20" fmla="*/ 43912 h 51800"/>
+              <a:gd name="connsiteX21" fmla="*/ 1146 w 43256"/>
+              <a:gd name="connsiteY21" fmla="*/ 39690 h 51800"/>
+              <a:gd name="connsiteX22" fmla="*/ 2149 w 43256"/>
+              <a:gd name="connsiteY22" fmla="*/ 33991 h 51800"/>
+              <a:gd name="connsiteX23" fmla="*/ 31 w 43256"/>
+              <a:gd name="connsiteY23" fmla="*/ 28144 h 51800"/>
+              <a:gd name="connsiteX24" fmla="*/ 3899 w 43256"/>
+              <a:gd name="connsiteY24" fmla="*/ 22947 h 51800"/>
+              <a:gd name="connsiteX25" fmla="*/ 3936 w 43256"/>
+              <a:gd name="connsiteY25" fmla="*/ 22810 h 51800"/>
+              <a:gd name="connsiteX0" fmla="*/ 4729 w 43256"/>
+              <a:gd name="connsiteY0" fmla="*/ 34617 h 51800"/>
+              <a:gd name="connsiteX1" fmla="*/ 2196 w 43256"/>
+              <a:gd name="connsiteY1" fmla="*/ 33820 h 51800"/>
+              <a:gd name="connsiteX2" fmla="*/ 6964 w 43256"/>
+              <a:gd name="connsiteY2" fmla="*/ 43339 h 51800"/>
+              <a:gd name="connsiteX3" fmla="*/ 5856 w 43256"/>
+              <a:gd name="connsiteY3" fmla="*/ 43720 h 51800"/>
+              <a:gd name="connsiteX4" fmla="*/ 16514 w 43256"/>
+              <a:gd name="connsiteY4" fmla="*/ 47530 h 51800"/>
+              <a:gd name="connsiteX5" fmla="*/ 15846 w 43256"/>
+              <a:gd name="connsiteY5" fmla="*/ 45790 h 51800"/>
+              <a:gd name="connsiteX6" fmla="*/ 28863 w 43256"/>
+              <a:gd name="connsiteY6" fmla="*/ 43191 h 51800"/>
+              <a:gd name="connsiteX7" fmla="*/ 28596 w 43256"/>
+              <a:gd name="connsiteY7" fmla="*/ 45100 h 51800"/>
+              <a:gd name="connsiteX8" fmla="*/ 34165 w 43256"/>
+              <a:gd name="connsiteY8" fmla="*/ 31394 h 51800"/>
+              <a:gd name="connsiteX9" fmla="*/ 37416 w 43256"/>
+              <a:gd name="connsiteY9" fmla="*/ 38530 h 51800"/>
+              <a:gd name="connsiteX10" fmla="*/ 41834 w 43256"/>
+              <a:gd name="connsiteY10" fmla="*/ 23794 h 51800"/>
+              <a:gd name="connsiteX11" fmla="*/ 40386 w 43256"/>
+              <a:gd name="connsiteY11" fmla="*/ 26470 h 51800"/>
+              <a:gd name="connsiteX12" fmla="*/ 38360 w 43256"/>
+              <a:gd name="connsiteY12" fmla="*/ 13866 h 51800"/>
+              <a:gd name="connsiteX13" fmla="*/ 38436 w 43256"/>
+              <a:gd name="connsiteY13" fmla="*/ 15130 h 51800"/>
+              <a:gd name="connsiteX14" fmla="*/ 29114 w 43256"/>
+              <a:gd name="connsiteY14" fmla="*/ 12392 h 51800"/>
+              <a:gd name="connsiteX15" fmla="*/ 31455 w 43256"/>
+              <a:gd name="connsiteY15" fmla="*/ 3457 h 51800"/>
+              <a:gd name="connsiteX16" fmla="*/ 21014 w 43256"/>
+              <a:gd name="connsiteY16" fmla="*/ 805 h 51800"/>
+              <a:gd name="connsiteX17" fmla="*/ 23525 w 43256"/>
+              <a:gd name="connsiteY17" fmla="*/ 6408 h 51800"/>
+              <a:gd name="connsiteX18" fmla="*/ 24669 w 43256"/>
+              <a:gd name="connsiteY18" fmla="*/ 2802 h 51800"/>
+              <a:gd name="connsiteX19" fmla="*/ 14036 w 43256"/>
+              <a:gd name="connsiteY19" fmla="*/ 13632 h 51800"/>
+              <a:gd name="connsiteX20" fmla="*/ 15336 w 43256"/>
+              <a:gd name="connsiteY20" fmla="*/ 14980 h 51800"/>
+              <a:gd name="connsiteX21" fmla="*/ 4163 w 43256"/>
+              <a:gd name="connsiteY21" fmla="*/ 24229 h 51800"/>
+              <a:gd name="connsiteX22" fmla="*/ 3936 w 43256"/>
+              <a:gd name="connsiteY22" fmla="*/ 22810 h 51800"/>
+              <a:gd name="connsiteX0" fmla="*/ 3936 w 43256"/>
+              <a:gd name="connsiteY0" fmla="*/ 22810 h 51800"/>
+              <a:gd name="connsiteX1" fmla="*/ 5659 w 43256"/>
+              <a:gd name="connsiteY1" fmla="*/ 11162 h 51800"/>
+              <a:gd name="connsiteX2" fmla="*/ 11155 w 43256"/>
+              <a:gd name="connsiteY2" fmla="*/ 7842 h 51800"/>
+              <a:gd name="connsiteX3" fmla="*/ 14041 w 43256"/>
+              <a:gd name="connsiteY3" fmla="*/ 13642 h 51800"/>
+              <a:gd name="connsiteX4" fmla="*/ 14741 w 43256"/>
+              <a:gd name="connsiteY4" fmla="*/ 8639 h 51800"/>
+              <a:gd name="connsiteX5" fmla="*/ 18424 w 43256"/>
+              <a:gd name="connsiteY5" fmla="*/ 868 h 51800"/>
+              <a:gd name="connsiteX6" fmla="*/ 22783 w 43256"/>
+              <a:gd name="connsiteY6" fmla="*/ 2108 h 51800"/>
+              <a:gd name="connsiteX7" fmla="*/ 29371 w 43256"/>
+              <a:gd name="connsiteY7" fmla="*/ 669 h 51800"/>
+              <a:gd name="connsiteX8" fmla="*/ 29869 w 43256"/>
+              <a:gd name="connsiteY8" fmla="*/ 10921 h 51800"/>
+              <a:gd name="connsiteX9" fmla="*/ 35014 w 43256"/>
+              <a:gd name="connsiteY9" fmla="*/ 8133 h 51800"/>
+              <a:gd name="connsiteX10" fmla="*/ 38354 w 43256"/>
+              <a:gd name="connsiteY10" fmla="*/ 14016 h 51800"/>
+              <a:gd name="connsiteX11" fmla="*/ 42018 w 43256"/>
+              <a:gd name="connsiteY11" fmla="*/ 18758 h 51800"/>
+              <a:gd name="connsiteX12" fmla="*/ 41854 w 43256"/>
+              <a:gd name="connsiteY12" fmla="*/ 23900 h 51800"/>
+              <a:gd name="connsiteX13" fmla="*/ 43052 w 43256"/>
+              <a:gd name="connsiteY13" fmla="*/ 31762 h 51800"/>
+              <a:gd name="connsiteX14" fmla="*/ 37440 w 43256"/>
+              <a:gd name="connsiteY14" fmla="*/ 38644 h 51800"/>
+              <a:gd name="connsiteX15" fmla="*/ 35431 w 43256"/>
+              <a:gd name="connsiteY15" fmla="*/ 44541 h 51800"/>
+              <a:gd name="connsiteX16" fmla="*/ 28591 w 43256"/>
+              <a:gd name="connsiteY16" fmla="*/ 45255 h 51800"/>
+              <a:gd name="connsiteX17" fmla="*/ 23703 w 43256"/>
+              <a:gd name="connsiteY17" fmla="*/ 51546 h 51800"/>
+              <a:gd name="connsiteX18" fmla="*/ 16516 w 43256"/>
+              <a:gd name="connsiteY18" fmla="*/ 47706 h 51800"/>
+              <a:gd name="connsiteX19" fmla="*/ 5840 w 43256"/>
+              <a:gd name="connsiteY19" fmla="*/ 43912 h 51800"/>
+              <a:gd name="connsiteX20" fmla="*/ 1146 w 43256"/>
+              <a:gd name="connsiteY20" fmla="*/ 39690 h 51800"/>
+              <a:gd name="connsiteX21" fmla="*/ 2149 w 43256"/>
+              <a:gd name="connsiteY21" fmla="*/ 33991 h 51800"/>
+              <a:gd name="connsiteX22" fmla="*/ 31 w 43256"/>
+              <a:gd name="connsiteY22" fmla="*/ 28144 h 51800"/>
+              <a:gd name="connsiteX23" fmla="*/ 3899 w 43256"/>
+              <a:gd name="connsiteY23" fmla="*/ 22947 h 51800"/>
+              <a:gd name="connsiteX24" fmla="*/ 3936 w 43256"/>
+              <a:gd name="connsiteY24" fmla="*/ 22810 h 51800"/>
+              <a:gd name="connsiteX0" fmla="*/ 4729 w 43256"/>
+              <a:gd name="connsiteY0" fmla="*/ 34617 h 51800"/>
+              <a:gd name="connsiteX1" fmla="*/ 2196 w 43256"/>
+              <a:gd name="connsiteY1" fmla="*/ 33820 h 51800"/>
+              <a:gd name="connsiteX2" fmla="*/ 6964 w 43256"/>
+              <a:gd name="connsiteY2" fmla="*/ 43339 h 51800"/>
+              <a:gd name="connsiteX3" fmla="*/ 5856 w 43256"/>
+              <a:gd name="connsiteY3" fmla="*/ 43720 h 51800"/>
+              <a:gd name="connsiteX4" fmla="*/ 16514 w 43256"/>
+              <a:gd name="connsiteY4" fmla="*/ 47530 h 51800"/>
+              <a:gd name="connsiteX5" fmla="*/ 15846 w 43256"/>
+              <a:gd name="connsiteY5" fmla="*/ 45790 h 51800"/>
+              <a:gd name="connsiteX6" fmla="*/ 28863 w 43256"/>
+              <a:gd name="connsiteY6" fmla="*/ 43191 h 51800"/>
+              <a:gd name="connsiteX7" fmla="*/ 28596 w 43256"/>
+              <a:gd name="connsiteY7" fmla="*/ 45100 h 51800"/>
+              <a:gd name="connsiteX8" fmla="*/ 34165 w 43256"/>
+              <a:gd name="connsiteY8" fmla="*/ 31394 h 51800"/>
+              <a:gd name="connsiteX9" fmla="*/ 37416 w 43256"/>
+              <a:gd name="connsiteY9" fmla="*/ 38530 h 51800"/>
+              <a:gd name="connsiteX10" fmla="*/ 41834 w 43256"/>
+              <a:gd name="connsiteY10" fmla="*/ 23794 h 51800"/>
+              <a:gd name="connsiteX11" fmla="*/ 40386 w 43256"/>
+              <a:gd name="connsiteY11" fmla="*/ 26470 h 51800"/>
+              <a:gd name="connsiteX12" fmla="*/ 38360 w 43256"/>
+              <a:gd name="connsiteY12" fmla="*/ 13866 h 51800"/>
+              <a:gd name="connsiteX13" fmla="*/ 38436 w 43256"/>
+              <a:gd name="connsiteY13" fmla="*/ 15130 h 51800"/>
+              <a:gd name="connsiteX14" fmla="*/ 29114 w 43256"/>
+              <a:gd name="connsiteY14" fmla="*/ 12392 h 51800"/>
+              <a:gd name="connsiteX15" fmla="*/ 31455 w 43256"/>
+              <a:gd name="connsiteY15" fmla="*/ 3457 h 51800"/>
+              <a:gd name="connsiteX16" fmla="*/ 21014 w 43256"/>
+              <a:gd name="connsiteY16" fmla="*/ 805 h 51800"/>
+              <a:gd name="connsiteX17" fmla="*/ 23525 w 43256"/>
+              <a:gd name="connsiteY17" fmla="*/ 6408 h 51800"/>
+              <a:gd name="connsiteX18" fmla="*/ 24669 w 43256"/>
+              <a:gd name="connsiteY18" fmla="*/ 2802 h 51800"/>
+              <a:gd name="connsiteX19" fmla="*/ 14036 w 43256"/>
+              <a:gd name="connsiteY19" fmla="*/ 13632 h 51800"/>
+              <a:gd name="connsiteX20" fmla="*/ 15336 w 43256"/>
+              <a:gd name="connsiteY20" fmla="*/ 14980 h 51800"/>
+              <a:gd name="connsiteX21" fmla="*/ 4163 w 43256"/>
+              <a:gd name="connsiteY21" fmla="*/ 24229 h 51800"/>
+              <a:gd name="connsiteX22" fmla="*/ 3936 w 43256"/>
+              <a:gd name="connsiteY22" fmla="*/ 22810 h 51800"/>
+              <a:gd name="connsiteX0" fmla="*/ 3936 w 43256"/>
+              <a:gd name="connsiteY0" fmla="*/ 22810 h 51800"/>
+              <a:gd name="connsiteX1" fmla="*/ 5659 w 43256"/>
+              <a:gd name="connsiteY1" fmla="*/ 11162 h 51800"/>
+              <a:gd name="connsiteX2" fmla="*/ 11155 w 43256"/>
+              <a:gd name="connsiteY2" fmla="*/ 7842 h 51800"/>
+              <a:gd name="connsiteX3" fmla="*/ 14041 w 43256"/>
+              <a:gd name="connsiteY3" fmla="*/ 13642 h 51800"/>
+              <a:gd name="connsiteX4" fmla="*/ 14741 w 43256"/>
+              <a:gd name="connsiteY4" fmla="*/ 8639 h 51800"/>
+              <a:gd name="connsiteX5" fmla="*/ 18424 w 43256"/>
+              <a:gd name="connsiteY5" fmla="*/ 868 h 51800"/>
+              <a:gd name="connsiteX6" fmla="*/ 22783 w 43256"/>
+              <a:gd name="connsiteY6" fmla="*/ 2108 h 51800"/>
+              <a:gd name="connsiteX7" fmla="*/ 29371 w 43256"/>
+              <a:gd name="connsiteY7" fmla="*/ 669 h 51800"/>
+              <a:gd name="connsiteX8" fmla="*/ 29869 w 43256"/>
+              <a:gd name="connsiteY8" fmla="*/ 10921 h 51800"/>
+              <a:gd name="connsiteX9" fmla="*/ 36613 w 43256"/>
+              <a:gd name="connsiteY9" fmla="*/ 4546 h 51800"/>
+              <a:gd name="connsiteX10" fmla="*/ 38354 w 43256"/>
+              <a:gd name="connsiteY10" fmla="*/ 14016 h 51800"/>
+              <a:gd name="connsiteX11" fmla="*/ 42018 w 43256"/>
+              <a:gd name="connsiteY11" fmla="*/ 18758 h 51800"/>
+              <a:gd name="connsiteX12" fmla="*/ 41854 w 43256"/>
+              <a:gd name="connsiteY12" fmla="*/ 23900 h 51800"/>
+              <a:gd name="connsiteX13" fmla="*/ 43052 w 43256"/>
+              <a:gd name="connsiteY13" fmla="*/ 31762 h 51800"/>
+              <a:gd name="connsiteX14" fmla="*/ 37440 w 43256"/>
+              <a:gd name="connsiteY14" fmla="*/ 38644 h 51800"/>
+              <a:gd name="connsiteX15" fmla="*/ 35431 w 43256"/>
+              <a:gd name="connsiteY15" fmla="*/ 44541 h 51800"/>
+              <a:gd name="connsiteX16" fmla="*/ 28591 w 43256"/>
+              <a:gd name="connsiteY16" fmla="*/ 45255 h 51800"/>
+              <a:gd name="connsiteX17" fmla="*/ 23703 w 43256"/>
+              <a:gd name="connsiteY17" fmla="*/ 51546 h 51800"/>
+              <a:gd name="connsiteX18" fmla="*/ 16516 w 43256"/>
+              <a:gd name="connsiteY18" fmla="*/ 47706 h 51800"/>
+              <a:gd name="connsiteX19" fmla="*/ 5840 w 43256"/>
+              <a:gd name="connsiteY19" fmla="*/ 43912 h 51800"/>
+              <a:gd name="connsiteX20" fmla="*/ 1146 w 43256"/>
+              <a:gd name="connsiteY20" fmla="*/ 39690 h 51800"/>
+              <a:gd name="connsiteX21" fmla="*/ 2149 w 43256"/>
+              <a:gd name="connsiteY21" fmla="*/ 33991 h 51800"/>
+              <a:gd name="connsiteX22" fmla="*/ 31 w 43256"/>
+              <a:gd name="connsiteY22" fmla="*/ 28144 h 51800"/>
+              <a:gd name="connsiteX23" fmla="*/ 3899 w 43256"/>
+              <a:gd name="connsiteY23" fmla="*/ 22947 h 51800"/>
+              <a:gd name="connsiteX24" fmla="*/ 3936 w 43256"/>
+              <a:gd name="connsiteY24" fmla="*/ 22810 h 51800"/>
+              <a:gd name="connsiteX0" fmla="*/ 4729 w 43256"/>
+              <a:gd name="connsiteY0" fmla="*/ 34617 h 51800"/>
+              <a:gd name="connsiteX1" fmla="*/ 2196 w 43256"/>
+              <a:gd name="connsiteY1" fmla="*/ 33820 h 51800"/>
+              <a:gd name="connsiteX2" fmla="*/ 6964 w 43256"/>
+              <a:gd name="connsiteY2" fmla="*/ 43339 h 51800"/>
+              <a:gd name="connsiteX3" fmla="*/ 5856 w 43256"/>
+              <a:gd name="connsiteY3" fmla="*/ 43720 h 51800"/>
+              <a:gd name="connsiteX4" fmla="*/ 16514 w 43256"/>
+              <a:gd name="connsiteY4" fmla="*/ 47530 h 51800"/>
+              <a:gd name="connsiteX5" fmla="*/ 15846 w 43256"/>
+              <a:gd name="connsiteY5" fmla="*/ 45790 h 51800"/>
+              <a:gd name="connsiteX6" fmla="*/ 28863 w 43256"/>
+              <a:gd name="connsiteY6" fmla="*/ 43191 h 51800"/>
+              <a:gd name="connsiteX7" fmla="*/ 28596 w 43256"/>
+              <a:gd name="connsiteY7" fmla="*/ 45100 h 51800"/>
+              <a:gd name="connsiteX8" fmla="*/ 34165 w 43256"/>
+              <a:gd name="connsiteY8" fmla="*/ 31394 h 51800"/>
+              <a:gd name="connsiteX9" fmla="*/ 37416 w 43256"/>
+              <a:gd name="connsiteY9" fmla="*/ 38530 h 51800"/>
+              <a:gd name="connsiteX10" fmla="*/ 41834 w 43256"/>
+              <a:gd name="connsiteY10" fmla="*/ 23794 h 51800"/>
+              <a:gd name="connsiteX11" fmla="*/ 40386 w 43256"/>
+              <a:gd name="connsiteY11" fmla="*/ 26470 h 51800"/>
+              <a:gd name="connsiteX12" fmla="*/ 38360 w 43256"/>
+              <a:gd name="connsiteY12" fmla="*/ 13866 h 51800"/>
+              <a:gd name="connsiteX13" fmla="*/ 38436 w 43256"/>
+              <a:gd name="connsiteY13" fmla="*/ 15130 h 51800"/>
+              <a:gd name="connsiteX14" fmla="*/ 29114 w 43256"/>
+              <a:gd name="connsiteY14" fmla="*/ 12392 h 51800"/>
+              <a:gd name="connsiteX15" fmla="*/ 31455 w 43256"/>
+              <a:gd name="connsiteY15" fmla="*/ 3457 h 51800"/>
+              <a:gd name="connsiteX16" fmla="*/ 21014 w 43256"/>
+              <a:gd name="connsiteY16" fmla="*/ 805 h 51800"/>
+              <a:gd name="connsiteX17" fmla="*/ 23525 w 43256"/>
+              <a:gd name="connsiteY17" fmla="*/ 6408 h 51800"/>
+              <a:gd name="connsiteX18" fmla="*/ 24669 w 43256"/>
+              <a:gd name="connsiteY18" fmla="*/ 2802 h 51800"/>
+              <a:gd name="connsiteX19" fmla="*/ 14036 w 43256"/>
+              <a:gd name="connsiteY19" fmla="*/ 13632 h 51800"/>
+              <a:gd name="connsiteX20" fmla="*/ 15336 w 43256"/>
+              <a:gd name="connsiteY20" fmla="*/ 14980 h 51800"/>
+              <a:gd name="connsiteX21" fmla="*/ 4163 w 43256"/>
+              <a:gd name="connsiteY21" fmla="*/ 24229 h 51800"/>
+              <a:gd name="connsiteX22" fmla="*/ 3936 w 43256"/>
+              <a:gd name="connsiteY22" fmla="*/ 22810 h 51800"/>
+              <a:gd name="connsiteX0" fmla="*/ 3936 w 43256"/>
+              <a:gd name="connsiteY0" fmla="*/ 22810 h 51800"/>
+              <a:gd name="connsiteX1" fmla="*/ 5659 w 43256"/>
+              <a:gd name="connsiteY1" fmla="*/ 11162 h 51800"/>
+              <a:gd name="connsiteX2" fmla="*/ 11155 w 43256"/>
+              <a:gd name="connsiteY2" fmla="*/ 7842 h 51800"/>
+              <a:gd name="connsiteX3" fmla="*/ 14041 w 43256"/>
+              <a:gd name="connsiteY3" fmla="*/ 13642 h 51800"/>
+              <a:gd name="connsiteX4" fmla="*/ 14741 w 43256"/>
+              <a:gd name="connsiteY4" fmla="*/ 8639 h 51800"/>
+              <a:gd name="connsiteX5" fmla="*/ 18424 w 43256"/>
+              <a:gd name="connsiteY5" fmla="*/ 868 h 51800"/>
+              <a:gd name="connsiteX6" fmla="*/ 22783 w 43256"/>
+              <a:gd name="connsiteY6" fmla="*/ 2108 h 51800"/>
+              <a:gd name="connsiteX7" fmla="*/ 29371 w 43256"/>
+              <a:gd name="connsiteY7" fmla="*/ 669 h 51800"/>
+              <a:gd name="connsiteX8" fmla="*/ 29869 w 43256"/>
+              <a:gd name="connsiteY8" fmla="*/ 10921 h 51800"/>
+              <a:gd name="connsiteX9" fmla="*/ 32394 w 43256"/>
+              <a:gd name="connsiteY9" fmla="*/ 2749 h 51800"/>
+              <a:gd name="connsiteX10" fmla="*/ 36613 w 43256"/>
+              <a:gd name="connsiteY10" fmla="*/ 4546 h 51800"/>
+              <a:gd name="connsiteX11" fmla="*/ 38354 w 43256"/>
+              <a:gd name="connsiteY11" fmla="*/ 14016 h 51800"/>
+              <a:gd name="connsiteX12" fmla="*/ 42018 w 43256"/>
+              <a:gd name="connsiteY12" fmla="*/ 18758 h 51800"/>
+              <a:gd name="connsiteX13" fmla="*/ 41854 w 43256"/>
+              <a:gd name="connsiteY13" fmla="*/ 23900 h 51800"/>
+              <a:gd name="connsiteX14" fmla="*/ 43052 w 43256"/>
+              <a:gd name="connsiteY14" fmla="*/ 31762 h 51800"/>
+              <a:gd name="connsiteX15" fmla="*/ 37440 w 43256"/>
+              <a:gd name="connsiteY15" fmla="*/ 38644 h 51800"/>
+              <a:gd name="connsiteX16" fmla="*/ 35431 w 43256"/>
+              <a:gd name="connsiteY16" fmla="*/ 44541 h 51800"/>
+              <a:gd name="connsiteX17" fmla="*/ 28591 w 43256"/>
+              <a:gd name="connsiteY17" fmla="*/ 45255 h 51800"/>
+              <a:gd name="connsiteX18" fmla="*/ 23703 w 43256"/>
+              <a:gd name="connsiteY18" fmla="*/ 51546 h 51800"/>
+              <a:gd name="connsiteX19" fmla="*/ 16516 w 43256"/>
+              <a:gd name="connsiteY19" fmla="*/ 47706 h 51800"/>
+              <a:gd name="connsiteX20" fmla="*/ 5840 w 43256"/>
+              <a:gd name="connsiteY20" fmla="*/ 43912 h 51800"/>
+              <a:gd name="connsiteX21" fmla="*/ 1146 w 43256"/>
+              <a:gd name="connsiteY21" fmla="*/ 39690 h 51800"/>
+              <a:gd name="connsiteX22" fmla="*/ 2149 w 43256"/>
+              <a:gd name="connsiteY22" fmla="*/ 33991 h 51800"/>
+              <a:gd name="connsiteX23" fmla="*/ 31 w 43256"/>
+              <a:gd name="connsiteY23" fmla="*/ 28144 h 51800"/>
+              <a:gd name="connsiteX24" fmla="*/ 3899 w 43256"/>
+              <a:gd name="connsiteY24" fmla="*/ 22947 h 51800"/>
+              <a:gd name="connsiteX25" fmla="*/ 3936 w 43256"/>
+              <a:gd name="connsiteY25" fmla="*/ 22810 h 51800"/>
+              <a:gd name="connsiteX0" fmla="*/ 4729 w 43256"/>
+              <a:gd name="connsiteY0" fmla="*/ 34617 h 51800"/>
+              <a:gd name="connsiteX1" fmla="*/ 2196 w 43256"/>
+              <a:gd name="connsiteY1" fmla="*/ 33820 h 51800"/>
+              <a:gd name="connsiteX2" fmla="*/ 6964 w 43256"/>
+              <a:gd name="connsiteY2" fmla="*/ 43339 h 51800"/>
+              <a:gd name="connsiteX3" fmla="*/ 5856 w 43256"/>
+              <a:gd name="connsiteY3" fmla="*/ 43720 h 51800"/>
+              <a:gd name="connsiteX4" fmla="*/ 16514 w 43256"/>
+              <a:gd name="connsiteY4" fmla="*/ 47530 h 51800"/>
+              <a:gd name="connsiteX5" fmla="*/ 15846 w 43256"/>
+              <a:gd name="connsiteY5" fmla="*/ 45790 h 51800"/>
+              <a:gd name="connsiteX6" fmla="*/ 28863 w 43256"/>
+              <a:gd name="connsiteY6" fmla="*/ 43191 h 51800"/>
+              <a:gd name="connsiteX7" fmla="*/ 28596 w 43256"/>
+              <a:gd name="connsiteY7" fmla="*/ 45100 h 51800"/>
+              <a:gd name="connsiteX8" fmla="*/ 34165 w 43256"/>
+              <a:gd name="connsiteY8" fmla="*/ 31394 h 51800"/>
+              <a:gd name="connsiteX9" fmla="*/ 37416 w 43256"/>
+              <a:gd name="connsiteY9" fmla="*/ 38530 h 51800"/>
+              <a:gd name="connsiteX10" fmla="*/ 41834 w 43256"/>
+              <a:gd name="connsiteY10" fmla="*/ 23794 h 51800"/>
+              <a:gd name="connsiteX11" fmla="*/ 40386 w 43256"/>
+              <a:gd name="connsiteY11" fmla="*/ 26470 h 51800"/>
+              <a:gd name="connsiteX12" fmla="*/ 38360 w 43256"/>
+              <a:gd name="connsiteY12" fmla="*/ 13866 h 51800"/>
+              <a:gd name="connsiteX13" fmla="*/ 38436 w 43256"/>
+              <a:gd name="connsiteY13" fmla="*/ 15130 h 51800"/>
+              <a:gd name="connsiteX14" fmla="*/ 29114 w 43256"/>
+              <a:gd name="connsiteY14" fmla="*/ 12392 h 51800"/>
+              <a:gd name="connsiteX15" fmla="*/ 31455 w 43256"/>
+              <a:gd name="connsiteY15" fmla="*/ 3457 h 51800"/>
+              <a:gd name="connsiteX16" fmla="*/ 21014 w 43256"/>
+              <a:gd name="connsiteY16" fmla="*/ 805 h 51800"/>
+              <a:gd name="connsiteX17" fmla="*/ 23525 w 43256"/>
+              <a:gd name="connsiteY17" fmla="*/ 6408 h 51800"/>
+              <a:gd name="connsiteX18" fmla="*/ 24669 w 43256"/>
+              <a:gd name="connsiteY18" fmla="*/ 2802 h 51800"/>
+              <a:gd name="connsiteX19" fmla="*/ 14036 w 43256"/>
+              <a:gd name="connsiteY19" fmla="*/ 13632 h 51800"/>
+              <a:gd name="connsiteX20" fmla="*/ 15336 w 43256"/>
+              <a:gd name="connsiteY20" fmla="*/ 14980 h 51800"/>
+              <a:gd name="connsiteX21" fmla="*/ 4163 w 43256"/>
+              <a:gd name="connsiteY21" fmla="*/ 24229 h 51800"/>
+              <a:gd name="connsiteX22" fmla="*/ 3936 w 43256"/>
+              <a:gd name="connsiteY22" fmla="*/ 22810 h 51800"/>
+              <a:gd name="connsiteX0" fmla="*/ 3936 w 43256"/>
+              <a:gd name="connsiteY0" fmla="*/ 24204 h 53194"/>
+              <a:gd name="connsiteX1" fmla="*/ 5659 w 43256"/>
+              <a:gd name="connsiteY1" fmla="*/ 12556 h 53194"/>
+              <a:gd name="connsiteX2" fmla="*/ 11155 w 43256"/>
+              <a:gd name="connsiteY2" fmla="*/ 9236 h 53194"/>
+              <a:gd name="connsiteX3" fmla="*/ 14041 w 43256"/>
+              <a:gd name="connsiteY3" fmla="*/ 15036 h 53194"/>
+              <a:gd name="connsiteX4" fmla="*/ 14741 w 43256"/>
+              <a:gd name="connsiteY4" fmla="*/ 10033 h 53194"/>
+              <a:gd name="connsiteX5" fmla="*/ 18424 w 43256"/>
+              <a:gd name="connsiteY5" fmla="*/ 2262 h 53194"/>
+              <a:gd name="connsiteX6" fmla="*/ 22783 w 43256"/>
+              <a:gd name="connsiteY6" fmla="*/ 3502 h 53194"/>
+              <a:gd name="connsiteX7" fmla="*/ 29371 w 43256"/>
+              <a:gd name="connsiteY7" fmla="*/ 2063 h 53194"/>
+              <a:gd name="connsiteX8" fmla="*/ 32030 w 43256"/>
+              <a:gd name="connsiteY8" fmla="*/ 556 h 53194"/>
+              <a:gd name="connsiteX9" fmla="*/ 29869 w 43256"/>
+              <a:gd name="connsiteY9" fmla="*/ 12315 h 53194"/>
+              <a:gd name="connsiteX10" fmla="*/ 32394 w 43256"/>
+              <a:gd name="connsiteY10" fmla="*/ 4143 h 53194"/>
+              <a:gd name="connsiteX11" fmla="*/ 36613 w 43256"/>
+              <a:gd name="connsiteY11" fmla="*/ 5940 h 53194"/>
+              <a:gd name="connsiteX12" fmla="*/ 38354 w 43256"/>
+              <a:gd name="connsiteY12" fmla="*/ 15410 h 53194"/>
+              <a:gd name="connsiteX13" fmla="*/ 42018 w 43256"/>
+              <a:gd name="connsiteY13" fmla="*/ 20152 h 53194"/>
+              <a:gd name="connsiteX14" fmla="*/ 41854 w 43256"/>
+              <a:gd name="connsiteY14" fmla="*/ 25294 h 53194"/>
+              <a:gd name="connsiteX15" fmla="*/ 43052 w 43256"/>
+              <a:gd name="connsiteY15" fmla="*/ 33156 h 53194"/>
+              <a:gd name="connsiteX16" fmla="*/ 37440 w 43256"/>
+              <a:gd name="connsiteY16" fmla="*/ 40038 h 53194"/>
+              <a:gd name="connsiteX17" fmla="*/ 35431 w 43256"/>
+              <a:gd name="connsiteY17" fmla="*/ 45935 h 53194"/>
+              <a:gd name="connsiteX18" fmla="*/ 28591 w 43256"/>
+              <a:gd name="connsiteY18" fmla="*/ 46649 h 53194"/>
+              <a:gd name="connsiteX19" fmla="*/ 23703 w 43256"/>
+              <a:gd name="connsiteY19" fmla="*/ 52940 h 53194"/>
+              <a:gd name="connsiteX20" fmla="*/ 16516 w 43256"/>
+              <a:gd name="connsiteY20" fmla="*/ 49100 h 53194"/>
+              <a:gd name="connsiteX21" fmla="*/ 5840 w 43256"/>
+              <a:gd name="connsiteY21" fmla="*/ 45306 h 53194"/>
+              <a:gd name="connsiteX22" fmla="*/ 1146 w 43256"/>
+              <a:gd name="connsiteY22" fmla="*/ 41084 h 53194"/>
+              <a:gd name="connsiteX23" fmla="*/ 2149 w 43256"/>
+              <a:gd name="connsiteY23" fmla="*/ 35385 h 53194"/>
+              <a:gd name="connsiteX24" fmla="*/ 31 w 43256"/>
+              <a:gd name="connsiteY24" fmla="*/ 29538 h 53194"/>
+              <a:gd name="connsiteX25" fmla="*/ 3899 w 43256"/>
+              <a:gd name="connsiteY25" fmla="*/ 24341 h 53194"/>
+              <a:gd name="connsiteX26" fmla="*/ 3936 w 43256"/>
+              <a:gd name="connsiteY26" fmla="*/ 24204 h 53194"/>
+              <a:gd name="connsiteX0" fmla="*/ 4729 w 43256"/>
+              <a:gd name="connsiteY0" fmla="*/ 36011 h 53194"/>
+              <a:gd name="connsiteX1" fmla="*/ 2196 w 43256"/>
+              <a:gd name="connsiteY1" fmla="*/ 35214 h 53194"/>
+              <a:gd name="connsiteX2" fmla="*/ 6964 w 43256"/>
+              <a:gd name="connsiteY2" fmla="*/ 44733 h 53194"/>
+              <a:gd name="connsiteX3" fmla="*/ 5856 w 43256"/>
+              <a:gd name="connsiteY3" fmla="*/ 45114 h 53194"/>
+              <a:gd name="connsiteX4" fmla="*/ 16514 w 43256"/>
+              <a:gd name="connsiteY4" fmla="*/ 48924 h 53194"/>
+              <a:gd name="connsiteX5" fmla="*/ 15846 w 43256"/>
+              <a:gd name="connsiteY5" fmla="*/ 47184 h 53194"/>
+              <a:gd name="connsiteX6" fmla="*/ 28863 w 43256"/>
+              <a:gd name="connsiteY6" fmla="*/ 44585 h 53194"/>
+              <a:gd name="connsiteX7" fmla="*/ 28596 w 43256"/>
+              <a:gd name="connsiteY7" fmla="*/ 46494 h 53194"/>
+              <a:gd name="connsiteX8" fmla="*/ 34165 w 43256"/>
+              <a:gd name="connsiteY8" fmla="*/ 32788 h 53194"/>
+              <a:gd name="connsiteX9" fmla="*/ 37416 w 43256"/>
+              <a:gd name="connsiteY9" fmla="*/ 39924 h 53194"/>
+              <a:gd name="connsiteX10" fmla="*/ 41834 w 43256"/>
+              <a:gd name="connsiteY10" fmla="*/ 25188 h 53194"/>
+              <a:gd name="connsiteX11" fmla="*/ 40386 w 43256"/>
+              <a:gd name="connsiteY11" fmla="*/ 27864 h 53194"/>
+              <a:gd name="connsiteX12" fmla="*/ 38360 w 43256"/>
+              <a:gd name="connsiteY12" fmla="*/ 15260 h 53194"/>
+              <a:gd name="connsiteX13" fmla="*/ 38436 w 43256"/>
+              <a:gd name="connsiteY13" fmla="*/ 16524 h 53194"/>
+              <a:gd name="connsiteX14" fmla="*/ 29114 w 43256"/>
+              <a:gd name="connsiteY14" fmla="*/ 13786 h 53194"/>
+              <a:gd name="connsiteX15" fmla="*/ 31455 w 43256"/>
+              <a:gd name="connsiteY15" fmla="*/ 4851 h 53194"/>
+              <a:gd name="connsiteX16" fmla="*/ 21014 w 43256"/>
+              <a:gd name="connsiteY16" fmla="*/ 2199 h 53194"/>
+              <a:gd name="connsiteX17" fmla="*/ 23525 w 43256"/>
+              <a:gd name="connsiteY17" fmla="*/ 7802 h 53194"/>
+              <a:gd name="connsiteX18" fmla="*/ 24669 w 43256"/>
+              <a:gd name="connsiteY18" fmla="*/ 4196 h 53194"/>
+              <a:gd name="connsiteX19" fmla="*/ 14036 w 43256"/>
+              <a:gd name="connsiteY19" fmla="*/ 15026 h 53194"/>
+              <a:gd name="connsiteX20" fmla="*/ 15336 w 43256"/>
+              <a:gd name="connsiteY20" fmla="*/ 16374 h 53194"/>
+              <a:gd name="connsiteX21" fmla="*/ 4163 w 43256"/>
+              <a:gd name="connsiteY21" fmla="*/ 25623 h 53194"/>
+              <a:gd name="connsiteX22" fmla="*/ 3936 w 43256"/>
+              <a:gd name="connsiteY22" fmla="*/ 24204 h 53194"/>
+              <a:gd name="connsiteX0" fmla="*/ 3936 w 43256"/>
+              <a:gd name="connsiteY0" fmla="*/ 24204 h 53194"/>
+              <a:gd name="connsiteX1" fmla="*/ 5659 w 43256"/>
+              <a:gd name="connsiteY1" fmla="*/ 12556 h 53194"/>
+              <a:gd name="connsiteX2" fmla="*/ 11155 w 43256"/>
+              <a:gd name="connsiteY2" fmla="*/ 9236 h 53194"/>
+              <a:gd name="connsiteX3" fmla="*/ 14041 w 43256"/>
+              <a:gd name="connsiteY3" fmla="*/ 15036 h 53194"/>
+              <a:gd name="connsiteX4" fmla="*/ 14741 w 43256"/>
+              <a:gd name="connsiteY4" fmla="*/ 10033 h 53194"/>
+              <a:gd name="connsiteX5" fmla="*/ 18424 w 43256"/>
+              <a:gd name="connsiteY5" fmla="*/ 2262 h 53194"/>
+              <a:gd name="connsiteX6" fmla="*/ 22783 w 43256"/>
+              <a:gd name="connsiteY6" fmla="*/ 3502 h 53194"/>
+              <a:gd name="connsiteX7" fmla="*/ 29371 w 43256"/>
+              <a:gd name="connsiteY7" fmla="*/ 2063 h 53194"/>
+              <a:gd name="connsiteX8" fmla="*/ 32030 w 43256"/>
+              <a:gd name="connsiteY8" fmla="*/ 556 h 53194"/>
+              <a:gd name="connsiteX9" fmla="*/ 29869 w 43256"/>
+              <a:gd name="connsiteY9" fmla="*/ 12315 h 53194"/>
+              <a:gd name="connsiteX10" fmla="*/ 32394 w 43256"/>
+              <a:gd name="connsiteY10" fmla="*/ 4143 h 53194"/>
+              <a:gd name="connsiteX11" fmla="*/ 36613 w 43256"/>
+              <a:gd name="connsiteY11" fmla="*/ 5940 h 53194"/>
+              <a:gd name="connsiteX12" fmla="*/ 38354 w 43256"/>
+              <a:gd name="connsiteY12" fmla="*/ 15410 h 53194"/>
+              <a:gd name="connsiteX13" fmla="*/ 42018 w 43256"/>
+              <a:gd name="connsiteY13" fmla="*/ 20152 h 53194"/>
+              <a:gd name="connsiteX14" fmla="*/ 41854 w 43256"/>
+              <a:gd name="connsiteY14" fmla="*/ 25294 h 53194"/>
+              <a:gd name="connsiteX15" fmla="*/ 43052 w 43256"/>
+              <a:gd name="connsiteY15" fmla="*/ 33156 h 53194"/>
+              <a:gd name="connsiteX16" fmla="*/ 37440 w 43256"/>
+              <a:gd name="connsiteY16" fmla="*/ 40038 h 53194"/>
+              <a:gd name="connsiteX17" fmla="*/ 35431 w 43256"/>
+              <a:gd name="connsiteY17" fmla="*/ 45935 h 53194"/>
+              <a:gd name="connsiteX18" fmla="*/ 28591 w 43256"/>
+              <a:gd name="connsiteY18" fmla="*/ 46649 h 53194"/>
+              <a:gd name="connsiteX19" fmla="*/ 23703 w 43256"/>
+              <a:gd name="connsiteY19" fmla="*/ 52940 h 53194"/>
+              <a:gd name="connsiteX20" fmla="*/ 16516 w 43256"/>
+              <a:gd name="connsiteY20" fmla="*/ 49100 h 53194"/>
+              <a:gd name="connsiteX21" fmla="*/ 5840 w 43256"/>
+              <a:gd name="connsiteY21" fmla="*/ 45306 h 53194"/>
+              <a:gd name="connsiteX22" fmla="*/ 1146 w 43256"/>
+              <a:gd name="connsiteY22" fmla="*/ 41084 h 53194"/>
+              <a:gd name="connsiteX23" fmla="*/ 2149 w 43256"/>
+              <a:gd name="connsiteY23" fmla="*/ 35385 h 53194"/>
+              <a:gd name="connsiteX24" fmla="*/ 31 w 43256"/>
+              <a:gd name="connsiteY24" fmla="*/ 29538 h 53194"/>
+              <a:gd name="connsiteX25" fmla="*/ 3899 w 43256"/>
+              <a:gd name="connsiteY25" fmla="*/ 24341 h 53194"/>
+              <a:gd name="connsiteX26" fmla="*/ 3936 w 43256"/>
+              <a:gd name="connsiteY26" fmla="*/ 24204 h 53194"/>
+              <a:gd name="connsiteX0" fmla="*/ 4729 w 43256"/>
+              <a:gd name="connsiteY0" fmla="*/ 36011 h 53194"/>
+              <a:gd name="connsiteX1" fmla="*/ 2196 w 43256"/>
+              <a:gd name="connsiteY1" fmla="*/ 35214 h 53194"/>
+              <a:gd name="connsiteX2" fmla="*/ 6964 w 43256"/>
+              <a:gd name="connsiteY2" fmla="*/ 44733 h 53194"/>
+              <a:gd name="connsiteX3" fmla="*/ 5856 w 43256"/>
+              <a:gd name="connsiteY3" fmla="*/ 45114 h 53194"/>
+              <a:gd name="connsiteX4" fmla="*/ 16514 w 43256"/>
+              <a:gd name="connsiteY4" fmla="*/ 48924 h 53194"/>
+              <a:gd name="connsiteX5" fmla="*/ 15846 w 43256"/>
+              <a:gd name="connsiteY5" fmla="*/ 47184 h 53194"/>
+              <a:gd name="connsiteX6" fmla="*/ 28863 w 43256"/>
+              <a:gd name="connsiteY6" fmla="*/ 44585 h 53194"/>
+              <a:gd name="connsiteX7" fmla="*/ 28596 w 43256"/>
+              <a:gd name="connsiteY7" fmla="*/ 46494 h 53194"/>
+              <a:gd name="connsiteX8" fmla="*/ 34165 w 43256"/>
+              <a:gd name="connsiteY8" fmla="*/ 32788 h 53194"/>
+              <a:gd name="connsiteX9" fmla="*/ 37416 w 43256"/>
+              <a:gd name="connsiteY9" fmla="*/ 39924 h 53194"/>
+              <a:gd name="connsiteX10" fmla="*/ 41834 w 43256"/>
+              <a:gd name="connsiteY10" fmla="*/ 25188 h 53194"/>
+              <a:gd name="connsiteX11" fmla="*/ 40386 w 43256"/>
+              <a:gd name="connsiteY11" fmla="*/ 27864 h 53194"/>
+              <a:gd name="connsiteX12" fmla="*/ 38360 w 43256"/>
+              <a:gd name="connsiteY12" fmla="*/ 15260 h 53194"/>
+              <a:gd name="connsiteX13" fmla="*/ 38436 w 43256"/>
+              <a:gd name="connsiteY13" fmla="*/ 16524 h 53194"/>
+              <a:gd name="connsiteX14" fmla="*/ 31222 w 43256"/>
+              <a:gd name="connsiteY14" fmla="*/ 7957 h 53194"/>
+              <a:gd name="connsiteX15" fmla="*/ 31455 w 43256"/>
+              <a:gd name="connsiteY15" fmla="*/ 4851 h 53194"/>
+              <a:gd name="connsiteX16" fmla="*/ 21014 w 43256"/>
+              <a:gd name="connsiteY16" fmla="*/ 2199 h 53194"/>
+              <a:gd name="connsiteX17" fmla="*/ 23525 w 43256"/>
+              <a:gd name="connsiteY17" fmla="*/ 7802 h 53194"/>
+              <a:gd name="connsiteX18" fmla="*/ 24669 w 43256"/>
+              <a:gd name="connsiteY18" fmla="*/ 4196 h 53194"/>
+              <a:gd name="connsiteX19" fmla="*/ 14036 w 43256"/>
+              <a:gd name="connsiteY19" fmla="*/ 15026 h 53194"/>
+              <a:gd name="connsiteX20" fmla="*/ 15336 w 43256"/>
+              <a:gd name="connsiteY20" fmla="*/ 16374 h 53194"/>
+              <a:gd name="connsiteX21" fmla="*/ 4163 w 43256"/>
+              <a:gd name="connsiteY21" fmla="*/ 25623 h 53194"/>
+              <a:gd name="connsiteX22" fmla="*/ 3936 w 43256"/>
+              <a:gd name="connsiteY22" fmla="*/ 24204 h 53194"/>
+              <a:gd name="connsiteX0" fmla="*/ 3936 w 43256"/>
+              <a:gd name="connsiteY0" fmla="*/ 24204 h 53194"/>
+              <a:gd name="connsiteX1" fmla="*/ 5659 w 43256"/>
+              <a:gd name="connsiteY1" fmla="*/ 12556 h 53194"/>
+              <a:gd name="connsiteX2" fmla="*/ 11155 w 43256"/>
+              <a:gd name="connsiteY2" fmla="*/ 9236 h 53194"/>
+              <a:gd name="connsiteX3" fmla="*/ 14041 w 43256"/>
+              <a:gd name="connsiteY3" fmla="*/ 15036 h 53194"/>
+              <a:gd name="connsiteX4" fmla="*/ 14741 w 43256"/>
+              <a:gd name="connsiteY4" fmla="*/ 10033 h 53194"/>
+              <a:gd name="connsiteX5" fmla="*/ 18424 w 43256"/>
+              <a:gd name="connsiteY5" fmla="*/ 2262 h 53194"/>
+              <a:gd name="connsiteX6" fmla="*/ 22783 w 43256"/>
+              <a:gd name="connsiteY6" fmla="*/ 3502 h 53194"/>
+              <a:gd name="connsiteX7" fmla="*/ 29371 w 43256"/>
+              <a:gd name="connsiteY7" fmla="*/ 2063 h 53194"/>
+              <a:gd name="connsiteX8" fmla="*/ 32030 w 43256"/>
+              <a:gd name="connsiteY8" fmla="*/ 556 h 53194"/>
+              <a:gd name="connsiteX9" fmla="*/ 33940 w 43256"/>
+              <a:gd name="connsiteY9" fmla="*/ 1255 h 53194"/>
+              <a:gd name="connsiteX10" fmla="*/ 32394 w 43256"/>
+              <a:gd name="connsiteY10" fmla="*/ 4143 h 53194"/>
+              <a:gd name="connsiteX11" fmla="*/ 36613 w 43256"/>
+              <a:gd name="connsiteY11" fmla="*/ 5940 h 53194"/>
+              <a:gd name="connsiteX12" fmla="*/ 38354 w 43256"/>
+              <a:gd name="connsiteY12" fmla="*/ 15410 h 53194"/>
+              <a:gd name="connsiteX13" fmla="*/ 42018 w 43256"/>
+              <a:gd name="connsiteY13" fmla="*/ 20152 h 53194"/>
+              <a:gd name="connsiteX14" fmla="*/ 41854 w 43256"/>
+              <a:gd name="connsiteY14" fmla="*/ 25294 h 53194"/>
+              <a:gd name="connsiteX15" fmla="*/ 43052 w 43256"/>
+              <a:gd name="connsiteY15" fmla="*/ 33156 h 53194"/>
+              <a:gd name="connsiteX16" fmla="*/ 37440 w 43256"/>
+              <a:gd name="connsiteY16" fmla="*/ 40038 h 53194"/>
+              <a:gd name="connsiteX17" fmla="*/ 35431 w 43256"/>
+              <a:gd name="connsiteY17" fmla="*/ 45935 h 53194"/>
+              <a:gd name="connsiteX18" fmla="*/ 28591 w 43256"/>
+              <a:gd name="connsiteY18" fmla="*/ 46649 h 53194"/>
+              <a:gd name="connsiteX19" fmla="*/ 23703 w 43256"/>
+              <a:gd name="connsiteY19" fmla="*/ 52940 h 53194"/>
+              <a:gd name="connsiteX20" fmla="*/ 16516 w 43256"/>
+              <a:gd name="connsiteY20" fmla="*/ 49100 h 53194"/>
+              <a:gd name="connsiteX21" fmla="*/ 5840 w 43256"/>
+              <a:gd name="connsiteY21" fmla="*/ 45306 h 53194"/>
+              <a:gd name="connsiteX22" fmla="*/ 1146 w 43256"/>
+              <a:gd name="connsiteY22" fmla="*/ 41084 h 53194"/>
+              <a:gd name="connsiteX23" fmla="*/ 2149 w 43256"/>
+              <a:gd name="connsiteY23" fmla="*/ 35385 h 53194"/>
+              <a:gd name="connsiteX24" fmla="*/ 31 w 43256"/>
+              <a:gd name="connsiteY24" fmla="*/ 29538 h 53194"/>
+              <a:gd name="connsiteX25" fmla="*/ 3899 w 43256"/>
+              <a:gd name="connsiteY25" fmla="*/ 24341 h 53194"/>
+              <a:gd name="connsiteX26" fmla="*/ 3936 w 43256"/>
+              <a:gd name="connsiteY26" fmla="*/ 24204 h 53194"/>
+              <a:gd name="connsiteX0" fmla="*/ 4729 w 43256"/>
+              <a:gd name="connsiteY0" fmla="*/ 36011 h 53194"/>
+              <a:gd name="connsiteX1" fmla="*/ 2196 w 43256"/>
+              <a:gd name="connsiteY1" fmla="*/ 35214 h 53194"/>
+              <a:gd name="connsiteX2" fmla="*/ 6964 w 43256"/>
+              <a:gd name="connsiteY2" fmla="*/ 44733 h 53194"/>
+              <a:gd name="connsiteX3" fmla="*/ 5856 w 43256"/>
+              <a:gd name="connsiteY3" fmla="*/ 45114 h 53194"/>
+              <a:gd name="connsiteX4" fmla="*/ 16514 w 43256"/>
+              <a:gd name="connsiteY4" fmla="*/ 48924 h 53194"/>
+              <a:gd name="connsiteX5" fmla="*/ 15846 w 43256"/>
+              <a:gd name="connsiteY5" fmla="*/ 47184 h 53194"/>
+              <a:gd name="connsiteX6" fmla="*/ 28863 w 43256"/>
+              <a:gd name="connsiteY6" fmla="*/ 44585 h 53194"/>
+              <a:gd name="connsiteX7" fmla="*/ 28596 w 43256"/>
+              <a:gd name="connsiteY7" fmla="*/ 46494 h 53194"/>
+              <a:gd name="connsiteX8" fmla="*/ 34165 w 43256"/>
+              <a:gd name="connsiteY8" fmla="*/ 32788 h 53194"/>
+              <a:gd name="connsiteX9" fmla="*/ 37416 w 43256"/>
+              <a:gd name="connsiteY9" fmla="*/ 39924 h 53194"/>
+              <a:gd name="connsiteX10" fmla="*/ 41834 w 43256"/>
+              <a:gd name="connsiteY10" fmla="*/ 25188 h 53194"/>
+              <a:gd name="connsiteX11" fmla="*/ 40386 w 43256"/>
+              <a:gd name="connsiteY11" fmla="*/ 27864 h 53194"/>
+              <a:gd name="connsiteX12" fmla="*/ 38360 w 43256"/>
+              <a:gd name="connsiteY12" fmla="*/ 15260 h 53194"/>
+              <a:gd name="connsiteX13" fmla="*/ 38436 w 43256"/>
+              <a:gd name="connsiteY13" fmla="*/ 16524 h 53194"/>
+              <a:gd name="connsiteX14" fmla="*/ 31222 w 43256"/>
+              <a:gd name="connsiteY14" fmla="*/ 7957 h 53194"/>
+              <a:gd name="connsiteX15" fmla="*/ 31455 w 43256"/>
+              <a:gd name="connsiteY15" fmla="*/ 4851 h 53194"/>
+              <a:gd name="connsiteX16" fmla="*/ 21014 w 43256"/>
+              <a:gd name="connsiteY16" fmla="*/ 2199 h 53194"/>
+              <a:gd name="connsiteX17" fmla="*/ 23525 w 43256"/>
+              <a:gd name="connsiteY17" fmla="*/ 7802 h 53194"/>
+              <a:gd name="connsiteX18" fmla="*/ 24669 w 43256"/>
+              <a:gd name="connsiteY18" fmla="*/ 4196 h 53194"/>
+              <a:gd name="connsiteX19" fmla="*/ 14036 w 43256"/>
+              <a:gd name="connsiteY19" fmla="*/ 15026 h 53194"/>
+              <a:gd name="connsiteX20" fmla="*/ 15336 w 43256"/>
+              <a:gd name="connsiteY20" fmla="*/ 16374 h 53194"/>
+              <a:gd name="connsiteX21" fmla="*/ 4163 w 43256"/>
+              <a:gd name="connsiteY21" fmla="*/ 25623 h 53194"/>
+              <a:gd name="connsiteX22" fmla="*/ 3936 w 43256"/>
+              <a:gd name="connsiteY22" fmla="*/ 24204 h 53194"/>
+              <a:gd name="connsiteX0" fmla="*/ 3936 w 43256"/>
+              <a:gd name="connsiteY0" fmla="*/ 25901 h 54891"/>
+              <a:gd name="connsiteX1" fmla="*/ 5659 w 43256"/>
+              <a:gd name="connsiteY1" fmla="*/ 14253 h 54891"/>
+              <a:gd name="connsiteX2" fmla="*/ 11155 w 43256"/>
+              <a:gd name="connsiteY2" fmla="*/ 10933 h 54891"/>
+              <a:gd name="connsiteX3" fmla="*/ 14041 w 43256"/>
+              <a:gd name="connsiteY3" fmla="*/ 16733 h 54891"/>
+              <a:gd name="connsiteX4" fmla="*/ 14741 w 43256"/>
+              <a:gd name="connsiteY4" fmla="*/ 11730 h 54891"/>
+              <a:gd name="connsiteX5" fmla="*/ 18424 w 43256"/>
+              <a:gd name="connsiteY5" fmla="*/ 3959 h 54891"/>
+              <a:gd name="connsiteX6" fmla="*/ 22783 w 43256"/>
+              <a:gd name="connsiteY6" fmla="*/ 5199 h 54891"/>
+              <a:gd name="connsiteX7" fmla="*/ 26869 w 43256"/>
+              <a:gd name="connsiteY7" fmla="*/ 11 h 54891"/>
+              <a:gd name="connsiteX8" fmla="*/ 29371 w 43256"/>
+              <a:gd name="connsiteY8" fmla="*/ 3760 h 54891"/>
+              <a:gd name="connsiteX9" fmla="*/ 32030 w 43256"/>
+              <a:gd name="connsiteY9" fmla="*/ 2253 h 54891"/>
+              <a:gd name="connsiteX10" fmla="*/ 33940 w 43256"/>
+              <a:gd name="connsiteY10" fmla="*/ 2952 h 54891"/>
+              <a:gd name="connsiteX11" fmla="*/ 32394 w 43256"/>
+              <a:gd name="connsiteY11" fmla="*/ 5840 h 54891"/>
+              <a:gd name="connsiteX12" fmla="*/ 36613 w 43256"/>
+              <a:gd name="connsiteY12" fmla="*/ 7637 h 54891"/>
+              <a:gd name="connsiteX13" fmla="*/ 38354 w 43256"/>
+              <a:gd name="connsiteY13" fmla="*/ 17107 h 54891"/>
+              <a:gd name="connsiteX14" fmla="*/ 42018 w 43256"/>
+              <a:gd name="connsiteY14" fmla="*/ 21849 h 54891"/>
+              <a:gd name="connsiteX15" fmla="*/ 41854 w 43256"/>
+              <a:gd name="connsiteY15" fmla="*/ 26991 h 54891"/>
+              <a:gd name="connsiteX16" fmla="*/ 43052 w 43256"/>
+              <a:gd name="connsiteY16" fmla="*/ 34853 h 54891"/>
+              <a:gd name="connsiteX17" fmla="*/ 37440 w 43256"/>
+              <a:gd name="connsiteY17" fmla="*/ 41735 h 54891"/>
+              <a:gd name="connsiteX18" fmla="*/ 35431 w 43256"/>
+              <a:gd name="connsiteY18" fmla="*/ 47632 h 54891"/>
+              <a:gd name="connsiteX19" fmla="*/ 28591 w 43256"/>
+              <a:gd name="connsiteY19" fmla="*/ 48346 h 54891"/>
+              <a:gd name="connsiteX20" fmla="*/ 23703 w 43256"/>
+              <a:gd name="connsiteY20" fmla="*/ 54637 h 54891"/>
+              <a:gd name="connsiteX21" fmla="*/ 16516 w 43256"/>
+              <a:gd name="connsiteY21" fmla="*/ 50797 h 54891"/>
+              <a:gd name="connsiteX22" fmla="*/ 5840 w 43256"/>
+              <a:gd name="connsiteY22" fmla="*/ 47003 h 54891"/>
+              <a:gd name="connsiteX23" fmla="*/ 1146 w 43256"/>
+              <a:gd name="connsiteY23" fmla="*/ 42781 h 54891"/>
+              <a:gd name="connsiteX24" fmla="*/ 2149 w 43256"/>
+              <a:gd name="connsiteY24" fmla="*/ 37082 h 54891"/>
+              <a:gd name="connsiteX25" fmla="*/ 31 w 43256"/>
+              <a:gd name="connsiteY25" fmla="*/ 31235 h 54891"/>
+              <a:gd name="connsiteX26" fmla="*/ 3899 w 43256"/>
+              <a:gd name="connsiteY26" fmla="*/ 26038 h 54891"/>
+              <a:gd name="connsiteX27" fmla="*/ 3936 w 43256"/>
+              <a:gd name="connsiteY27" fmla="*/ 25901 h 54891"/>
+              <a:gd name="connsiteX0" fmla="*/ 4729 w 43256"/>
+              <a:gd name="connsiteY0" fmla="*/ 37708 h 54891"/>
+              <a:gd name="connsiteX1" fmla="*/ 2196 w 43256"/>
+              <a:gd name="connsiteY1" fmla="*/ 36911 h 54891"/>
+              <a:gd name="connsiteX2" fmla="*/ 6964 w 43256"/>
+              <a:gd name="connsiteY2" fmla="*/ 46430 h 54891"/>
+              <a:gd name="connsiteX3" fmla="*/ 5856 w 43256"/>
+              <a:gd name="connsiteY3" fmla="*/ 46811 h 54891"/>
+              <a:gd name="connsiteX4" fmla="*/ 16514 w 43256"/>
+              <a:gd name="connsiteY4" fmla="*/ 50621 h 54891"/>
+              <a:gd name="connsiteX5" fmla="*/ 15846 w 43256"/>
+              <a:gd name="connsiteY5" fmla="*/ 48881 h 54891"/>
+              <a:gd name="connsiteX6" fmla="*/ 28863 w 43256"/>
+              <a:gd name="connsiteY6" fmla="*/ 46282 h 54891"/>
+              <a:gd name="connsiteX7" fmla="*/ 28596 w 43256"/>
+              <a:gd name="connsiteY7" fmla="*/ 48191 h 54891"/>
+              <a:gd name="connsiteX8" fmla="*/ 34165 w 43256"/>
+              <a:gd name="connsiteY8" fmla="*/ 34485 h 54891"/>
+              <a:gd name="connsiteX9" fmla="*/ 37416 w 43256"/>
+              <a:gd name="connsiteY9" fmla="*/ 41621 h 54891"/>
+              <a:gd name="connsiteX10" fmla="*/ 41834 w 43256"/>
+              <a:gd name="connsiteY10" fmla="*/ 26885 h 54891"/>
+              <a:gd name="connsiteX11" fmla="*/ 40386 w 43256"/>
+              <a:gd name="connsiteY11" fmla="*/ 29561 h 54891"/>
+              <a:gd name="connsiteX12" fmla="*/ 38360 w 43256"/>
+              <a:gd name="connsiteY12" fmla="*/ 16957 h 54891"/>
+              <a:gd name="connsiteX13" fmla="*/ 38436 w 43256"/>
+              <a:gd name="connsiteY13" fmla="*/ 18221 h 54891"/>
+              <a:gd name="connsiteX14" fmla="*/ 31222 w 43256"/>
+              <a:gd name="connsiteY14" fmla="*/ 9654 h 54891"/>
+              <a:gd name="connsiteX15" fmla="*/ 31455 w 43256"/>
+              <a:gd name="connsiteY15" fmla="*/ 6548 h 54891"/>
+              <a:gd name="connsiteX16" fmla="*/ 21014 w 43256"/>
+              <a:gd name="connsiteY16" fmla="*/ 3896 h 54891"/>
+              <a:gd name="connsiteX17" fmla="*/ 23525 w 43256"/>
+              <a:gd name="connsiteY17" fmla="*/ 9499 h 54891"/>
+              <a:gd name="connsiteX18" fmla="*/ 24669 w 43256"/>
+              <a:gd name="connsiteY18" fmla="*/ 5893 h 54891"/>
+              <a:gd name="connsiteX19" fmla="*/ 14036 w 43256"/>
+              <a:gd name="connsiteY19" fmla="*/ 16723 h 54891"/>
+              <a:gd name="connsiteX20" fmla="*/ 15336 w 43256"/>
+              <a:gd name="connsiteY20" fmla="*/ 18071 h 54891"/>
+              <a:gd name="connsiteX21" fmla="*/ 4163 w 43256"/>
+              <a:gd name="connsiteY21" fmla="*/ 27320 h 54891"/>
+              <a:gd name="connsiteX22" fmla="*/ 3936 w 43256"/>
+              <a:gd name="connsiteY22" fmla="*/ 25901 h 54891"/>
+              <a:gd name="connsiteX0" fmla="*/ 3936 w 43256"/>
+              <a:gd name="connsiteY0" fmla="*/ 25901 h 54891"/>
+              <a:gd name="connsiteX1" fmla="*/ 5659 w 43256"/>
+              <a:gd name="connsiteY1" fmla="*/ 14253 h 54891"/>
+              <a:gd name="connsiteX2" fmla="*/ 11155 w 43256"/>
+              <a:gd name="connsiteY2" fmla="*/ 10933 h 54891"/>
+              <a:gd name="connsiteX3" fmla="*/ 14041 w 43256"/>
+              <a:gd name="connsiteY3" fmla="*/ 16733 h 54891"/>
+              <a:gd name="connsiteX4" fmla="*/ 14741 w 43256"/>
+              <a:gd name="connsiteY4" fmla="*/ 11730 h 54891"/>
+              <a:gd name="connsiteX5" fmla="*/ 18424 w 43256"/>
+              <a:gd name="connsiteY5" fmla="*/ 3959 h 54891"/>
+              <a:gd name="connsiteX6" fmla="*/ 22710 w 43256"/>
+              <a:gd name="connsiteY6" fmla="*/ 566 h 54891"/>
+              <a:gd name="connsiteX7" fmla="*/ 26869 w 43256"/>
+              <a:gd name="connsiteY7" fmla="*/ 11 h 54891"/>
+              <a:gd name="connsiteX8" fmla="*/ 29371 w 43256"/>
+              <a:gd name="connsiteY8" fmla="*/ 3760 h 54891"/>
+              <a:gd name="connsiteX9" fmla="*/ 32030 w 43256"/>
+              <a:gd name="connsiteY9" fmla="*/ 2253 h 54891"/>
+              <a:gd name="connsiteX10" fmla="*/ 33940 w 43256"/>
+              <a:gd name="connsiteY10" fmla="*/ 2952 h 54891"/>
+              <a:gd name="connsiteX11" fmla="*/ 32394 w 43256"/>
+              <a:gd name="connsiteY11" fmla="*/ 5840 h 54891"/>
+              <a:gd name="connsiteX12" fmla="*/ 36613 w 43256"/>
+              <a:gd name="connsiteY12" fmla="*/ 7637 h 54891"/>
+              <a:gd name="connsiteX13" fmla="*/ 38354 w 43256"/>
+              <a:gd name="connsiteY13" fmla="*/ 17107 h 54891"/>
+              <a:gd name="connsiteX14" fmla="*/ 42018 w 43256"/>
+              <a:gd name="connsiteY14" fmla="*/ 21849 h 54891"/>
+              <a:gd name="connsiteX15" fmla="*/ 41854 w 43256"/>
+              <a:gd name="connsiteY15" fmla="*/ 26991 h 54891"/>
+              <a:gd name="connsiteX16" fmla="*/ 43052 w 43256"/>
+              <a:gd name="connsiteY16" fmla="*/ 34853 h 54891"/>
+              <a:gd name="connsiteX17" fmla="*/ 37440 w 43256"/>
+              <a:gd name="connsiteY17" fmla="*/ 41735 h 54891"/>
+              <a:gd name="connsiteX18" fmla="*/ 35431 w 43256"/>
+              <a:gd name="connsiteY18" fmla="*/ 47632 h 54891"/>
+              <a:gd name="connsiteX19" fmla="*/ 28591 w 43256"/>
+              <a:gd name="connsiteY19" fmla="*/ 48346 h 54891"/>
+              <a:gd name="connsiteX20" fmla="*/ 23703 w 43256"/>
+              <a:gd name="connsiteY20" fmla="*/ 54637 h 54891"/>
+              <a:gd name="connsiteX21" fmla="*/ 16516 w 43256"/>
+              <a:gd name="connsiteY21" fmla="*/ 50797 h 54891"/>
+              <a:gd name="connsiteX22" fmla="*/ 5840 w 43256"/>
+              <a:gd name="connsiteY22" fmla="*/ 47003 h 54891"/>
+              <a:gd name="connsiteX23" fmla="*/ 1146 w 43256"/>
+              <a:gd name="connsiteY23" fmla="*/ 42781 h 54891"/>
+              <a:gd name="connsiteX24" fmla="*/ 2149 w 43256"/>
+              <a:gd name="connsiteY24" fmla="*/ 37082 h 54891"/>
+              <a:gd name="connsiteX25" fmla="*/ 31 w 43256"/>
+              <a:gd name="connsiteY25" fmla="*/ 31235 h 54891"/>
+              <a:gd name="connsiteX26" fmla="*/ 3899 w 43256"/>
+              <a:gd name="connsiteY26" fmla="*/ 26038 h 54891"/>
+              <a:gd name="connsiteX27" fmla="*/ 3936 w 43256"/>
+              <a:gd name="connsiteY27" fmla="*/ 25901 h 54891"/>
+              <a:gd name="connsiteX0" fmla="*/ 4729 w 43256"/>
+              <a:gd name="connsiteY0" fmla="*/ 37708 h 54891"/>
+              <a:gd name="connsiteX1" fmla="*/ 2196 w 43256"/>
+              <a:gd name="connsiteY1" fmla="*/ 36911 h 54891"/>
+              <a:gd name="connsiteX2" fmla="*/ 6964 w 43256"/>
+              <a:gd name="connsiteY2" fmla="*/ 46430 h 54891"/>
+              <a:gd name="connsiteX3" fmla="*/ 5856 w 43256"/>
+              <a:gd name="connsiteY3" fmla="*/ 46811 h 54891"/>
+              <a:gd name="connsiteX4" fmla="*/ 16514 w 43256"/>
+              <a:gd name="connsiteY4" fmla="*/ 50621 h 54891"/>
+              <a:gd name="connsiteX5" fmla="*/ 15846 w 43256"/>
+              <a:gd name="connsiteY5" fmla="*/ 48881 h 54891"/>
+              <a:gd name="connsiteX6" fmla="*/ 28863 w 43256"/>
+              <a:gd name="connsiteY6" fmla="*/ 46282 h 54891"/>
+              <a:gd name="connsiteX7" fmla="*/ 28596 w 43256"/>
+              <a:gd name="connsiteY7" fmla="*/ 48191 h 54891"/>
+              <a:gd name="connsiteX8" fmla="*/ 34165 w 43256"/>
+              <a:gd name="connsiteY8" fmla="*/ 34485 h 54891"/>
+              <a:gd name="connsiteX9" fmla="*/ 37416 w 43256"/>
+              <a:gd name="connsiteY9" fmla="*/ 41621 h 54891"/>
+              <a:gd name="connsiteX10" fmla="*/ 41834 w 43256"/>
+              <a:gd name="connsiteY10" fmla="*/ 26885 h 54891"/>
+              <a:gd name="connsiteX11" fmla="*/ 40386 w 43256"/>
+              <a:gd name="connsiteY11" fmla="*/ 29561 h 54891"/>
+              <a:gd name="connsiteX12" fmla="*/ 38360 w 43256"/>
+              <a:gd name="connsiteY12" fmla="*/ 16957 h 54891"/>
+              <a:gd name="connsiteX13" fmla="*/ 38436 w 43256"/>
+              <a:gd name="connsiteY13" fmla="*/ 18221 h 54891"/>
+              <a:gd name="connsiteX14" fmla="*/ 31222 w 43256"/>
+              <a:gd name="connsiteY14" fmla="*/ 9654 h 54891"/>
+              <a:gd name="connsiteX15" fmla="*/ 31455 w 43256"/>
+              <a:gd name="connsiteY15" fmla="*/ 6548 h 54891"/>
+              <a:gd name="connsiteX16" fmla="*/ 21014 w 43256"/>
+              <a:gd name="connsiteY16" fmla="*/ 3896 h 54891"/>
+              <a:gd name="connsiteX17" fmla="*/ 23525 w 43256"/>
+              <a:gd name="connsiteY17" fmla="*/ 9499 h 54891"/>
+              <a:gd name="connsiteX18" fmla="*/ 24669 w 43256"/>
+              <a:gd name="connsiteY18" fmla="*/ 5893 h 54891"/>
+              <a:gd name="connsiteX19" fmla="*/ 14036 w 43256"/>
+              <a:gd name="connsiteY19" fmla="*/ 16723 h 54891"/>
+              <a:gd name="connsiteX20" fmla="*/ 15336 w 43256"/>
+              <a:gd name="connsiteY20" fmla="*/ 18071 h 54891"/>
+              <a:gd name="connsiteX21" fmla="*/ 4163 w 43256"/>
+              <a:gd name="connsiteY21" fmla="*/ 27320 h 54891"/>
+              <a:gd name="connsiteX22" fmla="*/ 3936 w 43256"/>
+              <a:gd name="connsiteY22" fmla="*/ 25901 h 54891"/>
+              <a:gd name="connsiteX0" fmla="*/ 3936 w 43256"/>
+              <a:gd name="connsiteY0" fmla="*/ 25901 h 54891"/>
+              <a:gd name="connsiteX1" fmla="*/ 5659 w 43256"/>
+              <a:gd name="connsiteY1" fmla="*/ 14253 h 54891"/>
+              <a:gd name="connsiteX2" fmla="*/ 11155 w 43256"/>
+              <a:gd name="connsiteY2" fmla="*/ 10933 h 54891"/>
+              <a:gd name="connsiteX3" fmla="*/ 14041 w 43256"/>
+              <a:gd name="connsiteY3" fmla="*/ 16733 h 54891"/>
+              <a:gd name="connsiteX4" fmla="*/ 14741 w 43256"/>
+              <a:gd name="connsiteY4" fmla="*/ 11730 h 54891"/>
+              <a:gd name="connsiteX5" fmla="*/ 18424 w 43256"/>
+              <a:gd name="connsiteY5" fmla="*/ 3959 h 54891"/>
+              <a:gd name="connsiteX6" fmla="*/ 22710 w 43256"/>
+              <a:gd name="connsiteY6" fmla="*/ 566 h 54891"/>
+              <a:gd name="connsiteX7" fmla="*/ 26869 w 43256"/>
+              <a:gd name="connsiteY7" fmla="*/ 11 h 54891"/>
+              <a:gd name="connsiteX8" fmla="*/ 29371 w 43256"/>
+              <a:gd name="connsiteY8" fmla="*/ 3760 h 54891"/>
+              <a:gd name="connsiteX9" fmla="*/ 32030 w 43256"/>
+              <a:gd name="connsiteY9" fmla="*/ 2253 h 54891"/>
+              <a:gd name="connsiteX10" fmla="*/ 33940 w 43256"/>
+              <a:gd name="connsiteY10" fmla="*/ 2952 h 54891"/>
+              <a:gd name="connsiteX11" fmla="*/ 32394 w 43256"/>
+              <a:gd name="connsiteY11" fmla="*/ 5840 h 54891"/>
+              <a:gd name="connsiteX12" fmla="*/ 36613 w 43256"/>
+              <a:gd name="connsiteY12" fmla="*/ 7637 h 54891"/>
+              <a:gd name="connsiteX13" fmla="*/ 38354 w 43256"/>
+              <a:gd name="connsiteY13" fmla="*/ 17107 h 54891"/>
+              <a:gd name="connsiteX14" fmla="*/ 42018 w 43256"/>
+              <a:gd name="connsiteY14" fmla="*/ 21849 h 54891"/>
+              <a:gd name="connsiteX15" fmla="*/ 41854 w 43256"/>
+              <a:gd name="connsiteY15" fmla="*/ 26991 h 54891"/>
+              <a:gd name="connsiteX16" fmla="*/ 43052 w 43256"/>
+              <a:gd name="connsiteY16" fmla="*/ 34853 h 54891"/>
+              <a:gd name="connsiteX17" fmla="*/ 37440 w 43256"/>
+              <a:gd name="connsiteY17" fmla="*/ 41735 h 54891"/>
+              <a:gd name="connsiteX18" fmla="*/ 35431 w 43256"/>
+              <a:gd name="connsiteY18" fmla="*/ 47632 h 54891"/>
+              <a:gd name="connsiteX19" fmla="*/ 28591 w 43256"/>
+              <a:gd name="connsiteY19" fmla="*/ 48346 h 54891"/>
+              <a:gd name="connsiteX20" fmla="*/ 23703 w 43256"/>
+              <a:gd name="connsiteY20" fmla="*/ 54637 h 54891"/>
+              <a:gd name="connsiteX21" fmla="*/ 16516 w 43256"/>
+              <a:gd name="connsiteY21" fmla="*/ 50797 h 54891"/>
+              <a:gd name="connsiteX22" fmla="*/ 5840 w 43256"/>
+              <a:gd name="connsiteY22" fmla="*/ 47003 h 54891"/>
+              <a:gd name="connsiteX23" fmla="*/ 1146 w 43256"/>
+              <a:gd name="connsiteY23" fmla="*/ 42781 h 54891"/>
+              <a:gd name="connsiteX24" fmla="*/ 2149 w 43256"/>
+              <a:gd name="connsiteY24" fmla="*/ 37082 h 54891"/>
+              <a:gd name="connsiteX25" fmla="*/ 31 w 43256"/>
+              <a:gd name="connsiteY25" fmla="*/ 31235 h 54891"/>
+              <a:gd name="connsiteX26" fmla="*/ 3899 w 43256"/>
+              <a:gd name="connsiteY26" fmla="*/ 26038 h 54891"/>
+              <a:gd name="connsiteX27" fmla="*/ 3936 w 43256"/>
+              <a:gd name="connsiteY27" fmla="*/ 25901 h 54891"/>
+              <a:gd name="connsiteX0" fmla="*/ 4729 w 43256"/>
+              <a:gd name="connsiteY0" fmla="*/ 37708 h 54891"/>
+              <a:gd name="connsiteX1" fmla="*/ 2196 w 43256"/>
+              <a:gd name="connsiteY1" fmla="*/ 36911 h 54891"/>
+              <a:gd name="connsiteX2" fmla="*/ 6964 w 43256"/>
+              <a:gd name="connsiteY2" fmla="*/ 46430 h 54891"/>
+              <a:gd name="connsiteX3" fmla="*/ 5856 w 43256"/>
+              <a:gd name="connsiteY3" fmla="*/ 46811 h 54891"/>
+              <a:gd name="connsiteX4" fmla="*/ 16514 w 43256"/>
+              <a:gd name="connsiteY4" fmla="*/ 50621 h 54891"/>
+              <a:gd name="connsiteX5" fmla="*/ 15846 w 43256"/>
+              <a:gd name="connsiteY5" fmla="*/ 48881 h 54891"/>
+              <a:gd name="connsiteX6" fmla="*/ 28863 w 43256"/>
+              <a:gd name="connsiteY6" fmla="*/ 46282 h 54891"/>
+              <a:gd name="connsiteX7" fmla="*/ 28596 w 43256"/>
+              <a:gd name="connsiteY7" fmla="*/ 48191 h 54891"/>
+              <a:gd name="connsiteX8" fmla="*/ 34165 w 43256"/>
+              <a:gd name="connsiteY8" fmla="*/ 34485 h 54891"/>
+              <a:gd name="connsiteX9" fmla="*/ 37416 w 43256"/>
+              <a:gd name="connsiteY9" fmla="*/ 41621 h 54891"/>
+              <a:gd name="connsiteX10" fmla="*/ 41834 w 43256"/>
+              <a:gd name="connsiteY10" fmla="*/ 26885 h 54891"/>
+              <a:gd name="connsiteX11" fmla="*/ 40386 w 43256"/>
+              <a:gd name="connsiteY11" fmla="*/ 29561 h 54891"/>
+              <a:gd name="connsiteX12" fmla="*/ 38360 w 43256"/>
+              <a:gd name="connsiteY12" fmla="*/ 16957 h 54891"/>
+              <a:gd name="connsiteX13" fmla="*/ 38436 w 43256"/>
+              <a:gd name="connsiteY13" fmla="*/ 18221 h 54891"/>
+              <a:gd name="connsiteX14" fmla="*/ 31222 w 43256"/>
+              <a:gd name="connsiteY14" fmla="*/ 9654 h 54891"/>
+              <a:gd name="connsiteX15" fmla="*/ 31455 w 43256"/>
+              <a:gd name="connsiteY15" fmla="*/ 6548 h 54891"/>
+              <a:gd name="connsiteX16" fmla="*/ 21014 w 43256"/>
+              <a:gd name="connsiteY16" fmla="*/ 3896 h 54891"/>
+              <a:gd name="connsiteX17" fmla="*/ 23525 w 43256"/>
+              <a:gd name="connsiteY17" fmla="*/ 9499 h 54891"/>
+              <a:gd name="connsiteX18" fmla="*/ 20744 w 43256"/>
+              <a:gd name="connsiteY18" fmla="*/ 8284 h 54891"/>
+              <a:gd name="connsiteX19" fmla="*/ 14036 w 43256"/>
+              <a:gd name="connsiteY19" fmla="*/ 16723 h 54891"/>
+              <a:gd name="connsiteX20" fmla="*/ 15336 w 43256"/>
+              <a:gd name="connsiteY20" fmla="*/ 18071 h 54891"/>
+              <a:gd name="connsiteX21" fmla="*/ 4163 w 43256"/>
+              <a:gd name="connsiteY21" fmla="*/ 27320 h 54891"/>
+              <a:gd name="connsiteX22" fmla="*/ 3936 w 43256"/>
+              <a:gd name="connsiteY22" fmla="*/ 25901 h 54891"/>
+              <a:gd name="connsiteX0" fmla="*/ 3936 w 43256"/>
+              <a:gd name="connsiteY0" fmla="*/ 25901 h 54891"/>
+              <a:gd name="connsiteX1" fmla="*/ 5659 w 43256"/>
+              <a:gd name="connsiteY1" fmla="*/ 14253 h 54891"/>
+              <a:gd name="connsiteX2" fmla="*/ 11155 w 43256"/>
+              <a:gd name="connsiteY2" fmla="*/ 10933 h 54891"/>
+              <a:gd name="connsiteX3" fmla="*/ 14041 w 43256"/>
+              <a:gd name="connsiteY3" fmla="*/ 16733 h 54891"/>
+              <a:gd name="connsiteX4" fmla="*/ 14741 w 43256"/>
+              <a:gd name="connsiteY4" fmla="*/ 11730 h 54891"/>
+              <a:gd name="connsiteX5" fmla="*/ 18424 w 43256"/>
+              <a:gd name="connsiteY5" fmla="*/ 3959 h 54891"/>
+              <a:gd name="connsiteX6" fmla="*/ 22710 w 43256"/>
+              <a:gd name="connsiteY6" fmla="*/ 566 h 54891"/>
+              <a:gd name="connsiteX7" fmla="*/ 26869 w 43256"/>
+              <a:gd name="connsiteY7" fmla="*/ 11 h 54891"/>
+              <a:gd name="connsiteX8" fmla="*/ 29371 w 43256"/>
+              <a:gd name="connsiteY8" fmla="*/ 3760 h 54891"/>
+              <a:gd name="connsiteX9" fmla="*/ 32030 w 43256"/>
+              <a:gd name="connsiteY9" fmla="*/ 2253 h 54891"/>
+              <a:gd name="connsiteX10" fmla="*/ 33940 w 43256"/>
+              <a:gd name="connsiteY10" fmla="*/ 2952 h 54891"/>
+              <a:gd name="connsiteX11" fmla="*/ 32394 w 43256"/>
+              <a:gd name="connsiteY11" fmla="*/ 5840 h 54891"/>
+              <a:gd name="connsiteX12" fmla="*/ 36613 w 43256"/>
+              <a:gd name="connsiteY12" fmla="*/ 7637 h 54891"/>
+              <a:gd name="connsiteX13" fmla="*/ 38354 w 43256"/>
+              <a:gd name="connsiteY13" fmla="*/ 17107 h 54891"/>
+              <a:gd name="connsiteX14" fmla="*/ 42018 w 43256"/>
+              <a:gd name="connsiteY14" fmla="*/ 21849 h 54891"/>
+              <a:gd name="connsiteX15" fmla="*/ 41854 w 43256"/>
+              <a:gd name="connsiteY15" fmla="*/ 26991 h 54891"/>
+              <a:gd name="connsiteX16" fmla="*/ 43052 w 43256"/>
+              <a:gd name="connsiteY16" fmla="*/ 34853 h 54891"/>
+              <a:gd name="connsiteX17" fmla="*/ 37440 w 43256"/>
+              <a:gd name="connsiteY17" fmla="*/ 41735 h 54891"/>
+              <a:gd name="connsiteX18" fmla="*/ 35431 w 43256"/>
+              <a:gd name="connsiteY18" fmla="*/ 47632 h 54891"/>
+              <a:gd name="connsiteX19" fmla="*/ 28591 w 43256"/>
+              <a:gd name="connsiteY19" fmla="*/ 48346 h 54891"/>
+              <a:gd name="connsiteX20" fmla="*/ 23703 w 43256"/>
+              <a:gd name="connsiteY20" fmla="*/ 54637 h 54891"/>
+              <a:gd name="connsiteX21" fmla="*/ 16516 w 43256"/>
+              <a:gd name="connsiteY21" fmla="*/ 50797 h 54891"/>
+              <a:gd name="connsiteX22" fmla="*/ 5840 w 43256"/>
+              <a:gd name="connsiteY22" fmla="*/ 47003 h 54891"/>
+              <a:gd name="connsiteX23" fmla="*/ 1146 w 43256"/>
+              <a:gd name="connsiteY23" fmla="*/ 42781 h 54891"/>
+              <a:gd name="connsiteX24" fmla="*/ 2149 w 43256"/>
+              <a:gd name="connsiteY24" fmla="*/ 37082 h 54891"/>
+              <a:gd name="connsiteX25" fmla="*/ 31 w 43256"/>
+              <a:gd name="connsiteY25" fmla="*/ 31235 h 54891"/>
+              <a:gd name="connsiteX26" fmla="*/ 3899 w 43256"/>
+              <a:gd name="connsiteY26" fmla="*/ 26038 h 54891"/>
+              <a:gd name="connsiteX27" fmla="*/ 3936 w 43256"/>
+              <a:gd name="connsiteY27" fmla="*/ 25901 h 54891"/>
+              <a:gd name="connsiteX0" fmla="*/ 4729 w 43256"/>
+              <a:gd name="connsiteY0" fmla="*/ 37708 h 54891"/>
+              <a:gd name="connsiteX1" fmla="*/ 2196 w 43256"/>
+              <a:gd name="connsiteY1" fmla="*/ 36911 h 54891"/>
+              <a:gd name="connsiteX2" fmla="*/ 6964 w 43256"/>
+              <a:gd name="connsiteY2" fmla="*/ 46430 h 54891"/>
+              <a:gd name="connsiteX3" fmla="*/ 5856 w 43256"/>
+              <a:gd name="connsiteY3" fmla="*/ 46811 h 54891"/>
+              <a:gd name="connsiteX4" fmla="*/ 16514 w 43256"/>
+              <a:gd name="connsiteY4" fmla="*/ 50621 h 54891"/>
+              <a:gd name="connsiteX5" fmla="*/ 15846 w 43256"/>
+              <a:gd name="connsiteY5" fmla="*/ 48881 h 54891"/>
+              <a:gd name="connsiteX6" fmla="*/ 28863 w 43256"/>
+              <a:gd name="connsiteY6" fmla="*/ 46282 h 54891"/>
+              <a:gd name="connsiteX7" fmla="*/ 28596 w 43256"/>
+              <a:gd name="connsiteY7" fmla="*/ 48191 h 54891"/>
+              <a:gd name="connsiteX8" fmla="*/ 34165 w 43256"/>
+              <a:gd name="connsiteY8" fmla="*/ 34485 h 54891"/>
+              <a:gd name="connsiteX9" fmla="*/ 37416 w 43256"/>
+              <a:gd name="connsiteY9" fmla="*/ 41621 h 54891"/>
+              <a:gd name="connsiteX10" fmla="*/ 41834 w 43256"/>
+              <a:gd name="connsiteY10" fmla="*/ 26885 h 54891"/>
+              <a:gd name="connsiteX11" fmla="*/ 40386 w 43256"/>
+              <a:gd name="connsiteY11" fmla="*/ 29561 h 54891"/>
+              <a:gd name="connsiteX12" fmla="*/ 38360 w 43256"/>
+              <a:gd name="connsiteY12" fmla="*/ 16957 h 54891"/>
+              <a:gd name="connsiteX13" fmla="*/ 38436 w 43256"/>
+              <a:gd name="connsiteY13" fmla="*/ 18221 h 54891"/>
+              <a:gd name="connsiteX14" fmla="*/ 31222 w 43256"/>
+              <a:gd name="connsiteY14" fmla="*/ 9654 h 54891"/>
+              <a:gd name="connsiteX15" fmla="*/ 31455 w 43256"/>
+              <a:gd name="connsiteY15" fmla="*/ 6548 h 54891"/>
+              <a:gd name="connsiteX16" fmla="*/ 21014 w 43256"/>
+              <a:gd name="connsiteY16" fmla="*/ 3896 h 54891"/>
+              <a:gd name="connsiteX17" fmla="*/ 20763 w 43256"/>
+              <a:gd name="connsiteY17" fmla="*/ 3969 h 54891"/>
+              <a:gd name="connsiteX18" fmla="*/ 20744 w 43256"/>
+              <a:gd name="connsiteY18" fmla="*/ 8284 h 54891"/>
+              <a:gd name="connsiteX19" fmla="*/ 14036 w 43256"/>
+              <a:gd name="connsiteY19" fmla="*/ 16723 h 54891"/>
+              <a:gd name="connsiteX20" fmla="*/ 15336 w 43256"/>
+              <a:gd name="connsiteY20" fmla="*/ 18071 h 54891"/>
+              <a:gd name="connsiteX21" fmla="*/ 4163 w 43256"/>
+              <a:gd name="connsiteY21" fmla="*/ 27320 h 54891"/>
+              <a:gd name="connsiteX22" fmla="*/ 3936 w 43256"/>
+              <a:gd name="connsiteY22" fmla="*/ 25901 h 54891"/>
+              <a:gd name="connsiteX0" fmla="*/ 3936 w 43256"/>
+              <a:gd name="connsiteY0" fmla="*/ 25901 h 54891"/>
+              <a:gd name="connsiteX1" fmla="*/ 5659 w 43256"/>
+              <a:gd name="connsiteY1" fmla="*/ 14253 h 54891"/>
+              <a:gd name="connsiteX2" fmla="*/ 11155 w 43256"/>
+              <a:gd name="connsiteY2" fmla="*/ 10933 h 54891"/>
+              <a:gd name="connsiteX3" fmla="*/ 14041 w 43256"/>
+              <a:gd name="connsiteY3" fmla="*/ 16733 h 54891"/>
+              <a:gd name="connsiteX4" fmla="*/ 14741 w 43256"/>
+              <a:gd name="connsiteY4" fmla="*/ 11730 h 54891"/>
+              <a:gd name="connsiteX5" fmla="*/ 18424 w 43256"/>
+              <a:gd name="connsiteY5" fmla="*/ 3959 h 54891"/>
+              <a:gd name="connsiteX6" fmla="*/ 22710 w 43256"/>
+              <a:gd name="connsiteY6" fmla="*/ 566 h 54891"/>
+              <a:gd name="connsiteX7" fmla="*/ 26869 w 43256"/>
+              <a:gd name="connsiteY7" fmla="*/ 11 h 54891"/>
+              <a:gd name="connsiteX8" fmla="*/ 29371 w 43256"/>
+              <a:gd name="connsiteY8" fmla="*/ 3760 h 54891"/>
+              <a:gd name="connsiteX9" fmla="*/ 32030 w 43256"/>
+              <a:gd name="connsiteY9" fmla="*/ 2253 h 54891"/>
+              <a:gd name="connsiteX10" fmla="*/ 33940 w 43256"/>
+              <a:gd name="connsiteY10" fmla="*/ 2952 h 54891"/>
+              <a:gd name="connsiteX11" fmla="*/ 32394 w 43256"/>
+              <a:gd name="connsiteY11" fmla="*/ 5840 h 54891"/>
+              <a:gd name="connsiteX12" fmla="*/ 36613 w 43256"/>
+              <a:gd name="connsiteY12" fmla="*/ 7637 h 54891"/>
+              <a:gd name="connsiteX13" fmla="*/ 38354 w 43256"/>
+              <a:gd name="connsiteY13" fmla="*/ 17107 h 54891"/>
+              <a:gd name="connsiteX14" fmla="*/ 42018 w 43256"/>
+              <a:gd name="connsiteY14" fmla="*/ 21849 h 54891"/>
+              <a:gd name="connsiteX15" fmla="*/ 41854 w 43256"/>
+              <a:gd name="connsiteY15" fmla="*/ 26991 h 54891"/>
+              <a:gd name="connsiteX16" fmla="*/ 43052 w 43256"/>
+              <a:gd name="connsiteY16" fmla="*/ 34853 h 54891"/>
+              <a:gd name="connsiteX17" fmla="*/ 37440 w 43256"/>
+              <a:gd name="connsiteY17" fmla="*/ 41735 h 54891"/>
+              <a:gd name="connsiteX18" fmla="*/ 35431 w 43256"/>
+              <a:gd name="connsiteY18" fmla="*/ 47632 h 54891"/>
+              <a:gd name="connsiteX19" fmla="*/ 28591 w 43256"/>
+              <a:gd name="connsiteY19" fmla="*/ 48346 h 54891"/>
+              <a:gd name="connsiteX20" fmla="*/ 23703 w 43256"/>
+              <a:gd name="connsiteY20" fmla="*/ 54637 h 54891"/>
+              <a:gd name="connsiteX21" fmla="*/ 16516 w 43256"/>
+              <a:gd name="connsiteY21" fmla="*/ 50797 h 54891"/>
+              <a:gd name="connsiteX22" fmla="*/ 5840 w 43256"/>
+              <a:gd name="connsiteY22" fmla="*/ 47003 h 54891"/>
+              <a:gd name="connsiteX23" fmla="*/ 1146 w 43256"/>
+              <a:gd name="connsiteY23" fmla="*/ 42781 h 54891"/>
+              <a:gd name="connsiteX24" fmla="*/ 2149 w 43256"/>
+              <a:gd name="connsiteY24" fmla="*/ 37082 h 54891"/>
+              <a:gd name="connsiteX25" fmla="*/ 31 w 43256"/>
+              <a:gd name="connsiteY25" fmla="*/ 31235 h 54891"/>
+              <a:gd name="connsiteX26" fmla="*/ 3899 w 43256"/>
+              <a:gd name="connsiteY26" fmla="*/ 26038 h 54891"/>
+              <a:gd name="connsiteX27" fmla="*/ 3936 w 43256"/>
+              <a:gd name="connsiteY27" fmla="*/ 25901 h 54891"/>
+              <a:gd name="connsiteX0" fmla="*/ 4729 w 43256"/>
+              <a:gd name="connsiteY0" fmla="*/ 37708 h 54891"/>
+              <a:gd name="connsiteX1" fmla="*/ 2196 w 43256"/>
+              <a:gd name="connsiteY1" fmla="*/ 36911 h 54891"/>
+              <a:gd name="connsiteX2" fmla="*/ 6964 w 43256"/>
+              <a:gd name="connsiteY2" fmla="*/ 46430 h 54891"/>
+              <a:gd name="connsiteX3" fmla="*/ 5856 w 43256"/>
+              <a:gd name="connsiteY3" fmla="*/ 46811 h 54891"/>
+              <a:gd name="connsiteX4" fmla="*/ 16514 w 43256"/>
+              <a:gd name="connsiteY4" fmla="*/ 50621 h 54891"/>
+              <a:gd name="connsiteX5" fmla="*/ 15846 w 43256"/>
+              <a:gd name="connsiteY5" fmla="*/ 48881 h 54891"/>
+              <a:gd name="connsiteX6" fmla="*/ 28863 w 43256"/>
+              <a:gd name="connsiteY6" fmla="*/ 46282 h 54891"/>
+              <a:gd name="connsiteX7" fmla="*/ 28596 w 43256"/>
+              <a:gd name="connsiteY7" fmla="*/ 48191 h 54891"/>
+              <a:gd name="connsiteX8" fmla="*/ 34165 w 43256"/>
+              <a:gd name="connsiteY8" fmla="*/ 34485 h 54891"/>
+              <a:gd name="connsiteX9" fmla="*/ 37416 w 43256"/>
+              <a:gd name="connsiteY9" fmla="*/ 41621 h 54891"/>
+              <a:gd name="connsiteX10" fmla="*/ 41834 w 43256"/>
+              <a:gd name="connsiteY10" fmla="*/ 26885 h 54891"/>
+              <a:gd name="connsiteX11" fmla="*/ 40386 w 43256"/>
+              <a:gd name="connsiteY11" fmla="*/ 29561 h 54891"/>
+              <a:gd name="connsiteX12" fmla="*/ 38360 w 43256"/>
+              <a:gd name="connsiteY12" fmla="*/ 16957 h 54891"/>
+              <a:gd name="connsiteX13" fmla="*/ 38436 w 43256"/>
+              <a:gd name="connsiteY13" fmla="*/ 18221 h 54891"/>
+              <a:gd name="connsiteX14" fmla="*/ 31222 w 43256"/>
+              <a:gd name="connsiteY14" fmla="*/ 9654 h 54891"/>
+              <a:gd name="connsiteX15" fmla="*/ 31455 w 43256"/>
+              <a:gd name="connsiteY15" fmla="*/ 6548 h 54891"/>
+              <a:gd name="connsiteX16" fmla="*/ 21014 w 43256"/>
+              <a:gd name="connsiteY16" fmla="*/ 3896 h 54891"/>
+              <a:gd name="connsiteX17" fmla="*/ 20763 w 43256"/>
+              <a:gd name="connsiteY17" fmla="*/ 3969 h 54891"/>
+              <a:gd name="connsiteX18" fmla="*/ 19726 w 43256"/>
+              <a:gd name="connsiteY18" fmla="*/ 4099 h 54891"/>
+              <a:gd name="connsiteX19" fmla="*/ 14036 w 43256"/>
+              <a:gd name="connsiteY19" fmla="*/ 16723 h 54891"/>
+              <a:gd name="connsiteX20" fmla="*/ 15336 w 43256"/>
+              <a:gd name="connsiteY20" fmla="*/ 18071 h 54891"/>
+              <a:gd name="connsiteX21" fmla="*/ 4163 w 43256"/>
+              <a:gd name="connsiteY21" fmla="*/ 27320 h 54891"/>
+              <a:gd name="connsiteX22" fmla="*/ 3936 w 43256"/>
+              <a:gd name="connsiteY22" fmla="*/ 25901 h 54891"/>
+              <a:gd name="connsiteX0" fmla="*/ 3936 w 43256"/>
+              <a:gd name="connsiteY0" fmla="*/ 25901 h 54891"/>
+              <a:gd name="connsiteX1" fmla="*/ 5659 w 43256"/>
+              <a:gd name="connsiteY1" fmla="*/ 14253 h 54891"/>
+              <a:gd name="connsiteX2" fmla="*/ 11155 w 43256"/>
+              <a:gd name="connsiteY2" fmla="*/ 10933 h 54891"/>
+              <a:gd name="connsiteX3" fmla="*/ 14041 w 43256"/>
+              <a:gd name="connsiteY3" fmla="*/ 16733 h 54891"/>
+              <a:gd name="connsiteX4" fmla="*/ 14741 w 43256"/>
+              <a:gd name="connsiteY4" fmla="*/ 11730 h 54891"/>
+              <a:gd name="connsiteX5" fmla="*/ 18424 w 43256"/>
+              <a:gd name="connsiteY5" fmla="*/ 3959 h 54891"/>
+              <a:gd name="connsiteX6" fmla="*/ 22710 w 43256"/>
+              <a:gd name="connsiteY6" fmla="*/ 566 h 54891"/>
+              <a:gd name="connsiteX7" fmla="*/ 26869 w 43256"/>
+              <a:gd name="connsiteY7" fmla="*/ 11 h 54891"/>
+              <a:gd name="connsiteX8" fmla="*/ 29371 w 43256"/>
+              <a:gd name="connsiteY8" fmla="*/ 3760 h 54891"/>
+              <a:gd name="connsiteX9" fmla="*/ 32030 w 43256"/>
+              <a:gd name="connsiteY9" fmla="*/ 2253 h 54891"/>
+              <a:gd name="connsiteX10" fmla="*/ 32777 w 43256"/>
+              <a:gd name="connsiteY10" fmla="*/ 3550 h 54891"/>
+              <a:gd name="connsiteX11" fmla="*/ 32394 w 43256"/>
+              <a:gd name="connsiteY11" fmla="*/ 5840 h 54891"/>
+              <a:gd name="connsiteX12" fmla="*/ 36613 w 43256"/>
+              <a:gd name="connsiteY12" fmla="*/ 7637 h 54891"/>
+              <a:gd name="connsiteX13" fmla="*/ 38354 w 43256"/>
+              <a:gd name="connsiteY13" fmla="*/ 17107 h 54891"/>
+              <a:gd name="connsiteX14" fmla="*/ 42018 w 43256"/>
+              <a:gd name="connsiteY14" fmla="*/ 21849 h 54891"/>
+              <a:gd name="connsiteX15" fmla="*/ 41854 w 43256"/>
+              <a:gd name="connsiteY15" fmla="*/ 26991 h 54891"/>
+              <a:gd name="connsiteX16" fmla="*/ 43052 w 43256"/>
+              <a:gd name="connsiteY16" fmla="*/ 34853 h 54891"/>
+              <a:gd name="connsiteX17" fmla="*/ 37440 w 43256"/>
+              <a:gd name="connsiteY17" fmla="*/ 41735 h 54891"/>
+              <a:gd name="connsiteX18" fmla="*/ 35431 w 43256"/>
+              <a:gd name="connsiteY18" fmla="*/ 47632 h 54891"/>
+              <a:gd name="connsiteX19" fmla="*/ 28591 w 43256"/>
+              <a:gd name="connsiteY19" fmla="*/ 48346 h 54891"/>
+              <a:gd name="connsiteX20" fmla="*/ 23703 w 43256"/>
+              <a:gd name="connsiteY20" fmla="*/ 54637 h 54891"/>
+              <a:gd name="connsiteX21" fmla="*/ 16516 w 43256"/>
+              <a:gd name="connsiteY21" fmla="*/ 50797 h 54891"/>
+              <a:gd name="connsiteX22" fmla="*/ 5840 w 43256"/>
+              <a:gd name="connsiteY22" fmla="*/ 47003 h 54891"/>
+              <a:gd name="connsiteX23" fmla="*/ 1146 w 43256"/>
+              <a:gd name="connsiteY23" fmla="*/ 42781 h 54891"/>
+              <a:gd name="connsiteX24" fmla="*/ 2149 w 43256"/>
+              <a:gd name="connsiteY24" fmla="*/ 37082 h 54891"/>
+              <a:gd name="connsiteX25" fmla="*/ 31 w 43256"/>
+              <a:gd name="connsiteY25" fmla="*/ 31235 h 54891"/>
+              <a:gd name="connsiteX26" fmla="*/ 3899 w 43256"/>
+              <a:gd name="connsiteY26" fmla="*/ 26038 h 54891"/>
+              <a:gd name="connsiteX27" fmla="*/ 3936 w 43256"/>
+              <a:gd name="connsiteY27" fmla="*/ 25901 h 54891"/>
+              <a:gd name="connsiteX0" fmla="*/ 4729 w 43256"/>
+              <a:gd name="connsiteY0" fmla="*/ 37708 h 54891"/>
+              <a:gd name="connsiteX1" fmla="*/ 2196 w 43256"/>
+              <a:gd name="connsiteY1" fmla="*/ 36911 h 54891"/>
+              <a:gd name="connsiteX2" fmla="*/ 6964 w 43256"/>
+              <a:gd name="connsiteY2" fmla="*/ 46430 h 54891"/>
+              <a:gd name="connsiteX3" fmla="*/ 5856 w 43256"/>
+              <a:gd name="connsiteY3" fmla="*/ 46811 h 54891"/>
+              <a:gd name="connsiteX4" fmla="*/ 16514 w 43256"/>
+              <a:gd name="connsiteY4" fmla="*/ 50621 h 54891"/>
+              <a:gd name="connsiteX5" fmla="*/ 15846 w 43256"/>
+              <a:gd name="connsiteY5" fmla="*/ 48881 h 54891"/>
+              <a:gd name="connsiteX6" fmla="*/ 28863 w 43256"/>
+              <a:gd name="connsiteY6" fmla="*/ 46282 h 54891"/>
+              <a:gd name="connsiteX7" fmla="*/ 28596 w 43256"/>
+              <a:gd name="connsiteY7" fmla="*/ 48191 h 54891"/>
+              <a:gd name="connsiteX8" fmla="*/ 34165 w 43256"/>
+              <a:gd name="connsiteY8" fmla="*/ 34485 h 54891"/>
+              <a:gd name="connsiteX9" fmla="*/ 37416 w 43256"/>
+              <a:gd name="connsiteY9" fmla="*/ 41621 h 54891"/>
+              <a:gd name="connsiteX10" fmla="*/ 41834 w 43256"/>
+              <a:gd name="connsiteY10" fmla="*/ 26885 h 54891"/>
+              <a:gd name="connsiteX11" fmla="*/ 40386 w 43256"/>
+              <a:gd name="connsiteY11" fmla="*/ 29561 h 54891"/>
+              <a:gd name="connsiteX12" fmla="*/ 38360 w 43256"/>
+              <a:gd name="connsiteY12" fmla="*/ 16957 h 54891"/>
+              <a:gd name="connsiteX13" fmla="*/ 38436 w 43256"/>
+              <a:gd name="connsiteY13" fmla="*/ 18221 h 54891"/>
+              <a:gd name="connsiteX14" fmla="*/ 31222 w 43256"/>
+              <a:gd name="connsiteY14" fmla="*/ 9654 h 54891"/>
+              <a:gd name="connsiteX15" fmla="*/ 31455 w 43256"/>
+              <a:gd name="connsiteY15" fmla="*/ 6548 h 54891"/>
+              <a:gd name="connsiteX16" fmla="*/ 21014 w 43256"/>
+              <a:gd name="connsiteY16" fmla="*/ 3896 h 54891"/>
+              <a:gd name="connsiteX17" fmla="*/ 20763 w 43256"/>
+              <a:gd name="connsiteY17" fmla="*/ 3969 h 54891"/>
+              <a:gd name="connsiteX18" fmla="*/ 19726 w 43256"/>
+              <a:gd name="connsiteY18" fmla="*/ 4099 h 54891"/>
+              <a:gd name="connsiteX19" fmla="*/ 14036 w 43256"/>
+              <a:gd name="connsiteY19" fmla="*/ 16723 h 54891"/>
+              <a:gd name="connsiteX20" fmla="*/ 15336 w 43256"/>
+              <a:gd name="connsiteY20" fmla="*/ 18071 h 54891"/>
+              <a:gd name="connsiteX21" fmla="*/ 4163 w 43256"/>
+              <a:gd name="connsiteY21" fmla="*/ 27320 h 54891"/>
+              <a:gd name="connsiteX22" fmla="*/ 3936 w 43256"/>
+              <a:gd name="connsiteY22" fmla="*/ 25901 h 54891"/>
+              <a:gd name="connsiteX0" fmla="*/ 3936 w 43256"/>
+              <a:gd name="connsiteY0" fmla="*/ 25901 h 54891"/>
+              <a:gd name="connsiteX1" fmla="*/ 5659 w 43256"/>
+              <a:gd name="connsiteY1" fmla="*/ 14253 h 54891"/>
+              <a:gd name="connsiteX2" fmla="*/ 11155 w 43256"/>
+              <a:gd name="connsiteY2" fmla="*/ 10933 h 54891"/>
+              <a:gd name="connsiteX3" fmla="*/ 14041 w 43256"/>
+              <a:gd name="connsiteY3" fmla="*/ 16733 h 54891"/>
+              <a:gd name="connsiteX4" fmla="*/ 14741 w 43256"/>
+              <a:gd name="connsiteY4" fmla="*/ 11730 h 54891"/>
+              <a:gd name="connsiteX5" fmla="*/ 18424 w 43256"/>
+              <a:gd name="connsiteY5" fmla="*/ 3959 h 54891"/>
+              <a:gd name="connsiteX6" fmla="*/ 22710 w 43256"/>
+              <a:gd name="connsiteY6" fmla="*/ 566 h 54891"/>
+              <a:gd name="connsiteX7" fmla="*/ 26869 w 43256"/>
+              <a:gd name="connsiteY7" fmla="*/ 11 h 54891"/>
+              <a:gd name="connsiteX8" fmla="*/ 29371 w 43256"/>
+              <a:gd name="connsiteY8" fmla="*/ 3760 h 54891"/>
+              <a:gd name="connsiteX9" fmla="*/ 32030 w 43256"/>
+              <a:gd name="connsiteY9" fmla="*/ 2253 h 54891"/>
+              <a:gd name="connsiteX10" fmla="*/ 32777 w 43256"/>
+              <a:gd name="connsiteY10" fmla="*/ 3550 h 54891"/>
+              <a:gd name="connsiteX11" fmla="*/ 32394 w 43256"/>
+              <a:gd name="connsiteY11" fmla="*/ 5840 h 54891"/>
+              <a:gd name="connsiteX12" fmla="*/ 36613 w 43256"/>
+              <a:gd name="connsiteY12" fmla="*/ 7637 h 54891"/>
+              <a:gd name="connsiteX13" fmla="*/ 38354 w 43256"/>
+              <a:gd name="connsiteY13" fmla="*/ 17107 h 54891"/>
+              <a:gd name="connsiteX14" fmla="*/ 42018 w 43256"/>
+              <a:gd name="connsiteY14" fmla="*/ 21849 h 54891"/>
+              <a:gd name="connsiteX15" fmla="*/ 41854 w 43256"/>
+              <a:gd name="connsiteY15" fmla="*/ 26991 h 54891"/>
+              <a:gd name="connsiteX16" fmla="*/ 43052 w 43256"/>
+              <a:gd name="connsiteY16" fmla="*/ 34853 h 54891"/>
+              <a:gd name="connsiteX17" fmla="*/ 37440 w 43256"/>
+              <a:gd name="connsiteY17" fmla="*/ 41735 h 54891"/>
+              <a:gd name="connsiteX18" fmla="*/ 35431 w 43256"/>
+              <a:gd name="connsiteY18" fmla="*/ 47632 h 54891"/>
+              <a:gd name="connsiteX19" fmla="*/ 28591 w 43256"/>
+              <a:gd name="connsiteY19" fmla="*/ 48346 h 54891"/>
+              <a:gd name="connsiteX20" fmla="*/ 23703 w 43256"/>
+              <a:gd name="connsiteY20" fmla="*/ 54637 h 54891"/>
+              <a:gd name="connsiteX21" fmla="*/ 16516 w 43256"/>
+              <a:gd name="connsiteY21" fmla="*/ 50797 h 54891"/>
+              <a:gd name="connsiteX22" fmla="*/ 5840 w 43256"/>
+              <a:gd name="connsiteY22" fmla="*/ 47003 h 54891"/>
+              <a:gd name="connsiteX23" fmla="*/ 1146 w 43256"/>
+              <a:gd name="connsiteY23" fmla="*/ 42781 h 54891"/>
+              <a:gd name="connsiteX24" fmla="*/ 2149 w 43256"/>
+              <a:gd name="connsiteY24" fmla="*/ 37082 h 54891"/>
+              <a:gd name="connsiteX25" fmla="*/ 31 w 43256"/>
+              <a:gd name="connsiteY25" fmla="*/ 31235 h 54891"/>
+              <a:gd name="connsiteX26" fmla="*/ 3899 w 43256"/>
+              <a:gd name="connsiteY26" fmla="*/ 26038 h 54891"/>
+              <a:gd name="connsiteX27" fmla="*/ 3936 w 43256"/>
+              <a:gd name="connsiteY27" fmla="*/ 25901 h 54891"/>
+              <a:gd name="connsiteX0" fmla="*/ 4729 w 43256"/>
+              <a:gd name="connsiteY0" fmla="*/ 37708 h 54891"/>
+              <a:gd name="connsiteX1" fmla="*/ 2196 w 43256"/>
+              <a:gd name="connsiteY1" fmla="*/ 36911 h 54891"/>
+              <a:gd name="connsiteX2" fmla="*/ 6964 w 43256"/>
+              <a:gd name="connsiteY2" fmla="*/ 46430 h 54891"/>
+              <a:gd name="connsiteX3" fmla="*/ 5856 w 43256"/>
+              <a:gd name="connsiteY3" fmla="*/ 46811 h 54891"/>
+              <a:gd name="connsiteX4" fmla="*/ 16514 w 43256"/>
+              <a:gd name="connsiteY4" fmla="*/ 50621 h 54891"/>
+              <a:gd name="connsiteX5" fmla="*/ 15846 w 43256"/>
+              <a:gd name="connsiteY5" fmla="*/ 48881 h 54891"/>
+              <a:gd name="connsiteX6" fmla="*/ 28863 w 43256"/>
+              <a:gd name="connsiteY6" fmla="*/ 46282 h 54891"/>
+              <a:gd name="connsiteX7" fmla="*/ 28596 w 43256"/>
+              <a:gd name="connsiteY7" fmla="*/ 48191 h 54891"/>
+              <a:gd name="connsiteX8" fmla="*/ 34165 w 43256"/>
+              <a:gd name="connsiteY8" fmla="*/ 34485 h 54891"/>
+              <a:gd name="connsiteX9" fmla="*/ 37416 w 43256"/>
+              <a:gd name="connsiteY9" fmla="*/ 41621 h 54891"/>
+              <a:gd name="connsiteX10" fmla="*/ 41834 w 43256"/>
+              <a:gd name="connsiteY10" fmla="*/ 26885 h 54891"/>
+              <a:gd name="connsiteX11" fmla="*/ 40386 w 43256"/>
+              <a:gd name="connsiteY11" fmla="*/ 29561 h 54891"/>
+              <a:gd name="connsiteX12" fmla="*/ 38360 w 43256"/>
+              <a:gd name="connsiteY12" fmla="*/ 16957 h 54891"/>
+              <a:gd name="connsiteX13" fmla="*/ 38436 w 43256"/>
+              <a:gd name="connsiteY13" fmla="*/ 18221 h 54891"/>
+              <a:gd name="connsiteX14" fmla="*/ 31876 w 43256"/>
+              <a:gd name="connsiteY14" fmla="*/ 6964 h 54891"/>
+              <a:gd name="connsiteX15" fmla="*/ 31455 w 43256"/>
+              <a:gd name="connsiteY15" fmla="*/ 6548 h 54891"/>
+              <a:gd name="connsiteX16" fmla="*/ 21014 w 43256"/>
+              <a:gd name="connsiteY16" fmla="*/ 3896 h 54891"/>
+              <a:gd name="connsiteX17" fmla="*/ 20763 w 43256"/>
+              <a:gd name="connsiteY17" fmla="*/ 3969 h 54891"/>
+              <a:gd name="connsiteX18" fmla="*/ 19726 w 43256"/>
+              <a:gd name="connsiteY18" fmla="*/ 4099 h 54891"/>
+              <a:gd name="connsiteX19" fmla="*/ 14036 w 43256"/>
+              <a:gd name="connsiteY19" fmla="*/ 16723 h 54891"/>
+              <a:gd name="connsiteX20" fmla="*/ 15336 w 43256"/>
+              <a:gd name="connsiteY20" fmla="*/ 18071 h 54891"/>
+              <a:gd name="connsiteX21" fmla="*/ 4163 w 43256"/>
+              <a:gd name="connsiteY21" fmla="*/ 27320 h 54891"/>
+              <a:gd name="connsiteX22" fmla="*/ 3936 w 43256"/>
+              <a:gd name="connsiteY22" fmla="*/ 25901 h 54891"/>
+              <a:gd name="connsiteX0" fmla="*/ 3936 w 43256"/>
+              <a:gd name="connsiteY0" fmla="*/ 25901 h 54891"/>
+              <a:gd name="connsiteX1" fmla="*/ 5659 w 43256"/>
+              <a:gd name="connsiteY1" fmla="*/ 14253 h 54891"/>
+              <a:gd name="connsiteX2" fmla="*/ 11155 w 43256"/>
+              <a:gd name="connsiteY2" fmla="*/ 12129 h 54891"/>
+              <a:gd name="connsiteX3" fmla="*/ 14041 w 43256"/>
+              <a:gd name="connsiteY3" fmla="*/ 16733 h 54891"/>
+              <a:gd name="connsiteX4" fmla="*/ 14741 w 43256"/>
+              <a:gd name="connsiteY4" fmla="*/ 11730 h 54891"/>
+              <a:gd name="connsiteX5" fmla="*/ 18424 w 43256"/>
+              <a:gd name="connsiteY5" fmla="*/ 3959 h 54891"/>
+              <a:gd name="connsiteX6" fmla="*/ 22710 w 43256"/>
+              <a:gd name="connsiteY6" fmla="*/ 566 h 54891"/>
+              <a:gd name="connsiteX7" fmla="*/ 26869 w 43256"/>
+              <a:gd name="connsiteY7" fmla="*/ 11 h 54891"/>
+              <a:gd name="connsiteX8" fmla="*/ 29371 w 43256"/>
+              <a:gd name="connsiteY8" fmla="*/ 3760 h 54891"/>
+              <a:gd name="connsiteX9" fmla="*/ 32030 w 43256"/>
+              <a:gd name="connsiteY9" fmla="*/ 2253 h 54891"/>
+              <a:gd name="connsiteX10" fmla="*/ 32777 w 43256"/>
+              <a:gd name="connsiteY10" fmla="*/ 3550 h 54891"/>
+              <a:gd name="connsiteX11" fmla="*/ 32394 w 43256"/>
+              <a:gd name="connsiteY11" fmla="*/ 5840 h 54891"/>
+              <a:gd name="connsiteX12" fmla="*/ 36613 w 43256"/>
+              <a:gd name="connsiteY12" fmla="*/ 7637 h 54891"/>
+              <a:gd name="connsiteX13" fmla="*/ 38354 w 43256"/>
+              <a:gd name="connsiteY13" fmla="*/ 17107 h 54891"/>
+              <a:gd name="connsiteX14" fmla="*/ 42018 w 43256"/>
+              <a:gd name="connsiteY14" fmla="*/ 21849 h 54891"/>
+              <a:gd name="connsiteX15" fmla="*/ 41854 w 43256"/>
+              <a:gd name="connsiteY15" fmla="*/ 26991 h 54891"/>
+              <a:gd name="connsiteX16" fmla="*/ 43052 w 43256"/>
+              <a:gd name="connsiteY16" fmla="*/ 34853 h 54891"/>
+              <a:gd name="connsiteX17" fmla="*/ 37440 w 43256"/>
+              <a:gd name="connsiteY17" fmla="*/ 41735 h 54891"/>
+              <a:gd name="connsiteX18" fmla="*/ 35431 w 43256"/>
+              <a:gd name="connsiteY18" fmla="*/ 47632 h 54891"/>
+              <a:gd name="connsiteX19" fmla="*/ 28591 w 43256"/>
+              <a:gd name="connsiteY19" fmla="*/ 48346 h 54891"/>
+              <a:gd name="connsiteX20" fmla="*/ 23703 w 43256"/>
+              <a:gd name="connsiteY20" fmla="*/ 54637 h 54891"/>
+              <a:gd name="connsiteX21" fmla="*/ 16516 w 43256"/>
+              <a:gd name="connsiteY21" fmla="*/ 50797 h 54891"/>
+              <a:gd name="connsiteX22" fmla="*/ 5840 w 43256"/>
+              <a:gd name="connsiteY22" fmla="*/ 47003 h 54891"/>
+              <a:gd name="connsiteX23" fmla="*/ 1146 w 43256"/>
+              <a:gd name="connsiteY23" fmla="*/ 42781 h 54891"/>
+              <a:gd name="connsiteX24" fmla="*/ 2149 w 43256"/>
+              <a:gd name="connsiteY24" fmla="*/ 37082 h 54891"/>
+              <a:gd name="connsiteX25" fmla="*/ 31 w 43256"/>
+              <a:gd name="connsiteY25" fmla="*/ 31235 h 54891"/>
+              <a:gd name="connsiteX26" fmla="*/ 3899 w 43256"/>
+              <a:gd name="connsiteY26" fmla="*/ 26038 h 54891"/>
+              <a:gd name="connsiteX27" fmla="*/ 3936 w 43256"/>
+              <a:gd name="connsiteY27" fmla="*/ 25901 h 54891"/>
+              <a:gd name="connsiteX0" fmla="*/ 4729 w 43256"/>
+              <a:gd name="connsiteY0" fmla="*/ 37708 h 54891"/>
+              <a:gd name="connsiteX1" fmla="*/ 2196 w 43256"/>
+              <a:gd name="connsiteY1" fmla="*/ 36911 h 54891"/>
+              <a:gd name="connsiteX2" fmla="*/ 6964 w 43256"/>
+              <a:gd name="connsiteY2" fmla="*/ 46430 h 54891"/>
+              <a:gd name="connsiteX3" fmla="*/ 5856 w 43256"/>
+              <a:gd name="connsiteY3" fmla="*/ 46811 h 54891"/>
+              <a:gd name="connsiteX4" fmla="*/ 16514 w 43256"/>
+              <a:gd name="connsiteY4" fmla="*/ 50621 h 54891"/>
+              <a:gd name="connsiteX5" fmla="*/ 15846 w 43256"/>
+              <a:gd name="connsiteY5" fmla="*/ 48881 h 54891"/>
+              <a:gd name="connsiteX6" fmla="*/ 28863 w 43256"/>
+              <a:gd name="connsiteY6" fmla="*/ 46282 h 54891"/>
+              <a:gd name="connsiteX7" fmla="*/ 28596 w 43256"/>
+              <a:gd name="connsiteY7" fmla="*/ 48191 h 54891"/>
+              <a:gd name="connsiteX8" fmla="*/ 34165 w 43256"/>
+              <a:gd name="connsiteY8" fmla="*/ 34485 h 54891"/>
+              <a:gd name="connsiteX9" fmla="*/ 37416 w 43256"/>
+              <a:gd name="connsiteY9" fmla="*/ 41621 h 54891"/>
+              <a:gd name="connsiteX10" fmla="*/ 41834 w 43256"/>
+              <a:gd name="connsiteY10" fmla="*/ 26885 h 54891"/>
+              <a:gd name="connsiteX11" fmla="*/ 40386 w 43256"/>
+              <a:gd name="connsiteY11" fmla="*/ 29561 h 54891"/>
+              <a:gd name="connsiteX12" fmla="*/ 38360 w 43256"/>
+              <a:gd name="connsiteY12" fmla="*/ 16957 h 54891"/>
+              <a:gd name="connsiteX13" fmla="*/ 38436 w 43256"/>
+              <a:gd name="connsiteY13" fmla="*/ 18221 h 54891"/>
+              <a:gd name="connsiteX14" fmla="*/ 31876 w 43256"/>
+              <a:gd name="connsiteY14" fmla="*/ 6964 h 54891"/>
+              <a:gd name="connsiteX15" fmla="*/ 31455 w 43256"/>
+              <a:gd name="connsiteY15" fmla="*/ 6548 h 54891"/>
+              <a:gd name="connsiteX16" fmla="*/ 21014 w 43256"/>
+              <a:gd name="connsiteY16" fmla="*/ 3896 h 54891"/>
+              <a:gd name="connsiteX17" fmla="*/ 20763 w 43256"/>
+              <a:gd name="connsiteY17" fmla="*/ 3969 h 54891"/>
+              <a:gd name="connsiteX18" fmla="*/ 19726 w 43256"/>
+              <a:gd name="connsiteY18" fmla="*/ 4099 h 54891"/>
+              <a:gd name="connsiteX19" fmla="*/ 14036 w 43256"/>
+              <a:gd name="connsiteY19" fmla="*/ 16723 h 54891"/>
+              <a:gd name="connsiteX20" fmla="*/ 15336 w 43256"/>
+              <a:gd name="connsiteY20" fmla="*/ 18071 h 54891"/>
+              <a:gd name="connsiteX21" fmla="*/ 4163 w 43256"/>
+              <a:gd name="connsiteY21" fmla="*/ 27320 h 54891"/>
+              <a:gd name="connsiteX22" fmla="*/ 3936 w 43256"/>
+              <a:gd name="connsiteY22" fmla="*/ 25901 h 54891"/>
+              <a:gd name="connsiteX0" fmla="*/ 3936 w 43256"/>
+              <a:gd name="connsiteY0" fmla="*/ 25901 h 54891"/>
+              <a:gd name="connsiteX1" fmla="*/ 6986 w 43256"/>
+              <a:gd name="connsiteY1" fmla="*/ 18637 h 54891"/>
+              <a:gd name="connsiteX2" fmla="*/ 11155 w 43256"/>
+              <a:gd name="connsiteY2" fmla="*/ 12129 h 54891"/>
+              <a:gd name="connsiteX3" fmla="*/ 14041 w 43256"/>
+              <a:gd name="connsiteY3" fmla="*/ 16733 h 54891"/>
+              <a:gd name="connsiteX4" fmla="*/ 14741 w 43256"/>
+              <a:gd name="connsiteY4" fmla="*/ 11730 h 54891"/>
+              <a:gd name="connsiteX5" fmla="*/ 18424 w 43256"/>
+              <a:gd name="connsiteY5" fmla="*/ 3959 h 54891"/>
+              <a:gd name="connsiteX6" fmla="*/ 22710 w 43256"/>
+              <a:gd name="connsiteY6" fmla="*/ 566 h 54891"/>
+              <a:gd name="connsiteX7" fmla="*/ 26869 w 43256"/>
+              <a:gd name="connsiteY7" fmla="*/ 11 h 54891"/>
+              <a:gd name="connsiteX8" fmla="*/ 29371 w 43256"/>
+              <a:gd name="connsiteY8" fmla="*/ 3760 h 54891"/>
+              <a:gd name="connsiteX9" fmla="*/ 32030 w 43256"/>
+              <a:gd name="connsiteY9" fmla="*/ 2253 h 54891"/>
+              <a:gd name="connsiteX10" fmla="*/ 32777 w 43256"/>
+              <a:gd name="connsiteY10" fmla="*/ 3550 h 54891"/>
+              <a:gd name="connsiteX11" fmla="*/ 32394 w 43256"/>
+              <a:gd name="connsiteY11" fmla="*/ 5840 h 54891"/>
+              <a:gd name="connsiteX12" fmla="*/ 36613 w 43256"/>
+              <a:gd name="connsiteY12" fmla="*/ 7637 h 54891"/>
+              <a:gd name="connsiteX13" fmla="*/ 38354 w 43256"/>
+              <a:gd name="connsiteY13" fmla="*/ 17107 h 54891"/>
+              <a:gd name="connsiteX14" fmla="*/ 42018 w 43256"/>
+              <a:gd name="connsiteY14" fmla="*/ 21849 h 54891"/>
+              <a:gd name="connsiteX15" fmla="*/ 41854 w 43256"/>
+              <a:gd name="connsiteY15" fmla="*/ 26991 h 54891"/>
+              <a:gd name="connsiteX16" fmla="*/ 43052 w 43256"/>
+              <a:gd name="connsiteY16" fmla="*/ 34853 h 54891"/>
+              <a:gd name="connsiteX17" fmla="*/ 37440 w 43256"/>
+              <a:gd name="connsiteY17" fmla="*/ 41735 h 54891"/>
+              <a:gd name="connsiteX18" fmla="*/ 35431 w 43256"/>
+              <a:gd name="connsiteY18" fmla="*/ 47632 h 54891"/>
+              <a:gd name="connsiteX19" fmla="*/ 28591 w 43256"/>
+              <a:gd name="connsiteY19" fmla="*/ 48346 h 54891"/>
+              <a:gd name="connsiteX20" fmla="*/ 23703 w 43256"/>
+              <a:gd name="connsiteY20" fmla="*/ 54637 h 54891"/>
+              <a:gd name="connsiteX21" fmla="*/ 16516 w 43256"/>
+              <a:gd name="connsiteY21" fmla="*/ 50797 h 54891"/>
+              <a:gd name="connsiteX22" fmla="*/ 5840 w 43256"/>
+              <a:gd name="connsiteY22" fmla="*/ 47003 h 54891"/>
+              <a:gd name="connsiteX23" fmla="*/ 1146 w 43256"/>
+              <a:gd name="connsiteY23" fmla="*/ 42781 h 54891"/>
+              <a:gd name="connsiteX24" fmla="*/ 2149 w 43256"/>
+              <a:gd name="connsiteY24" fmla="*/ 37082 h 54891"/>
+              <a:gd name="connsiteX25" fmla="*/ 31 w 43256"/>
+              <a:gd name="connsiteY25" fmla="*/ 31235 h 54891"/>
+              <a:gd name="connsiteX26" fmla="*/ 3899 w 43256"/>
+              <a:gd name="connsiteY26" fmla="*/ 26038 h 54891"/>
+              <a:gd name="connsiteX27" fmla="*/ 3936 w 43256"/>
+              <a:gd name="connsiteY27" fmla="*/ 25901 h 54891"/>
+              <a:gd name="connsiteX0" fmla="*/ 4729 w 43256"/>
+              <a:gd name="connsiteY0" fmla="*/ 37708 h 54891"/>
+              <a:gd name="connsiteX1" fmla="*/ 2196 w 43256"/>
+              <a:gd name="connsiteY1" fmla="*/ 36911 h 54891"/>
+              <a:gd name="connsiteX2" fmla="*/ 6964 w 43256"/>
+              <a:gd name="connsiteY2" fmla="*/ 46430 h 54891"/>
+              <a:gd name="connsiteX3" fmla="*/ 5856 w 43256"/>
+              <a:gd name="connsiteY3" fmla="*/ 46811 h 54891"/>
+              <a:gd name="connsiteX4" fmla="*/ 16514 w 43256"/>
+              <a:gd name="connsiteY4" fmla="*/ 50621 h 54891"/>
+              <a:gd name="connsiteX5" fmla="*/ 15846 w 43256"/>
+              <a:gd name="connsiteY5" fmla="*/ 48881 h 54891"/>
+              <a:gd name="connsiteX6" fmla="*/ 28863 w 43256"/>
+              <a:gd name="connsiteY6" fmla="*/ 46282 h 54891"/>
+              <a:gd name="connsiteX7" fmla="*/ 28596 w 43256"/>
+              <a:gd name="connsiteY7" fmla="*/ 48191 h 54891"/>
+              <a:gd name="connsiteX8" fmla="*/ 34165 w 43256"/>
+              <a:gd name="connsiteY8" fmla="*/ 34485 h 54891"/>
+              <a:gd name="connsiteX9" fmla="*/ 37416 w 43256"/>
+              <a:gd name="connsiteY9" fmla="*/ 41621 h 54891"/>
+              <a:gd name="connsiteX10" fmla="*/ 41834 w 43256"/>
+              <a:gd name="connsiteY10" fmla="*/ 26885 h 54891"/>
+              <a:gd name="connsiteX11" fmla="*/ 40386 w 43256"/>
+              <a:gd name="connsiteY11" fmla="*/ 29561 h 54891"/>
+              <a:gd name="connsiteX12" fmla="*/ 38360 w 43256"/>
+              <a:gd name="connsiteY12" fmla="*/ 16957 h 54891"/>
+              <a:gd name="connsiteX13" fmla="*/ 38436 w 43256"/>
+              <a:gd name="connsiteY13" fmla="*/ 18221 h 54891"/>
+              <a:gd name="connsiteX14" fmla="*/ 31876 w 43256"/>
+              <a:gd name="connsiteY14" fmla="*/ 6964 h 54891"/>
+              <a:gd name="connsiteX15" fmla="*/ 31455 w 43256"/>
+              <a:gd name="connsiteY15" fmla="*/ 6548 h 54891"/>
+              <a:gd name="connsiteX16" fmla="*/ 21014 w 43256"/>
+              <a:gd name="connsiteY16" fmla="*/ 3896 h 54891"/>
+              <a:gd name="connsiteX17" fmla="*/ 20763 w 43256"/>
+              <a:gd name="connsiteY17" fmla="*/ 3969 h 54891"/>
+              <a:gd name="connsiteX18" fmla="*/ 19726 w 43256"/>
+              <a:gd name="connsiteY18" fmla="*/ 4099 h 54891"/>
+              <a:gd name="connsiteX19" fmla="*/ 14036 w 43256"/>
+              <a:gd name="connsiteY19" fmla="*/ 16723 h 54891"/>
+              <a:gd name="connsiteX20" fmla="*/ 15336 w 43256"/>
+              <a:gd name="connsiteY20" fmla="*/ 18071 h 54891"/>
+              <a:gd name="connsiteX21" fmla="*/ 4163 w 43256"/>
+              <a:gd name="connsiteY21" fmla="*/ 27320 h 54891"/>
+              <a:gd name="connsiteX22" fmla="*/ 3936 w 43256"/>
+              <a:gd name="connsiteY22" fmla="*/ 25901 h 54891"/>
+            </a:gdLst>
+            <a:ahLst/>
+            <a:cxnLst>
+              <a:cxn ang="0">
+                <a:pos x="connsiteX0" y="connsiteY0"/>
+              </a:cxn>
+              <a:cxn ang="0">
+                <a:pos x="connsiteX1" y="connsiteY1"/>
+              </a:cxn>
+              <a:cxn ang="0">
+                <a:pos x="connsiteX2" y="connsiteY2"/>
+              </a:cxn>
+              <a:cxn ang="0">
+                <a:pos x="connsiteX3" y="connsiteY3"/>
+              </a:cxn>
+              <a:cxn ang="0">
+                <a:pos x="connsiteX4" y="connsiteY4"/>
+              </a:cxn>
+              <a:cxn ang="0">
+                <a:pos x="connsiteX5" y="connsiteY5"/>
+              </a:cxn>
+              <a:cxn ang="0">
+                <a:pos x="connsiteX6" y="connsiteY6"/>
+              </a:cxn>
+              <a:cxn ang="0">
+                <a:pos x="connsiteX7" y="connsiteY7"/>
+              </a:cxn>
+              <a:cxn ang="0">
+                <a:pos x="connsiteX8" y="connsiteY8"/>
+              </a:cxn>
+              <a:cxn ang="0">
+                <a:pos x="connsiteX9" y="connsiteY9"/>
+              </a:cxn>
+              <a:cxn ang="0">
+                <a:pos x="connsiteX10" y="connsiteY10"/>
+              </a:cxn>
+              <a:cxn ang="0">
+                <a:pos x="connsiteX11" y="connsiteY11"/>
+              </a:cxn>
+              <a:cxn ang="0">
+                <a:pos x="connsiteX12" y="connsiteY12"/>
+              </a:cxn>
+              <a:cxn ang="0">
+                <a:pos x="connsiteX13" y="connsiteY13"/>
+              </a:cxn>
+              <a:cxn ang="0">
+                <a:pos x="connsiteX14" y="connsiteY14"/>
+              </a:cxn>
+              <a:cxn ang="0">
+                <a:pos x="connsiteX15" y="connsiteY15"/>
+              </a:cxn>
+              <a:cxn ang="0">
+                <a:pos x="connsiteX16" y="connsiteY16"/>
+              </a:cxn>
+              <a:cxn ang="0">
+                <a:pos x="connsiteX17" y="connsiteY17"/>
+              </a:cxn>
+              <a:cxn ang="0">
+                <a:pos x="connsiteX18" y="connsiteY18"/>
+              </a:cxn>
+              <a:cxn ang="0">
+                <a:pos x="connsiteX19" y="connsiteY19"/>
+              </a:cxn>
+              <a:cxn ang="0">
+                <a:pos x="connsiteX20" y="connsiteY20"/>
+              </a:cxn>
+              <a:cxn ang="0">
+                <a:pos x="connsiteX21" y="connsiteY21"/>
+              </a:cxn>
+              <a:cxn ang="0">
+                <a:pos x="connsiteX22" y="connsiteY22"/>
+              </a:cxn>
+            </a:cxnLst>
+            <a:rect l="l" t="t" r="r" b="b"/>
+            <a:pathLst>
+              <a:path w="43256" h="54891">
+                <a:moveTo>
+                  <a:pt x="3936" y="25901"/>
+                </a:moveTo>
+                <a:cubicBezTo>
+                  <a:pt x="3665" y="23188"/>
+                  <a:pt x="5783" y="20932"/>
+                  <a:pt x="6986" y="18637"/>
+                </a:cubicBezTo>
+                <a:cubicBezTo>
+                  <a:pt x="8189" y="16342"/>
+                  <a:pt x="9758" y="11716"/>
+                  <a:pt x="11155" y="12129"/>
+                </a:cubicBezTo>
+                <a:cubicBezTo>
+                  <a:pt x="12552" y="12542"/>
+                  <a:pt x="13395" y="16002"/>
+                  <a:pt x="14041" y="16733"/>
+                </a:cubicBezTo>
+                <a:cubicBezTo>
+                  <a:pt x="14687" y="17464"/>
+                  <a:pt x="13946" y="13128"/>
+                  <a:pt x="14741" y="11730"/>
+                </a:cubicBezTo>
+                <a:cubicBezTo>
+                  <a:pt x="15536" y="10332"/>
+                  <a:pt x="17181" y="4018"/>
+                  <a:pt x="18424" y="3959"/>
+                </a:cubicBezTo>
+                <a:cubicBezTo>
+                  <a:pt x="19667" y="3900"/>
+                  <a:pt x="21351" y="527"/>
+                  <a:pt x="22710" y="566"/>
+                </a:cubicBezTo>
+                <a:cubicBezTo>
+                  <a:pt x="24069" y="605"/>
+                  <a:pt x="25771" y="251"/>
+                  <a:pt x="26869" y="11"/>
+                </a:cubicBezTo>
+                <a:cubicBezTo>
+                  <a:pt x="27967" y="-229"/>
+                  <a:pt x="28511" y="3386"/>
+                  <a:pt x="29371" y="3760"/>
+                </a:cubicBezTo>
+                <a:cubicBezTo>
+                  <a:pt x="30231" y="4134"/>
+                  <a:pt x="31947" y="544"/>
+                  <a:pt x="32030" y="2253"/>
+                </a:cubicBezTo>
+                <a:cubicBezTo>
+                  <a:pt x="32113" y="3962"/>
+                  <a:pt x="32341" y="3874"/>
+                  <a:pt x="32777" y="3550"/>
+                </a:cubicBezTo>
+                <a:cubicBezTo>
+                  <a:pt x="33213" y="3226"/>
+                  <a:pt x="31270" y="6902"/>
+                  <a:pt x="32394" y="5840"/>
+                </a:cubicBezTo>
+                <a:cubicBezTo>
+                  <a:pt x="33518" y="4778"/>
+                  <a:pt x="35620" y="5759"/>
+                  <a:pt x="36613" y="7637"/>
+                </a:cubicBezTo>
+                <a:cubicBezTo>
+                  <a:pt x="37606" y="9515"/>
+                  <a:pt x="38066" y="14931"/>
+                  <a:pt x="38354" y="17107"/>
+                </a:cubicBezTo>
+                <a:cubicBezTo>
+                  <a:pt x="40082" y="17749"/>
+                  <a:pt x="41458" y="19529"/>
+                  <a:pt x="42018" y="21849"/>
+                </a:cubicBezTo>
+                <a:cubicBezTo>
+                  <a:pt x="42425" y="23533"/>
+                  <a:pt x="42367" y="25362"/>
+                  <a:pt x="41854" y="26991"/>
+                </a:cubicBezTo>
+                <a:cubicBezTo>
+                  <a:pt x="43115" y="29225"/>
+                  <a:pt x="43556" y="32121"/>
+                  <a:pt x="43052" y="34853"/>
+                </a:cubicBezTo>
+                <a:cubicBezTo>
+                  <a:pt x="42382" y="38485"/>
+                  <a:pt x="40164" y="41205"/>
+                  <a:pt x="37440" y="41735"/>
+                </a:cubicBezTo>
+                <a:cubicBezTo>
+                  <a:pt x="37427" y="44002"/>
+                  <a:pt x="36694" y="46152"/>
+                  <a:pt x="35431" y="47632"/>
+                </a:cubicBezTo>
+                <a:cubicBezTo>
+                  <a:pt x="33512" y="49881"/>
+                  <a:pt x="30740" y="50170"/>
+                  <a:pt x="28591" y="48346"/>
+                </a:cubicBezTo>
+                <a:cubicBezTo>
+                  <a:pt x="27896" y="51479"/>
+                  <a:pt x="26035" y="53874"/>
+                  <a:pt x="23703" y="54637"/>
+                </a:cubicBezTo>
+                <a:cubicBezTo>
+                  <a:pt x="20955" y="55536"/>
+                  <a:pt x="18087" y="54004"/>
+                  <a:pt x="16516" y="50797"/>
+                </a:cubicBezTo>
+                <a:cubicBezTo>
+                  <a:pt x="12808" y="53841"/>
+                  <a:pt x="7992" y="52130"/>
+                  <a:pt x="5840" y="47003"/>
+                </a:cubicBezTo>
+                <a:cubicBezTo>
+                  <a:pt x="3726" y="47340"/>
+                  <a:pt x="1741" y="45555"/>
+                  <a:pt x="1146" y="42781"/>
+                </a:cubicBezTo>
+                <a:cubicBezTo>
+                  <a:pt x="715" y="40774"/>
+                  <a:pt x="1096" y="38608"/>
+                  <a:pt x="2149" y="37082"/>
+                </a:cubicBezTo>
+                <a:cubicBezTo>
+                  <a:pt x="655" y="35885"/>
+                  <a:pt x="-177" y="33588"/>
+                  <a:pt x="31" y="31235"/>
+                </a:cubicBezTo>
+                <a:cubicBezTo>
+                  <a:pt x="275" y="28480"/>
+                  <a:pt x="1881" y="26322"/>
+                  <a:pt x="3899" y="26038"/>
+                </a:cubicBezTo>
+                <a:cubicBezTo>
+                  <a:pt x="3911" y="25992"/>
+                  <a:pt x="3924" y="25947"/>
+                  <a:pt x="3936" y="25901"/>
+                </a:cubicBezTo>
+                <a:close/>
+              </a:path>
+              <a:path w="43256" h="54891" fill="none" extrusionOk="0">
+                <a:moveTo>
+                  <a:pt x="4729" y="37708"/>
+                </a:moveTo>
+                <a:cubicBezTo>
+                  <a:pt x="3845" y="37802"/>
+                  <a:pt x="2961" y="37524"/>
+                  <a:pt x="2196" y="36911"/>
+                </a:cubicBezTo>
+                <a:moveTo>
+                  <a:pt x="6964" y="46430"/>
+                </a:moveTo>
+                <a:cubicBezTo>
+                  <a:pt x="6609" y="46623"/>
+                  <a:pt x="6236" y="46751"/>
+                  <a:pt x="5856" y="46811"/>
+                </a:cubicBezTo>
+                <a:moveTo>
+                  <a:pt x="16514" y="50621"/>
+                </a:moveTo>
+                <a:cubicBezTo>
+                  <a:pt x="16247" y="50075"/>
+                  <a:pt x="16023" y="49492"/>
+                  <a:pt x="15846" y="48881"/>
+                </a:cubicBezTo>
+                <a:moveTo>
+                  <a:pt x="28863" y="46282"/>
+                </a:moveTo>
+                <a:cubicBezTo>
+                  <a:pt x="28824" y="46929"/>
+                  <a:pt x="28734" y="47569"/>
+                  <a:pt x="28596" y="48191"/>
+                </a:cubicBezTo>
+                <a:moveTo>
+                  <a:pt x="34165" y="34485"/>
+                </a:moveTo>
+                <a:cubicBezTo>
+                  <a:pt x="36169" y="35813"/>
+                  <a:pt x="37434" y="38589"/>
+                  <a:pt x="37416" y="41621"/>
+                </a:cubicBezTo>
+                <a:moveTo>
+                  <a:pt x="41834" y="26885"/>
+                </a:moveTo>
+                <a:cubicBezTo>
+                  <a:pt x="41509" y="27917"/>
+                  <a:pt x="41014" y="28833"/>
+                  <a:pt x="40386" y="29561"/>
+                </a:cubicBezTo>
+                <a:moveTo>
+                  <a:pt x="38360" y="16957"/>
+                </a:moveTo>
+                <a:cubicBezTo>
+                  <a:pt x="38415" y="17374"/>
+                  <a:pt x="38441" y="17797"/>
+                  <a:pt x="38436" y="18221"/>
+                </a:cubicBezTo>
+                <a:moveTo>
+                  <a:pt x="31876" y="6964"/>
+                </a:moveTo>
+                <a:cubicBezTo>
+                  <a:pt x="32065" y="6381"/>
+                  <a:pt x="31151" y="7034"/>
+                  <a:pt x="31455" y="6548"/>
+                </a:cubicBezTo>
+                <a:moveTo>
+                  <a:pt x="21014" y="3896"/>
+                </a:moveTo>
+                <a:cubicBezTo>
+                  <a:pt x="19830" y="1773"/>
+                  <a:pt x="20202" y="4632"/>
+                  <a:pt x="20763" y="3969"/>
+                </a:cubicBezTo>
+                <a:cubicBezTo>
+                  <a:pt x="21324" y="3306"/>
+                  <a:pt x="21178" y="1500"/>
+                  <a:pt x="19726" y="4099"/>
+                </a:cubicBezTo>
+                <a:moveTo>
+                  <a:pt x="14036" y="16723"/>
+                </a:moveTo>
+                <a:cubicBezTo>
+                  <a:pt x="14508" y="17099"/>
+                  <a:pt x="14944" y="17552"/>
+                  <a:pt x="15336" y="18071"/>
+                </a:cubicBezTo>
+                <a:moveTo>
+                  <a:pt x="4163" y="27320"/>
+                </a:moveTo>
+                <a:cubicBezTo>
+                  <a:pt x="4060" y="26856"/>
+                  <a:pt x="3984" y="26382"/>
+                  <a:pt x="3936" y="25901"/>
+                </a:cubicBezTo>
+              </a:path>
+            </a:pathLst>
+          </a:custGeom>
+          <a:solidFill>
+            <a:srgbClr val="2D2D2F"/>
+          </a:solidFill>
+        </p:spPr>
+        <p:style>
+          <a:lnRef idx="2">
+            <a:schemeClr val="accent1">
+              <a:shade val="15000"/>
+            </a:schemeClr>
+          </a:lnRef>
+          <a:fillRef idx="1">
+            <a:schemeClr val="accent1"/>
+          </a:fillRef>
+          <a:effectRef idx="0">
+            <a:schemeClr val="accent1"/>
+          </a:effectRef>
+          <a:fontRef idx="minor">
+            <a:schemeClr val="lt1"/>
+          </a:fontRef>
+        </p:style>
+        <p:txBody>
+          <a:bodyPr rtlCol="0" anchor="ctr"/>
+          <a:lstStyle/>
+          <a:p>
+            <a:pPr algn="ctr"/>
+            <a:endParaRPr lang="fr-FR"/>
+          </a:p>
+        </p:txBody>
+      </p:sp>
+      <p:sp>
+        <p:nvSpPr>
+          <p:cNvPr id="17" name="Rectangle : coins arrondis 16">
+            <a:extLst>
+              <a:ext uri="{FF2B5EF4-FFF2-40B4-BE49-F238E27FC236}">
+                <a16:creationId xmlns:a16="http://schemas.microsoft.com/office/drawing/2014/main" id="{63F4B222-CE97-E9E1-24EB-1048B60D4F61}"/>
+              </a:ext>
+            </a:extLst>
+          </p:cNvPr>
+          <p:cNvSpPr/>
+          <p:nvPr/>
+        </p:nvSpPr>
+        <p:spPr>
+          <a:xfrm>
+            <a:off x="6924756" y="1668598"/>
+            <a:ext cx="1926771" cy="1909173"/>
+          </a:xfrm>
+          <a:prstGeom prst="roundRect">
+            <a:avLst/>
+          </a:prstGeom>
+        </p:spPr>
+        <p:style>
+          <a:lnRef idx="2">
+            <a:schemeClr val="accent1">
+              <a:shade val="15000"/>
+            </a:schemeClr>
+          </a:lnRef>
+          <a:fillRef idx="1">
+            <a:schemeClr val="accent1"/>
+          </a:fillRef>
+          <a:effectRef idx="0">
+            <a:schemeClr val="accent1"/>
+          </a:effectRef>
+          <a:fontRef idx="minor">
+            <a:schemeClr val="lt1"/>
+          </a:fontRef>
+        </p:style>
+        <p:txBody>
+          <a:bodyPr rtlCol="0" anchor="t"/>
+          <a:lstStyle/>
+          <a:p>
+            <a:pPr algn="ctr"/>
+            <a:r>
+              <a:rPr lang="fr-FR" dirty="0"/>
+              <a:t>END PRODUCT</a:t>
+            </a:r>
+          </a:p>
+        </p:txBody>
+      </p:sp>
+      <p:pic>
+        <p:nvPicPr>
+          <p:cNvPr id="20" name="Image 19">
+            <a:extLst>
+              <a:ext uri="{FF2B5EF4-FFF2-40B4-BE49-F238E27FC236}">
+                <a16:creationId xmlns:a16="http://schemas.microsoft.com/office/drawing/2014/main" id="{08EB9BAC-79F8-9DF1-8CE3-67A20A0080F4}"/>
+              </a:ext>
+            </a:extLst>
+          </p:cNvPr>
+          <p:cNvPicPr>
+            <a:picLocks noChangeAspect="1"/>
+          </p:cNvPicPr>
+          <p:nvPr/>
+        </p:nvPicPr>
+        <p:blipFill>
+          <a:blip r:embed="rId5"/>
+          <a:stretch>
+            <a:fillRect/>
+          </a:stretch>
+        </p:blipFill>
+        <p:spPr>
+          <a:xfrm>
+            <a:off x="7580598" y="2196197"/>
+            <a:ext cx="516104" cy="1106697"/>
+          </a:xfrm>
+          <a:prstGeom prst="rect">
+            <a:avLst/>
+          </a:prstGeom>
+        </p:spPr>
+      </p:pic>
+      <p:sp>
+        <p:nvSpPr>
+          <p:cNvPr id="21" name="ZoneTexte 20">
+            <a:extLst>
+              <a:ext uri="{FF2B5EF4-FFF2-40B4-BE49-F238E27FC236}">
+                <a16:creationId xmlns:a16="http://schemas.microsoft.com/office/drawing/2014/main" id="{81099E06-3DBC-9949-78E8-80955A642C92}"/>
+              </a:ext>
+            </a:extLst>
+          </p:cNvPr>
+          <p:cNvSpPr txBox="1"/>
+          <p:nvPr/>
+        </p:nvSpPr>
+        <p:spPr>
+          <a:xfrm>
+            <a:off x="235707" y="3677325"/>
+            <a:ext cx="1926771" cy="738664"/>
+          </a:xfrm>
+          <a:prstGeom prst="rect">
+            <a:avLst/>
+          </a:prstGeom>
+          <a:noFill/>
+        </p:spPr>
+        <p:txBody>
+          <a:bodyPr wrap="square" rtlCol="0">
+            <a:spAutoFit/>
+          </a:bodyPr>
+          <a:lstStyle/>
+          <a:p>
+            <a:r>
+              <a:rPr lang="fr-FR" dirty="0"/>
+              <a:t>Logs utilisateurs, Streaming temps réel, Métadonnées.</a:t>
+            </a:r>
+          </a:p>
+        </p:txBody>
+      </p:sp>
+      <p:sp>
+        <p:nvSpPr>
+          <p:cNvPr id="22" name="ZoneTexte 21">
+            <a:extLst>
+              <a:ext uri="{FF2B5EF4-FFF2-40B4-BE49-F238E27FC236}">
+                <a16:creationId xmlns:a16="http://schemas.microsoft.com/office/drawing/2014/main" id="{DCC46219-6B66-8E9A-F91D-16CA9113E71E}"/>
+              </a:ext>
+            </a:extLst>
+          </p:cNvPr>
+          <p:cNvSpPr txBox="1"/>
+          <p:nvPr/>
+        </p:nvSpPr>
+        <p:spPr>
+          <a:xfrm>
+            <a:off x="2418795" y="3677325"/>
+            <a:ext cx="1926771" cy="738664"/>
+          </a:xfrm>
+          <a:prstGeom prst="rect">
+            <a:avLst/>
+          </a:prstGeom>
+          <a:noFill/>
+        </p:spPr>
+        <p:txBody>
+          <a:bodyPr wrap="square" rtlCol="0">
+            <a:spAutoFit/>
+          </a:bodyPr>
+          <a:lstStyle/>
+          <a:p>
+            <a:r>
+              <a:rPr lang="fr-FR" dirty="0"/>
+              <a:t>Données brutes haute volumétrie (Historique).</a:t>
+            </a:r>
+          </a:p>
+        </p:txBody>
+      </p:sp>
+      <p:sp>
+        <p:nvSpPr>
+          <p:cNvPr id="23" name="ZoneTexte 22">
+            <a:extLst>
+              <a:ext uri="{FF2B5EF4-FFF2-40B4-BE49-F238E27FC236}">
+                <a16:creationId xmlns:a16="http://schemas.microsoft.com/office/drawing/2014/main" id="{DAC7EFF9-0FFE-036E-CA28-6D9B460E62D3}"/>
+              </a:ext>
+            </a:extLst>
+          </p:cNvPr>
+          <p:cNvSpPr txBox="1"/>
+          <p:nvPr/>
+        </p:nvSpPr>
+        <p:spPr>
+          <a:xfrm>
+            <a:off x="4720622" y="3677325"/>
+            <a:ext cx="1926771" cy="738664"/>
+          </a:xfrm>
+          <a:prstGeom prst="rect">
+            <a:avLst/>
+          </a:prstGeom>
+          <a:noFill/>
+        </p:spPr>
+        <p:txBody>
+          <a:bodyPr wrap="square" rtlCol="0">
+            <a:spAutoFit/>
+          </a:bodyPr>
+          <a:lstStyle/>
+          <a:p>
+            <a:r>
+              <a:rPr lang="fr-FR" dirty="0"/>
+              <a:t>Google Cloud Platform, Calcul distribué, Modèles IA.</a:t>
+            </a:r>
+          </a:p>
+        </p:txBody>
+      </p:sp>
+      <p:sp>
+        <p:nvSpPr>
+          <p:cNvPr id="25" name="ZoneTexte 24">
+            <a:extLst>
+              <a:ext uri="{FF2B5EF4-FFF2-40B4-BE49-F238E27FC236}">
+                <a16:creationId xmlns:a16="http://schemas.microsoft.com/office/drawing/2014/main" id="{3F6ABF67-E2ED-BF0A-9C26-699EAE2C13C1}"/>
+              </a:ext>
+            </a:extLst>
+          </p:cNvPr>
+          <p:cNvSpPr txBox="1"/>
+          <p:nvPr/>
+        </p:nvSpPr>
+        <p:spPr>
+          <a:xfrm>
+            <a:off x="6875264" y="3677325"/>
+            <a:ext cx="1926771" cy="738664"/>
+          </a:xfrm>
+          <a:prstGeom prst="rect">
+            <a:avLst/>
+          </a:prstGeom>
+          <a:noFill/>
+        </p:spPr>
+        <p:txBody>
+          <a:bodyPr wrap="square" rtlCol="0">
+            <a:spAutoFit/>
+          </a:bodyPr>
+          <a:lstStyle/>
+          <a:p>
+            <a:r>
+              <a:rPr lang="fr-FR" dirty="0"/>
+              <a:t>Recommandations personnalisées, Playlists.</a:t>
+            </a:r>
+          </a:p>
+        </p:txBody>
+      </p:sp>
+      <p:sp>
+        <p:nvSpPr>
+          <p:cNvPr id="26" name="Flèche : droite 25">
+            <a:extLst>
+              <a:ext uri="{FF2B5EF4-FFF2-40B4-BE49-F238E27FC236}">
+                <a16:creationId xmlns:a16="http://schemas.microsoft.com/office/drawing/2014/main" id="{9EE3E20C-9DA8-FFEE-B5AF-7E62B3BD941A}"/>
+              </a:ext>
+            </a:extLst>
+          </p:cNvPr>
+          <p:cNvSpPr/>
+          <p:nvPr/>
+        </p:nvSpPr>
+        <p:spPr>
+          <a:xfrm>
+            <a:off x="2162478" y="2553605"/>
+            <a:ext cx="213309" cy="223375"/>
+          </a:xfrm>
+          <a:prstGeom prst="rightArrow">
+            <a:avLst/>
+          </a:prstGeom>
+        </p:spPr>
+        <p:style>
+          <a:lnRef idx="2">
+            <a:schemeClr val="accent1">
+              <a:shade val="15000"/>
+            </a:schemeClr>
+          </a:lnRef>
+          <a:fillRef idx="1">
+            <a:schemeClr val="accent1"/>
+          </a:fillRef>
+          <a:effectRef idx="0">
+            <a:schemeClr val="accent1"/>
+          </a:effectRef>
+          <a:fontRef idx="minor">
+            <a:schemeClr val="lt1"/>
+          </a:fontRef>
+        </p:style>
+        <p:txBody>
+          <a:bodyPr rtlCol="0" anchor="ctr"/>
+          <a:lstStyle/>
+          <a:p>
+            <a:pPr algn="ctr"/>
+            <a:endParaRPr lang="fr-FR"/>
+          </a:p>
+        </p:txBody>
+      </p:sp>
+      <p:sp>
+        <p:nvSpPr>
+          <p:cNvPr id="27" name="Flèche : droite 26">
+            <a:extLst>
+              <a:ext uri="{FF2B5EF4-FFF2-40B4-BE49-F238E27FC236}">
+                <a16:creationId xmlns:a16="http://schemas.microsoft.com/office/drawing/2014/main" id="{9F4356D0-5E8F-5B85-16AE-060D633787CB}"/>
+              </a:ext>
+            </a:extLst>
+          </p:cNvPr>
+          <p:cNvSpPr/>
+          <p:nvPr/>
+        </p:nvSpPr>
+        <p:spPr>
+          <a:xfrm>
+            <a:off x="4415820" y="2542718"/>
+            <a:ext cx="213309" cy="223375"/>
+          </a:xfrm>
+          <a:prstGeom prst="rightArrow">
+            <a:avLst/>
+          </a:prstGeom>
+        </p:spPr>
+        <p:style>
+          <a:lnRef idx="2">
+            <a:schemeClr val="accent1">
+              <a:shade val="15000"/>
+            </a:schemeClr>
+          </a:lnRef>
+          <a:fillRef idx="1">
+            <a:schemeClr val="accent1"/>
+          </a:fillRef>
+          <a:effectRef idx="0">
+            <a:schemeClr val="accent1"/>
+          </a:effectRef>
+          <a:fontRef idx="minor">
+            <a:schemeClr val="lt1"/>
+          </a:fontRef>
+        </p:style>
+        <p:txBody>
+          <a:bodyPr rtlCol="0" anchor="ctr"/>
+          <a:lstStyle/>
+          <a:p>
+            <a:pPr algn="ctr"/>
+            <a:endParaRPr lang="fr-FR"/>
+          </a:p>
+        </p:txBody>
+      </p:sp>
+      <p:sp>
+        <p:nvSpPr>
+          <p:cNvPr id="28" name="Flèche : droite 27">
+            <a:extLst>
+              <a:ext uri="{FF2B5EF4-FFF2-40B4-BE49-F238E27FC236}">
+                <a16:creationId xmlns:a16="http://schemas.microsoft.com/office/drawing/2014/main" id="{BDA76C14-1C50-E9B4-C0E8-99692A572879}"/>
+              </a:ext>
+            </a:extLst>
+          </p:cNvPr>
+          <p:cNvSpPr/>
+          <p:nvPr/>
+        </p:nvSpPr>
+        <p:spPr>
+          <a:xfrm>
+            <a:off x="6669162" y="2542722"/>
+            <a:ext cx="213309" cy="223375"/>
+          </a:xfrm>
+          <a:prstGeom prst="rightArrow">
+            <a:avLst/>
+          </a:prstGeom>
+        </p:spPr>
+        <p:style>
+          <a:lnRef idx="2">
+            <a:schemeClr val="accent1">
+              <a:shade val="15000"/>
+            </a:schemeClr>
+          </a:lnRef>
+          <a:fillRef idx="1">
+            <a:schemeClr val="accent1"/>
+          </a:fillRef>
+          <a:effectRef idx="0">
+            <a:schemeClr val="accent1"/>
+          </a:effectRef>
+          <a:fontRef idx="minor">
+            <a:schemeClr val="lt1"/>
+          </a:fontRef>
+        </p:style>
+        <p:txBody>
+          <a:bodyPr rtlCol="0" anchor="ctr"/>
+          <a:lstStyle/>
+          <a:p>
+            <a:pPr algn="ctr"/>
+            <a:endParaRPr lang="fr-FR"/>
+          </a:p>
+        </p:txBody>
+      </p:sp>
+    </p:spTree>
+    <p:extLst>
+      <p:ext uri="{BB962C8B-B14F-4D97-AF65-F5344CB8AC3E}">
+        <p14:creationId xmlns:p14="http://schemas.microsoft.com/office/powerpoint/2010/main" val="1251456585"/>
+      </p:ext>
+    </p:extLst>
+  </p:cSld>
+  <p:clrMapOvr>
+    <a:masterClrMapping/>
+  </p:clrMapOvr>
+</p:sld>
+</file>
+
+<file path=ppt/slides/slide6.xml><?xml version="1.0" encoding="utf-8"?>
+<p:sld xmlns:a="http://schemas.openxmlformats.org/drawingml/2006/main" xmlns:r="http://schemas.openxmlformats.org/officeDocument/2006/relationships" xmlns:p="http://schemas.openxmlformats.org/presentationml/2006/main">
+  <p:cSld>
+    <p:bg>
+      <p:bgPr>
+        <a:solidFill>
+          <a:srgbClr val="3FDAD2"/>
+        </a:solidFill>
+        <a:effectLst/>
+      </p:bgPr>
+    </p:bg>
+    <p:spTree>
+      <p:nvGrpSpPr>
         <p:cNvPr id="1" name="Shape 93">
           <a:extLst>
             <a:ext uri="{FF2B5EF4-FFF2-40B4-BE49-F238E27FC236}">
@@ -14988,7 +20474,7 @@
 </p:sld>
 </file>
 
-<file path=ppt/slides/slide6.xml><?xml version="1.0" encoding="utf-8"?>
+<file path=ppt/slides/slide7.xml><?xml version="1.0" encoding="utf-8"?>
 <p:sld xmlns:a="http://schemas.openxmlformats.org/drawingml/2006/main" xmlns:r="http://schemas.openxmlformats.org/officeDocument/2006/relationships" xmlns:p="http://schemas.openxmlformats.org/presentationml/2006/main">
   <p:cSld>
     <p:bg>
@@ -16081,7 +21567,7 @@
 </p:sld>
 </file>
 
-<file path=ppt/slides/slide7.xml><?xml version="1.0" encoding="utf-8"?>
+<file path=ppt/slides/slide8.xml><?xml version="1.0" encoding="utf-8"?>
 <p:sld xmlns:a="http://schemas.openxmlformats.org/drawingml/2006/main" xmlns:r="http://schemas.openxmlformats.org/officeDocument/2006/relationships" xmlns:p="http://schemas.openxmlformats.org/presentationml/2006/main">
   <p:cSld>
     <p:bg>
@@ -16703,7 +22189,7 @@
 </p:sld>
 </file>
 
-<file path=ppt/slides/slide8.xml><?xml version="1.0" encoding="utf-8"?>
+<file path=ppt/slides/slide9.xml><?xml version="1.0" encoding="utf-8"?>
 <p:sld xmlns:a="http://schemas.openxmlformats.org/drawingml/2006/main" xmlns:r="http://schemas.openxmlformats.org/officeDocument/2006/relationships" xmlns:p="http://schemas.openxmlformats.org/presentationml/2006/main">
   <p:cSld>
     <p:bg>
@@ -17002,614 +22488,6 @@
     <p:extLst>
       <p:ext uri="{BB962C8B-B14F-4D97-AF65-F5344CB8AC3E}">
         <p14:creationId xmlns:p14="http://schemas.microsoft.com/office/powerpoint/2010/main" val="2364811107"/>
-      </p:ext>
-    </p:extLst>
-  </p:cSld>
-  <p:clrMapOvr>
-    <a:masterClrMapping/>
-  </p:clrMapOvr>
-</p:sld>
-</file>
-
-<file path=ppt/slides/slide9.xml><?xml version="1.0" encoding="utf-8"?>
-<p:sld xmlns:a="http://schemas.openxmlformats.org/drawingml/2006/main" xmlns:r="http://schemas.openxmlformats.org/officeDocument/2006/relationships" xmlns:p="http://schemas.openxmlformats.org/presentationml/2006/main">
-  <p:cSld>
-    <p:bg>
-      <p:bgPr>
-        <a:solidFill>
-          <a:srgbClr val="3FDAD2"/>
-        </a:solidFill>
-        <a:effectLst/>
-      </p:bgPr>
-    </p:bg>
-    <p:spTree>
-      <p:nvGrpSpPr>
-        <p:cNvPr id="1" name="Shape 93">
-          <a:extLst>
-            <a:ext uri="{FF2B5EF4-FFF2-40B4-BE49-F238E27FC236}">
-              <a16:creationId xmlns:a16="http://schemas.microsoft.com/office/drawing/2014/main" id="{57C345A0-647E-7977-678F-7CE109FB9CF9}"/>
-            </a:ext>
-          </a:extLst>
-        </p:cNvPr>
-        <p:cNvGrpSpPr/>
-        <p:nvPr/>
-      </p:nvGrpSpPr>
-      <p:grpSpPr>
-        <a:xfrm>
-          <a:off x="0" y="0"/>
-          <a:ext cx="0" cy="0"/>
-          <a:chOff x="0" y="0"/>
-          <a:chExt cx="0" cy="0"/>
-        </a:xfrm>
-      </p:grpSpPr>
-      <p:pic>
-        <p:nvPicPr>
-          <p:cNvPr id="2" name="Google Shape;56;p13">
-            <a:extLst>
-              <a:ext uri="{FF2B5EF4-FFF2-40B4-BE49-F238E27FC236}">
-                <a16:creationId xmlns:a16="http://schemas.microsoft.com/office/drawing/2014/main" id="{E6BF5565-36E5-9F75-A2AD-0E0DBE77D6F1}"/>
-              </a:ext>
-            </a:extLst>
-          </p:cNvPr>
-          <p:cNvPicPr preferRelativeResize="0"/>
-          <p:nvPr/>
-        </p:nvPicPr>
-        <p:blipFill>
-          <a:blip r:embed="rId3">
-            <a:alphaModFix/>
-          </a:blip>
-          <a:stretch>
-            <a:fillRect/>
-          </a:stretch>
-        </p:blipFill>
-        <p:spPr>
-          <a:xfrm>
-            <a:off x="76200" y="90544"/>
-            <a:ext cx="973275" cy="651050"/>
-          </a:xfrm>
-          <a:prstGeom prst="rect">
-            <a:avLst/>
-          </a:prstGeom>
-          <a:noFill/>
-          <a:ln>
-            <a:noFill/>
-          </a:ln>
-        </p:spPr>
-      </p:pic>
-      <p:sp>
-        <p:nvSpPr>
-          <p:cNvPr id="3" name="ZoneTexte 2">
-            <a:extLst>
-              <a:ext uri="{FF2B5EF4-FFF2-40B4-BE49-F238E27FC236}">
-                <a16:creationId xmlns:a16="http://schemas.microsoft.com/office/drawing/2014/main" id="{0D356A53-4476-CE7E-887F-2105D9DCBD3E}"/>
-              </a:ext>
-            </a:extLst>
-          </p:cNvPr>
-          <p:cNvSpPr txBox="1"/>
-          <p:nvPr/>
-        </p:nvSpPr>
-        <p:spPr>
-          <a:xfrm>
-            <a:off x="1120488" y="0"/>
-            <a:ext cx="7387936" cy="400110"/>
-          </a:xfrm>
-          <a:prstGeom prst="rect">
-            <a:avLst/>
-          </a:prstGeom>
-          <a:noFill/>
-        </p:spPr>
-        <p:txBody>
-          <a:bodyPr wrap="square">
-            <a:spAutoFit/>
-          </a:bodyPr>
-          <a:lstStyle/>
-          <a:p>
-            <a:pPr>
-              <a:buClr>
-                <a:schemeClr val="dk1"/>
-              </a:buClr>
-              <a:buSzPts val="2800"/>
-            </a:pPr>
-            <a:r>
-              <a:rPr lang="fr-FR" sz="2000" dirty="0">
-                <a:solidFill>
-                  <a:schemeClr val="tx1">
-                    <a:lumMod val="65000"/>
-                    <a:lumOff val="35000"/>
-                  </a:schemeClr>
-                </a:solidFill>
-                <a:latin typeface="Aptos" panose="020B0004020202020204" pitchFamily="34" charset="0"/>
-                <a:ea typeface="Inter"/>
-                <a:sym typeface="Inter"/>
-              </a:rPr>
-              <a:t>Partie 2 - </a:t>
-            </a:r>
-            <a:r>
-              <a:rPr lang="fr-FR" sz="2000" dirty="0">
-                <a:solidFill>
-                  <a:schemeClr val="tx1">
-                    <a:lumMod val="65000"/>
-                    <a:lumOff val="35000"/>
-                  </a:schemeClr>
-                </a:solidFill>
-                <a:latin typeface="Aptos" panose="020B0004020202020204" pitchFamily="34" charset="0"/>
-              </a:rPr>
-              <a:t>Mise en place du modèle cible </a:t>
-            </a:r>
-            <a:r>
-              <a:rPr lang="fr-FR" sz="2000" dirty="0">
-                <a:solidFill>
-                  <a:schemeClr val="tx1">
-                    <a:lumMod val="65000"/>
-                    <a:lumOff val="35000"/>
-                  </a:schemeClr>
-                </a:solidFill>
-                <a:latin typeface="Aptos" panose="020B0004020202020204" pitchFamily="34" charset="0"/>
-                <a:ea typeface="Inter"/>
-              </a:rPr>
-              <a:t>: </a:t>
-            </a:r>
-            <a:r>
-              <a:rPr lang="fr-FR" sz="2000" b="1" dirty="0">
-                <a:solidFill>
-                  <a:schemeClr val="tx1">
-                    <a:lumMod val="65000"/>
-                    <a:lumOff val="35000"/>
-                  </a:schemeClr>
-                </a:solidFill>
-                <a:latin typeface="Aptos" panose="020B0004020202020204" pitchFamily="34" charset="0"/>
-                <a:ea typeface="Inter"/>
-              </a:rPr>
-              <a:t>Cadre de Gouvernance</a:t>
-            </a:r>
-            <a:endParaRPr lang="fr-FR" sz="2000" b="1" dirty="0">
-              <a:solidFill>
-                <a:schemeClr val="tx1">
-                  <a:lumMod val="65000"/>
-                  <a:lumOff val="35000"/>
-                </a:schemeClr>
-              </a:solidFill>
-              <a:latin typeface="Aptos" panose="020B0004020202020204" pitchFamily="34" charset="0"/>
-              <a:ea typeface="Inter"/>
-              <a:sym typeface="Inter"/>
-            </a:endParaRPr>
-          </a:p>
-        </p:txBody>
-      </p:sp>
-      <p:pic>
-        <p:nvPicPr>
-          <p:cNvPr id="5" name="Image 4" descr="Une image contenant texte, capture d’écran, logo, cercle&#10;&#10;Le contenu généré par l’IA peut être incorrect.">
-            <a:extLst>
-              <a:ext uri="{FF2B5EF4-FFF2-40B4-BE49-F238E27FC236}">
-                <a16:creationId xmlns:a16="http://schemas.microsoft.com/office/drawing/2014/main" id="{B07F8D7A-75EA-4383-1BA1-0A9C964B514D}"/>
-              </a:ext>
-            </a:extLst>
-          </p:cNvPr>
-          <p:cNvPicPr>
-            <a:picLocks noChangeAspect="1"/>
-          </p:cNvPicPr>
-          <p:nvPr/>
-        </p:nvPicPr>
-        <p:blipFill>
-          <a:blip r:embed="rId4"/>
-          <a:stretch>
-            <a:fillRect/>
-          </a:stretch>
-        </p:blipFill>
-        <p:spPr>
-          <a:xfrm>
-            <a:off x="1633107" y="806890"/>
-            <a:ext cx="2296999" cy="2202440"/>
-          </a:xfrm>
-          <a:prstGeom prst="rect">
-            <a:avLst/>
-          </a:prstGeom>
-        </p:spPr>
-      </p:pic>
-      <p:pic>
-        <p:nvPicPr>
-          <p:cNvPr id="7" name="Image 6" descr="Une image contenant texte, capture d’écran, logo, cercle&#10;&#10;Le contenu généré par l’IA peut être incorrect.">
-            <a:extLst>
-              <a:ext uri="{FF2B5EF4-FFF2-40B4-BE49-F238E27FC236}">
-                <a16:creationId xmlns:a16="http://schemas.microsoft.com/office/drawing/2014/main" id="{F2E4256F-C8DD-606C-E675-A4682748B129}"/>
-              </a:ext>
-            </a:extLst>
-          </p:cNvPr>
-          <p:cNvPicPr>
-            <a:picLocks noChangeAspect="1"/>
-          </p:cNvPicPr>
-          <p:nvPr/>
-        </p:nvPicPr>
-        <p:blipFill>
-          <a:blip r:embed="rId5"/>
-          <a:stretch>
-            <a:fillRect/>
-          </a:stretch>
-        </p:blipFill>
-        <p:spPr>
-          <a:xfrm>
-            <a:off x="5218578" y="806890"/>
-            <a:ext cx="2141833" cy="2202440"/>
-          </a:xfrm>
-          <a:prstGeom prst="rect">
-            <a:avLst/>
-          </a:prstGeom>
-        </p:spPr>
-      </p:pic>
-      <p:sp>
-        <p:nvSpPr>
-          <p:cNvPr id="8" name="Flèche : droite 7">
-            <a:extLst>
-              <a:ext uri="{FF2B5EF4-FFF2-40B4-BE49-F238E27FC236}">
-                <a16:creationId xmlns:a16="http://schemas.microsoft.com/office/drawing/2014/main" id="{F75C49F0-5D90-B67C-7AB6-E7699D9C1AF2}"/>
-              </a:ext>
-            </a:extLst>
-          </p:cNvPr>
-          <p:cNvSpPr/>
-          <p:nvPr/>
-        </p:nvSpPr>
-        <p:spPr>
-          <a:xfrm>
-            <a:off x="4125261" y="1837454"/>
-            <a:ext cx="997835" cy="257522"/>
-          </a:xfrm>
-          <a:prstGeom prst="rightArrow">
-            <a:avLst/>
-          </a:prstGeom>
-        </p:spPr>
-        <p:style>
-          <a:lnRef idx="2">
-            <a:schemeClr val="accent1">
-              <a:shade val="15000"/>
-            </a:schemeClr>
-          </a:lnRef>
-          <a:fillRef idx="1">
-            <a:schemeClr val="accent1"/>
-          </a:fillRef>
-          <a:effectRef idx="0">
-            <a:schemeClr val="accent1"/>
-          </a:effectRef>
-          <a:fontRef idx="minor">
-            <a:schemeClr val="lt1"/>
-          </a:fontRef>
-        </p:style>
-        <p:txBody>
-          <a:bodyPr rtlCol="0" anchor="ctr"/>
-          <a:lstStyle/>
-          <a:p>
-            <a:pPr algn="ctr"/>
-            <a:endParaRPr lang="fr-FR"/>
-          </a:p>
-        </p:txBody>
-      </p:sp>
-      <p:sp>
-        <p:nvSpPr>
-          <p:cNvPr id="10" name="Rectangle 1">
-            <a:extLst>
-              <a:ext uri="{FF2B5EF4-FFF2-40B4-BE49-F238E27FC236}">
-                <a16:creationId xmlns:a16="http://schemas.microsoft.com/office/drawing/2014/main" id="{5E386C6D-274A-E739-F837-37B028ABDA78}"/>
-              </a:ext>
-            </a:extLst>
-          </p:cNvPr>
-          <p:cNvSpPr>
-            <a:spLocks noChangeArrowheads="1"/>
-          </p:cNvSpPr>
-          <p:nvPr/>
-        </p:nvSpPr>
-        <p:spPr bwMode="auto">
-          <a:xfrm>
-            <a:off x="895351" y="3532320"/>
-            <a:ext cx="7613073" cy="1246495"/>
-          </a:xfrm>
-          <a:prstGeom prst="rect">
-            <a:avLst/>
-          </a:prstGeom>
-          <a:noFill/>
-          <a:ln>
-            <a:noFill/>
-          </a:ln>
-          <a:effectLst/>
-          <a:extLst>
-            <a:ext uri="{909E8E84-426E-40DD-AFC4-6F175D3DCCD1}">
-              <a14:hiddenFill xmlns:a14="http://schemas.microsoft.com/office/drawing/2010/main">
-                <a:solidFill>
-                  <a:schemeClr val="accent1"/>
-                </a:solidFill>
-              </a14:hiddenFill>
-            </a:ext>
-            <a:ext uri="{91240B29-F687-4F45-9708-019B960494DF}">
-              <a14:hiddenLine xmlns:a14="http://schemas.microsoft.com/office/drawing/2010/main" w="9525">
-                <a:solidFill>
-                  <a:schemeClr val="tx1"/>
-                </a:solidFill>
-                <a:miter lim="800000"/>
-                <a:headEnd/>
-                <a:tailEnd/>
-              </a14:hiddenLine>
-            </a:ext>
-            <a:ext uri="{AF507438-7753-43E0-B8FC-AC1667EBCBE1}">
-              <a14:hiddenEffects xmlns:a14="http://schemas.microsoft.com/office/drawing/2010/main">
-                <a:effectLst>
-                  <a:outerShdw dist="35921" dir="2700000" algn="ctr" rotWithShape="0">
-                    <a:schemeClr val="bg2"/>
-                  </a:outerShdw>
-                </a:effectLst>
-              </a14:hiddenEffects>
-            </a:ext>
-          </a:extLst>
-        </p:spPr>
-        <p:txBody>
-          <a:bodyPr vert="horz" wrap="square" lIns="91440" tIns="45720" rIns="91440" bIns="45720" numCol="1" anchor="ctr" anchorCtr="0" compatLnSpc="1">
-            <a:prstTxWarp prst="textNoShape">
-              <a:avLst/>
-            </a:prstTxWarp>
-            <a:spAutoFit/>
-          </a:bodyPr>
-          <a:lstStyle/>
-          <a:p>
-            <a:pPr marL="0" marR="0" lvl="0" indent="0" algn="l" defTabSz="914400" rtl="0" eaLnBrk="0" fontAlgn="base" latinLnBrk="0" hangingPunct="0">
-              <a:lnSpc>
-                <a:spcPct val="100000"/>
-              </a:lnSpc>
-              <a:spcBef>
-                <a:spcPct val="0"/>
-              </a:spcBef>
-              <a:spcAft>
-                <a:spcPct val="0"/>
-              </a:spcAft>
-              <a:buClrTx/>
-              <a:buSzTx/>
-              <a:buFontTx/>
-              <a:buChar char="•"/>
-              <a:tabLst/>
-            </a:pPr>
-            <a:r>
-              <a:rPr lang="fr-FR" altLang="fr-FR" sz="1500" b="1" dirty="0">
-                <a:solidFill>
-                  <a:schemeClr val="tx1">
-                    <a:lumMod val="65000"/>
-                    <a:lumOff val="35000"/>
-                  </a:schemeClr>
-                </a:solidFill>
-                <a:latin typeface="Aptos" panose="020B0004020202020204" pitchFamily="34" charset="0"/>
-              </a:rPr>
-              <a:t>Analyser l’existant </a:t>
-            </a:r>
-            <a:r>
-              <a:rPr lang="fr-FR" altLang="fr-FR" sz="1500" dirty="0">
-                <a:solidFill>
-                  <a:schemeClr val="tx1">
-                    <a:lumMod val="65000"/>
-                    <a:lumOff val="35000"/>
-                  </a:schemeClr>
-                </a:solidFill>
-                <a:latin typeface="Aptos" panose="020B0004020202020204" pitchFamily="34" charset="0"/>
-              </a:rPr>
-              <a:t>pour comprendre les limites du modèle </a:t>
-            </a:r>
-            <a:r>
-              <a:rPr lang="fr-FR" altLang="fr-FR" sz="1500" dirty="0" err="1">
-                <a:solidFill>
-                  <a:schemeClr val="tx1">
-                    <a:lumMod val="65000"/>
-                    <a:lumOff val="35000"/>
-                  </a:schemeClr>
-                </a:solidFill>
-                <a:latin typeface="Aptos" panose="020B0004020202020204" pitchFamily="34" charset="0"/>
-              </a:rPr>
-              <a:t>embedded</a:t>
-            </a:r>
-            <a:r>
-              <a:rPr lang="fr-FR" altLang="fr-FR" sz="1500" dirty="0">
-                <a:solidFill>
-                  <a:schemeClr val="tx1">
-                    <a:lumMod val="65000"/>
-                    <a:lumOff val="35000"/>
-                  </a:schemeClr>
-                </a:solidFill>
-                <a:latin typeface="Aptos" panose="020B0004020202020204" pitchFamily="34" charset="0"/>
-              </a:rPr>
-              <a:t>.</a:t>
-            </a:r>
-          </a:p>
-          <a:p>
-            <a:pPr marL="0" marR="0" lvl="0" indent="0" algn="l" defTabSz="914400" rtl="0" eaLnBrk="0" fontAlgn="base" latinLnBrk="0" hangingPunct="0">
-              <a:lnSpc>
-                <a:spcPct val="100000"/>
-              </a:lnSpc>
-              <a:spcBef>
-                <a:spcPct val="0"/>
-              </a:spcBef>
-              <a:spcAft>
-                <a:spcPct val="0"/>
-              </a:spcAft>
-              <a:buClrTx/>
-              <a:buSzTx/>
-              <a:buFontTx/>
-              <a:buChar char="•"/>
-              <a:tabLst/>
-            </a:pPr>
-            <a:r>
-              <a:rPr lang="fr-FR" altLang="fr-FR" sz="1500" b="1" dirty="0">
-                <a:solidFill>
-                  <a:schemeClr val="tx1">
-                    <a:lumMod val="65000"/>
-                    <a:lumOff val="35000"/>
-                  </a:schemeClr>
-                </a:solidFill>
-                <a:latin typeface="Aptos" panose="020B0004020202020204" pitchFamily="34" charset="0"/>
-              </a:rPr>
-              <a:t>Définir des règles communes </a:t>
-            </a:r>
-            <a:r>
-              <a:rPr lang="fr-FR" altLang="fr-FR" sz="1500" dirty="0">
-                <a:solidFill>
-                  <a:schemeClr val="tx1">
-                    <a:lumMod val="65000"/>
-                    <a:lumOff val="35000"/>
-                  </a:schemeClr>
-                </a:solidFill>
-                <a:latin typeface="Aptos" panose="020B0004020202020204" pitchFamily="34" charset="0"/>
-              </a:rPr>
-              <a:t>pour harmoniser les pratiques data.</a:t>
-            </a:r>
-          </a:p>
-          <a:p>
-            <a:pPr marL="0" marR="0" lvl="0" indent="0" algn="l" defTabSz="914400" rtl="0" eaLnBrk="0" fontAlgn="base" latinLnBrk="0" hangingPunct="0">
-              <a:lnSpc>
-                <a:spcPct val="100000"/>
-              </a:lnSpc>
-              <a:spcBef>
-                <a:spcPct val="0"/>
-              </a:spcBef>
-              <a:spcAft>
-                <a:spcPct val="0"/>
-              </a:spcAft>
-              <a:buClrTx/>
-              <a:buSzTx/>
-              <a:buFontTx/>
-              <a:buChar char="•"/>
-              <a:tabLst/>
-            </a:pPr>
-            <a:r>
-              <a:rPr lang="fr-FR" altLang="fr-FR" sz="1500" b="1" dirty="0">
-                <a:solidFill>
-                  <a:schemeClr val="tx1">
-                    <a:lumMod val="65000"/>
-                    <a:lumOff val="35000"/>
-                  </a:schemeClr>
-                </a:solidFill>
-                <a:latin typeface="Aptos" panose="020B0004020202020204" pitchFamily="34" charset="0"/>
-              </a:rPr>
-              <a:t>Créer un Centre d’Excellence data </a:t>
-            </a:r>
-            <a:r>
-              <a:rPr lang="fr-FR" altLang="fr-FR" sz="1500" dirty="0">
-                <a:solidFill>
-                  <a:schemeClr val="tx1">
-                    <a:lumMod val="65000"/>
-                    <a:lumOff val="35000"/>
-                  </a:schemeClr>
-                </a:solidFill>
-                <a:latin typeface="Aptos" panose="020B0004020202020204" pitchFamily="34" charset="0"/>
-              </a:rPr>
-              <a:t>pour structurer méthodes et outils.</a:t>
-            </a:r>
-          </a:p>
-          <a:p>
-            <a:pPr marL="0" marR="0" lvl="0" indent="0" algn="l" defTabSz="914400" rtl="0" eaLnBrk="0" fontAlgn="base" latinLnBrk="0" hangingPunct="0">
-              <a:lnSpc>
-                <a:spcPct val="100000"/>
-              </a:lnSpc>
-              <a:spcBef>
-                <a:spcPct val="0"/>
-              </a:spcBef>
-              <a:spcAft>
-                <a:spcPct val="0"/>
-              </a:spcAft>
-              <a:buClrTx/>
-              <a:buSzTx/>
-              <a:buFontTx/>
-              <a:buChar char="•"/>
-              <a:tabLst/>
-            </a:pPr>
-            <a:r>
-              <a:rPr lang="fr-FR" altLang="fr-FR" sz="1500" b="1" dirty="0">
-                <a:solidFill>
-                  <a:schemeClr val="tx1">
-                    <a:lumMod val="65000"/>
-                    <a:lumOff val="35000"/>
-                  </a:schemeClr>
-                </a:solidFill>
-                <a:latin typeface="Aptos" panose="020B0004020202020204" pitchFamily="34" charset="0"/>
-              </a:rPr>
-              <a:t>Tester le modèle</a:t>
-            </a:r>
-            <a:r>
-              <a:rPr lang="fr-FR" altLang="fr-FR" sz="1500" dirty="0">
-                <a:solidFill>
-                  <a:schemeClr val="tx1">
-                    <a:lumMod val="65000"/>
-                    <a:lumOff val="35000"/>
-                  </a:schemeClr>
-                </a:solidFill>
-                <a:latin typeface="Aptos" panose="020B0004020202020204" pitchFamily="34" charset="0"/>
-              </a:rPr>
-              <a:t> </a:t>
-            </a:r>
-            <a:r>
-              <a:rPr lang="fr-FR" altLang="fr-FR" sz="1500" b="1" dirty="0">
-                <a:solidFill>
-                  <a:schemeClr val="tx1">
-                    <a:lumMod val="65000"/>
-                    <a:lumOff val="35000"/>
-                  </a:schemeClr>
-                </a:solidFill>
-                <a:latin typeface="Aptos" panose="020B0004020202020204" pitchFamily="34" charset="0"/>
-              </a:rPr>
-              <a:t>sur des périmètres clés </a:t>
-            </a:r>
-            <a:r>
-              <a:rPr lang="fr-FR" altLang="fr-FR" sz="1500" dirty="0">
-                <a:solidFill>
-                  <a:schemeClr val="tx1">
-                    <a:lumMod val="65000"/>
-                    <a:lumOff val="35000"/>
-                  </a:schemeClr>
-                </a:solidFill>
-                <a:latin typeface="Aptos" panose="020B0004020202020204" pitchFamily="34" charset="0"/>
-              </a:rPr>
-              <a:t>avant généralisation.</a:t>
-            </a:r>
-          </a:p>
-          <a:p>
-            <a:pPr marL="0" marR="0" lvl="0" indent="0" algn="l" defTabSz="914400" rtl="0" eaLnBrk="0" fontAlgn="base" latinLnBrk="0" hangingPunct="0">
-              <a:lnSpc>
-                <a:spcPct val="100000"/>
-              </a:lnSpc>
-              <a:spcBef>
-                <a:spcPct val="0"/>
-              </a:spcBef>
-              <a:spcAft>
-                <a:spcPct val="0"/>
-              </a:spcAft>
-              <a:buClrTx/>
-              <a:buSzTx/>
-              <a:buFontTx/>
-              <a:buChar char="•"/>
-              <a:tabLst/>
-            </a:pPr>
-            <a:r>
-              <a:rPr lang="fr-FR" altLang="fr-FR" sz="1500" b="1" dirty="0">
-                <a:solidFill>
-                  <a:schemeClr val="tx1">
-                    <a:lumMod val="65000"/>
-                    <a:lumOff val="35000"/>
-                  </a:schemeClr>
-                </a:solidFill>
-                <a:latin typeface="Aptos" panose="020B0004020202020204" pitchFamily="34" charset="0"/>
-              </a:rPr>
-              <a:t>Déployer et piloter </a:t>
-            </a:r>
-            <a:r>
-              <a:rPr lang="fr-FR" altLang="fr-FR" sz="1500" dirty="0">
-                <a:solidFill>
-                  <a:schemeClr val="tx1">
-                    <a:lumMod val="65000"/>
-                    <a:lumOff val="35000"/>
-                  </a:schemeClr>
-                </a:solidFill>
-                <a:latin typeface="Aptos" panose="020B0004020202020204" pitchFamily="34" charset="0"/>
-              </a:rPr>
-              <a:t>dans la durée pour assurer l’adoption.</a:t>
-            </a:r>
-          </a:p>
-        </p:txBody>
-      </p:sp>
-    </p:spTree>
-    <p:extLst>
-      <p:ext uri="{BB962C8B-B14F-4D97-AF65-F5344CB8AC3E}">
-        <p14:creationId xmlns:p14="http://schemas.microsoft.com/office/powerpoint/2010/main" val="1141816633"/>
       </p:ext>
     </p:extLst>
   </p:cSld>
